--- a/04 React Routing, Component Lifecycle Methods.pptx
+++ b/04 React Routing, Component Lifecycle Methods.pptx
@@ -5,7 +5,7 @@
     <p:sldMasterId id="2147483648" r:id="rId1"/>
   </p:sldMasterIdLst>
   <p:notesMasterIdLst>
-    <p:notesMasterId r:id="rId40"/>
+    <p:notesMasterId r:id="rId49"/>
   </p:notesMasterIdLst>
   <p:sldIdLst>
     <p:sldId id="272" r:id="rId2"/>
@@ -17,35 +17,44 @@
     <p:sldId id="369" r:id="rId8"/>
     <p:sldId id="302" r:id="rId9"/>
     <p:sldId id="301" r:id="rId10"/>
-    <p:sldId id="277" r:id="rId11"/>
-    <p:sldId id="306" r:id="rId12"/>
+    <p:sldId id="308" r:id="rId11"/>
+    <p:sldId id="277" r:id="rId12"/>
     <p:sldId id="309" r:id="rId13"/>
-    <p:sldId id="308" r:id="rId14"/>
-    <p:sldId id="414" r:id="rId15"/>
-    <p:sldId id="426" r:id="rId16"/>
-    <p:sldId id="424" r:id="rId17"/>
-    <p:sldId id="423" r:id="rId18"/>
+    <p:sldId id="414" r:id="rId14"/>
+    <p:sldId id="426" r:id="rId15"/>
+    <p:sldId id="424" r:id="rId16"/>
+    <p:sldId id="434" r:id="rId17"/>
+    <p:sldId id="436" r:id="rId18"/>
     <p:sldId id="432" r:id="rId19"/>
-    <p:sldId id="433" r:id="rId20"/>
-    <p:sldId id="364" r:id="rId21"/>
-    <p:sldId id="365" r:id="rId22"/>
-    <p:sldId id="295" r:id="rId23"/>
-    <p:sldId id="363" r:id="rId24"/>
-    <p:sldId id="359" r:id="rId25"/>
-    <p:sldId id="358" r:id="rId26"/>
-    <p:sldId id="361" r:id="rId27"/>
-    <p:sldId id="362" r:id="rId28"/>
-    <p:sldId id="360" r:id="rId29"/>
-    <p:sldId id="296" r:id="rId30"/>
-    <p:sldId id="297" r:id="rId31"/>
-    <p:sldId id="271" r:id="rId32"/>
-    <p:sldId id="401" r:id="rId33"/>
-    <p:sldId id="394" r:id="rId34"/>
-    <p:sldId id="395" r:id="rId35"/>
-    <p:sldId id="328" r:id="rId36"/>
-    <p:sldId id="431" r:id="rId37"/>
-    <p:sldId id="267" r:id="rId38"/>
-    <p:sldId id="268" r:id="rId39"/>
+    <p:sldId id="435" r:id="rId20"/>
+    <p:sldId id="440" r:id="rId21"/>
+    <p:sldId id="423" r:id="rId22"/>
+    <p:sldId id="433" r:id="rId23"/>
+    <p:sldId id="364" r:id="rId24"/>
+    <p:sldId id="365" r:id="rId25"/>
+    <p:sldId id="295" r:id="rId26"/>
+    <p:sldId id="363" r:id="rId27"/>
+    <p:sldId id="359" r:id="rId28"/>
+    <p:sldId id="358" r:id="rId29"/>
+    <p:sldId id="361" r:id="rId30"/>
+    <p:sldId id="362" r:id="rId31"/>
+    <p:sldId id="360" r:id="rId32"/>
+    <p:sldId id="296" r:id="rId33"/>
+    <p:sldId id="297" r:id="rId34"/>
+    <p:sldId id="437" r:id="rId35"/>
+    <p:sldId id="438" r:id="rId36"/>
+    <p:sldId id="439" r:id="rId37"/>
+    <p:sldId id="441" r:id="rId38"/>
+    <p:sldId id="442" r:id="rId39"/>
+    <p:sldId id="443" r:id="rId40"/>
+    <p:sldId id="271" r:id="rId41"/>
+    <p:sldId id="401" r:id="rId42"/>
+    <p:sldId id="394" r:id="rId43"/>
+    <p:sldId id="395" r:id="rId44"/>
+    <p:sldId id="328" r:id="rId45"/>
+    <p:sldId id="431" r:id="rId46"/>
+    <p:sldId id="267" r:id="rId47"/>
+    <p:sldId id="268" r:id="rId48"/>
   </p:sldIdLst>
   <p:sldSz cx="12192000" cy="6858000"/>
   <p:notesSz cx="6858000" cy="9144000"/>
@@ -237,7 +246,7 @@
           <a:p>
             <a:fld id="{B376EE29-1A90-1146-96FE-FD5979F1AFC2}" type="datetimeFigureOut">
               <a:rPr lang="en-US" smtClean="0"/>
-              <a:t>12/11/19</a:t>
+              <a:t>3/16/20</a:t>
             </a:fld>
             <a:endParaRPr lang="en-US"/>
           </a:p>
@@ -643,7 +652,7 @@
             <a:spLocks noGrp="1"/>
           </p:cNvSpPr>
           <p:nvPr>
-            <p:ph type="sldNum" sz="quarter" idx="10"/>
+            <p:ph type="sldNum" sz="quarter" idx="5"/>
           </p:nvPr>
         </p:nvSpPr>
         <p:spPr/>
@@ -653,7 +662,7 @@
           <a:p>
             <a:fld id="{53FFCFF5-268C-450A-90CA-A9303B69089F}" type="slidenum">
               <a:rPr lang="en-US" smtClean="0"/>
-              <a:t>11</a:t>
+              <a:t>10</a:t>
             </a:fld>
             <a:endParaRPr lang="en-US"/>
           </a:p>
@@ -662,7 +671,7 @@
     </p:spTree>
     <p:extLst>
       <p:ext uri="{BB962C8B-B14F-4D97-AF65-F5344CB8AC3E}">
-        <p14:creationId xmlns:p14="http://schemas.microsoft.com/office/powerpoint/2010/main" val="3735341985"/>
+        <p14:creationId xmlns:p14="http://schemas.microsoft.com/office/powerpoint/2010/main" val="3015195367"/>
       </p:ext>
     </p:extLst>
   </p:cSld>
@@ -811,7 +820,7 @@
             <a:spLocks noGrp="1"/>
           </p:cNvSpPr>
           <p:nvPr>
-            <p:ph type="sldNum" sz="quarter" idx="5"/>
+            <p:ph type="sldNum" sz="quarter" idx="10"/>
           </p:nvPr>
         </p:nvSpPr>
         <p:spPr/>
@@ -821,7 +830,7 @@
           <a:p>
             <a:fld id="{53FFCFF5-268C-450A-90CA-A9303B69089F}" type="slidenum">
               <a:rPr lang="en-US" smtClean="0"/>
-              <a:t>13</a:t>
+              <a:t>18</a:t>
             </a:fld>
             <a:endParaRPr lang="en-US"/>
           </a:p>
@@ -830,7 +839,7 @@
     </p:spTree>
     <p:extLst>
       <p:ext uri="{BB962C8B-B14F-4D97-AF65-F5344CB8AC3E}">
-        <p14:creationId xmlns:p14="http://schemas.microsoft.com/office/powerpoint/2010/main" val="3015195367"/>
+        <p14:creationId xmlns:p14="http://schemas.microsoft.com/office/powerpoint/2010/main" val="1564135445"/>
       </p:ext>
     </p:extLst>
   </p:cSld>
@@ -895,7 +904,7 @@
             <a:spLocks noGrp="1"/>
           </p:cNvSpPr>
           <p:nvPr>
-            <p:ph type="sldNum" sz="quarter" idx="10"/>
+            <p:ph type="sldNum" sz="quarter" idx="5"/>
           </p:nvPr>
         </p:nvSpPr>
         <p:spPr/>
@@ -905,7 +914,7 @@
           <a:p>
             <a:fld id="{53FFCFF5-268C-450A-90CA-A9303B69089F}" type="slidenum">
               <a:rPr lang="en-US" smtClean="0"/>
-              <a:t>18</a:t>
+              <a:t>19</a:t>
             </a:fld>
             <a:endParaRPr lang="en-US"/>
           </a:p>
@@ -914,7 +923,7 @@
     </p:spTree>
     <p:extLst>
       <p:ext uri="{BB962C8B-B14F-4D97-AF65-F5344CB8AC3E}">
-        <p14:creationId xmlns:p14="http://schemas.microsoft.com/office/powerpoint/2010/main" val="1564135445"/>
+        <p14:creationId xmlns:p14="http://schemas.microsoft.com/office/powerpoint/2010/main" val="3107448426"/>
       </p:ext>
     </p:extLst>
   </p:cSld>
@@ -989,7 +998,7 @@
           <a:p>
             <a:fld id="{53FFCFF5-268C-450A-90CA-A9303B69089F}" type="slidenum">
               <a:rPr lang="en-US" smtClean="0"/>
-              <a:t>19</a:t>
+              <a:t>22</a:t>
             </a:fld>
             <a:endParaRPr lang="en-US"/>
           </a:p>
@@ -1073,7 +1082,7 @@
           <a:p>
             <a:fld id="{53FFCFF5-268C-450A-90CA-A9303B69089F}" type="slidenum">
               <a:rPr lang="en-US" smtClean="0"/>
-              <a:t>20</a:t>
+              <a:t>23</a:t>
             </a:fld>
             <a:endParaRPr lang="en-US"/>
           </a:p>
@@ -1157,7 +1166,7 @@
           <a:p>
             <a:fld id="{53FFCFF5-268C-450A-90CA-A9303B69089F}" type="slidenum">
               <a:rPr lang="en-US" smtClean="0"/>
-              <a:t>21</a:t>
+              <a:t>24</a:t>
             </a:fld>
             <a:endParaRPr lang="en-US"/>
           </a:p>
@@ -1241,7 +1250,7 @@
           <a:p>
             <a:fld id="{53FFCFF5-268C-450A-90CA-A9303B69089F}" type="slidenum">
               <a:rPr lang="en-US" smtClean="0"/>
-              <a:t>22</a:t>
+              <a:t>25</a:t>
             </a:fld>
             <a:endParaRPr lang="en-US"/>
           </a:p>
@@ -1325,7 +1334,7 @@
           <a:p>
             <a:fld id="{53FFCFF5-268C-450A-90CA-A9303B69089F}" type="slidenum">
               <a:rPr lang="en-US" smtClean="0"/>
-              <a:t>23</a:t>
+              <a:t>26</a:t>
             </a:fld>
             <a:endParaRPr lang="en-US"/>
           </a:p>
@@ -1409,7 +1418,7 @@
           <a:p>
             <a:fld id="{53FFCFF5-268C-450A-90CA-A9303B69089F}" type="slidenum">
               <a:rPr lang="en-US" smtClean="0"/>
-              <a:t>24</a:t>
+              <a:t>27</a:t>
             </a:fld>
             <a:endParaRPr lang="en-US"/>
           </a:p>
@@ -1577,7 +1586,7 @@
           <a:p>
             <a:fld id="{53FFCFF5-268C-450A-90CA-A9303B69089F}" type="slidenum">
               <a:rPr lang="en-US" smtClean="0"/>
-              <a:t>25</a:t>
+              <a:t>28</a:t>
             </a:fld>
             <a:endParaRPr lang="en-US"/>
           </a:p>
@@ -1661,7 +1670,7 @@
           <a:p>
             <a:fld id="{53FFCFF5-268C-450A-90CA-A9303B69089F}" type="slidenum">
               <a:rPr lang="en-US" smtClean="0"/>
-              <a:t>26</a:t>
+              <a:t>29</a:t>
             </a:fld>
             <a:endParaRPr lang="en-US"/>
           </a:p>
@@ -1745,7 +1754,7 @@
           <a:p>
             <a:fld id="{53FFCFF5-268C-450A-90CA-A9303B69089F}" type="slidenum">
               <a:rPr lang="en-US" smtClean="0"/>
-              <a:t>27</a:t>
+              <a:t>30</a:t>
             </a:fld>
             <a:endParaRPr lang="en-US"/>
           </a:p>
@@ -1829,7 +1838,7 @@
           <a:p>
             <a:fld id="{53FFCFF5-268C-450A-90CA-A9303B69089F}" type="slidenum">
               <a:rPr lang="en-US" smtClean="0"/>
-              <a:t>28</a:t>
+              <a:t>31</a:t>
             </a:fld>
             <a:endParaRPr lang="en-US"/>
           </a:p>
@@ -1913,7 +1922,7 @@
           <a:p>
             <a:fld id="{53FFCFF5-268C-450A-90CA-A9303B69089F}" type="slidenum">
               <a:rPr lang="en-US" smtClean="0"/>
-              <a:t>29</a:t>
+              <a:t>32</a:t>
             </a:fld>
             <a:endParaRPr lang="en-US"/>
           </a:p>
@@ -1997,7 +2006,7 @@
           <a:p>
             <a:fld id="{53FFCFF5-268C-450A-90CA-A9303B69089F}" type="slidenum">
               <a:rPr lang="en-US" smtClean="0"/>
-              <a:t>30</a:t>
+              <a:t>33</a:t>
             </a:fld>
             <a:endParaRPr lang="en-US"/>
           </a:p>
@@ -2081,16 +2090,16 @@
           <a:p>
             <a:fld id="{53FFCFF5-268C-450A-90CA-A9303B69089F}" type="slidenum">
               <a:rPr lang="en-US" smtClean="0"/>
-              <a:t>32</a:t>
+              <a:t>34</a:t>
             </a:fld>
-            <a:endParaRPr lang="en-US" dirty="0"/>
+            <a:endParaRPr lang="en-US"/>
           </a:p>
         </p:txBody>
       </p:sp>
     </p:spTree>
     <p:extLst>
       <p:ext uri="{BB962C8B-B14F-4D97-AF65-F5344CB8AC3E}">
-        <p14:creationId xmlns:p14="http://schemas.microsoft.com/office/powerpoint/2010/main" val="3200499864"/>
+        <p14:creationId xmlns:p14="http://schemas.microsoft.com/office/powerpoint/2010/main" val="657937958"/>
       </p:ext>
     </p:extLst>
   </p:cSld>
@@ -2165,7 +2174,7 @@
           <a:p>
             <a:fld id="{53FFCFF5-268C-450A-90CA-A9303B69089F}" type="slidenum">
               <a:rPr lang="en-US" smtClean="0"/>
-              <a:t>33</a:t>
+              <a:t>41</a:t>
             </a:fld>
             <a:endParaRPr lang="en-US" dirty="0"/>
           </a:p>
@@ -2174,7 +2183,7 @@
     </p:spTree>
     <p:extLst>
       <p:ext uri="{BB962C8B-B14F-4D97-AF65-F5344CB8AC3E}">
-        <p14:creationId xmlns:p14="http://schemas.microsoft.com/office/powerpoint/2010/main" val="1702342920"/>
+        <p14:creationId xmlns:p14="http://schemas.microsoft.com/office/powerpoint/2010/main" val="3200499864"/>
       </p:ext>
     </p:extLst>
   </p:cSld>
@@ -2249,7 +2258,7 @@
           <a:p>
             <a:fld id="{53FFCFF5-268C-450A-90CA-A9303B69089F}" type="slidenum">
               <a:rPr lang="en-US" smtClean="0"/>
-              <a:t>34</a:t>
+              <a:t>42</a:t>
             </a:fld>
             <a:endParaRPr lang="en-US" dirty="0"/>
           </a:p>
@@ -2258,7 +2267,7 @@
     </p:spTree>
     <p:extLst>
       <p:ext uri="{BB962C8B-B14F-4D97-AF65-F5344CB8AC3E}">
-        <p14:creationId xmlns:p14="http://schemas.microsoft.com/office/powerpoint/2010/main" val="1372988459"/>
+        <p14:creationId xmlns:p14="http://schemas.microsoft.com/office/powerpoint/2010/main" val="1702342920"/>
       </p:ext>
     </p:extLst>
   </p:cSld>
@@ -2333,16 +2342,16 @@
           <a:p>
             <a:fld id="{53FFCFF5-268C-450A-90CA-A9303B69089F}" type="slidenum">
               <a:rPr lang="en-US" smtClean="0"/>
-              <a:t>36</a:t>
+              <a:t>43</a:t>
             </a:fld>
-            <a:endParaRPr lang="en-US"/>
+            <a:endParaRPr lang="en-US" dirty="0"/>
           </a:p>
         </p:txBody>
       </p:sp>
     </p:spTree>
     <p:extLst>
       <p:ext uri="{BB962C8B-B14F-4D97-AF65-F5344CB8AC3E}">
-        <p14:creationId xmlns:p14="http://schemas.microsoft.com/office/powerpoint/2010/main" val="306943041"/>
+        <p14:creationId xmlns:p14="http://schemas.microsoft.com/office/powerpoint/2010/main" val="1372988459"/>
       </p:ext>
     </p:extLst>
   </p:cSld>
@@ -2501,7 +2510,91 @@
           <a:p>
             <a:fld id="{53FFCFF5-268C-450A-90CA-A9303B69089F}" type="slidenum">
               <a:rPr lang="en-US" smtClean="0"/>
-              <a:t>38</a:t>
+              <a:t>45</a:t>
+            </a:fld>
+            <a:endParaRPr lang="en-US"/>
+          </a:p>
+        </p:txBody>
+      </p:sp>
+    </p:spTree>
+    <p:extLst>
+      <p:ext uri="{BB962C8B-B14F-4D97-AF65-F5344CB8AC3E}">
+        <p14:creationId xmlns:p14="http://schemas.microsoft.com/office/powerpoint/2010/main" val="306943041"/>
+      </p:ext>
+    </p:extLst>
+  </p:cSld>
+  <p:clrMapOvr>
+    <a:masterClrMapping/>
+  </p:clrMapOvr>
+</p:notes>
+</file>
+
+<file path=ppt/notesSlides/notesSlide31.xml><?xml version="1.0" encoding="utf-8"?>
+<p:notes xmlns:a="http://schemas.openxmlformats.org/drawingml/2006/main" xmlns:r="http://schemas.openxmlformats.org/officeDocument/2006/relationships" xmlns:p="http://schemas.openxmlformats.org/presentationml/2006/main">
+  <p:cSld>
+    <p:spTree>
+      <p:nvGrpSpPr>
+        <p:cNvPr id="1" name=""/>
+        <p:cNvGrpSpPr/>
+        <p:nvPr/>
+      </p:nvGrpSpPr>
+      <p:grpSpPr>
+        <a:xfrm>
+          <a:off x="0" y="0"/>
+          <a:ext cx="0" cy="0"/>
+          <a:chOff x="0" y="0"/>
+          <a:chExt cx="0" cy="0"/>
+        </a:xfrm>
+      </p:grpSpPr>
+      <p:sp>
+        <p:nvSpPr>
+          <p:cNvPr id="2" name="Slide Image Placeholder 1"/>
+          <p:cNvSpPr>
+            <a:spLocks noGrp="1" noRot="1" noChangeAspect="1"/>
+          </p:cNvSpPr>
+          <p:nvPr>
+            <p:ph type="sldImg"/>
+          </p:nvPr>
+        </p:nvSpPr>
+        <p:spPr/>
+      </p:sp>
+      <p:sp>
+        <p:nvSpPr>
+          <p:cNvPr id="3" name="Notes Placeholder 2"/>
+          <p:cNvSpPr>
+            <a:spLocks noGrp="1"/>
+          </p:cNvSpPr>
+          <p:nvPr>
+            <p:ph type="body" idx="1"/>
+          </p:nvPr>
+        </p:nvSpPr>
+        <p:spPr/>
+        <p:txBody>
+          <a:bodyPr/>
+          <a:lstStyle/>
+          <a:p>
+            <a:endParaRPr lang="en-US" dirty="0"/>
+          </a:p>
+        </p:txBody>
+      </p:sp>
+      <p:sp>
+        <p:nvSpPr>
+          <p:cNvPr id="4" name="Slide Number Placeholder 3"/>
+          <p:cNvSpPr>
+            <a:spLocks noGrp="1"/>
+          </p:cNvSpPr>
+          <p:nvPr>
+            <p:ph type="sldNum" sz="quarter" idx="10"/>
+          </p:nvPr>
+        </p:nvSpPr>
+        <p:spPr/>
+        <p:txBody>
+          <a:bodyPr/>
+          <a:lstStyle/>
+          <a:p>
+            <a:fld id="{53FFCFF5-268C-450A-90CA-A9303B69089F}" type="slidenum">
+              <a:rPr lang="en-US" smtClean="0"/>
+              <a:t>47</a:t>
             </a:fld>
             <a:endParaRPr lang="en-US"/>
           </a:p>
@@ -3176,7 +3269,7 @@
           <a:p>
             <a:fld id="{FAC8553D-62A4-B94A-B303-E17560B89933}" type="datetimeFigureOut">
               <a:rPr lang="en-US" smtClean="0"/>
-              <a:t>12/11/19</a:t>
+              <a:t>3/16/20</a:t>
             </a:fld>
             <a:endParaRPr lang="en-US"/>
           </a:p>
@@ -3374,7 +3467,7 @@
           <a:p>
             <a:fld id="{FAC8553D-62A4-B94A-B303-E17560B89933}" type="datetimeFigureOut">
               <a:rPr lang="en-US" smtClean="0"/>
-              <a:t>12/11/19</a:t>
+              <a:t>3/16/20</a:t>
             </a:fld>
             <a:endParaRPr lang="en-US"/>
           </a:p>
@@ -3582,7 +3675,7 @@
           <a:p>
             <a:fld id="{FAC8553D-62A4-B94A-B303-E17560B89933}" type="datetimeFigureOut">
               <a:rPr lang="en-US" smtClean="0"/>
-              <a:t>12/11/19</a:t>
+              <a:t>3/16/20</a:t>
             </a:fld>
             <a:endParaRPr lang="en-US"/>
           </a:p>
@@ -6214,7 +6307,7 @@
           <a:p>
             <a:fld id="{FAC8553D-62A4-B94A-B303-E17560B89933}" type="datetimeFigureOut">
               <a:rPr lang="en-US" smtClean="0"/>
-              <a:t>12/11/19</a:t>
+              <a:t>3/16/20</a:t>
             </a:fld>
             <a:endParaRPr lang="en-US"/>
           </a:p>
@@ -6955,7 +7048,7 @@
           <a:p>
             <a:fld id="{FAC8553D-62A4-B94A-B303-E17560B89933}" type="datetimeFigureOut">
               <a:rPr lang="en-US" smtClean="0"/>
-              <a:t>12/11/19</a:t>
+              <a:t>3/16/20</a:t>
             </a:fld>
             <a:endParaRPr lang="en-US"/>
           </a:p>
@@ -7220,7 +7313,7 @@
           <a:p>
             <a:fld id="{FAC8553D-62A4-B94A-B303-E17560B89933}" type="datetimeFigureOut">
               <a:rPr lang="en-US" smtClean="0"/>
-              <a:t>12/11/19</a:t>
+              <a:t>3/16/20</a:t>
             </a:fld>
             <a:endParaRPr lang="en-US"/>
           </a:p>
@@ -7632,7 +7725,7 @@
           <a:p>
             <a:fld id="{FAC8553D-62A4-B94A-B303-E17560B89933}" type="datetimeFigureOut">
               <a:rPr lang="en-US" smtClean="0"/>
-              <a:t>12/11/19</a:t>
+              <a:t>3/16/20</a:t>
             </a:fld>
             <a:endParaRPr lang="en-US"/>
           </a:p>
@@ -7773,7 +7866,7 @@
           <a:p>
             <a:fld id="{FAC8553D-62A4-B94A-B303-E17560B89933}" type="datetimeFigureOut">
               <a:rPr lang="en-US" smtClean="0"/>
-              <a:t>12/11/19</a:t>
+              <a:t>3/16/20</a:t>
             </a:fld>
             <a:endParaRPr lang="en-US"/>
           </a:p>
@@ -7886,7 +7979,7 @@
           <a:p>
             <a:fld id="{FAC8553D-62A4-B94A-B303-E17560B89933}" type="datetimeFigureOut">
               <a:rPr lang="en-US" smtClean="0"/>
-              <a:t>12/11/19</a:t>
+              <a:t>3/16/20</a:t>
             </a:fld>
             <a:endParaRPr lang="en-US"/>
           </a:p>
@@ -8197,7 +8290,7 @@
           <a:p>
             <a:fld id="{FAC8553D-62A4-B94A-B303-E17560B89933}" type="datetimeFigureOut">
               <a:rPr lang="en-US" smtClean="0"/>
-              <a:t>12/11/19</a:t>
+              <a:t>3/16/20</a:t>
             </a:fld>
             <a:endParaRPr lang="en-US"/>
           </a:p>
@@ -8485,7 +8578,7 @@
           <a:p>
             <a:fld id="{FAC8553D-62A4-B94A-B303-E17560B89933}" type="datetimeFigureOut">
               <a:rPr lang="en-US" smtClean="0"/>
-              <a:t>12/11/19</a:t>
+              <a:t>3/16/20</a:t>
             </a:fld>
             <a:endParaRPr lang="en-US"/>
           </a:p>
@@ -8738,7 +8831,7 @@
           <a:p>
             <a:fld id="{FAC8553D-62A4-B94A-B303-E17560B89933}" type="datetimeFigureOut">
               <a:rPr lang="en-US" smtClean="0"/>
-              <a:t>12/11/19</a:t>
+              <a:t>3/16/20</a:t>
             </a:fld>
             <a:endParaRPr lang="en-US"/>
           </a:p>
@@ -9322,6 +9415,38 @@
       <p:sp>
         <p:nvSpPr>
           <p:cNvPr id="4" name="Title 1"/>
+          <p:cNvSpPr>
+            <a:spLocks noGrp="1"/>
+          </p:cNvSpPr>
+          <p:nvPr>
+            <p:ph type="title"/>
+          </p:nvPr>
+        </p:nvSpPr>
+        <p:spPr>
+          <a:xfrm>
+            <a:off x="0" y="394594"/>
+            <a:ext cx="10515600" cy="1008905"/>
+          </a:xfrm>
+        </p:spPr>
+        <p:txBody>
+          <a:bodyPr/>
+          <a:lstStyle/>
+          <a:p>
+            <a:pPr algn="ctr"/>
+            <a:r>
+              <a:rPr lang="en-US" dirty="0"/>
+              <a:t>    </a:t>
+            </a:r>
+            <a:r>
+              <a:rPr lang="en-US" sz="4267" dirty="0"/>
+              <a:t>&lt;HashRouter&gt; Vs &lt;BrowserRouter&gt;</a:t>
+            </a:r>
+          </a:p>
+        </p:txBody>
+      </p:sp>
+      <p:sp>
+        <p:nvSpPr>
+          <p:cNvPr id="5" name="Content Placeholder 2"/>
           <p:cNvSpPr txBox="1">
             <a:spLocks/>
           </p:cNvSpPr>
@@ -9329,59 +9454,16 @@
         </p:nvSpPr>
         <p:spPr>
           <a:xfrm>
-            <a:off x="420188" y="356371"/>
-            <a:ext cx="10515600" cy="1325563"/>
+            <a:off x="538715" y="1233782"/>
+            <a:ext cx="10504967" cy="2450361"/>
           </a:xfrm>
           <a:prstGeom prst="rect">
             <a:avLst/>
           </a:prstGeom>
         </p:spPr>
         <p:txBody>
-          <a:bodyPr/>
-          <a:lstStyle>
-            <a:lvl1pPr algn="l" defTabSz="457200" rtl="0" eaLnBrk="1" latinLnBrk="0" hangingPunct="1">
-              <a:spcBef>
-                <a:spcPct val="0"/>
-              </a:spcBef>
-              <a:buNone/>
-              <a:defRPr sz="2000" b="1" kern="1200" baseline="0">
-                <a:solidFill>
-                  <a:schemeClr val="bg1"/>
-                </a:solidFill>
-                <a:latin typeface="+mj-lt"/>
-                <a:ea typeface="+mj-ea"/>
-                <a:cs typeface="+mj-cs"/>
-              </a:defRPr>
-            </a:lvl1pPr>
-          </a:lstStyle>
-          <a:p>
-            <a:r>
-              <a:rPr lang="en-US" sz="4267" dirty="0"/>
-              <a:t>Routing Components</a:t>
-            </a:r>
-          </a:p>
-        </p:txBody>
-      </p:sp>
-      <p:sp>
-        <p:nvSpPr>
-          <p:cNvPr id="5" name="Content Placeholder 2"/>
-          <p:cNvSpPr txBox="1">
-            <a:spLocks/>
-          </p:cNvSpPr>
-          <p:nvPr/>
-        </p:nvSpPr>
-        <p:spPr>
-          <a:xfrm>
-            <a:off x="420189" y="1498600"/>
-            <a:ext cx="4872073" cy="4320773"/>
-          </a:xfrm>
-          <a:prstGeom prst="rect">
-            <a:avLst/>
-          </a:prstGeom>
-        </p:spPr>
-        <p:txBody>
           <a:bodyPr>
-            <a:normAutofit fontScale="25000" lnSpcReduction="20000"/>
+            <a:normAutofit/>
           </a:bodyPr>
           <a:lstStyle>
             <a:lvl1pPr marL="342900" indent="-342900" algn="l" defTabSz="457200" rtl="0" eaLnBrk="1" latinLnBrk="0" hangingPunct="1">
@@ -9521,162 +9603,60 @@
             </a:lvl9pPr>
           </a:lstStyle>
           <a:p>
-            <a:pPr marL="914377" indent="-914377">
-              <a:lnSpc>
-                <a:spcPct val="120000"/>
-              </a:lnSpc>
-              <a:buFont typeface="Arial" panose="020B0604020202020204" pitchFamily="34" charset="0"/>
-              <a:buChar char="•"/>
-            </a:pPr>
-            <a:r>
-              <a:rPr lang="en-US" sz="7466" dirty="0">
+            <a:r>
+              <a:rPr lang="en-US" sz="2133" dirty="0">
                 <a:solidFill>
                   <a:srgbClr val="C4E3B0"/>
                 </a:solidFill>
               </a:rPr>
-              <a:t>Router will wrap all of the routes we are going to define.</a:t>
-            </a:r>
-          </a:p>
-          <a:p>
-            <a:pPr>
-              <a:lnSpc>
-                <a:spcPct val="120000"/>
-              </a:lnSpc>
-            </a:pPr>
-            <a:endParaRPr lang="en-US" sz="7466" dirty="0">
-              <a:solidFill>
-                <a:srgbClr val="C4E3B0"/>
-              </a:solidFill>
-            </a:endParaRPr>
-          </a:p>
-          <a:p>
-            <a:pPr marL="914377" indent="-914377">
-              <a:lnSpc>
-                <a:spcPct val="120000"/>
-              </a:lnSpc>
-              <a:buFont typeface="Arial" panose="020B0604020202020204" pitchFamily="34" charset="0"/>
-              <a:buChar char="•"/>
-            </a:pPr>
-            <a:r>
-              <a:rPr lang="en-US" sz="7466" dirty="0">
+              <a:t>One builds classic URLs, the other builds URLs with the hash,as shown.</a:t>
+            </a:r>
+          </a:p>
+          <a:p>
+            <a:r>
+              <a:rPr lang="en-US" sz="2133" dirty="0">
                 <a:solidFill>
                   <a:srgbClr val="C4E3B0"/>
                 </a:solidFill>
               </a:rPr>
-              <a:t>Each route will be identified in a &lt;Route&gt; component.</a:t>
-            </a:r>
-          </a:p>
-          <a:p>
-            <a:pPr>
-              <a:lnSpc>
-                <a:spcPct val="120000"/>
-              </a:lnSpc>
-            </a:pPr>
-            <a:endParaRPr lang="en-US" sz="7466" dirty="0">
-              <a:solidFill>
-                <a:srgbClr val="C4E3B0"/>
-              </a:solidFill>
-            </a:endParaRPr>
-          </a:p>
-          <a:p>
-            <a:pPr marL="914377" indent="-914377">
-              <a:lnSpc>
-                <a:spcPct val="120000"/>
-              </a:lnSpc>
-              <a:buFont typeface="Arial" panose="020B0604020202020204" pitchFamily="34" charset="0"/>
-              <a:buChar char="•"/>
-            </a:pPr>
-            <a:r>
-              <a:rPr lang="en-US" sz="7466" dirty="0">
+              <a:t>Which one to use basically depends on, which browser is in action.</a:t>
+            </a:r>
+          </a:p>
+          <a:p>
+            <a:r>
+              <a:rPr lang="en-US" sz="2133" dirty="0">
                 <a:solidFill>
                   <a:srgbClr val="C4E3B0"/>
                 </a:solidFill>
               </a:rPr>
-              <a:t>The &lt;Route&gt; component will take two properties: </a:t>
-            </a:r>
-            <a:r>
-              <a:rPr lang="en-US" sz="7466" i="1" dirty="0">
+              <a:t>&lt;BrowserRouter&gt; uses History API, which is not supported by IE9 and below.</a:t>
+            </a:r>
+          </a:p>
+          <a:p>
+            <a:r>
+              <a:rPr lang="en-US" sz="2133" dirty="0">
                 <a:solidFill>
                   <a:srgbClr val="C4E3B0"/>
                 </a:solidFill>
               </a:rPr>
-              <a:t>path</a:t>
-            </a:r>
-            <a:r>
-              <a:rPr lang="en-US" sz="7466" dirty="0">
-                <a:solidFill>
-                  <a:srgbClr val="C4E3B0"/>
-                </a:solidFill>
-              </a:rPr>
-              <a:t> and </a:t>
-            </a:r>
-            <a:r>
-              <a:rPr lang="en-US" sz="7466" i="1" dirty="0">
-                <a:solidFill>
-                  <a:srgbClr val="C4E3B0"/>
-                </a:solidFill>
-              </a:rPr>
-              <a:t>component</a:t>
-            </a:r>
-            <a:r>
-              <a:rPr lang="en-US" sz="7466" dirty="0">
-                <a:solidFill>
-                  <a:srgbClr val="C4E3B0"/>
-                </a:solidFill>
-              </a:rPr>
-              <a:t>. </a:t>
-            </a:r>
-          </a:p>
-          <a:p>
-            <a:pPr>
-              <a:lnSpc>
-                <a:spcPct val="120000"/>
-              </a:lnSpc>
-            </a:pPr>
-            <a:endParaRPr lang="en-US" sz="7466" dirty="0">
-              <a:solidFill>
-                <a:srgbClr val="C4E3B0"/>
-              </a:solidFill>
-            </a:endParaRPr>
-          </a:p>
-          <a:p>
-            <a:pPr marL="914377" indent="-914377">
-              <a:lnSpc>
-                <a:spcPct val="120000"/>
-              </a:lnSpc>
-              <a:buFont typeface="Arial" panose="020B0604020202020204" pitchFamily="34" charset="0"/>
-              <a:buChar char="•"/>
-            </a:pPr>
-            <a:r>
-              <a:rPr lang="en-US" sz="7466" dirty="0">
-                <a:solidFill>
-                  <a:srgbClr val="C4E3B0"/>
-                </a:solidFill>
-              </a:rPr>
-              <a:t>When a path matches the path given to the &lt;Route&gt; component, it will return the component specified.</a:t>
-            </a:r>
-          </a:p>
-          <a:p>
-            <a:pPr marL="0" indent="0">
-              <a:buNone/>
-            </a:pPr>
-            <a:endParaRPr lang="en-US" altLang="en-US" sz="4267" dirty="0"/>
-          </a:p>
-          <a:p>
-            <a:endParaRPr lang="en-US" sz="4267" dirty="0"/>
+              <a:t>The History API lets you interact with the browser history, trigger the browser navigation methods and change the address bar content.</a:t>
+            </a:r>
+          </a:p>
+          <a:p>
+            <a:endParaRPr lang="en-US" sz="1867" dirty="0"/>
           </a:p>
         </p:txBody>
       </p:sp>
       <p:pic>
         <p:nvPicPr>
-          <p:cNvPr id="7" name="Picture 6"/>
+          <p:cNvPr id="3" name="Picture 2"/>
           <p:cNvPicPr>
             <a:picLocks noChangeAspect="1"/>
           </p:cNvPicPr>
           <p:nvPr/>
         </p:nvPicPr>
         <p:blipFill>
-          <a:blip r:embed="rId2" cstate="print">
+          <a:blip r:embed="rId3">
             <a:extLst>
               <a:ext uri="{28A0092B-C50C-407E-A947-70E740481C1C}">
                 <a14:useLocalDpi xmlns:a14="http://schemas.microsoft.com/office/drawing/2010/main" val="0"/>
@@ -9689,8 +9669,8 @@
         </p:blipFill>
         <p:spPr>
           <a:xfrm>
-            <a:off x="6197601" y="392965"/>
-            <a:ext cx="5421447" cy="6053372"/>
+            <a:off x="810638" y="3815944"/>
+            <a:ext cx="9152912" cy="1961339"/>
           </a:xfrm>
           <a:prstGeom prst="rect">
             <a:avLst/>
@@ -9700,7 +9680,7 @@
     </p:spTree>
     <p:extLst>
       <p:ext uri="{BB962C8B-B14F-4D97-AF65-F5344CB8AC3E}">
-        <p14:creationId xmlns:p14="http://schemas.microsoft.com/office/powerpoint/2010/main" val="3893808976"/>
+        <p14:creationId xmlns:p14="http://schemas.microsoft.com/office/powerpoint/2010/main" val="2411289772"/>
       </p:ext>
     </p:extLst>
   </p:cSld>
@@ -9729,7 +9709,7 @@
       </p:grpSpPr>
       <p:sp>
         <p:nvSpPr>
-          <p:cNvPr id="4" name="Content Placeholder 2"/>
+          <p:cNvPr id="4" name="Title 1"/>
           <p:cNvSpPr txBox="1">
             <a:spLocks/>
           </p:cNvSpPr>
@@ -9737,16 +9717,59 @@
         </p:nvSpPr>
         <p:spPr>
           <a:xfrm>
-            <a:off x="623204" y="962527"/>
-            <a:ext cx="5231009" cy="1818107"/>
+            <a:off x="1169218" y="132636"/>
+            <a:ext cx="4842476" cy="657838"/>
           </a:xfrm>
           <a:prstGeom prst="rect">
             <a:avLst/>
           </a:prstGeom>
         </p:spPr>
         <p:txBody>
+          <a:bodyPr/>
+          <a:lstStyle>
+            <a:lvl1pPr algn="l" defTabSz="457200" rtl="0" eaLnBrk="1" latinLnBrk="0" hangingPunct="1">
+              <a:spcBef>
+                <a:spcPct val="0"/>
+              </a:spcBef>
+              <a:buNone/>
+              <a:defRPr sz="2000" b="1" kern="1200" baseline="0">
+                <a:solidFill>
+                  <a:schemeClr val="bg1"/>
+                </a:solidFill>
+                <a:latin typeface="+mj-lt"/>
+                <a:ea typeface="+mj-ea"/>
+                <a:cs typeface="+mj-cs"/>
+              </a:defRPr>
+            </a:lvl1pPr>
+          </a:lstStyle>
+          <a:p>
+            <a:r>
+              <a:rPr lang="en-US" sz="4267" dirty="0"/>
+              <a:t>Routing Components</a:t>
+            </a:r>
+          </a:p>
+        </p:txBody>
+      </p:sp>
+      <p:sp>
+        <p:nvSpPr>
+          <p:cNvPr id="5" name="Content Placeholder 2"/>
+          <p:cNvSpPr txBox="1">
+            <a:spLocks/>
+          </p:cNvSpPr>
+          <p:nvPr/>
+        </p:nvSpPr>
+        <p:spPr>
+          <a:xfrm>
+            <a:off x="460049" y="1056222"/>
+            <a:ext cx="5979662" cy="4320773"/>
+          </a:xfrm>
+          <a:prstGeom prst="rect">
+            <a:avLst/>
+          </a:prstGeom>
+        </p:spPr>
+        <p:txBody>
           <a:bodyPr>
-            <a:normAutofit/>
+            <a:normAutofit fontScale="25000" lnSpcReduction="20000"/>
           </a:bodyPr>
           <a:lstStyle>
             <a:lvl1pPr marL="342900" indent="-342900" algn="l" defTabSz="457200" rtl="0" eaLnBrk="1" latinLnBrk="0" hangingPunct="1">
@@ -9886,75 +9909,334 @@
             </a:lvl9pPr>
           </a:lstStyle>
           <a:p>
-            <a:r>
-              <a:rPr lang="en-US" sz="2133" dirty="0">
+            <a:pPr>
+              <a:lnSpc>
+                <a:spcPct val="120000"/>
+              </a:lnSpc>
+              <a:buFont typeface="Wingdings" pitchFamily="2" charset="2"/>
+              <a:buChar char="Ø"/>
+            </a:pPr>
+            <a:r>
+              <a:rPr lang="en-US" sz="7466" dirty="0">
                 <a:solidFill>
                   <a:srgbClr val="C4E3B0"/>
                 </a:solidFill>
               </a:rPr>
-              <a:t>To add navigation, use &lt;Link&gt;</a:t>
-            </a:r>
-          </a:p>
-          <a:p>
-            <a:r>
-              <a:rPr lang="en-US" sz="2133" dirty="0">
-                <a:solidFill>
-                  <a:srgbClr val="C4E3B0"/>
-                </a:solidFill>
-              </a:rPr>
-              <a:t>To do this, let’s first create a Nav component. Our Nav component will contain &lt;Link&gt; components</a:t>
-            </a:r>
-          </a:p>
-          <a:p>
-            <a:endParaRPr lang="en-US" sz="4267" dirty="0">
+              <a:t>Router tag wraps routing system which includes defined routes in Switch and Links to those routes</a:t>
+            </a:r>
+          </a:p>
+          <a:p>
+            <a:pPr>
+              <a:lnSpc>
+                <a:spcPct val="120000"/>
+              </a:lnSpc>
+              <a:buFont typeface="Wingdings" pitchFamily="2" charset="2"/>
+              <a:buChar char="Ø"/>
+            </a:pPr>
+            <a:endParaRPr lang="en-US" sz="7466" dirty="0">
               <a:solidFill>
                 <a:srgbClr val="C4E3B0"/>
               </a:solidFill>
             </a:endParaRPr>
           </a:p>
           <a:p>
-            <a:endParaRPr lang="en-US" sz="4267" dirty="0">
+            <a:pPr>
+              <a:lnSpc>
+                <a:spcPct val="120000"/>
+              </a:lnSpc>
+              <a:buFont typeface="Wingdings" pitchFamily="2" charset="2"/>
+              <a:buChar char="Ø"/>
+            </a:pPr>
+            <a:r>
+              <a:rPr lang="en-US" sz="7466" dirty="0">
+                <a:solidFill>
+                  <a:srgbClr val="C4E3B0"/>
+                </a:solidFill>
+              </a:rPr>
+              <a:t>Link tag takes a ‘to’ property which identifies the </a:t>
+            </a:r>
+            <a:r>
+              <a:rPr lang="en-US" sz="7466" dirty="0" err="1">
+                <a:solidFill>
+                  <a:srgbClr val="C4E3B0"/>
+                </a:solidFill>
+              </a:rPr>
+              <a:t>url</a:t>
+            </a:r>
+            <a:endParaRPr lang="en-US" sz="7466" dirty="0">
               <a:solidFill>
                 <a:srgbClr val="C4E3B0"/>
               </a:solidFill>
             </a:endParaRPr>
           </a:p>
           <a:p>
-            <a:endParaRPr lang="en-US" sz="4267" dirty="0">
+            <a:pPr>
+              <a:lnSpc>
+                <a:spcPct val="120000"/>
+              </a:lnSpc>
+              <a:buFont typeface="Wingdings" pitchFamily="2" charset="2"/>
+              <a:buChar char="Ø"/>
+            </a:pPr>
+            <a:endParaRPr lang="en-US" sz="7466" dirty="0">
               <a:solidFill>
                 <a:srgbClr val="C4E3B0"/>
               </a:solidFill>
             </a:endParaRPr>
           </a:p>
           <a:p>
-            <a:endParaRPr lang="en-US" sz="4267" dirty="0">
+            <a:pPr>
+              <a:lnSpc>
+                <a:spcPct val="120000"/>
+              </a:lnSpc>
+              <a:buFont typeface="Wingdings" pitchFamily="2" charset="2"/>
+              <a:buChar char="Ø"/>
+            </a:pPr>
+            <a:r>
+              <a:rPr lang="en-US" sz="7466" dirty="0">
+                <a:solidFill>
+                  <a:srgbClr val="C4E3B0"/>
+                </a:solidFill>
+              </a:rPr>
+              <a:t>Switch tag wraps all of the routes that are defined</a:t>
+            </a:r>
+          </a:p>
+          <a:p>
+            <a:pPr>
+              <a:lnSpc>
+                <a:spcPct val="120000"/>
+              </a:lnSpc>
+              <a:buFont typeface="Wingdings" pitchFamily="2" charset="2"/>
+              <a:buChar char="Ø"/>
+            </a:pPr>
+            <a:endParaRPr lang="en-US" sz="7466" dirty="0">
               <a:solidFill>
                 <a:srgbClr val="C4E3B0"/>
               </a:solidFill>
             </a:endParaRPr>
           </a:p>
           <a:p>
-            <a:endParaRPr lang="en-US" sz="4267" dirty="0">
+            <a:pPr>
+              <a:lnSpc>
+                <a:spcPct val="120000"/>
+              </a:lnSpc>
+              <a:buFont typeface="Wingdings" pitchFamily="2" charset="2"/>
+              <a:buChar char="Ø"/>
+            </a:pPr>
+            <a:r>
+              <a:rPr lang="en-US" sz="7466" dirty="0">
+                <a:solidFill>
+                  <a:srgbClr val="C4E3B0"/>
+                </a:solidFill>
+              </a:rPr>
+              <a:t>Each route will be identified in a &lt;Route&gt; component.</a:t>
+            </a:r>
+          </a:p>
+          <a:p>
+            <a:pPr>
+              <a:lnSpc>
+                <a:spcPct val="120000"/>
+              </a:lnSpc>
+              <a:buFont typeface="Wingdings" pitchFamily="2" charset="2"/>
+              <a:buChar char="Ø"/>
+            </a:pPr>
+            <a:endParaRPr lang="en-US" sz="7466" dirty="0">
               <a:solidFill>
                 <a:srgbClr val="C4E3B0"/>
               </a:solidFill>
             </a:endParaRPr>
           </a:p>
           <a:p>
-            <a:endParaRPr lang="en-US" sz="4267" dirty="0">
+            <a:pPr>
+              <a:lnSpc>
+                <a:spcPct val="120000"/>
+              </a:lnSpc>
+              <a:buFont typeface="Wingdings" pitchFamily="2" charset="2"/>
+              <a:buChar char="Ø"/>
+            </a:pPr>
+            <a:r>
+              <a:rPr lang="en-US" sz="7466" dirty="0">
+                <a:solidFill>
+                  <a:srgbClr val="C4E3B0"/>
+                </a:solidFill>
+              </a:rPr>
+              <a:t>The &lt;Route&gt; tag will take a path property and wrap a component</a:t>
+            </a:r>
+          </a:p>
+          <a:p>
+            <a:pPr>
+              <a:lnSpc>
+                <a:spcPct val="120000"/>
+              </a:lnSpc>
+              <a:buFont typeface="Wingdings" pitchFamily="2" charset="2"/>
+              <a:buChar char="Ø"/>
+            </a:pPr>
+            <a:endParaRPr lang="en-US" sz="7466" dirty="0">
               <a:solidFill>
                 <a:srgbClr val="C4E3B0"/>
               </a:solidFill>
             </a:endParaRPr>
           </a:p>
-        </p:txBody>
-      </p:sp>
-      <p:sp>
-        <p:nvSpPr>
-          <p:cNvPr id="5" name="TextBox 4">
+          <a:p>
+            <a:pPr>
+              <a:lnSpc>
+                <a:spcPct val="120000"/>
+              </a:lnSpc>
+              <a:buFont typeface="Wingdings" pitchFamily="2" charset="2"/>
+              <a:buChar char="Ø"/>
+            </a:pPr>
+            <a:r>
+              <a:rPr lang="en-US" sz="7466" dirty="0">
+                <a:solidFill>
+                  <a:srgbClr val="C4E3B0"/>
+                </a:solidFill>
+              </a:rPr>
+              <a:t>When a path matches the path given to the &lt;Route&gt; component, it will return the component it wraps</a:t>
+            </a:r>
+          </a:p>
+          <a:p>
+            <a:pPr>
+              <a:buFont typeface="Wingdings" pitchFamily="2" charset="2"/>
+              <a:buChar char="Ø"/>
+            </a:pPr>
+            <a:endParaRPr lang="en-US" altLang="en-US" sz="4267" dirty="0"/>
+          </a:p>
+          <a:p>
+            <a:pPr>
+              <a:buFont typeface="Wingdings" pitchFamily="2" charset="2"/>
+              <a:buChar char="Ø"/>
+            </a:pPr>
+            <a:endParaRPr lang="en-US" sz="4267" dirty="0"/>
+          </a:p>
+        </p:txBody>
+      </p:sp>
+      <p:pic>
+        <p:nvPicPr>
+          <p:cNvPr id="3" name="Picture 2">
             <a:extLst>
               <a:ext uri="{FF2B5EF4-FFF2-40B4-BE49-F238E27FC236}">
-                <a16:creationId xmlns:a16="http://schemas.microsoft.com/office/drawing/2014/main" id="{EDAA7D9A-E7B1-F54F-A16E-1D2B7F2073F7}"/>
+                <a16:creationId xmlns:a16="http://schemas.microsoft.com/office/drawing/2014/main" id="{454EEA2B-DAAF-4243-A078-F9D1BA383F78}"/>
+              </a:ext>
+            </a:extLst>
+          </p:cNvPr>
+          <p:cNvPicPr>
+            <a:picLocks noChangeAspect="1"/>
+          </p:cNvPicPr>
+          <p:nvPr/>
+        </p:nvPicPr>
+        <p:blipFill>
+          <a:blip r:embed="rId2"/>
+          <a:stretch>
+            <a:fillRect/>
+          </a:stretch>
+        </p:blipFill>
+        <p:spPr>
+          <a:xfrm>
+            <a:off x="6601964" y="0"/>
+            <a:ext cx="4046453" cy="6858000"/>
+          </a:xfrm>
+          <a:prstGeom prst="rect">
+            <a:avLst/>
+          </a:prstGeom>
+        </p:spPr>
+      </p:pic>
+      <p:sp>
+        <p:nvSpPr>
+          <p:cNvPr id="6" name="Rectangle 5">
+            <a:extLst>
+              <a:ext uri="{FF2B5EF4-FFF2-40B4-BE49-F238E27FC236}">
+                <a16:creationId xmlns:a16="http://schemas.microsoft.com/office/drawing/2014/main" id="{CB2B7B80-17F5-AF45-AAE9-8A3606EFD902}"/>
+              </a:ext>
+            </a:extLst>
+          </p:cNvPr>
+          <p:cNvSpPr/>
+          <p:nvPr/>
+        </p:nvSpPr>
+        <p:spPr>
+          <a:xfrm>
+            <a:off x="886938" y="6261830"/>
+            <a:ext cx="5715026" cy="369332"/>
+          </a:xfrm>
+          <a:prstGeom prst="rect">
+            <a:avLst/>
+          </a:prstGeom>
+        </p:spPr>
+        <p:txBody>
+          <a:bodyPr wrap="none">
+            <a:spAutoFit/>
+          </a:bodyPr>
+          <a:lstStyle/>
+          <a:p>
+            <a:r>
+              <a:rPr lang="en-US" dirty="0">
+                <a:solidFill>
+                  <a:schemeClr val="accent2"/>
+                </a:solidFill>
+                <a:hlinkClick r:id="rId3">
+                  <a:extLst>
+                    <a:ext uri="{A12FA001-AC4F-418D-AE19-62706E023703}">
+                      <ahyp:hlinkClr xmlns:ahyp="http://schemas.microsoft.com/office/drawing/2018/hyperlinkcolor" val="tx"/>
+                    </a:ext>
+                  </a:extLst>
+                </a:hlinkClick>
+              </a:rPr>
+              <a:t>https://reacttraining.com/react-router/web/example/basic</a:t>
+            </a:r>
+            <a:endParaRPr lang="en-US" dirty="0">
+              <a:solidFill>
+                <a:schemeClr val="accent2"/>
+              </a:solidFill>
+            </a:endParaRPr>
+          </a:p>
+        </p:txBody>
+      </p:sp>
+      <p:cxnSp>
+        <p:nvCxnSpPr>
+          <p:cNvPr id="9" name="Straight Arrow Connector 8">
+            <a:extLst>
+              <a:ext uri="{FF2B5EF4-FFF2-40B4-BE49-F238E27FC236}">
+                <a16:creationId xmlns:a16="http://schemas.microsoft.com/office/drawing/2014/main" id="{5CF2BAB4-4FEC-454C-BEB5-0AF2149673E9}"/>
+              </a:ext>
+            </a:extLst>
+          </p:cNvPr>
+          <p:cNvCxnSpPr>
+            <a:cxnSpLocks/>
+          </p:cNvCxnSpPr>
+          <p:nvPr/>
+        </p:nvCxnSpPr>
+        <p:spPr>
+          <a:xfrm flipH="1" flipV="1">
+            <a:off x="9007813" y="4591455"/>
+            <a:ext cx="680937" cy="291830"/>
+          </a:xfrm>
+          <a:prstGeom prst="straightConnector1">
+            <a:avLst/>
+          </a:prstGeom>
+          <a:ln>
+            <a:headEnd type="none" w="med" len="med"/>
+            <a:tailEnd type="arrow" w="med" len="med"/>
+          </a:ln>
+        </p:spPr>
+        <p:style>
+          <a:lnRef idx="3">
+            <a:schemeClr val="accent6"/>
+          </a:lnRef>
+          <a:fillRef idx="0">
+            <a:schemeClr val="accent6"/>
+          </a:fillRef>
+          <a:effectRef idx="2">
+            <a:schemeClr val="accent6"/>
+          </a:effectRef>
+          <a:fontRef idx="minor">
+            <a:schemeClr val="tx1"/>
+          </a:fontRef>
+        </p:style>
+      </p:cxnSp>
+      <p:sp>
+        <p:nvSpPr>
+          <p:cNvPr id="11" name="TextBox 10">
+            <a:extLst>
+              <a:ext uri="{FF2B5EF4-FFF2-40B4-BE49-F238E27FC236}">
+                <a16:creationId xmlns:a16="http://schemas.microsoft.com/office/drawing/2014/main" id="{94D8C9D2-D613-B945-8C3A-4C0AF1B8B5D4}"/>
               </a:ext>
             </a:extLst>
           </p:cNvPr>
@@ -9963,97 +10245,8 @@
         </p:nvSpPr>
         <p:spPr>
           <a:xfrm>
-            <a:off x="6096000" y="676130"/>
-            <a:ext cx="5472797" cy="2626809"/>
-          </a:xfrm>
-          <a:prstGeom prst="rect">
-            <a:avLst/>
-          </a:prstGeom>
-        </p:spPr>
-        <p:txBody>
-          <a:bodyPr wrap="square" lIns="0" tIns="0" rIns="0" bIns="0" rtlCol="0">
-            <a:spAutoFit/>
-          </a:bodyPr>
-          <a:lstStyle/>
-          <a:p>
-            <a:pPr marL="380990" indent="-380990">
-              <a:buFont typeface="Arial" panose="020B0604020202020204" pitchFamily="34" charset="0"/>
-              <a:buChar char="•"/>
-            </a:pPr>
-            <a:r>
-              <a:rPr lang="en-US" sz="1867" i="1" dirty="0">
-                <a:solidFill>
-                  <a:srgbClr val="C4E3B0"/>
-                </a:solidFill>
-              </a:rPr>
-              <a:t>Now to make our Nav component persistent across all pages. </a:t>
-            </a:r>
-            <a:r>
-              <a:rPr lang="en-US" sz="1867" dirty="0">
-                <a:solidFill>
-                  <a:srgbClr val="C4E3B0"/>
-                </a:solidFill>
-              </a:rPr>
-              <a:t>Wrap child routes in a main &lt;Router&gt; component. </a:t>
-            </a:r>
-          </a:p>
-          <a:p>
-            <a:pPr marL="380990" indent="-380990">
-              <a:buFont typeface="Arial" panose="020B0604020202020204" pitchFamily="34" charset="0"/>
-              <a:buChar char="•"/>
-            </a:pPr>
-            <a:r>
-              <a:rPr lang="en-US" sz="1867" dirty="0">
-                <a:solidFill>
-                  <a:srgbClr val="C4E3B0"/>
-                </a:solidFill>
-              </a:rPr>
-              <a:t>Update Home component, and create a new component called Container  </a:t>
-            </a:r>
-            <a:r>
-              <a:rPr lang="en-US" altLang="en-US" sz="1867" dirty="0">
-                <a:solidFill>
-                  <a:srgbClr val="C4E3B0"/>
-                </a:solidFill>
-                <a:latin typeface="Menlo"/>
-              </a:rPr>
-              <a:t>{props.children}</a:t>
-            </a:r>
-            <a:r>
-              <a:rPr lang="en-US" altLang="en-US" sz="1867" dirty="0">
-                <a:solidFill>
-                  <a:srgbClr val="C4E3B0"/>
-                </a:solidFill>
-                <a:latin typeface="medium-content-serif-font"/>
-              </a:rPr>
-              <a:t> will allow any routes wrapped within this route to be rendered in this component</a:t>
-            </a:r>
-            <a:endParaRPr lang="en-US" sz="1867" dirty="0">
-              <a:solidFill>
-                <a:srgbClr val="C4E3B0"/>
-              </a:solidFill>
-            </a:endParaRPr>
-          </a:p>
-          <a:p>
-            <a:pPr algn="l"/>
-            <a:endParaRPr lang="en-US" sz="2133" dirty="0">
-              <a:solidFill>
-                <a:srgbClr val="C4E3B0"/>
-              </a:solidFill>
-            </a:endParaRPr>
-          </a:p>
-        </p:txBody>
-      </p:sp>
-      <p:sp>
-        <p:nvSpPr>
-          <p:cNvPr id="3" name="TextBox 2"/>
-          <p:cNvSpPr txBox="1"/>
-          <p:nvPr/>
-        </p:nvSpPr>
-        <p:spPr>
-          <a:xfrm>
-            <a:off x="573264" y="245242"/>
-            <a:ext cx="4227952" cy="872098"/>
+            <a:off x="9461642" y="4947312"/>
+            <a:ext cx="2373549" cy="923330"/>
           </a:xfrm>
           <a:prstGeom prst="rect">
             <a:avLst/>
@@ -10061,95 +10254,601 @@
           <a:noFill/>
         </p:spPr>
         <p:txBody>
-          <a:bodyPr wrap="none" rtlCol="0">
+          <a:bodyPr wrap="square" rtlCol="0">
             <a:spAutoFit/>
           </a:bodyPr>
           <a:lstStyle/>
           <a:p>
             <a:r>
-              <a:rPr lang="en-US" sz="2667" dirty="0">
+              <a:rPr lang="en-US" dirty="0">
+                <a:solidFill>
+                  <a:srgbClr val="FFC000"/>
+                </a:solidFill>
+              </a:rPr>
+              <a:t>exact</a:t>
+            </a:r>
+            <a:r>
+              <a:rPr lang="en-US" dirty="0">
                 <a:solidFill>
                   <a:schemeClr val="bg1"/>
                 </a:solidFill>
               </a:rPr>
-              <a:t>Routing Components(Contd.)</a:t>
-            </a:r>
-          </a:p>
-          <a:p>
-            <a:endParaRPr lang="en-US" sz="2400" dirty="0"/>
-          </a:p>
-        </p:txBody>
-      </p:sp>
-      <p:pic>
-        <p:nvPicPr>
-          <p:cNvPr id="8" name="Picture 7"/>
-          <p:cNvPicPr>
-            <a:picLocks noChangeAspect="1"/>
-          </p:cNvPicPr>
-          <p:nvPr/>
-        </p:nvPicPr>
-        <p:blipFill>
-          <a:blip r:embed="rId3">
-            <a:extLst>
-              <a:ext uri="{28A0092B-C50C-407E-A947-70E740481C1C}">
-                <a14:useLocalDpi xmlns:a14="http://schemas.microsoft.com/office/drawing/2010/main" val="0"/>
-              </a:ext>
-            </a:extLst>
-          </a:blip>
-          <a:stretch>
-            <a:fillRect/>
-          </a:stretch>
-        </p:blipFill>
-        <p:spPr>
-          <a:xfrm>
-            <a:off x="623203" y="3121114"/>
-            <a:ext cx="5743648" cy="2903268"/>
-          </a:xfrm>
-          <a:prstGeom prst="rect">
-            <a:avLst/>
-          </a:prstGeom>
-        </p:spPr>
-      </p:pic>
-      <p:pic>
-        <p:nvPicPr>
-          <p:cNvPr id="9" name="Picture 8"/>
-          <p:cNvPicPr>
-            <a:picLocks noChangeAspect="1"/>
-          </p:cNvPicPr>
-          <p:nvPr/>
-        </p:nvPicPr>
-        <p:blipFill>
-          <a:blip r:embed="rId4">
-            <a:extLst>
-              <a:ext uri="{28A0092B-C50C-407E-A947-70E740481C1C}">
-                <a14:useLocalDpi xmlns:a14="http://schemas.microsoft.com/office/drawing/2010/main" val="0"/>
-              </a:ext>
-            </a:extLst>
-          </a:blip>
-          <a:stretch>
-            <a:fillRect/>
-          </a:stretch>
-        </p:blipFill>
-        <p:spPr>
-          <a:xfrm>
-            <a:off x="6404738" y="3121114"/>
-            <a:ext cx="5164061" cy="2903268"/>
-          </a:xfrm>
-          <a:prstGeom prst="rect">
-            <a:avLst/>
-          </a:prstGeom>
-        </p:spPr>
-      </p:pic>
+              <a:t> keyword needed for “/” route or else place it last</a:t>
+            </a:r>
+          </a:p>
+        </p:txBody>
+      </p:sp>
     </p:spTree>
     <p:extLst>
       <p:ext uri="{BB962C8B-B14F-4D97-AF65-F5344CB8AC3E}">
-        <p14:creationId xmlns:p14="http://schemas.microsoft.com/office/powerpoint/2010/main" val="989952015"/>
+        <p14:creationId xmlns:p14="http://schemas.microsoft.com/office/powerpoint/2010/main" val="3893808976"/>
       </p:ext>
     </p:extLst>
   </p:cSld>
   <p:clrMapOvr>
     <a:masterClrMapping/>
   </p:clrMapOvr>
+  <p:timing>
+    <p:tnLst>
+      <p:par>
+        <p:cTn id="1" dur="indefinite" restart="never" nodeType="tmRoot">
+          <p:childTnLst>
+            <p:seq concurrent="1" nextAc="seek">
+              <p:cTn id="2" dur="indefinite" nodeType="mainSeq">
+                <p:childTnLst>
+                  <p:par>
+                    <p:cTn id="3" fill="hold">
+                      <p:stCondLst>
+                        <p:cond delay="indefinite"/>
+                      </p:stCondLst>
+                      <p:childTnLst>
+                        <p:par>
+                          <p:cTn id="4" fill="hold">
+                            <p:stCondLst>
+                              <p:cond delay="0"/>
+                            </p:stCondLst>
+                            <p:childTnLst>
+                              <p:par>
+                                <p:cTn id="5" presetID="12" presetClass="entr" presetSubtype="4" fill="hold" grpId="0" nodeType="clickEffect">
+                                  <p:stCondLst>
+                                    <p:cond delay="0"/>
+                                  </p:stCondLst>
+                                  <p:childTnLst>
+                                    <p:set>
+                                      <p:cBhvr>
+                                        <p:cTn id="6" dur="1" fill="hold">
+                                          <p:stCondLst>
+                                            <p:cond delay="0"/>
+                                          </p:stCondLst>
+                                        </p:cTn>
+                                        <p:tgtEl>
+                                          <p:spTgt spid="5">
+                                            <p:txEl>
+                                              <p:pRg st="0" end="0"/>
+                                            </p:txEl>
+                                          </p:spTgt>
+                                        </p:tgtEl>
+                                        <p:attrNameLst>
+                                          <p:attrName>style.visibility</p:attrName>
+                                        </p:attrNameLst>
+                                      </p:cBhvr>
+                                      <p:to>
+                                        <p:strVal val="visible"/>
+                                      </p:to>
+                                    </p:set>
+                                    <p:anim calcmode="lin" valueType="num">
+                                      <p:cBhvr additive="base">
+                                        <p:cTn id="7" dur="500"/>
+                                        <p:tgtEl>
+                                          <p:spTgt spid="5">
+                                            <p:txEl>
+                                              <p:pRg st="0" end="0"/>
+                                            </p:txEl>
+                                          </p:spTgt>
+                                        </p:tgtEl>
+                                        <p:attrNameLst>
+                                          <p:attrName>ppt_y</p:attrName>
+                                        </p:attrNameLst>
+                                      </p:cBhvr>
+                                      <p:tavLst>
+                                        <p:tav tm="0">
+                                          <p:val>
+                                            <p:strVal val="#ppt_y+#ppt_h*1.125000"/>
+                                          </p:val>
+                                        </p:tav>
+                                        <p:tav tm="100000">
+                                          <p:val>
+                                            <p:strVal val="#ppt_y"/>
+                                          </p:val>
+                                        </p:tav>
+                                      </p:tavLst>
+                                    </p:anim>
+                                    <p:animEffect transition="in" filter="wipe(up)">
+                                      <p:cBhvr>
+                                        <p:cTn id="8" dur="500"/>
+                                        <p:tgtEl>
+                                          <p:spTgt spid="5">
+                                            <p:txEl>
+                                              <p:pRg st="0" end="0"/>
+                                            </p:txEl>
+                                          </p:spTgt>
+                                        </p:tgtEl>
+                                      </p:cBhvr>
+                                    </p:animEffect>
+                                  </p:childTnLst>
+                                </p:cTn>
+                              </p:par>
+                            </p:childTnLst>
+                          </p:cTn>
+                        </p:par>
+                      </p:childTnLst>
+                    </p:cTn>
+                  </p:par>
+                  <p:par>
+                    <p:cTn id="9" fill="hold">
+                      <p:stCondLst>
+                        <p:cond delay="indefinite"/>
+                      </p:stCondLst>
+                      <p:childTnLst>
+                        <p:par>
+                          <p:cTn id="10" fill="hold">
+                            <p:stCondLst>
+                              <p:cond delay="0"/>
+                            </p:stCondLst>
+                            <p:childTnLst>
+                              <p:par>
+                                <p:cTn id="11" presetID="12" presetClass="entr" presetSubtype="4" fill="hold" grpId="0" nodeType="clickEffect">
+                                  <p:stCondLst>
+                                    <p:cond delay="0"/>
+                                  </p:stCondLst>
+                                  <p:childTnLst>
+                                    <p:set>
+                                      <p:cBhvr>
+                                        <p:cTn id="12" dur="1" fill="hold">
+                                          <p:stCondLst>
+                                            <p:cond delay="0"/>
+                                          </p:stCondLst>
+                                        </p:cTn>
+                                        <p:tgtEl>
+                                          <p:spTgt spid="5">
+                                            <p:txEl>
+                                              <p:pRg st="2" end="2"/>
+                                            </p:txEl>
+                                          </p:spTgt>
+                                        </p:tgtEl>
+                                        <p:attrNameLst>
+                                          <p:attrName>style.visibility</p:attrName>
+                                        </p:attrNameLst>
+                                      </p:cBhvr>
+                                      <p:to>
+                                        <p:strVal val="visible"/>
+                                      </p:to>
+                                    </p:set>
+                                    <p:anim calcmode="lin" valueType="num">
+                                      <p:cBhvr additive="base">
+                                        <p:cTn id="13" dur="500"/>
+                                        <p:tgtEl>
+                                          <p:spTgt spid="5">
+                                            <p:txEl>
+                                              <p:pRg st="2" end="2"/>
+                                            </p:txEl>
+                                          </p:spTgt>
+                                        </p:tgtEl>
+                                        <p:attrNameLst>
+                                          <p:attrName>ppt_y</p:attrName>
+                                        </p:attrNameLst>
+                                      </p:cBhvr>
+                                      <p:tavLst>
+                                        <p:tav tm="0">
+                                          <p:val>
+                                            <p:strVal val="#ppt_y+#ppt_h*1.125000"/>
+                                          </p:val>
+                                        </p:tav>
+                                        <p:tav tm="100000">
+                                          <p:val>
+                                            <p:strVal val="#ppt_y"/>
+                                          </p:val>
+                                        </p:tav>
+                                      </p:tavLst>
+                                    </p:anim>
+                                    <p:animEffect transition="in" filter="wipe(up)">
+                                      <p:cBhvr>
+                                        <p:cTn id="14" dur="500"/>
+                                        <p:tgtEl>
+                                          <p:spTgt spid="5">
+                                            <p:txEl>
+                                              <p:pRg st="2" end="2"/>
+                                            </p:txEl>
+                                          </p:spTgt>
+                                        </p:tgtEl>
+                                      </p:cBhvr>
+                                    </p:animEffect>
+                                  </p:childTnLst>
+                                </p:cTn>
+                              </p:par>
+                            </p:childTnLst>
+                          </p:cTn>
+                        </p:par>
+                      </p:childTnLst>
+                    </p:cTn>
+                  </p:par>
+                  <p:par>
+                    <p:cTn id="15" fill="hold">
+                      <p:stCondLst>
+                        <p:cond delay="indefinite"/>
+                      </p:stCondLst>
+                      <p:childTnLst>
+                        <p:par>
+                          <p:cTn id="16" fill="hold">
+                            <p:stCondLst>
+                              <p:cond delay="0"/>
+                            </p:stCondLst>
+                            <p:childTnLst>
+                              <p:par>
+                                <p:cTn id="17" presetID="12" presetClass="entr" presetSubtype="4" fill="hold" grpId="0" nodeType="clickEffect">
+                                  <p:stCondLst>
+                                    <p:cond delay="0"/>
+                                  </p:stCondLst>
+                                  <p:childTnLst>
+                                    <p:set>
+                                      <p:cBhvr>
+                                        <p:cTn id="18" dur="1" fill="hold">
+                                          <p:stCondLst>
+                                            <p:cond delay="0"/>
+                                          </p:stCondLst>
+                                        </p:cTn>
+                                        <p:tgtEl>
+                                          <p:spTgt spid="5">
+                                            <p:txEl>
+                                              <p:pRg st="4" end="4"/>
+                                            </p:txEl>
+                                          </p:spTgt>
+                                        </p:tgtEl>
+                                        <p:attrNameLst>
+                                          <p:attrName>style.visibility</p:attrName>
+                                        </p:attrNameLst>
+                                      </p:cBhvr>
+                                      <p:to>
+                                        <p:strVal val="visible"/>
+                                      </p:to>
+                                    </p:set>
+                                    <p:anim calcmode="lin" valueType="num">
+                                      <p:cBhvr additive="base">
+                                        <p:cTn id="19" dur="500"/>
+                                        <p:tgtEl>
+                                          <p:spTgt spid="5">
+                                            <p:txEl>
+                                              <p:pRg st="4" end="4"/>
+                                            </p:txEl>
+                                          </p:spTgt>
+                                        </p:tgtEl>
+                                        <p:attrNameLst>
+                                          <p:attrName>ppt_y</p:attrName>
+                                        </p:attrNameLst>
+                                      </p:cBhvr>
+                                      <p:tavLst>
+                                        <p:tav tm="0">
+                                          <p:val>
+                                            <p:strVal val="#ppt_y+#ppt_h*1.125000"/>
+                                          </p:val>
+                                        </p:tav>
+                                        <p:tav tm="100000">
+                                          <p:val>
+                                            <p:strVal val="#ppt_y"/>
+                                          </p:val>
+                                        </p:tav>
+                                      </p:tavLst>
+                                    </p:anim>
+                                    <p:animEffect transition="in" filter="wipe(up)">
+                                      <p:cBhvr>
+                                        <p:cTn id="20" dur="500"/>
+                                        <p:tgtEl>
+                                          <p:spTgt spid="5">
+                                            <p:txEl>
+                                              <p:pRg st="4" end="4"/>
+                                            </p:txEl>
+                                          </p:spTgt>
+                                        </p:tgtEl>
+                                      </p:cBhvr>
+                                    </p:animEffect>
+                                  </p:childTnLst>
+                                </p:cTn>
+                              </p:par>
+                            </p:childTnLst>
+                          </p:cTn>
+                        </p:par>
+                      </p:childTnLst>
+                    </p:cTn>
+                  </p:par>
+                  <p:par>
+                    <p:cTn id="21" fill="hold">
+                      <p:stCondLst>
+                        <p:cond delay="indefinite"/>
+                      </p:stCondLst>
+                      <p:childTnLst>
+                        <p:par>
+                          <p:cTn id="22" fill="hold">
+                            <p:stCondLst>
+                              <p:cond delay="0"/>
+                            </p:stCondLst>
+                            <p:childTnLst>
+                              <p:par>
+                                <p:cTn id="23" presetID="12" presetClass="entr" presetSubtype="4" fill="hold" grpId="0" nodeType="clickEffect">
+                                  <p:stCondLst>
+                                    <p:cond delay="0"/>
+                                  </p:stCondLst>
+                                  <p:childTnLst>
+                                    <p:set>
+                                      <p:cBhvr>
+                                        <p:cTn id="24" dur="1" fill="hold">
+                                          <p:stCondLst>
+                                            <p:cond delay="0"/>
+                                          </p:stCondLst>
+                                        </p:cTn>
+                                        <p:tgtEl>
+                                          <p:spTgt spid="5">
+                                            <p:txEl>
+                                              <p:pRg st="6" end="6"/>
+                                            </p:txEl>
+                                          </p:spTgt>
+                                        </p:tgtEl>
+                                        <p:attrNameLst>
+                                          <p:attrName>style.visibility</p:attrName>
+                                        </p:attrNameLst>
+                                      </p:cBhvr>
+                                      <p:to>
+                                        <p:strVal val="visible"/>
+                                      </p:to>
+                                    </p:set>
+                                    <p:anim calcmode="lin" valueType="num">
+                                      <p:cBhvr additive="base">
+                                        <p:cTn id="25" dur="500"/>
+                                        <p:tgtEl>
+                                          <p:spTgt spid="5">
+                                            <p:txEl>
+                                              <p:pRg st="6" end="6"/>
+                                            </p:txEl>
+                                          </p:spTgt>
+                                        </p:tgtEl>
+                                        <p:attrNameLst>
+                                          <p:attrName>ppt_y</p:attrName>
+                                        </p:attrNameLst>
+                                      </p:cBhvr>
+                                      <p:tavLst>
+                                        <p:tav tm="0">
+                                          <p:val>
+                                            <p:strVal val="#ppt_y+#ppt_h*1.125000"/>
+                                          </p:val>
+                                        </p:tav>
+                                        <p:tav tm="100000">
+                                          <p:val>
+                                            <p:strVal val="#ppt_y"/>
+                                          </p:val>
+                                        </p:tav>
+                                      </p:tavLst>
+                                    </p:anim>
+                                    <p:animEffect transition="in" filter="wipe(up)">
+                                      <p:cBhvr>
+                                        <p:cTn id="26" dur="500"/>
+                                        <p:tgtEl>
+                                          <p:spTgt spid="5">
+                                            <p:txEl>
+                                              <p:pRg st="6" end="6"/>
+                                            </p:txEl>
+                                          </p:spTgt>
+                                        </p:tgtEl>
+                                      </p:cBhvr>
+                                    </p:animEffect>
+                                  </p:childTnLst>
+                                </p:cTn>
+                              </p:par>
+                            </p:childTnLst>
+                          </p:cTn>
+                        </p:par>
+                      </p:childTnLst>
+                    </p:cTn>
+                  </p:par>
+                  <p:par>
+                    <p:cTn id="27" fill="hold">
+                      <p:stCondLst>
+                        <p:cond delay="indefinite"/>
+                      </p:stCondLst>
+                      <p:childTnLst>
+                        <p:par>
+                          <p:cTn id="28" fill="hold">
+                            <p:stCondLst>
+                              <p:cond delay="0"/>
+                            </p:stCondLst>
+                            <p:childTnLst>
+                              <p:par>
+                                <p:cTn id="29" presetID="12" presetClass="entr" presetSubtype="4" fill="hold" grpId="0" nodeType="clickEffect">
+                                  <p:stCondLst>
+                                    <p:cond delay="0"/>
+                                  </p:stCondLst>
+                                  <p:childTnLst>
+                                    <p:set>
+                                      <p:cBhvr>
+                                        <p:cTn id="30" dur="1" fill="hold">
+                                          <p:stCondLst>
+                                            <p:cond delay="0"/>
+                                          </p:stCondLst>
+                                        </p:cTn>
+                                        <p:tgtEl>
+                                          <p:spTgt spid="5">
+                                            <p:txEl>
+                                              <p:pRg st="8" end="8"/>
+                                            </p:txEl>
+                                          </p:spTgt>
+                                        </p:tgtEl>
+                                        <p:attrNameLst>
+                                          <p:attrName>style.visibility</p:attrName>
+                                        </p:attrNameLst>
+                                      </p:cBhvr>
+                                      <p:to>
+                                        <p:strVal val="visible"/>
+                                      </p:to>
+                                    </p:set>
+                                    <p:anim calcmode="lin" valueType="num">
+                                      <p:cBhvr additive="base">
+                                        <p:cTn id="31" dur="500"/>
+                                        <p:tgtEl>
+                                          <p:spTgt spid="5">
+                                            <p:txEl>
+                                              <p:pRg st="8" end="8"/>
+                                            </p:txEl>
+                                          </p:spTgt>
+                                        </p:tgtEl>
+                                        <p:attrNameLst>
+                                          <p:attrName>ppt_y</p:attrName>
+                                        </p:attrNameLst>
+                                      </p:cBhvr>
+                                      <p:tavLst>
+                                        <p:tav tm="0">
+                                          <p:val>
+                                            <p:strVal val="#ppt_y+#ppt_h*1.125000"/>
+                                          </p:val>
+                                        </p:tav>
+                                        <p:tav tm="100000">
+                                          <p:val>
+                                            <p:strVal val="#ppt_y"/>
+                                          </p:val>
+                                        </p:tav>
+                                      </p:tavLst>
+                                    </p:anim>
+                                    <p:animEffect transition="in" filter="wipe(up)">
+                                      <p:cBhvr>
+                                        <p:cTn id="32" dur="500"/>
+                                        <p:tgtEl>
+                                          <p:spTgt spid="5">
+                                            <p:txEl>
+                                              <p:pRg st="8" end="8"/>
+                                            </p:txEl>
+                                          </p:spTgt>
+                                        </p:tgtEl>
+                                      </p:cBhvr>
+                                    </p:animEffect>
+                                  </p:childTnLst>
+                                </p:cTn>
+                              </p:par>
+                            </p:childTnLst>
+                          </p:cTn>
+                        </p:par>
+                      </p:childTnLst>
+                    </p:cTn>
+                  </p:par>
+                  <p:par>
+                    <p:cTn id="33" fill="hold">
+                      <p:stCondLst>
+                        <p:cond delay="indefinite"/>
+                      </p:stCondLst>
+                      <p:childTnLst>
+                        <p:par>
+                          <p:cTn id="34" fill="hold">
+                            <p:stCondLst>
+                              <p:cond delay="0"/>
+                            </p:stCondLst>
+                            <p:childTnLst>
+                              <p:par>
+                                <p:cTn id="35" presetID="12" presetClass="entr" presetSubtype="4" fill="hold" grpId="0" nodeType="clickEffect">
+                                  <p:stCondLst>
+                                    <p:cond delay="0"/>
+                                  </p:stCondLst>
+                                  <p:childTnLst>
+                                    <p:set>
+                                      <p:cBhvr>
+                                        <p:cTn id="36" dur="1" fill="hold">
+                                          <p:stCondLst>
+                                            <p:cond delay="0"/>
+                                          </p:stCondLst>
+                                        </p:cTn>
+                                        <p:tgtEl>
+                                          <p:spTgt spid="5">
+                                            <p:txEl>
+                                              <p:pRg st="10" end="10"/>
+                                            </p:txEl>
+                                          </p:spTgt>
+                                        </p:tgtEl>
+                                        <p:attrNameLst>
+                                          <p:attrName>style.visibility</p:attrName>
+                                        </p:attrNameLst>
+                                      </p:cBhvr>
+                                      <p:to>
+                                        <p:strVal val="visible"/>
+                                      </p:to>
+                                    </p:set>
+                                    <p:anim calcmode="lin" valueType="num">
+                                      <p:cBhvr additive="base">
+                                        <p:cTn id="37" dur="500"/>
+                                        <p:tgtEl>
+                                          <p:spTgt spid="5">
+                                            <p:txEl>
+                                              <p:pRg st="10" end="10"/>
+                                            </p:txEl>
+                                          </p:spTgt>
+                                        </p:tgtEl>
+                                        <p:attrNameLst>
+                                          <p:attrName>ppt_y</p:attrName>
+                                        </p:attrNameLst>
+                                      </p:cBhvr>
+                                      <p:tavLst>
+                                        <p:tav tm="0">
+                                          <p:val>
+                                            <p:strVal val="#ppt_y+#ppt_h*1.125000"/>
+                                          </p:val>
+                                        </p:tav>
+                                        <p:tav tm="100000">
+                                          <p:val>
+                                            <p:strVal val="#ppt_y"/>
+                                          </p:val>
+                                        </p:tav>
+                                      </p:tavLst>
+                                    </p:anim>
+                                    <p:animEffect transition="in" filter="wipe(up)">
+                                      <p:cBhvr>
+                                        <p:cTn id="38" dur="500"/>
+                                        <p:tgtEl>
+                                          <p:spTgt spid="5">
+                                            <p:txEl>
+                                              <p:pRg st="10" end="10"/>
+                                            </p:txEl>
+                                          </p:spTgt>
+                                        </p:tgtEl>
+                                      </p:cBhvr>
+                                    </p:animEffect>
+                                  </p:childTnLst>
+                                </p:cTn>
+                              </p:par>
+                            </p:childTnLst>
+                          </p:cTn>
+                        </p:par>
+                      </p:childTnLst>
+                    </p:cTn>
+                  </p:par>
+                </p:childTnLst>
+              </p:cTn>
+              <p:prevCondLst>
+                <p:cond evt="onPrev" delay="0">
+                  <p:tgtEl>
+                    <p:sldTgt/>
+                  </p:tgtEl>
+                </p:cond>
+              </p:prevCondLst>
+              <p:nextCondLst>
+                <p:cond evt="onNext" delay="0">
+                  <p:tgtEl>
+                    <p:sldTgt/>
+                  </p:tgtEl>
+                </p:cond>
+              </p:nextCondLst>
+            </p:seq>
+          </p:childTnLst>
+        </p:cTn>
+      </p:par>
+    </p:tnLst>
+    <p:bldLst>
+      <p:bldP spid="5" grpId="0" build="p"/>
+    </p:bldLst>
+  </p:timing>
 </p:sld>
 </file>
 
@@ -10180,8 +10879,8 @@
         </p:nvSpPr>
         <p:spPr>
           <a:xfrm>
-            <a:off x="341296" y="1952083"/>
-            <a:ext cx="4752333" cy="2662992"/>
+            <a:off x="3541095" y="1708890"/>
+            <a:ext cx="4740024" cy="849484"/>
           </a:xfrm>
           <a:prstGeom prst="rect">
             <a:avLst/>
@@ -10189,7 +10888,7 @@
         </p:spPr>
         <p:txBody>
           <a:bodyPr>
-            <a:normAutofit lnSpcReduction="10000"/>
+            <a:normAutofit/>
           </a:bodyPr>
           <a:lstStyle>
             <a:lvl1pPr marL="342900" indent="-342900" algn="l" defTabSz="457200" rtl="0" eaLnBrk="1" latinLnBrk="0" hangingPunct="1">
@@ -10329,16 +11028,41 @@
             </a:lvl9pPr>
           </a:lstStyle>
           <a:p>
+            <a:pPr marL="0" indent="0">
+              <a:buNone/>
+            </a:pPr>
             <a:r>
               <a:rPr lang="en-US" sz="2133" dirty="0">
                 <a:solidFill>
                   <a:srgbClr val="C4E3B0"/>
                 </a:solidFill>
               </a:rPr>
-              <a:t>Wrap Home, About routes inside Switch tag</a:t>
-            </a:r>
-          </a:p>
-          <a:p>
+              <a:t>Router (</a:t>
+            </a:r>
+            <a:r>
+              <a:rPr lang="en-US" sz="2133" dirty="0" err="1">
+                <a:solidFill>
+                  <a:srgbClr val="C4E3B0"/>
+                </a:solidFill>
+              </a:rPr>
+              <a:t>BrowserRouter</a:t>
+            </a:r>
+            <a:r>
+              <a:rPr lang="en-US" sz="2133" dirty="0">
+                <a:solidFill>
+                  <a:srgbClr val="C4E3B0"/>
+                </a:solidFill>
+              </a:rPr>
+              <a:t>), Switch, Link and Route come from react-router-</a:t>
+            </a:r>
+            <a:r>
+              <a:rPr lang="en-US" sz="2133" dirty="0" err="1">
+                <a:solidFill>
+                  <a:srgbClr val="C4E3B0"/>
+                </a:solidFill>
+              </a:rPr>
+              <a:t>dom</a:t>
+            </a:r>
             <a:endParaRPr lang="en-US" sz="2133" dirty="0">
               <a:solidFill>
                 <a:srgbClr val="C4E3B0"/>
@@ -10346,16 +11070,6 @@
             </a:endParaRPr>
           </a:p>
           <a:p>
-            <a:r>
-              <a:rPr lang="en-US" sz="2133" dirty="0">
-                <a:solidFill>
-                  <a:srgbClr val="C4E3B0"/>
-                </a:solidFill>
-              </a:rPr>
-              <a:t>Nest Components inside of Route tags</a:t>
-            </a:r>
-          </a:p>
-          <a:p>
             <a:endParaRPr lang="en-US" sz="2133" dirty="0">
               <a:solidFill>
                 <a:srgbClr val="C4E3B0"/>
@@ -10363,27 +11077,9 @@
             </a:endParaRPr>
           </a:p>
           <a:p>
-            <a:pPr marL="0" indent="0">
-              <a:buNone/>
-            </a:pPr>
-            <a:r>
-              <a:rPr lang="en-US" sz="2400" dirty="0">
-                <a:solidFill>
-                  <a:schemeClr val="bg1"/>
-                </a:solidFill>
-                <a:hlinkClick r:id="rId3">
-                  <a:extLst>
-                    <a:ext uri="{A12FA001-AC4F-418D-AE19-62706E023703}">
-                      <ahyp:hlinkClr xmlns:ahyp="http://schemas.microsoft.com/office/drawing/2018/hyperlinkcolor" val="tx"/>
-                    </a:ext>
-                  </a:extLst>
-                </a:hlinkClick>
-              </a:rPr>
-              <a:t>https://reacttraining.com/react-router/web/guides/quick-start</a:t>
-            </a:r>
             <a:endParaRPr lang="en-US" sz="2133" dirty="0">
               <a:solidFill>
-                <a:schemeClr val="bg1"/>
+                <a:srgbClr val="C4E3B0"/>
               </a:solidFill>
             </a:endParaRPr>
           </a:p>
@@ -10397,8 +11093,8 @@
         </p:nvSpPr>
         <p:spPr>
           <a:xfrm>
-            <a:off x="530867" y="454267"/>
-            <a:ext cx="5048433" cy="954107"/>
+            <a:off x="4474047" y="297401"/>
+            <a:ext cx="2874120" cy="584775"/>
           </a:xfrm>
           <a:prstGeom prst="rect">
             <a:avLst/>
@@ -10417,20 +11113,18 @@
                   <a:schemeClr val="bg1"/>
                 </a:solidFill>
               </a:rPr>
-              <a:t>Routing Components(Contd.)</a:t>
-            </a:r>
-          </a:p>
-          <a:p>
+              <a:t>Routing Imports</a:t>
+            </a:r>
             <a:endParaRPr lang="en-US" sz="2400" dirty="0"/>
           </a:p>
         </p:txBody>
       </p:sp>
       <p:pic>
         <p:nvPicPr>
-          <p:cNvPr id="5" name="Picture 4">
+          <p:cNvPr id="6" name="Picture 5">
             <a:extLst>
               <a:ext uri="{FF2B5EF4-FFF2-40B4-BE49-F238E27FC236}">
-                <a16:creationId xmlns:a16="http://schemas.microsoft.com/office/drawing/2014/main" id="{4024367E-9E3E-D94D-9A64-193923C46F32}"/>
+                <a16:creationId xmlns:a16="http://schemas.microsoft.com/office/drawing/2014/main" id="{1D28594B-7DDE-2A41-BB72-EA2CFA8280A0}"/>
               </a:ext>
             </a:extLst>
           </p:cNvPr>
@@ -10440,15 +11134,15 @@
           <p:nvPr/>
         </p:nvPicPr>
         <p:blipFill>
-          <a:blip r:embed="rId4"/>
+          <a:blip r:embed="rId3"/>
           <a:stretch>
             <a:fillRect/>
           </a:stretch>
         </p:blipFill>
         <p:spPr>
           <a:xfrm>
-            <a:off x="5484725" y="0"/>
-            <a:ext cx="6707275" cy="6858000"/>
+            <a:off x="3891064" y="3385088"/>
+            <a:ext cx="4040086" cy="1831319"/>
           </a:xfrm>
           <a:prstGeom prst="rect">
             <a:avLst/>
@@ -10487,300 +11181,6 @@
       </p:grpSpPr>
       <p:sp>
         <p:nvSpPr>
-          <p:cNvPr id="4" name="Title 1"/>
-          <p:cNvSpPr>
-            <a:spLocks noGrp="1"/>
-          </p:cNvSpPr>
-          <p:nvPr>
-            <p:ph type="title"/>
-          </p:nvPr>
-        </p:nvSpPr>
-        <p:spPr>
-          <a:xfrm>
-            <a:off x="0" y="394594"/>
-            <a:ext cx="10515600" cy="1008905"/>
-          </a:xfrm>
-        </p:spPr>
-        <p:txBody>
-          <a:bodyPr/>
-          <a:lstStyle/>
-          <a:p>
-            <a:r>
-              <a:rPr lang="en-US" dirty="0"/>
-              <a:t>    </a:t>
-            </a:r>
-            <a:r>
-              <a:rPr lang="en-US" sz="4267" dirty="0"/>
-              <a:t>&lt;HashRouter&gt; Vs &lt;BrowserRouter&gt;</a:t>
-            </a:r>
-          </a:p>
-        </p:txBody>
-      </p:sp>
-      <p:sp>
-        <p:nvSpPr>
-          <p:cNvPr id="5" name="Content Placeholder 2"/>
-          <p:cNvSpPr txBox="1">
-            <a:spLocks/>
-          </p:cNvSpPr>
-          <p:nvPr/>
-        </p:nvSpPr>
-        <p:spPr>
-          <a:xfrm>
-            <a:off x="538715" y="1233782"/>
-            <a:ext cx="10504967" cy="2450361"/>
-          </a:xfrm>
-          <a:prstGeom prst="rect">
-            <a:avLst/>
-          </a:prstGeom>
-        </p:spPr>
-        <p:txBody>
-          <a:bodyPr>
-            <a:normAutofit/>
-          </a:bodyPr>
-          <a:lstStyle>
-            <a:lvl1pPr marL="342900" indent="-342900" algn="l" defTabSz="457200" rtl="0" eaLnBrk="1" latinLnBrk="0" hangingPunct="1">
-              <a:spcBef>
-                <a:spcPct val="20000"/>
-              </a:spcBef>
-              <a:buFont typeface="Arial"/>
-              <a:buChar char="•"/>
-              <a:defRPr sz="3200" kern="1200">
-                <a:solidFill>
-                  <a:schemeClr val="tx1"/>
-                </a:solidFill>
-                <a:latin typeface="+mn-lt"/>
-                <a:ea typeface="+mn-ea"/>
-                <a:cs typeface="+mn-cs"/>
-              </a:defRPr>
-            </a:lvl1pPr>
-            <a:lvl2pPr marL="742950" indent="-285750" algn="l" defTabSz="457200" rtl="0" eaLnBrk="1" latinLnBrk="0" hangingPunct="1">
-              <a:spcBef>
-                <a:spcPct val="20000"/>
-              </a:spcBef>
-              <a:buFont typeface="Arial"/>
-              <a:buChar char="–"/>
-              <a:defRPr sz="2800" kern="1200">
-                <a:solidFill>
-                  <a:schemeClr val="tx1"/>
-                </a:solidFill>
-                <a:latin typeface="+mn-lt"/>
-                <a:ea typeface="+mn-ea"/>
-                <a:cs typeface="+mn-cs"/>
-              </a:defRPr>
-            </a:lvl2pPr>
-            <a:lvl3pPr marL="1143000" indent="-228600" algn="l" defTabSz="457200" rtl="0" eaLnBrk="1" latinLnBrk="0" hangingPunct="1">
-              <a:spcBef>
-                <a:spcPct val="20000"/>
-              </a:spcBef>
-              <a:buFont typeface="Arial"/>
-              <a:buChar char="•"/>
-              <a:defRPr sz="2400" kern="1200">
-                <a:solidFill>
-                  <a:schemeClr val="tx1"/>
-                </a:solidFill>
-                <a:latin typeface="+mn-lt"/>
-                <a:ea typeface="+mn-ea"/>
-                <a:cs typeface="+mn-cs"/>
-              </a:defRPr>
-            </a:lvl3pPr>
-            <a:lvl4pPr marL="1600200" indent="-228600" algn="l" defTabSz="457200" rtl="0" eaLnBrk="1" latinLnBrk="0" hangingPunct="1">
-              <a:spcBef>
-                <a:spcPct val="20000"/>
-              </a:spcBef>
-              <a:buFont typeface="Arial"/>
-              <a:buChar char="–"/>
-              <a:defRPr sz="2000" kern="1200">
-                <a:solidFill>
-                  <a:schemeClr val="tx1"/>
-                </a:solidFill>
-                <a:latin typeface="+mn-lt"/>
-                <a:ea typeface="+mn-ea"/>
-                <a:cs typeface="+mn-cs"/>
-              </a:defRPr>
-            </a:lvl4pPr>
-            <a:lvl5pPr marL="2057400" indent="-228600" algn="l" defTabSz="457200" rtl="0" eaLnBrk="1" latinLnBrk="0" hangingPunct="1">
-              <a:spcBef>
-                <a:spcPct val="20000"/>
-              </a:spcBef>
-              <a:buFont typeface="Arial"/>
-              <a:buChar char="»"/>
-              <a:defRPr sz="2000" kern="1200">
-                <a:solidFill>
-                  <a:schemeClr val="tx1"/>
-                </a:solidFill>
-                <a:latin typeface="+mn-lt"/>
-                <a:ea typeface="+mn-ea"/>
-                <a:cs typeface="+mn-cs"/>
-              </a:defRPr>
-            </a:lvl5pPr>
-            <a:lvl6pPr marL="2514600" indent="-228600" algn="l" defTabSz="457200" rtl="0" eaLnBrk="1" latinLnBrk="0" hangingPunct="1">
-              <a:spcBef>
-                <a:spcPct val="20000"/>
-              </a:spcBef>
-              <a:buFont typeface="Arial"/>
-              <a:buChar char="•"/>
-              <a:defRPr sz="2000" kern="1200">
-                <a:solidFill>
-                  <a:schemeClr val="tx1"/>
-                </a:solidFill>
-                <a:latin typeface="+mn-lt"/>
-                <a:ea typeface="+mn-ea"/>
-                <a:cs typeface="+mn-cs"/>
-              </a:defRPr>
-            </a:lvl6pPr>
-            <a:lvl7pPr marL="2971800" indent="-228600" algn="l" defTabSz="457200" rtl="0" eaLnBrk="1" latinLnBrk="0" hangingPunct="1">
-              <a:spcBef>
-                <a:spcPct val="20000"/>
-              </a:spcBef>
-              <a:buFont typeface="Arial"/>
-              <a:buChar char="•"/>
-              <a:defRPr sz="2000" kern="1200">
-                <a:solidFill>
-                  <a:schemeClr val="tx1"/>
-                </a:solidFill>
-                <a:latin typeface="+mn-lt"/>
-                <a:ea typeface="+mn-ea"/>
-                <a:cs typeface="+mn-cs"/>
-              </a:defRPr>
-            </a:lvl7pPr>
-            <a:lvl8pPr marL="3429000" indent="-228600" algn="l" defTabSz="457200" rtl="0" eaLnBrk="1" latinLnBrk="0" hangingPunct="1">
-              <a:spcBef>
-                <a:spcPct val="20000"/>
-              </a:spcBef>
-              <a:buFont typeface="Arial"/>
-              <a:buChar char="•"/>
-              <a:defRPr sz="2000" kern="1200">
-                <a:solidFill>
-                  <a:schemeClr val="tx1"/>
-                </a:solidFill>
-                <a:latin typeface="+mn-lt"/>
-                <a:ea typeface="+mn-ea"/>
-                <a:cs typeface="+mn-cs"/>
-              </a:defRPr>
-            </a:lvl8pPr>
-            <a:lvl9pPr marL="3886200" indent="-228600" algn="l" defTabSz="457200" rtl="0" eaLnBrk="1" latinLnBrk="0" hangingPunct="1">
-              <a:spcBef>
-                <a:spcPct val="20000"/>
-              </a:spcBef>
-              <a:buFont typeface="Arial"/>
-              <a:buChar char="•"/>
-              <a:defRPr sz="2000" kern="1200">
-                <a:solidFill>
-                  <a:schemeClr val="tx1"/>
-                </a:solidFill>
-                <a:latin typeface="+mn-lt"/>
-                <a:ea typeface="+mn-ea"/>
-                <a:cs typeface="+mn-cs"/>
-              </a:defRPr>
-            </a:lvl9pPr>
-          </a:lstStyle>
-          <a:p>
-            <a:r>
-              <a:rPr lang="en-US" sz="2133" dirty="0">
-                <a:solidFill>
-                  <a:srgbClr val="C4E3B0"/>
-                </a:solidFill>
-              </a:rPr>
-              <a:t>One builds classic URLs, the other builds URLs with the hash,as shown.</a:t>
-            </a:r>
-          </a:p>
-          <a:p>
-            <a:r>
-              <a:rPr lang="en-US" sz="2133" dirty="0">
-                <a:solidFill>
-                  <a:srgbClr val="C4E3B0"/>
-                </a:solidFill>
-              </a:rPr>
-              <a:t>Which one to use basically depends on, which browser is in action.</a:t>
-            </a:r>
-          </a:p>
-          <a:p>
-            <a:r>
-              <a:rPr lang="en-US" sz="2133" dirty="0">
-                <a:solidFill>
-                  <a:srgbClr val="C4E3B0"/>
-                </a:solidFill>
-              </a:rPr>
-              <a:t>&lt;BrowserRouter&gt; uses History API, which is not supported by IE9 and below.</a:t>
-            </a:r>
-          </a:p>
-          <a:p>
-            <a:r>
-              <a:rPr lang="en-US" sz="2133" dirty="0">
-                <a:solidFill>
-                  <a:srgbClr val="C4E3B0"/>
-                </a:solidFill>
-              </a:rPr>
-              <a:t>The History API lets you interact with the browser history, trigger the browser navigation methods and change the address bar content.</a:t>
-            </a:r>
-          </a:p>
-          <a:p>
-            <a:endParaRPr lang="en-US" sz="1867" dirty="0"/>
-          </a:p>
-        </p:txBody>
-      </p:sp>
-      <p:pic>
-        <p:nvPicPr>
-          <p:cNvPr id="3" name="Picture 2"/>
-          <p:cNvPicPr>
-            <a:picLocks noChangeAspect="1"/>
-          </p:cNvPicPr>
-          <p:nvPr/>
-        </p:nvPicPr>
-        <p:blipFill>
-          <a:blip r:embed="rId3">
-            <a:extLst>
-              <a:ext uri="{28A0092B-C50C-407E-A947-70E740481C1C}">
-                <a14:useLocalDpi xmlns:a14="http://schemas.microsoft.com/office/drawing/2010/main" val="0"/>
-              </a:ext>
-            </a:extLst>
-          </a:blip>
-          <a:stretch>
-            <a:fillRect/>
-          </a:stretch>
-        </p:blipFill>
-        <p:spPr>
-          <a:xfrm>
-            <a:off x="1219200" y="3835400"/>
-            <a:ext cx="9152912" cy="1961339"/>
-          </a:xfrm>
-          <a:prstGeom prst="rect">
-            <a:avLst/>
-          </a:prstGeom>
-        </p:spPr>
-      </p:pic>
-    </p:spTree>
-    <p:extLst>
-      <p:ext uri="{BB962C8B-B14F-4D97-AF65-F5344CB8AC3E}">
-        <p14:creationId xmlns:p14="http://schemas.microsoft.com/office/powerpoint/2010/main" val="2411289772"/>
-      </p:ext>
-    </p:extLst>
-  </p:cSld>
-  <p:clrMapOvr>
-    <a:masterClrMapping/>
-  </p:clrMapOvr>
-</p:sld>
-</file>
-
-<file path=ppt/slides/slide14.xml><?xml version="1.0" encoding="utf-8"?>
-<p:sld xmlns:a="http://schemas.openxmlformats.org/drawingml/2006/main" xmlns:r="http://schemas.openxmlformats.org/officeDocument/2006/relationships" xmlns:p="http://schemas.openxmlformats.org/presentationml/2006/main">
-  <p:cSld>
-    <p:spTree>
-      <p:nvGrpSpPr>
-        <p:cNvPr id="1" name=""/>
-        <p:cNvGrpSpPr/>
-        <p:nvPr/>
-      </p:nvGrpSpPr>
-      <p:grpSpPr>
-        <a:xfrm>
-          <a:off x="0" y="0"/>
-          <a:ext cx="0" cy="0"/>
-          <a:chOff x="0" y="0"/>
-          <a:chExt cx="0" cy="0"/>
-        </a:xfrm>
-      </p:grpSpPr>
-      <p:sp>
-        <p:nvSpPr>
           <p:cNvPr id="2" name="Title 1">
             <a:extLst>
               <a:ext uri="{FF2B5EF4-FFF2-40B4-BE49-F238E27FC236}">
@@ -10849,8 +11249,63 @@
                 <a:latin typeface="Arial" panose="020B0604020202020204" pitchFamily="34" charset="0"/>
                 <a:cs typeface="Arial" panose="020B0604020202020204" pitchFamily="34" charset="0"/>
               </a:rPr>
-              <a:t>Install routing in app</a:t>
-            </a:r>
+              <a:t>Install routing in app (</a:t>
+            </a:r>
+            <a:r>
+              <a:rPr lang="en-US" sz="2800" dirty="0" err="1">
+                <a:solidFill>
+                  <a:srgbClr val="C4E3B0"/>
+                </a:solidFill>
+              </a:rPr>
+              <a:t>npm</a:t>
+            </a:r>
+            <a:r>
+              <a:rPr lang="en-US" sz="2800" dirty="0">
+                <a:solidFill>
+                  <a:srgbClr val="C4E3B0"/>
+                </a:solidFill>
+              </a:rPr>
+              <a:t> </a:t>
+            </a:r>
+            <a:r>
+              <a:rPr lang="en-US" sz="2800" dirty="0" err="1">
+                <a:solidFill>
+                  <a:srgbClr val="C4E3B0"/>
+                </a:solidFill>
+              </a:rPr>
+              <a:t>i</a:t>
+            </a:r>
+            <a:r>
+              <a:rPr lang="en-US" sz="2800" dirty="0">
+                <a:solidFill>
+                  <a:srgbClr val="C4E3B0"/>
+                </a:solidFill>
+              </a:rPr>
+              <a:t> -S react-router-</a:t>
+            </a:r>
+            <a:r>
+              <a:rPr lang="en-US" sz="2800" dirty="0" err="1">
+                <a:solidFill>
+                  <a:srgbClr val="C4E3B0"/>
+                </a:solidFill>
+              </a:rPr>
+              <a:t>dom</a:t>
+            </a:r>
+            <a:r>
+              <a:rPr lang="en-US" sz="2800" dirty="0">
+                <a:solidFill>
+                  <a:schemeClr val="bg1"/>
+                </a:solidFill>
+              </a:rPr>
+              <a:t>)</a:t>
+            </a:r>
+            <a:endParaRPr lang="en-US" sz="2800" dirty="0">
+              <a:solidFill>
+                <a:schemeClr val="bg1"/>
+              </a:solidFill>
+              <a:latin typeface="Arial" panose="020B0604020202020204" pitchFamily="34" charset="0"/>
+              <a:cs typeface="Arial" panose="020B0604020202020204" pitchFamily="34" charset="0"/>
+            </a:endParaRPr>
           </a:p>
           <a:p>
             <a:pPr marL="742950" indent="-742950">
@@ -10858,18 +11313,11 @@
               <a:buAutoNum type="arabicPeriod"/>
             </a:pPr>
             <a:r>
-              <a:rPr lang="en-US" sz="2800" dirty="0" err="1">
-                <a:latin typeface="Arial" panose="020B0604020202020204" pitchFamily="34" charset="0"/>
-                <a:cs typeface="Arial" panose="020B0604020202020204" pitchFamily="34" charset="0"/>
-              </a:rPr>
-              <a:t>Migrage</a:t>
-            </a:r>
-            <a:r>
               <a:rPr lang="en-US" sz="2800" dirty="0">
                 <a:latin typeface="Arial" panose="020B0604020202020204" pitchFamily="34" charset="0"/>
                 <a:cs typeface="Arial" panose="020B0604020202020204" pitchFamily="34" charset="0"/>
               </a:rPr>
-              <a:t> App render to a new Home component</a:t>
+              <a:t>Migrate App render to a new Home component</a:t>
             </a:r>
           </a:p>
           <a:p>
@@ -11264,6 +11712,101 @@
 </p:sld>
 </file>
 
+<file path=ppt/slides/slide14.xml><?xml version="1.0" encoding="utf-8"?>
+<p:sld xmlns:a="http://schemas.openxmlformats.org/drawingml/2006/main" xmlns:r="http://schemas.openxmlformats.org/officeDocument/2006/relationships" xmlns:p="http://schemas.openxmlformats.org/presentationml/2006/main">
+  <p:cSld>
+    <p:spTree>
+      <p:nvGrpSpPr>
+        <p:cNvPr id="1" name=""/>
+        <p:cNvGrpSpPr/>
+        <p:nvPr/>
+      </p:nvGrpSpPr>
+      <p:grpSpPr>
+        <a:xfrm>
+          <a:off x="0" y="0"/>
+          <a:ext cx="0" cy="0"/>
+          <a:chOff x="0" y="0"/>
+          <a:chExt cx="0" cy="0"/>
+        </a:xfrm>
+      </p:grpSpPr>
+      <p:sp>
+        <p:nvSpPr>
+          <p:cNvPr id="2" name="Title 1">
+            <a:extLst>
+              <a:ext uri="{FF2B5EF4-FFF2-40B4-BE49-F238E27FC236}">
+                <a16:creationId xmlns:a16="http://schemas.microsoft.com/office/drawing/2014/main" id="{15E9DC77-30DC-8741-BF5D-DF4DA37058D4}"/>
+              </a:ext>
+            </a:extLst>
+          </p:cNvPr>
+          <p:cNvSpPr>
+            <a:spLocks noGrp="1"/>
+          </p:cNvSpPr>
+          <p:nvPr>
+            <p:ph type="title"/>
+          </p:nvPr>
+        </p:nvSpPr>
+        <p:spPr>
+          <a:xfrm>
+            <a:off x="1392730" y="330261"/>
+            <a:ext cx="2702615" cy="607259"/>
+          </a:xfrm>
+        </p:spPr>
+        <p:txBody>
+          <a:bodyPr/>
+          <a:lstStyle/>
+          <a:p>
+            <a:pPr algn="ctr"/>
+            <a:r>
+              <a:rPr lang="en-US" dirty="0" err="1"/>
+              <a:t>Home.js</a:t>
+            </a:r>
+            <a:endParaRPr lang="en-US" dirty="0"/>
+          </a:p>
+        </p:txBody>
+      </p:sp>
+      <p:pic>
+        <p:nvPicPr>
+          <p:cNvPr id="4" name="Picture 3">
+            <a:extLst>
+              <a:ext uri="{FF2B5EF4-FFF2-40B4-BE49-F238E27FC236}">
+                <a16:creationId xmlns:a16="http://schemas.microsoft.com/office/drawing/2014/main" id="{A30B11F6-0571-AD42-90C7-C5A3BEAC64DE}"/>
+              </a:ext>
+            </a:extLst>
+          </p:cNvPr>
+          <p:cNvPicPr>
+            <a:picLocks noChangeAspect="1"/>
+          </p:cNvPicPr>
+          <p:nvPr/>
+        </p:nvPicPr>
+        <p:blipFill>
+          <a:blip r:embed="rId2"/>
+          <a:stretch>
+            <a:fillRect/>
+          </a:stretch>
+        </p:blipFill>
+        <p:spPr>
+          <a:xfrm>
+            <a:off x="5289659" y="0"/>
+            <a:ext cx="6902341" cy="6858000"/>
+          </a:xfrm>
+          <a:prstGeom prst="rect">
+            <a:avLst/>
+          </a:prstGeom>
+        </p:spPr>
+      </p:pic>
+    </p:spTree>
+    <p:extLst>
+      <p:ext uri="{BB962C8B-B14F-4D97-AF65-F5344CB8AC3E}">
+        <p14:creationId xmlns:p14="http://schemas.microsoft.com/office/powerpoint/2010/main" val="3655918733"/>
+      </p:ext>
+    </p:extLst>
+  </p:cSld>
+  <p:clrMapOvr>
+    <a:masterClrMapping/>
+  </p:clrMapOvr>
+</p:sld>
+</file>
+
 <file path=ppt/slides/slide15.xml><?xml version="1.0" encoding="utf-8"?>
 <p:sld xmlns:a="http://schemas.openxmlformats.org/drawingml/2006/main" xmlns:r="http://schemas.openxmlformats.org/officeDocument/2006/relationships" xmlns:p="http://schemas.openxmlformats.org/presentationml/2006/main">
   <p:cSld>
@@ -11281,42 +11824,12 @@
           <a:chExt cx="0" cy="0"/>
         </a:xfrm>
       </p:grpSpPr>
-      <p:sp>
-        <p:nvSpPr>
-          <p:cNvPr id="2" name="Title 1">
-            <a:extLst>
-              <a:ext uri="{FF2B5EF4-FFF2-40B4-BE49-F238E27FC236}">
-                <a16:creationId xmlns:a16="http://schemas.microsoft.com/office/drawing/2014/main" id="{15E9DC77-30DC-8741-BF5D-DF4DA37058D4}"/>
-              </a:ext>
-            </a:extLst>
-          </p:cNvPr>
-          <p:cNvSpPr>
-            <a:spLocks noGrp="1"/>
-          </p:cNvSpPr>
-          <p:nvPr>
-            <p:ph type="title"/>
-          </p:nvPr>
-        </p:nvSpPr>
-        <p:spPr/>
-        <p:txBody>
-          <a:bodyPr/>
-          <a:lstStyle/>
-          <a:p>
-            <a:pPr algn="ctr"/>
-            <a:r>
-              <a:rPr lang="en-US" dirty="0" err="1"/>
-              <a:t>Home.js</a:t>
-            </a:r>
-            <a:endParaRPr lang="en-US" dirty="0"/>
-          </a:p>
-        </p:txBody>
-      </p:sp>
       <p:pic>
         <p:nvPicPr>
           <p:cNvPr id="3" name="Picture 2">
             <a:extLst>
               <a:ext uri="{FF2B5EF4-FFF2-40B4-BE49-F238E27FC236}">
-                <a16:creationId xmlns:a16="http://schemas.microsoft.com/office/drawing/2014/main" id="{B8D4949D-B247-204F-BDCC-1C4055289295}"/>
+                <a16:creationId xmlns:a16="http://schemas.microsoft.com/office/drawing/2014/main" id="{3D0065E1-D073-734B-ABCD-28AF8F78F24F}"/>
               </a:ext>
             </a:extLst>
           </p:cNvPr>
@@ -11333,18 +11846,53 @@
         </p:blipFill>
         <p:spPr>
           <a:xfrm>
-            <a:off x="3111661" y="1041400"/>
-            <a:ext cx="5958468" cy="5816600"/>
+            <a:off x="319631" y="0"/>
+            <a:ext cx="11552738" cy="6858000"/>
           </a:xfrm>
           <a:prstGeom prst="rect">
             <a:avLst/>
           </a:prstGeom>
         </p:spPr>
       </p:pic>
+      <p:sp>
+        <p:nvSpPr>
+          <p:cNvPr id="2" name="Title 1">
+            <a:extLst>
+              <a:ext uri="{FF2B5EF4-FFF2-40B4-BE49-F238E27FC236}">
+                <a16:creationId xmlns:a16="http://schemas.microsoft.com/office/drawing/2014/main" id="{1D3566BE-3D87-8C4E-9667-A5AC7E876AEB}"/>
+              </a:ext>
+            </a:extLst>
+          </p:cNvPr>
+          <p:cNvSpPr>
+            <a:spLocks noGrp="1"/>
+          </p:cNvSpPr>
+          <p:nvPr>
+            <p:ph type="title"/>
+          </p:nvPr>
+        </p:nvSpPr>
+        <p:spPr>
+          <a:xfrm>
+            <a:off x="497785" y="510143"/>
+            <a:ext cx="11186220" cy="607259"/>
+          </a:xfrm>
+        </p:spPr>
+        <p:txBody>
+          <a:bodyPr/>
+          <a:lstStyle/>
+          <a:p>
+            <a:pPr algn="ctr"/>
+            <a:r>
+              <a:rPr lang="en-US" dirty="0" err="1"/>
+              <a:t>Navbar.js</a:t>
+            </a:r>
+            <a:endParaRPr lang="en-US" dirty="0"/>
+          </a:p>
+        </p:txBody>
+      </p:sp>
     </p:spTree>
     <p:extLst>
       <p:ext uri="{BB962C8B-B14F-4D97-AF65-F5344CB8AC3E}">
-        <p14:creationId xmlns:p14="http://schemas.microsoft.com/office/powerpoint/2010/main" val="3655918733"/>
+        <p14:creationId xmlns:p14="http://schemas.microsoft.com/office/powerpoint/2010/main" val="3847634100"/>
       </p:ext>
     </p:extLst>
   </p:cSld>
@@ -11371,12 +11919,47 @@
           <a:chExt cx="0" cy="0"/>
         </a:xfrm>
       </p:grpSpPr>
+      <p:sp>
+        <p:nvSpPr>
+          <p:cNvPr id="4" name="Title 1">
+            <a:extLst>
+              <a:ext uri="{FF2B5EF4-FFF2-40B4-BE49-F238E27FC236}">
+                <a16:creationId xmlns:a16="http://schemas.microsoft.com/office/drawing/2014/main" id="{E10BC2CB-40B9-9C4A-8E4F-0945C274F6C2}"/>
+              </a:ext>
+            </a:extLst>
+          </p:cNvPr>
+          <p:cNvSpPr>
+            <a:spLocks noGrp="1"/>
+          </p:cNvSpPr>
+          <p:nvPr>
+            <p:ph type="title"/>
+          </p:nvPr>
+        </p:nvSpPr>
+        <p:spPr>
+          <a:xfrm>
+            <a:off x="497785" y="510143"/>
+            <a:ext cx="11186220" cy="607259"/>
+          </a:xfrm>
+        </p:spPr>
+        <p:txBody>
+          <a:bodyPr/>
+          <a:lstStyle/>
+          <a:p>
+            <a:pPr algn="ctr"/>
+            <a:r>
+              <a:rPr lang="en-US" dirty="0" err="1"/>
+              <a:t>Navbar.css</a:t>
+            </a:r>
+            <a:endParaRPr lang="en-US" dirty="0"/>
+          </a:p>
+        </p:txBody>
+      </p:sp>
       <p:pic>
         <p:nvPicPr>
-          <p:cNvPr id="4" name="Picture 3">
+          <p:cNvPr id="5" name="Picture 4">
             <a:extLst>
               <a:ext uri="{FF2B5EF4-FFF2-40B4-BE49-F238E27FC236}">
-                <a16:creationId xmlns:a16="http://schemas.microsoft.com/office/drawing/2014/main" id="{18832089-C25B-274E-ABF9-EFA2EC66FCE5}"/>
+                <a16:creationId xmlns:a16="http://schemas.microsoft.com/office/drawing/2014/main" id="{5BC96444-6C58-D94C-9483-08C6DE4C8F19}"/>
               </a:ext>
             </a:extLst>
           </p:cNvPr>
@@ -11393,53 +11976,18 @@
         </p:blipFill>
         <p:spPr>
           <a:xfrm>
-            <a:off x="782625" y="0"/>
-            <a:ext cx="10616540" cy="6858000"/>
+            <a:off x="4319245" y="1439230"/>
+            <a:ext cx="3543300" cy="1841500"/>
           </a:xfrm>
           <a:prstGeom prst="rect">
             <a:avLst/>
           </a:prstGeom>
         </p:spPr>
       </p:pic>
-      <p:sp>
-        <p:nvSpPr>
-          <p:cNvPr id="2" name="Title 1">
-            <a:extLst>
-              <a:ext uri="{FF2B5EF4-FFF2-40B4-BE49-F238E27FC236}">
-                <a16:creationId xmlns:a16="http://schemas.microsoft.com/office/drawing/2014/main" id="{1D3566BE-3D87-8C4E-9667-A5AC7E876AEB}"/>
-              </a:ext>
-            </a:extLst>
-          </p:cNvPr>
-          <p:cNvSpPr>
-            <a:spLocks noGrp="1"/>
-          </p:cNvSpPr>
-          <p:nvPr>
-            <p:ph type="title"/>
-          </p:nvPr>
-        </p:nvSpPr>
-        <p:spPr>
-          <a:xfrm>
-            <a:off x="497785" y="510143"/>
-            <a:ext cx="11186220" cy="607259"/>
-          </a:xfrm>
-        </p:spPr>
-        <p:txBody>
-          <a:bodyPr/>
-          <a:lstStyle/>
-          <a:p>
-            <a:pPr algn="ctr"/>
-            <a:r>
-              <a:rPr lang="en-US" dirty="0" err="1"/>
-              <a:t>Navbar.js</a:t>
-            </a:r>
-            <a:endParaRPr lang="en-US" dirty="0"/>
-          </a:p>
-        </p:txBody>
-      </p:sp>
     </p:spTree>
     <p:extLst>
       <p:ext uri="{BB962C8B-B14F-4D97-AF65-F5344CB8AC3E}">
-        <p14:creationId xmlns:p14="http://schemas.microsoft.com/office/powerpoint/2010/main" val="3847634100"/>
+        <p14:creationId xmlns:p14="http://schemas.microsoft.com/office/powerpoint/2010/main" val="2877205733"/>
       </p:ext>
     </p:extLst>
   </p:cSld>
@@ -11484,7 +12032,7 @@
         </p:nvSpPr>
         <p:spPr>
           <a:xfrm>
-            <a:off x="775742" y="966464"/>
+            <a:off x="1077300" y="1122105"/>
             <a:ext cx="1517753" cy="607259"/>
           </a:xfrm>
         </p:spPr>
@@ -11503,10 +12051,10 @@
       </p:sp>
       <p:pic>
         <p:nvPicPr>
-          <p:cNvPr id="3" name="Picture 2">
+          <p:cNvPr id="4" name="Picture 3">
             <a:extLst>
               <a:ext uri="{FF2B5EF4-FFF2-40B4-BE49-F238E27FC236}">
-                <a16:creationId xmlns:a16="http://schemas.microsoft.com/office/drawing/2014/main" id="{27664D8F-85A7-A448-96CD-7893A68035E4}"/>
+                <a16:creationId xmlns:a16="http://schemas.microsoft.com/office/drawing/2014/main" id="{FECD4B40-692B-E449-ABB2-9401A2EC2AA0}"/>
               </a:ext>
             </a:extLst>
           </p:cNvPr>
@@ -11523,8 +12071,8 @@
         </p:blipFill>
         <p:spPr>
           <a:xfrm>
-            <a:off x="3303084" y="226426"/>
-            <a:ext cx="5585832" cy="2087337"/>
+            <a:off x="3891154" y="119597"/>
+            <a:ext cx="4808687" cy="2915433"/>
           </a:xfrm>
           <a:prstGeom prst="rect">
             <a:avLst/>
@@ -11533,10 +12081,10 @@
       </p:pic>
       <p:pic>
         <p:nvPicPr>
-          <p:cNvPr id="6" name="Picture 5">
+          <p:cNvPr id="8" name="Picture 7">
             <a:extLst>
               <a:ext uri="{FF2B5EF4-FFF2-40B4-BE49-F238E27FC236}">
-                <a16:creationId xmlns:a16="http://schemas.microsoft.com/office/drawing/2014/main" id="{58C05C34-314F-F840-A6EF-2C08864CB5E6}"/>
+                <a16:creationId xmlns:a16="http://schemas.microsoft.com/office/drawing/2014/main" id="{A8B91EC3-432B-F04B-A8D8-0EFEB8132AF6}"/>
               </a:ext>
             </a:extLst>
           </p:cNvPr>
@@ -11553,8 +12101,8 @@
         </p:blipFill>
         <p:spPr>
           <a:xfrm>
-            <a:off x="0" y="2656508"/>
-            <a:ext cx="12192000" cy="4201492"/>
+            <a:off x="1215957" y="3659879"/>
+            <a:ext cx="9931940" cy="3198121"/>
           </a:xfrm>
           <a:prstGeom prst="rect">
             <a:avLst/>
@@ -11564,7 +12112,7 @@
     </p:spTree>
     <p:extLst>
       <p:ext uri="{BB962C8B-B14F-4D97-AF65-F5344CB8AC3E}">
-        <p14:creationId xmlns:p14="http://schemas.microsoft.com/office/powerpoint/2010/main" val="2907750080"/>
+        <p14:creationId xmlns:p14="http://schemas.microsoft.com/office/powerpoint/2010/main" val="2107208785"/>
       </p:ext>
     </p:extLst>
   </p:cSld>
@@ -11699,8 +12247,8 @@
         </p:nvSpPr>
         <p:spPr>
           <a:xfrm>
-            <a:off x="538715" y="1233782"/>
-            <a:ext cx="10504967" cy="2450361"/>
+            <a:off x="883170" y="1298860"/>
+            <a:ext cx="10504967" cy="1658350"/>
           </a:xfrm>
           <a:prstGeom prst="rect">
             <a:avLst/>
@@ -11848,146 +12396,197 @@
             </a:lvl9pPr>
           </a:lstStyle>
           <a:p>
+            <a:pPr marL="0" indent="0" algn="ctr">
+              <a:buNone/>
+            </a:pPr>
             <a:r>
               <a:rPr lang="en-US" sz="2133" dirty="0">
                 <a:solidFill>
+                  <a:schemeClr val="bg1"/>
+                </a:solidFill>
+              </a:rPr>
+              <a:t>It would be nice if our app redirected to developer bios page after a user submits a bio. </a:t>
+            </a:r>
+          </a:p>
+          <a:p>
+            <a:pPr marL="0" indent="0" algn="ctr">
+              <a:buNone/>
+            </a:pPr>
+            <a:r>
+              <a:rPr lang="en-US" sz="2133" dirty="0">
+                <a:solidFill>
+                  <a:schemeClr val="bg1"/>
+                </a:solidFill>
+              </a:rPr>
+              <a:t>This can be accomplished using:</a:t>
+            </a:r>
+          </a:p>
+          <a:p>
+            <a:pPr marL="0" indent="0">
+              <a:buNone/>
+            </a:pPr>
+            <a:endParaRPr lang="en-US" sz="2133" dirty="0">
+              <a:solidFill>
+                <a:srgbClr val="C4E3B0"/>
+              </a:solidFill>
+            </a:endParaRPr>
+          </a:p>
+          <a:p>
+            <a:pPr marL="0" indent="0" algn="ctr">
+              <a:buNone/>
+            </a:pPr>
+            <a:r>
+              <a:rPr lang="en-US" sz="2133" dirty="0">
+                <a:solidFill>
                   <a:srgbClr val="C4E3B0"/>
                 </a:solidFill>
               </a:rPr>
-              <a:t>It would be nice if our app redirected to developer bios page after a user submits a bio. This can be accomplished with the </a:t>
-            </a:r>
-            <a:r>
-              <a:rPr lang="en-US" sz="2133" dirty="0" err="1">
-                <a:solidFill>
-                  <a:srgbClr val="C4E3B0"/>
-                </a:solidFill>
-              </a:rPr>
-              <a:t>withRouter</a:t>
-            </a:r>
-            <a:r>
-              <a:rPr lang="en-US" sz="2133" dirty="0">
-                <a:solidFill>
-                  <a:srgbClr val="C4E3B0"/>
-                </a:solidFill>
-              </a:rPr>
-              <a:t> and </a:t>
-            </a:r>
-            <a:r>
-              <a:rPr lang="en-US" sz="2133" dirty="0" err="1">
-                <a:solidFill>
-                  <a:srgbClr val="C4E3B0"/>
-                </a:solidFill>
-              </a:rPr>
-              <a:t>history.props</a:t>
-            </a:r>
-            <a:r>
-              <a:rPr lang="en-US" sz="2133" dirty="0">
-                <a:solidFill>
-                  <a:srgbClr val="C4E3B0"/>
-                </a:solidFill>
-              </a:rPr>
-              <a:t> in our situation</a:t>
-            </a:r>
-          </a:p>
-          <a:p>
-            <a:endParaRPr lang="en-US" sz="1867" dirty="0"/>
-          </a:p>
-        </p:txBody>
-      </p:sp>
-      <p:pic>
-        <p:nvPicPr>
-          <p:cNvPr id="2" name="Picture 1">
+              <a:t>History</a:t>
+            </a:r>
+          </a:p>
+        </p:txBody>
+      </p:sp>
+      <p:sp>
+        <p:nvSpPr>
+          <p:cNvPr id="3" name="Rectangle 2">
             <a:extLst>
               <a:ext uri="{FF2B5EF4-FFF2-40B4-BE49-F238E27FC236}">
-                <a16:creationId xmlns:a16="http://schemas.microsoft.com/office/drawing/2014/main" id="{40C9085D-8902-004C-BC82-65235D4C51BE}"/>
+                <a16:creationId xmlns:a16="http://schemas.microsoft.com/office/drawing/2014/main" id="{46185CEC-9262-954C-A595-212832FD8CB7}"/>
               </a:ext>
             </a:extLst>
           </p:cNvPr>
-          <p:cNvPicPr>
-            <a:picLocks noChangeAspect="1"/>
-          </p:cNvPicPr>
+          <p:cNvSpPr/>
           <p:nvPr/>
-        </p:nvPicPr>
-        <p:blipFill>
-          <a:blip r:embed="rId3"/>
-          <a:stretch>
-            <a:fillRect/>
-          </a:stretch>
-        </p:blipFill>
+        </p:nvSpPr>
         <p:spPr>
           <a:xfrm>
-            <a:off x="538715" y="2257649"/>
-            <a:ext cx="6040411" cy="996566"/>
+            <a:off x="3097381" y="3022288"/>
+            <a:ext cx="6096000" cy="646331"/>
           </a:xfrm>
           <a:prstGeom prst="rect">
             <a:avLst/>
           </a:prstGeom>
         </p:spPr>
-      </p:pic>
-      <p:pic>
-        <p:nvPicPr>
-          <p:cNvPr id="6" name="Picture 5">
+        <p:txBody>
+          <a:bodyPr>
+            <a:spAutoFit/>
+          </a:bodyPr>
+          <a:lstStyle/>
+          <a:p>
+            <a:r>
+              <a:rPr lang="en-US" dirty="0">
+                <a:solidFill>
+                  <a:schemeClr val="accent2"/>
+                </a:solidFill>
+                <a:hlinkClick r:id="rId3">
+                  <a:extLst>
+                    <a:ext uri="{A12FA001-AC4F-418D-AE19-62706E023703}">
+                      <ahyp:hlinkClr xmlns:ahyp="http://schemas.microsoft.com/office/drawing/2018/hyperlinkcolor" val="tx"/>
+                    </a:ext>
+                  </a:extLst>
+                </a:hlinkClick>
+              </a:rPr>
+              <a:t>https://github.com/ReactTraining/history/blob/master/docs/GettingStarted.md</a:t>
+            </a:r>
+            <a:endParaRPr lang="en-US" dirty="0">
+              <a:solidFill>
+                <a:schemeClr val="accent2"/>
+              </a:solidFill>
+            </a:endParaRPr>
+          </a:p>
+        </p:txBody>
+      </p:sp>
+      <p:sp>
+        <p:nvSpPr>
+          <p:cNvPr id="8" name="Rectangle 7">
             <a:extLst>
               <a:ext uri="{FF2B5EF4-FFF2-40B4-BE49-F238E27FC236}">
-                <a16:creationId xmlns:a16="http://schemas.microsoft.com/office/drawing/2014/main" id="{2BAD89EC-DD04-5B47-BF66-AD4B6A3B78F2}"/>
+                <a16:creationId xmlns:a16="http://schemas.microsoft.com/office/drawing/2014/main" id="{DC478520-ED30-6342-BBE4-1AA30059ACF6}"/>
               </a:ext>
             </a:extLst>
           </p:cNvPr>
-          <p:cNvPicPr>
-            <a:picLocks noChangeAspect="1"/>
-          </p:cNvPicPr>
+          <p:cNvSpPr/>
           <p:nvPr/>
-        </p:nvPicPr>
-        <p:blipFill>
-          <a:blip r:embed="rId4"/>
-          <a:stretch>
-            <a:fillRect/>
-          </a:stretch>
-        </p:blipFill>
+        </p:nvSpPr>
         <p:spPr>
           <a:xfrm>
-            <a:off x="7039236" y="2104720"/>
-            <a:ext cx="4937905" cy="2437299"/>
+            <a:off x="3087653" y="4056833"/>
+            <a:ext cx="6096000" cy="974562"/>
           </a:xfrm>
           <a:prstGeom prst="rect">
             <a:avLst/>
           </a:prstGeom>
         </p:spPr>
-      </p:pic>
-      <p:pic>
-        <p:nvPicPr>
-          <p:cNvPr id="7" name="Picture 6">
-            <a:extLst>
-              <a:ext uri="{FF2B5EF4-FFF2-40B4-BE49-F238E27FC236}">
-                <a16:creationId xmlns:a16="http://schemas.microsoft.com/office/drawing/2014/main" id="{DC88B1E8-0138-7B43-A5AC-EAB8F1BBED61}"/>
-              </a:ext>
-            </a:extLst>
-          </p:cNvPr>
-          <p:cNvPicPr>
-            <a:picLocks noChangeAspect="1"/>
-          </p:cNvPicPr>
-          <p:nvPr/>
-        </p:nvPicPr>
-        <p:blipFill>
-          <a:blip r:embed="rId5"/>
-          <a:stretch>
-            <a:fillRect/>
-          </a:stretch>
-        </p:blipFill>
-        <p:spPr>
-          <a:xfrm>
-            <a:off x="3204980" y="5229336"/>
-            <a:ext cx="6350000" cy="673100"/>
-          </a:xfrm>
-          <a:prstGeom prst="rect">
-            <a:avLst/>
-          </a:prstGeom>
-        </p:spPr>
-      </p:pic>
+        <p:txBody>
+          <a:bodyPr>
+            <a:spAutoFit/>
+          </a:bodyPr>
+          <a:lstStyle/>
+          <a:p>
+            <a:pPr algn="ctr" defTabSz="457200">
+              <a:spcBef>
+                <a:spcPct val="20000"/>
+              </a:spcBef>
+            </a:pPr>
+            <a:r>
+              <a:rPr lang="en-US" sz="2133" dirty="0" err="1">
+                <a:solidFill>
+                  <a:srgbClr val="C4E3B0"/>
+                </a:solidFill>
+              </a:rPr>
+              <a:t>withRouter</a:t>
+            </a:r>
+            <a:endParaRPr lang="en-US" sz="2133" dirty="0">
+              <a:solidFill>
+                <a:srgbClr val="C4E3B0"/>
+              </a:solidFill>
+            </a:endParaRPr>
+          </a:p>
+          <a:p>
+            <a:pPr algn="ctr"/>
+            <a:endParaRPr lang="en-US" dirty="0">
+              <a:solidFill>
+                <a:srgbClr val="C4E3B0"/>
+              </a:solidFill>
+            </a:endParaRPr>
+          </a:p>
+          <a:p>
+            <a:pPr algn="ctr"/>
+            <a:r>
+              <a:rPr lang="en-US" dirty="0">
+                <a:solidFill>
+                  <a:schemeClr val="accent2"/>
+                </a:solidFill>
+              </a:rPr>
+              <a:t> </a:t>
+            </a:r>
+            <a:r>
+              <a:rPr lang="en-US" dirty="0">
+                <a:solidFill>
+                  <a:schemeClr val="accent2"/>
+                </a:solidFill>
+                <a:hlinkClick r:id="rId4">
+                  <a:extLst>
+                    <a:ext uri="{A12FA001-AC4F-418D-AE19-62706E023703}">
+                      <ahyp:hlinkClr xmlns:ahyp="http://schemas.microsoft.com/office/drawing/2018/hyperlinkcolor" val="tx"/>
+                    </a:ext>
+                  </a:extLst>
+                </a:hlinkClick>
+              </a:rPr>
+              <a:t>https://reacttraining.com/react-router/web/api/withRouter</a:t>
+            </a:r>
+            <a:endParaRPr lang="en-US" dirty="0">
+              <a:solidFill>
+                <a:schemeClr val="accent2"/>
+              </a:solidFill>
+            </a:endParaRPr>
+          </a:p>
+        </p:txBody>
+      </p:sp>
     </p:spTree>
     <p:extLst>
       <p:ext uri="{BB962C8B-B14F-4D97-AF65-F5344CB8AC3E}">
-        <p14:creationId xmlns:p14="http://schemas.microsoft.com/office/powerpoint/2010/main" val="3878333427"/>
+        <p14:creationId xmlns:p14="http://schemas.microsoft.com/office/powerpoint/2010/main" val="4015524451"/>
       </p:ext>
     </p:extLst>
   </p:cSld>
@@ -12133,6 +12732,659 @@
       </p:grpSpPr>
       <p:sp>
         <p:nvSpPr>
+          <p:cNvPr id="2" name="Title 1">
+            <a:extLst>
+              <a:ext uri="{FF2B5EF4-FFF2-40B4-BE49-F238E27FC236}">
+                <a16:creationId xmlns:a16="http://schemas.microsoft.com/office/drawing/2014/main" id="{41F1B527-EA49-6742-8825-7DED866D2D15}"/>
+              </a:ext>
+            </a:extLst>
+          </p:cNvPr>
+          <p:cNvSpPr>
+            <a:spLocks noGrp="1"/>
+          </p:cNvSpPr>
+          <p:nvPr>
+            <p:ph type="title"/>
+          </p:nvPr>
+        </p:nvSpPr>
+        <p:spPr>
+          <a:xfrm>
+            <a:off x="497779" y="330261"/>
+            <a:ext cx="11186220" cy="607259"/>
+          </a:xfrm>
+        </p:spPr>
+        <p:txBody>
+          <a:bodyPr/>
+          <a:lstStyle/>
+          <a:p>
+            <a:pPr algn="ctr"/>
+            <a:r>
+              <a:rPr lang="en-US" dirty="0"/>
+              <a:t>Code Along Practice – Navbar for hello-react</a:t>
+            </a:r>
+          </a:p>
+        </p:txBody>
+      </p:sp>
+      <p:sp>
+        <p:nvSpPr>
+          <p:cNvPr id="3" name="Text Placeholder 2">
+            <a:extLst>
+              <a:ext uri="{FF2B5EF4-FFF2-40B4-BE49-F238E27FC236}">
+                <a16:creationId xmlns:a16="http://schemas.microsoft.com/office/drawing/2014/main" id="{9188C8EE-9EE3-F246-91B7-3118444C624B}"/>
+              </a:ext>
+            </a:extLst>
+          </p:cNvPr>
+          <p:cNvSpPr>
+            <a:spLocks noGrp="1"/>
+          </p:cNvSpPr>
+          <p:nvPr>
+            <p:ph type="body" sz="quarter" idx="13"/>
+          </p:nvPr>
+        </p:nvSpPr>
+        <p:spPr>
+          <a:xfrm>
+            <a:off x="2453268" y="1137831"/>
+            <a:ext cx="9230731" cy="3902520"/>
+          </a:xfrm>
+        </p:spPr>
+        <p:txBody>
+          <a:bodyPr>
+            <a:normAutofit/>
+          </a:bodyPr>
+          <a:lstStyle/>
+          <a:p>
+            <a:pPr marL="742950" indent="-742950">
+              <a:buAutoNum type="arabicPeriod"/>
+            </a:pPr>
+            <a:r>
+              <a:rPr lang="en-US" sz="2800" dirty="0">
+                <a:latin typeface="Arial" panose="020B0604020202020204" pitchFamily="34" charset="0"/>
+                <a:cs typeface="Arial" panose="020B0604020202020204" pitchFamily="34" charset="0"/>
+              </a:rPr>
+              <a:t>Add history to </a:t>
+            </a:r>
+            <a:r>
+              <a:rPr lang="en-US" sz="2800" dirty="0" err="1">
+                <a:latin typeface="Arial" panose="020B0604020202020204" pitchFamily="34" charset="0"/>
+                <a:cs typeface="Arial" panose="020B0604020202020204" pitchFamily="34" charset="0"/>
+              </a:rPr>
+              <a:t>App.js</a:t>
+            </a:r>
+            <a:r>
+              <a:rPr lang="en-US" sz="2800" dirty="0">
+                <a:latin typeface="Arial" panose="020B0604020202020204" pitchFamily="34" charset="0"/>
+                <a:cs typeface="Arial" panose="020B0604020202020204" pitchFamily="34" charset="0"/>
+              </a:rPr>
+              <a:t> and pass it as a prop to </a:t>
+            </a:r>
+            <a:r>
+              <a:rPr lang="en-US" sz="2800" dirty="0" err="1">
+                <a:latin typeface="Arial" panose="020B0604020202020204" pitchFamily="34" charset="0"/>
+                <a:cs typeface="Arial" panose="020B0604020202020204" pitchFamily="34" charset="0"/>
+              </a:rPr>
+              <a:t>AddDeveloper</a:t>
+            </a:r>
+            <a:endParaRPr lang="en-US" sz="2800" dirty="0">
+              <a:solidFill>
+                <a:schemeClr val="bg1"/>
+              </a:solidFill>
+              <a:latin typeface="Arial" panose="020B0604020202020204" pitchFamily="34" charset="0"/>
+              <a:cs typeface="Arial" panose="020B0604020202020204" pitchFamily="34" charset="0"/>
+            </a:endParaRPr>
+          </a:p>
+          <a:p>
+            <a:pPr marL="742950" indent="-742950">
+              <a:buFont typeface="Arial" panose="020B0604020202020204" pitchFamily="34" charset="0"/>
+              <a:buAutoNum type="arabicPeriod"/>
+            </a:pPr>
+            <a:r>
+              <a:rPr lang="en-US" sz="2800" dirty="0">
+                <a:latin typeface="Arial" panose="020B0604020202020204" pitchFamily="34" charset="0"/>
+                <a:cs typeface="Arial" panose="020B0604020202020204" pitchFamily="34" charset="0"/>
+              </a:rPr>
+              <a:t>Wrap </a:t>
+            </a:r>
+            <a:r>
+              <a:rPr lang="en-US" sz="2800" dirty="0" err="1">
+                <a:latin typeface="Arial" panose="020B0604020202020204" pitchFamily="34" charset="0"/>
+                <a:cs typeface="Arial" panose="020B0604020202020204" pitchFamily="34" charset="0"/>
+              </a:rPr>
+              <a:t>AddDeveloper</a:t>
+            </a:r>
+            <a:r>
+              <a:rPr lang="en-US" sz="2800" dirty="0">
+                <a:latin typeface="Arial" panose="020B0604020202020204" pitchFamily="34" charset="0"/>
+                <a:cs typeface="Arial" panose="020B0604020202020204" pitchFamily="34" charset="0"/>
+              </a:rPr>
+              <a:t> export in </a:t>
+            </a:r>
+            <a:r>
+              <a:rPr lang="en-US" sz="2800" dirty="0" err="1">
+                <a:latin typeface="Arial" panose="020B0604020202020204" pitchFamily="34" charset="0"/>
+                <a:cs typeface="Arial" panose="020B0604020202020204" pitchFamily="34" charset="0"/>
+              </a:rPr>
+              <a:t>withRouter</a:t>
+            </a:r>
+            <a:r>
+              <a:rPr lang="en-US" sz="2800" dirty="0">
+                <a:latin typeface="Arial" panose="020B0604020202020204" pitchFamily="34" charset="0"/>
+                <a:cs typeface="Arial" panose="020B0604020202020204" pitchFamily="34" charset="0"/>
+              </a:rPr>
+              <a:t>() and use history prop to push at the end of </a:t>
+            </a:r>
+            <a:r>
+              <a:rPr lang="en-US" sz="2800" dirty="0" err="1">
+                <a:latin typeface="Arial" panose="020B0604020202020204" pitchFamily="34" charset="0"/>
+                <a:cs typeface="Arial" panose="020B0604020202020204" pitchFamily="34" charset="0"/>
+              </a:rPr>
+              <a:t>clearForm</a:t>
+            </a:r>
+            <a:r>
+              <a:rPr lang="en-US" sz="2800" dirty="0">
+                <a:latin typeface="Arial" panose="020B0604020202020204" pitchFamily="34" charset="0"/>
+                <a:cs typeface="Arial" panose="020B0604020202020204" pitchFamily="34" charset="0"/>
+              </a:rPr>
+              <a:t>()</a:t>
+            </a:r>
+          </a:p>
+        </p:txBody>
+      </p:sp>
+      <p:pic>
+        <p:nvPicPr>
+          <p:cNvPr id="4" name="Picture 3">
+            <a:extLst>
+              <a:ext uri="{FF2B5EF4-FFF2-40B4-BE49-F238E27FC236}">
+                <a16:creationId xmlns:a16="http://schemas.microsoft.com/office/drawing/2014/main" id="{DD41398B-2AB0-A442-AD24-DE8883ED6292}"/>
+              </a:ext>
+            </a:extLst>
+          </p:cNvPr>
+          <p:cNvPicPr>
+            <a:picLocks noChangeAspect="1"/>
+          </p:cNvPicPr>
+          <p:nvPr/>
+        </p:nvPicPr>
+        <p:blipFill>
+          <a:blip r:embed="rId2" cstate="print">
+            <a:extLst>
+              <a:ext uri="{28A0092B-C50C-407E-A947-70E740481C1C}">
+                <a14:useLocalDpi xmlns:a14="http://schemas.microsoft.com/office/drawing/2010/main" val="0"/>
+              </a:ext>
+            </a:extLst>
+          </a:blip>
+          <a:stretch>
+            <a:fillRect/>
+          </a:stretch>
+        </p:blipFill>
+        <p:spPr>
+          <a:xfrm>
+            <a:off x="497785" y="330261"/>
+            <a:ext cx="1589293" cy="1589293"/>
+          </a:xfrm>
+          <a:prstGeom prst="rect">
+            <a:avLst/>
+          </a:prstGeom>
+        </p:spPr>
+      </p:pic>
+    </p:spTree>
+    <p:extLst>
+      <p:ext uri="{BB962C8B-B14F-4D97-AF65-F5344CB8AC3E}">
+        <p14:creationId xmlns:p14="http://schemas.microsoft.com/office/powerpoint/2010/main" val="2443437512"/>
+      </p:ext>
+    </p:extLst>
+  </p:cSld>
+  <p:clrMapOvr>
+    <a:masterClrMapping/>
+  </p:clrMapOvr>
+  <p:timing>
+    <p:tnLst>
+      <p:par>
+        <p:cTn id="1" dur="indefinite" restart="never" nodeType="tmRoot">
+          <p:childTnLst>
+            <p:seq concurrent="1" nextAc="seek">
+              <p:cTn id="2" dur="indefinite" nodeType="mainSeq">
+                <p:childTnLst>
+                  <p:par>
+                    <p:cTn id="3" fill="hold">
+                      <p:stCondLst>
+                        <p:cond delay="indefinite"/>
+                      </p:stCondLst>
+                      <p:childTnLst>
+                        <p:par>
+                          <p:cTn id="4" fill="hold">
+                            <p:stCondLst>
+                              <p:cond delay="0"/>
+                            </p:stCondLst>
+                            <p:childTnLst>
+                              <p:par>
+                                <p:cTn id="5" presetID="9" presetClass="entr" presetSubtype="0" fill="hold" grpId="0" nodeType="clickEffect">
+                                  <p:stCondLst>
+                                    <p:cond delay="0"/>
+                                  </p:stCondLst>
+                                  <p:childTnLst>
+                                    <p:set>
+                                      <p:cBhvr>
+                                        <p:cTn id="6" dur="1" fill="hold">
+                                          <p:stCondLst>
+                                            <p:cond delay="0"/>
+                                          </p:stCondLst>
+                                        </p:cTn>
+                                        <p:tgtEl>
+                                          <p:spTgt spid="3">
+                                            <p:txEl>
+                                              <p:pRg st="0" end="0"/>
+                                            </p:txEl>
+                                          </p:spTgt>
+                                        </p:tgtEl>
+                                        <p:attrNameLst>
+                                          <p:attrName>style.visibility</p:attrName>
+                                        </p:attrNameLst>
+                                      </p:cBhvr>
+                                      <p:to>
+                                        <p:strVal val="visible"/>
+                                      </p:to>
+                                    </p:set>
+                                    <p:animEffect transition="in" filter="dissolve">
+                                      <p:cBhvr>
+                                        <p:cTn id="7" dur="500"/>
+                                        <p:tgtEl>
+                                          <p:spTgt spid="3">
+                                            <p:txEl>
+                                              <p:pRg st="0" end="0"/>
+                                            </p:txEl>
+                                          </p:spTgt>
+                                        </p:tgtEl>
+                                      </p:cBhvr>
+                                    </p:animEffect>
+                                  </p:childTnLst>
+                                </p:cTn>
+                              </p:par>
+                            </p:childTnLst>
+                          </p:cTn>
+                        </p:par>
+                      </p:childTnLst>
+                    </p:cTn>
+                  </p:par>
+                  <p:par>
+                    <p:cTn id="8" fill="hold">
+                      <p:stCondLst>
+                        <p:cond delay="indefinite"/>
+                      </p:stCondLst>
+                      <p:childTnLst>
+                        <p:par>
+                          <p:cTn id="9" fill="hold">
+                            <p:stCondLst>
+                              <p:cond delay="0"/>
+                            </p:stCondLst>
+                            <p:childTnLst>
+                              <p:par>
+                                <p:cTn id="10" presetID="9" presetClass="entr" presetSubtype="0" fill="hold" grpId="0" nodeType="clickEffect">
+                                  <p:stCondLst>
+                                    <p:cond delay="0"/>
+                                  </p:stCondLst>
+                                  <p:childTnLst>
+                                    <p:set>
+                                      <p:cBhvr>
+                                        <p:cTn id="11" dur="1" fill="hold">
+                                          <p:stCondLst>
+                                            <p:cond delay="0"/>
+                                          </p:stCondLst>
+                                        </p:cTn>
+                                        <p:tgtEl>
+                                          <p:spTgt spid="3">
+                                            <p:txEl>
+                                              <p:pRg st="1" end="1"/>
+                                            </p:txEl>
+                                          </p:spTgt>
+                                        </p:tgtEl>
+                                        <p:attrNameLst>
+                                          <p:attrName>style.visibility</p:attrName>
+                                        </p:attrNameLst>
+                                      </p:cBhvr>
+                                      <p:to>
+                                        <p:strVal val="visible"/>
+                                      </p:to>
+                                    </p:set>
+                                    <p:animEffect transition="in" filter="dissolve">
+                                      <p:cBhvr>
+                                        <p:cTn id="12" dur="500"/>
+                                        <p:tgtEl>
+                                          <p:spTgt spid="3">
+                                            <p:txEl>
+                                              <p:pRg st="1" end="1"/>
+                                            </p:txEl>
+                                          </p:spTgt>
+                                        </p:tgtEl>
+                                      </p:cBhvr>
+                                    </p:animEffect>
+                                  </p:childTnLst>
+                                </p:cTn>
+                              </p:par>
+                            </p:childTnLst>
+                          </p:cTn>
+                        </p:par>
+                      </p:childTnLst>
+                    </p:cTn>
+                  </p:par>
+                </p:childTnLst>
+              </p:cTn>
+              <p:prevCondLst>
+                <p:cond evt="onPrev" delay="0">
+                  <p:tgtEl>
+                    <p:sldTgt/>
+                  </p:tgtEl>
+                </p:cond>
+              </p:prevCondLst>
+              <p:nextCondLst>
+                <p:cond evt="onNext" delay="0">
+                  <p:tgtEl>
+                    <p:sldTgt/>
+                  </p:tgtEl>
+                </p:cond>
+              </p:nextCondLst>
+            </p:seq>
+          </p:childTnLst>
+        </p:cTn>
+      </p:par>
+    </p:tnLst>
+    <p:bldLst>
+      <p:bldP spid="3" grpId="0" build="p"/>
+    </p:bldLst>
+  </p:timing>
+</p:sld>
+</file>
+
+<file path=ppt/slides/slide21.xml><?xml version="1.0" encoding="utf-8"?>
+<p:sld xmlns:a="http://schemas.openxmlformats.org/drawingml/2006/main" xmlns:r="http://schemas.openxmlformats.org/officeDocument/2006/relationships" xmlns:p="http://schemas.openxmlformats.org/presentationml/2006/main">
+  <p:cSld>
+    <p:spTree>
+      <p:nvGrpSpPr>
+        <p:cNvPr id="1" name=""/>
+        <p:cNvGrpSpPr/>
+        <p:nvPr/>
+      </p:nvGrpSpPr>
+      <p:grpSpPr>
+        <a:xfrm>
+          <a:off x="0" y="0"/>
+          <a:ext cx="0" cy="0"/>
+          <a:chOff x="0" y="0"/>
+          <a:chExt cx="0" cy="0"/>
+        </a:xfrm>
+      </p:grpSpPr>
+      <p:sp>
+        <p:nvSpPr>
+          <p:cNvPr id="2" name="Title 1">
+            <a:extLst>
+              <a:ext uri="{FF2B5EF4-FFF2-40B4-BE49-F238E27FC236}">
+                <a16:creationId xmlns:a16="http://schemas.microsoft.com/office/drawing/2014/main" id="{2D0DBDDA-5B1E-5441-B24A-BEBE90DE3CA7}"/>
+              </a:ext>
+            </a:extLst>
+          </p:cNvPr>
+          <p:cNvSpPr>
+            <a:spLocks noGrp="1"/>
+          </p:cNvSpPr>
+          <p:nvPr>
+            <p:ph type="title"/>
+          </p:nvPr>
+        </p:nvSpPr>
+        <p:spPr>
+          <a:xfrm>
+            <a:off x="2322441" y="966462"/>
+            <a:ext cx="1517753" cy="607259"/>
+          </a:xfrm>
+        </p:spPr>
+        <p:txBody>
+          <a:bodyPr/>
+          <a:lstStyle/>
+          <a:p>
+            <a:pPr algn="ctr"/>
+            <a:r>
+              <a:rPr lang="en-US" dirty="0" err="1"/>
+              <a:t>App.js</a:t>
+            </a:r>
+            <a:endParaRPr lang="en-US" dirty="0"/>
+          </a:p>
+        </p:txBody>
+      </p:sp>
+      <p:pic>
+        <p:nvPicPr>
+          <p:cNvPr id="5" name="Picture 4">
+            <a:extLst>
+              <a:ext uri="{FF2B5EF4-FFF2-40B4-BE49-F238E27FC236}">
+                <a16:creationId xmlns:a16="http://schemas.microsoft.com/office/drawing/2014/main" id="{89D87D05-817F-6649-A32B-60F7F3B105BD}"/>
+              </a:ext>
+            </a:extLst>
+          </p:cNvPr>
+          <p:cNvPicPr>
+            <a:picLocks noChangeAspect="1"/>
+          </p:cNvPicPr>
+          <p:nvPr/>
+        </p:nvPicPr>
+        <p:blipFill>
+          <a:blip r:embed="rId2"/>
+          <a:stretch>
+            <a:fillRect/>
+          </a:stretch>
+        </p:blipFill>
+        <p:spPr>
+          <a:xfrm>
+            <a:off x="0" y="3048682"/>
+            <a:ext cx="12192000" cy="3809318"/>
+          </a:xfrm>
+          <a:prstGeom prst="rect">
+            <a:avLst/>
+          </a:prstGeom>
+        </p:spPr>
+      </p:pic>
+      <p:pic>
+        <p:nvPicPr>
+          <p:cNvPr id="8" name="Picture 7">
+            <a:extLst>
+              <a:ext uri="{FF2B5EF4-FFF2-40B4-BE49-F238E27FC236}">
+                <a16:creationId xmlns:a16="http://schemas.microsoft.com/office/drawing/2014/main" id="{A03D1C1D-6A07-B044-AAED-51E9BFD13B82}"/>
+              </a:ext>
+            </a:extLst>
+          </p:cNvPr>
+          <p:cNvPicPr>
+            <a:picLocks noChangeAspect="1"/>
+          </p:cNvPicPr>
+          <p:nvPr/>
+        </p:nvPicPr>
+        <p:blipFill>
+          <a:blip r:embed="rId3"/>
+          <a:stretch>
+            <a:fillRect/>
+          </a:stretch>
+        </p:blipFill>
+        <p:spPr>
+          <a:xfrm>
+            <a:off x="4603209" y="659319"/>
+            <a:ext cx="5981700" cy="1473200"/>
+          </a:xfrm>
+          <a:prstGeom prst="rect">
+            <a:avLst/>
+          </a:prstGeom>
+        </p:spPr>
+      </p:pic>
+    </p:spTree>
+    <p:extLst>
+      <p:ext uri="{BB962C8B-B14F-4D97-AF65-F5344CB8AC3E}">
+        <p14:creationId xmlns:p14="http://schemas.microsoft.com/office/powerpoint/2010/main" val="2907750080"/>
+      </p:ext>
+    </p:extLst>
+  </p:cSld>
+  <p:clrMapOvr>
+    <a:masterClrMapping/>
+  </p:clrMapOvr>
+</p:sld>
+</file>
+
+<file path=ppt/slides/slide22.xml><?xml version="1.0" encoding="utf-8"?>
+<p:sld xmlns:a="http://schemas.openxmlformats.org/drawingml/2006/main" xmlns:r="http://schemas.openxmlformats.org/officeDocument/2006/relationships" xmlns:p="http://schemas.openxmlformats.org/presentationml/2006/main">
+  <p:cSld>
+    <p:spTree>
+      <p:nvGrpSpPr>
+        <p:cNvPr id="1" name=""/>
+        <p:cNvGrpSpPr/>
+        <p:nvPr/>
+      </p:nvGrpSpPr>
+      <p:grpSpPr>
+        <a:xfrm>
+          <a:off x="0" y="0"/>
+          <a:ext cx="0" cy="0"/>
+          <a:chOff x="0" y="0"/>
+          <a:chExt cx="0" cy="0"/>
+        </a:xfrm>
+      </p:grpSpPr>
+      <p:sp>
+        <p:nvSpPr>
+          <p:cNvPr id="4" name="Title 1"/>
+          <p:cNvSpPr>
+            <a:spLocks noGrp="1"/>
+          </p:cNvSpPr>
+          <p:nvPr>
+            <p:ph type="title"/>
+          </p:nvPr>
+        </p:nvSpPr>
+        <p:spPr>
+          <a:xfrm>
+            <a:off x="883170" y="224877"/>
+            <a:ext cx="10515600" cy="1008905"/>
+          </a:xfrm>
+        </p:spPr>
+        <p:txBody>
+          <a:bodyPr/>
+          <a:lstStyle/>
+          <a:p>
+            <a:pPr algn="ctr"/>
+            <a:r>
+              <a:rPr lang="en-US" dirty="0" err="1"/>
+              <a:t>AddDeveloper.js</a:t>
+            </a:r>
+            <a:endParaRPr lang="en-US" sz="4267" dirty="0"/>
+          </a:p>
+        </p:txBody>
+      </p:sp>
+      <p:pic>
+        <p:nvPicPr>
+          <p:cNvPr id="2" name="Picture 1">
+            <a:extLst>
+              <a:ext uri="{FF2B5EF4-FFF2-40B4-BE49-F238E27FC236}">
+                <a16:creationId xmlns:a16="http://schemas.microsoft.com/office/drawing/2014/main" id="{40C9085D-8902-004C-BC82-65235D4C51BE}"/>
+              </a:ext>
+            </a:extLst>
+          </p:cNvPr>
+          <p:cNvPicPr>
+            <a:picLocks noChangeAspect="1"/>
+          </p:cNvPicPr>
+          <p:nvPr/>
+        </p:nvPicPr>
+        <p:blipFill>
+          <a:blip r:embed="rId3"/>
+          <a:stretch>
+            <a:fillRect/>
+          </a:stretch>
+        </p:blipFill>
+        <p:spPr>
+          <a:xfrm>
+            <a:off x="3120763" y="1208053"/>
+            <a:ext cx="6040411" cy="996566"/>
+          </a:xfrm>
+          <a:prstGeom prst="rect">
+            <a:avLst/>
+          </a:prstGeom>
+        </p:spPr>
+      </p:pic>
+      <p:pic>
+        <p:nvPicPr>
+          <p:cNvPr id="6" name="Picture 5">
+            <a:extLst>
+              <a:ext uri="{FF2B5EF4-FFF2-40B4-BE49-F238E27FC236}">
+                <a16:creationId xmlns:a16="http://schemas.microsoft.com/office/drawing/2014/main" id="{2BAD89EC-DD04-5B47-BF66-AD4B6A3B78F2}"/>
+              </a:ext>
+            </a:extLst>
+          </p:cNvPr>
+          <p:cNvPicPr>
+            <a:picLocks noChangeAspect="1"/>
+          </p:cNvPicPr>
+          <p:nvPr/>
+        </p:nvPicPr>
+        <p:blipFill>
+          <a:blip r:embed="rId4"/>
+          <a:stretch>
+            <a:fillRect/>
+          </a:stretch>
+        </p:blipFill>
+        <p:spPr>
+          <a:xfrm>
+            <a:off x="3440197" y="2499240"/>
+            <a:ext cx="5401545" cy="2666147"/>
+          </a:xfrm>
+          <a:prstGeom prst="rect">
+            <a:avLst/>
+          </a:prstGeom>
+        </p:spPr>
+      </p:pic>
+      <p:pic>
+        <p:nvPicPr>
+          <p:cNvPr id="7" name="Picture 6">
+            <a:extLst>
+              <a:ext uri="{FF2B5EF4-FFF2-40B4-BE49-F238E27FC236}">
+                <a16:creationId xmlns:a16="http://schemas.microsoft.com/office/drawing/2014/main" id="{DC88B1E8-0138-7B43-A5AC-EAB8F1BBED61}"/>
+              </a:ext>
+            </a:extLst>
+          </p:cNvPr>
+          <p:cNvPicPr>
+            <a:picLocks noChangeAspect="1"/>
+          </p:cNvPicPr>
+          <p:nvPr/>
+        </p:nvPicPr>
+        <p:blipFill>
+          <a:blip r:embed="rId5"/>
+          <a:stretch>
+            <a:fillRect/>
+          </a:stretch>
+        </p:blipFill>
+        <p:spPr>
+          <a:xfrm>
+            <a:off x="3678663" y="5754629"/>
+            <a:ext cx="4924612" cy="522009"/>
+          </a:xfrm>
+          <a:prstGeom prst="rect">
+            <a:avLst/>
+          </a:prstGeom>
+        </p:spPr>
+      </p:pic>
+    </p:spTree>
+    <p:extLst>
+      <p:ext uri="{BB962C8B-B14F-4D97-AF65-F5344CB8AC3E}">
+        <p14:creationId xmlns:p14="http://schemas.microsoft.com/office/powerpoint/2010/main" val="3878333427"/>
+      </p:ext>
+    </p:extLst>
+  </p:cSld>
+  <p:clrMapOvr>
+    <a:masterClrMapping/>
+  </p:clrMapOvr>
+</p:sld>
+</file>
+
+<file path=ppt/slides/slide23.xml><?xml version="1.0" encoding="utf-8"?>
+<p:sld xmlns:a="http://schemas.openxmlformats.org/drawingml/2006/main" xmlns:r="http://schemas.openxmlformats.org/officeDocument/2006/relationships" xmlns:p="http://schemas.openxmlformats.org/presentationml/2006/main">
+  <p:cSld>
+    <p:spTree>
+      <p:nvGrpSpPr>
+        <p:cNvPr id="1" name=""/>
+        <p:cNvGrpSpPr/>
+        <p:nvPr/>
+      </p:nvGrpSpPr>
+      <p:grpSpPr>
+        <a:xfrm>
+          <a:off x="0" y="0"/>
+          <a:ext cx="0" cy="0"/>
+          <a:chOff x="0" y="0"/>
+          <a:chExt cx="0" cy="0"/>
+        </a:xfrm>
+      </p:grpSpPr>
+      <p:sp>
+        <p:nvSpPr>
           <p:cNvPr id="2" name="Text Placeholder 1"/>
           <p:cNvSpPr>
             <a:spLocks noGrp="1"/>
@@ -12183,7 +13435,7 @@
 </p:sld>
 </file>
 
-<file path=ppt/slides/slide21.xml><?xml version="1.0" encoding="utf-8"?>
+<file path=ppt/slides/slide24.xml><?xml version="1.0" encoding="utf-8"?>
 <p:sld xmlns:a="http://schemas.openxmlformats.org/drawingml/2006/main" xmlns:r="http://schemas.openxmlformats.org/officeDocument/2006/relationships" xmlns:p="http://schemas.openxmlformats.org/presentationml/2006/main">
   <p:cSld>
     <p:spTree>
@@ -12415,7 +13667,7 @@
 </p:sld>
 </file>
 
-<file path=ppt/slides/slide22.xml><?xml version="1.0" encoding="utf-8"?>
+<file path=ppt/slides/slide25.xml><?xml version="1.0" encoding="utf-8"?>
 <p:sld xmlns:a="http://schemas.openxmlformats.org/drawingml/2006/main" xmlns:r="http://schemas.openxmlformats.org/officeDocument/2006/relationships" xmlns:p="http://schemas.openxmlformats.org/presentationml/2006/main">
   <p:cSld>
     <p:spTree>
@@ -12682,7 +13934,7 @@
 </p:sld>
 </file>
 
-<file path=ppt/slides/slide23.xml><?xml version="1.0" encoding="utf-8"?>
+<file path=ppt/slides/slide26.xml><?xml version="1.0" encoding="utf-8"?>
 <p:sld xmlns:a="http://schemas.openxmlformats.org/drawingml/2006/main" xmlns:r="http://schemas.openxmlformats.org/officeDocument/2006/relationships" xmlns:p="http://schemas.openxmlformats.org/presentationml/2006/main">
   <p:cSld>
     <p:spTree>
@@ -13236,7 +14488,7 @@
 </p:sld>
 </file>
 
-<file path=ppt/slides/slide24.xml><?xml version="1.0" encoding="utf-8"?>
+<file path=ppt/slides/slide27.xml><?xml version="1.0" encoding="utf-8"?>
 <p:sld xmlns:a="http://schemas.openxmlformats.org/drawingml/2006/main" xmlns:r="http://schemas.openxmlformats.org/officeDocument/2006/relationships" xmlns:p="http://schemas.openxmlformats.org/presentationml/2006/main">
   <p:cSld>
     <p:spTree>
@@ -13296,7 +14548,7 @@
 </p:sld>
 </file>
 
-<file path=ppt/slides/slide25.xml><?xml version="1.0" encoding="utf-8"?>
+<file path=ppt/slides/slide28.xml><?xml version="1.0" encoding="utf-8"?>
 <p:sld xmlns:a="http://schemas.openxmlformats.org/drawingml/2006/main" xmlns:r="http://schemas.openxmlformats.org/officeDocument/2006/relationships" xmlns:p="http://schemas.openxmlformats.org/presentationml/2006/main">
   <p:cSld>
     <p:spTree>
@@ -13676,7 +14928,7 @@
 </p:sld>
 </file>
 
-<file path=ppt/slides/slide26.xml><?xml version="1.0" encoding="utf-8"?>
+<file path=ppt/slides/slide29.xml><?xml version="1.0" encoding="utf-8"?>
 <p:sld xmlns:a="http://schemas.openxmlformats.org/drawingml/2006/main" xmlns:r="http://schemas.openxmlformats.org/officeDocument/2006/relationships" xmlns:p="http://schemas.openxmlformats.org/presentationml/2006/main">
   <p:cSld>
     <p:spTree>
@@ -13984,7 +15236,7 @@
 </p:sld>
 </file>
 
-<file path=ppt/slides/slide27.xml><?xml version="1.0" encoding="utf-8"?>
+<file path=ppt/slides/slide3.xml><?xml version="1.0" encoding="utf-8"?>
 <p:sld xmlns:a="http://schemas.openxmlformats.org/drawingml/2006/main" xmlns:r="http://schemas.openxmlformats.org/officeDocument/2006/relationships" xmlns:p="http://schemas.openxmlformats.org/presentationml/2006/main">
   <p:cSld>
     <p:spTree>
@@ -14003,6 +15255,120 @@
       </p:grpSpPr>
       <p:sp>
         <p:nvSpPr>
+          <p:cNvPr id="10" name="Rectangle 9"/>
+          <p:cNvSpPr/>
+          <p:nvPr/>
+        </p:nvSpPr>
+        <p:spPr>
+          <a:xfrm>
+            <a:off x="1756779" y="1530752"/>
+            <a:ext cx="8521540" cy="3252557"/>
+          </a:xfrm>
+          <a:prstGeom prst="rect">
+            <a:avLst/>
+          </a:prstGeom>
+        </p:spPr>
+        <p:txBody>
+          <a:bodyPr wrap="square">
+            <a:spAutoFit/>
+          </a:bodyPr>
+          <a:lstStyle/>
+          <a:p>
+            <a:pPr algn="ctr">
+              <a:spcAft>
+                <a:spcPts val="1600"/>
+              </a:spcAft>
+            </a:pPr>
+            <a:r>
+              <a:rPr lang="en-US" sz="3200" b="1" dirty="0">
+                <a:solidFill>
+                  <a:schemeClr val="bg1">
+                    <a:lumMod val="85000"/>
+                  </a:schemeClr>
+                </a:solidFill>
+              </a:rPr>
+              <a:t>Benefits</a:t>
+            </a:r>
+          </a:p>
+          <a:p>
+            <a:pPr marL="685749" indent="-228594">
+              <a:buFont typeface="Arial" panose="020B0604020202020204" pitchFamily="34" charset="0"/>
+              <a:buChar char="•"/>
+            </a:pPr>
+            <a:r>
+              <a:rPr lang="en-US" sz="2667" dirty="0">
+                <a:solidFill>
+                  <a:srgbClr val="C4E3B0"/>
+                </a:solidFill>
+              </a:rPr>
+              <a:t>Must-know for React development</a:t>
+            </a:r>
+          </a:p>
+          <a:p>
+            <a:pPr marL="685749" indent="-228594">
+              <a:buFont typeface="Arial" panose="020B0604020202020204" pitchFamily="34" charset="0"/>
+              <a:buChar char="•"/>
+            </a:pPr>
+            <a:r>
+              <a:rPr lang="en-US" sz="2667" dirty="0">
+                <a:solidFill>
+                  <a:srgbClr val="C4E3B0"/>
+                </a:solidFill>
+              </a:rPr>
+              <a:t>Routing helps preserve state, browser history functionality</a:t>
+            </a:r>
+          </a:p>
+          <a:p>
+            <a:pPr marL="685749" indent="-228594">
+              <a:buFont typeface="Arial" panose="020B0604020202020204" pitchFamily="34" charset="0"/>
+              <a:buChar char="•"/>
+            </a:pPr>
+            <a:r>
+              <a:rPr lang="en-US" sz="2667" dirty="0">
+                <a:solidFill>
+                  <a:srgbClr val="C4E3B0"/>
+                </a:solidFill>
+              </a:rPr>
+              <a:t>Lifecycle methods are key to getting “in the middle” of a page’s rendering so that asynchronous events can be orchestrated</a:t>
+            </a:r>
+          </a:p>
+        </p:txBody>
+      </p:sp>
+    </p:spTree>
+    <p:custDataLst>
+      <p:tags r:id="rId1"/>
+    </p:custDataLst>
+    <p:extLst>
+      <p:ext uri="{BB962C8B-B14F-4D97-AF65-F5344CB8AC3E}">
+        <p14:creationId xmlns:p14="http://schemas.microsoft.com/office/powerpoint/2010/main" val="819693354"/>
+      </p:ext>
+    </p:extLst>
+  </p:cSld>
+  <p:clrMapOvr>
+    <a:masterClrMapping/>
+  </p:clrMapOvr>
+</p:sld>
+</file>
+
+<file path=ppt/slides/slide30.xml><?xml version="1.0" encoding="utf-8"?>
+<p:sld xmlns:a="http://schemas.openxmlformats.org/drawingml/2006/main" xmlns:r="http://schemas.openxmlformats.org/officeDocument/2006/relationships" xmlns:p="http://schemas.openxmlformats.org/presentationml/2006/main">
+  <p:cSld>
+    <p:spTree>
+      <p:nvGrpSpPr>
+        <p:cNvPr id="1" name=""/>
+        <p:cNvGrpSpPr/>
+        <p:nvPr/>
+      </p:nvGrpSpPr>
+      <p:grpSpPr>
+        <a:xfrm>
+          <a:off x="0" y="0"/>
+          <a:ext cx="0" cy="0"/>
+          <a:chOff x="0" y="0"/>
+          <a:chExt cx="0" cy="0"/>
+        </a:xfrm>
+      </p:grpSpPr>
+      <p:sp>
+        <p:nvSpPr>
           <p:cNvPr id="2" name="Title 1"/>
           <p:cNvSpPr>
             <a:spLocks noGrp="1"/>
@@ -14356,7 +15722,7 @@
 </p:sld>
 </file>
 
-<file path=ppt/slides/slide28.xml><?xml version="1.0" encoding="utf-8"?>
+<file path=ppt/slides/slide31.xml><?xml version="1.0" encoding="utf-8"?>
 <p:sld xmlns:a="http://schemas.openxmlformats.org/drawingml/2006/main" xmlns:r="http://schemas.openxmlformats.org/officeDocument/2006/relationships" xmlns:p="http://schemas.openxmlformats.org/presentationml/2006/main">
   <p:cSld>
     <p:spTree>
@@ -14416,7 +15782,7 @@
 </p:sld>
 </file>
 
-<file path=ppt/slides/slide29.xml><?xml version="1.0" encoding="utf-8"?>
+<file path=ppt/slides/slide32.xml><?xml version="1.0" encoding="utf-8"?>
 <p:sld xmlns:a="http://schemas.openxmlformats.org/drawingml/2006/main" xmlns:r="http://schemas.openxmlformats.org/officeDocument/2006/relationships" xmlns:p="http://schemas.openxmlformats.org/presentationml/2006/main">
   <p:cSld>
     <p:spTree>
@@ -15017,121 +16383,7 @@
 </p:sld>
 </file>
 
-<file path=ppt/slides/slide3.xml><?xml version="1.0" encoding="utf-8"?>
-<p:sld xmlns:a="http://schemas.openxmlformats.org/drawingml/2006/main" xmlns:r="http://schemas.openxmlformats.org/officeDocument/2006/relationships" xmlns:p="http://schemas.openxmlformats.org/presentationml/2006/main">
-  <p:cSld>
-    <p:spTree>
-      <p:nvGrpSpPr>
-        <p:cNvPr id="1" name=""/>
-        <p:cNvGrpSpPr/>
-        <p:nvPr/>
-      </p:nvGrpSpPr>
-      <p:grpSpPr>
-        <a:xfrm>
-          <a:off x="0" y="0"/>
-          <a:ext cx="0" cy="0"/>
-          <a:chOff x="0" y="0"/>
-          <a:chExt cx="0" cy="0"/>
-        </a:xfrm>
-      </p:grpSpPr>
-      <p:sp>
-        <p:nvSpPr>
-          <p:cNvPr id="10" name="Rectangle 9"/>
-          <p:cNvSpPr/>
-          <p:nvPr/>
-        </p:nvSpPr>
-        <p:spPr>
-          <a:xfrm>
-            <a:off x="1756779" y="1530752"/>
-            <a:ext cx="8521540" cy="3252557"/>
-          </a:xfrm>
-          <a:prstGeom prst="rect">
-            <a:avLst/>
-          </a:prstGeom>
-        </p:spPr>
-        <p:txBody>
-          <a:bodyPr wrap="square">
-            <a:spAutoFit/>
-          </a:bodyPr>
-          <a:lstStyle/>
-          <a:p>
-            <a:pPr algn="ctr">
-              <a:spcAft>
-                <a:spcPts val="1600"/>
-              </a:spcAft>
-            </a:pPr>
-            <a:r>
-              <a:rPr lang="en-US" sz="3200" b="1" dirty="0">
-                <a:solidFill>
-                  <a:schemeClr val="bg1">
-                    <a:lumMod val="85000"/>
-                  </a:schemeClr>
-                </a:solidFill>
-              </a:rPr>
-              <a:t>Benefits</a:t>
-            </a:r>
-          </a:p>
-          <a:p>
-            <a:pPr marL="685749" indent="-228594">
-              <a:buFont typeface="Arial" panose="020B0604020202020204" pitchFamily="34" charset="0"/>
-              <a:buChar char="•"/>
-            </a:pPr>
-            <a:r>
-              <a:rPr lang="en-US" sz="2667" dirty="0">
-                <a:solidFill>
-                  <a:srgbClr val="C4E3B0"/>
-                </a:solidFill>
-              </a:rPr>
-              <a:t>Must-know for React development</a:t>
-            </a:r>
-          </a:p>
-          <a:p>
-            <a:pPr marL="685749" indent="-228594">
-              <a:buFont typeface="Arial" panose="020B0604020202020204" pitchFamily="34" charset="0"/>
-              <a:buChar char="•"/>
-            </a:pPr>
-            <a:r>
-              <a:rPr lang="en-US" sz="2667" dirty="0">
-                <a:solidFill>
-                  <a:srgbClr val="C4E3B0"/>
-                </a:solidFill>
-              </a:rPr>
-              <a:t>Routing helps preserve state, browser history functionality</a:t>
-            </a:r>
-          </a:p>
-          <a:p>
-            <a:pPr marL="685749" indent="-228594">
-              <a:buFont typeface="Arial" panose="020B0604020202020204" pitchFamily="34" charset="0"/>
-              <a:buChar char="•"/>
-            </a:pPr>
-            <a:r>
-              <a:rPr lang="en-US" sz="2667" dirty="0">
-                <a:solidFill>
-                  <a:srgbClr val="C4E3B0"/>
-                </a:solidFill>
-              </a:rPr>
-              <a:t>Lifecycle methods are key to getting “in the middle” of a page’s rendering so that asynchronous events can be orchestrated</a:t>
-            </a:r>
-          </a:p>
-        </p:txBody>
-      </p:sp>
-    </p:spTree>
-    <p:custDataLst>
-      <p:tags r:id="rId1"/>
-    </p:custDataLst>
-    <p:extLst>
-      <p:ext uri="{BB962C8B-B14F-4D97-AF65-F5344CB8AC3E}">
-        <p14:creationId xmlns:p14="http://schemas.microsoft.com/office/powerpoint/2010/main" val="819693354"/>
-      </p:ext>
-    </p:extLst>
-  </p:cSld>
-  <p:clrMapOvr>
-    <a:masterClrMapping/>
-  </p:clrMapOvr>
-</p:sld>
-</file>
-
-<file path=ppt/slides/slide30.xml><?xml version="1.0" encoding="utf-8"?>
+<file path=ppt/slides/slide33.xml><?xml version="1.0" encoding="utf-8"?>
 <p:sld xmlns:a="http://schemas.openxmlformats.org/drawingml/2006/main" xmlns:r="http://schemas.openxmlformats.org/officeDocument/2006/relationships" xmlns:p="http://schemas.openxmlformats.org/presentationml/2006/main">
   <p:cSld>
     <p:spTree>
@@ -15732,7 +16984,7 @@
 </p:sld>
 </file>
 
-<file path=ppt/slides/slide31.xml><?xml version="1.0" encoding="utf-8"?>
+<file path=ppt/slides/slide34.xml><?xml version="1.0" encoding="utf-8"?>
 <p:sld xmlns:a="http://schemas.openxmlformats.org/drawingml/2006/main" xmlns:r="http://schemas.openxmlformats.org/officeDocument/2006/relationships" xmlns:p="http://schemas.openxmlformats.org/presentationml/2006/main">
   <p:cSld>
     <p:spTree>
@@ -15751,6 +17003,1517 @@
       </p:grpSpPr>
       <p:sp>
         <p:nvSpPr>
+          <p:cNvPr id="2" name="Text Placeholder 1"/>
+          <p:cNvSpPr>
+            <a:spLocks noGrp="1"/>
+          </p:cNvSpPr>
+          <p:nvPr>
+            <p:ph type="body" sz="quarter" idx="14"/>
+          </p:nvPr>
+        </p:nvSpPr>
+        <p:spPr>
+          <a:xfrm>
+            <a:off x="31448" y="2717800"/>
+            <a:ext cx="12177485" cy="748988"/>
+          </a:xfrm>
+        </p:spPr>
+        <p:txBody>
+          <a:bodyPr/>
+          <a:lstStyle/>
+          <a:p>
+            <a:r>
+              <a:rPr lang="en-US" dirty="0">
+                <a:solidFill>
+                  <a:schemeClr val="bg1"/>
+                </a:solidFill>
+              </a:rPr>
+              <a:t>Fetching from Remote Repository</a:t>
+            </a:r>
+            <a:endParaRPr lang="en-US" sz="2133" dirty="0">
+              <a:solidFill>
+                <a:schemeClr val="bg1"/>
+              </a:solidFill>
+            </a:endParaRPr>
+          </a:p>
+        </p:txBody>
+      </p:sp>
+    </p:spTree>
+    <p:custDataLst>
+      <p:tags r:id="rId1"/>
+    </p:custDataLst>
+    <p:extLst>
+      <p:ext uri="{BB962C8B-B14F-4D97-AF65-F5344CB8AC3E}">
+        <p14:creationId xmlns:p14="http://schemas.microsoft.com/office/powerpoint/2010/main" val="1683587981"/>
+      </p:ext>
+    </p:extLst>
+  </p:cSld>
+  <p:clrMapOvr>
+    <a:masterClrMapping/>
+  </p:clrMapOvr>
+</p:sld>
+</file>
+
+<file path=ppt/slides/slide35.xml><?xml version="1.0" encoding="utf-8"?>
+<p:sld xmlns:a="http://schemas.openxmlformats.org/drawingml/2006/main" xmlns:r="http://schemas.openxmlformats.org/officeDocument/2006/relationships" xmlns:p="http://schemas.openxmlformats.org/presentationml/2006/main">
+  <p:cSld>
+    <p:spTree>
+      <p:nvGrpSpPr>
+        <p:cNvPr id="1" name=""/>
+        <p:cNvGrpSpPr/>
+        <p:nvPr/>
+      </p:nvGrpSpPr>
+      <p:grpSpPr>
+        <a:xfrm>
+          <a:off x="0" y="0"/>
+          <a:ext cx="0" cy="0"/>
+          <a:chOff x="0" y="0"/>
+          <a:chExt cx="0" cy="0"/>
+        </a:xfrm>
+      </p:grpSpPr>
+      <p:sp>
+        <p:nvSpPr>
+          <p:cNvPr id="2" name="Rectangle 1">
+            <a:extLst>
+              <a:ext uri="{FF2B5EF4-FFF2-40B4-BE49-F238E27FC236}">
+                <a16:creationId xmlns:a16="http://schemas.microsoft.com/office/drawing/2014/main" id="{F9B3B049-1410-9447-AB10-9B74AE714FC9}"/>
+              </a:ext>
+            </a:extLst>
+          </p:cNvPr>
+          <p:cNvSpPr/>
+          <p:nvPr/>
+        </p:nvSpPr>
+        <p:spPr>
+          <a:xfrm>
+            <a:off x="2483796" y="6004677"/>
+            <a:ext cx="7263319" cy="369332"/>
+          </a:xfrm>
+          <a:prstGeom prst="rect">
+            <a:avLst/>
+          </a:prstGeom>
+        </p:spPr>
+        <p:txBody>
+          <a:bodyPr wrap="square">
+            <a:spAutoFit/>
+          </a:bodyPr>
+          <a:lstStyle/>
+          <a:p>
+            <a:r>
+              <a:rPr lang="en-US" dirty="0">
+                <a:solidFill>
+                  <a:srgbClr val="FFC000"/>
+                </a:solidFill>
+                <a:hlinkClick r:id="rId2">
+                  <a:extLst>
+                    <a:ext uri="{A12FA001-AC4F-418D-AE19-62706E023703}">
+                      <ahyp:hlinkClr xmlns:ahyp="http://schemas.microsoft.com/office/drawing/2018/hyperlinkcolor" val="tx"/>
+                    </a:ext>
+                  </a:extLst>
+                </a:hlinkClick>
+              </a:rPr>
+              <a:t>https://developer.mozilla.org/en-US/docs/Web/API/Fetch_API/Using_Fetch</a:t>
+            </a:r>
+            <a:endParaRPr lang="en-US" dirty="0">
+              <a:solidFill>
+                <a:srgbClr val="FFC000"/>
+              </a:solidFill>
+            </a:endParaRPr>
+          </a:p>
+        </p:txBody>
+      </p:sp>
+      <p:sp>
+        <p:nvSpPr>
+          <p:cNvPr id="3" name="Title 1">
+            <a:extLst>
+              <a:ext uri="{FF2B5EF4-FFF2-40B4-BE49-F238E27FC236}">
+                <a16:creationId xmlns:a16="http://schemas.microsoft.com/office/drawing/2014/main" id="{03D7A232-2688-3E41-B05C-CF58A967B869}"/>
+              </a:ext>
+            </a:extLst>
+          </p:cNvPr>
+          <p:cNvSpPr txBox="1">
+            <a:spLocks/>
+          </p:cNvSpPr>
+          <p:nvPr/>
+        </p:nvSpPr>
+        <p:spPr>
+          <a:xfrm>
+            <a:off x="512064" y="365760"/>
+            <a:ext cx="11180064" cy="1060704"/>
+          </a:xfrm>
+          <a:prstGeom prst="rect">
+            <a:avLst/>
+          </a:prstGeom>
+        </p:spPr>
+        <p:txBody>
+          <a:bodyPr/>
+          <a:lstStyle>
+            <a:lvl1pPr algn="l" defTabSz="914400" rtl="0" eaLnBrk="1" latinLnBrk="0" hangingPunct="1">
+              <a:lnSpc>
+                <a:spcPct val="90000"/>
+              </a:lnSpc>
+              <a:spcBef>
+                <a:spcPct val="0"/>
+              </a:spcBef>
+              <a:buNone/>
+              <a:defRPr sz="4400" kern="1200">
+                <a:solidFill>
+                  <a:schemeClr val="tx1"/>
+                </a:solidFill>
+                <a:latin typeface="+mj-lt"/>
+                <a:ea typeface="+mj-ea"/>
+                <a:cs typeface="+mj-cs"/>
+              </a:defRPr>
+            </a:lvl1pPr>
+          </a:lstStyle>
+          <a:p>
+            <a:pPr algn="ctr"/>
+            <a:r>
+              <a:rPr lang="en-US" sz="3200" dirty="0">
+                <a:solidFill>
+                  <a:schemeClr val="bg1">
+                    <a:lumMod val="85000"/>
+                  </a:schemeClr>
+                </a:solidFill>
+              </a:rPr>
+              <a:t>Fetch API</a:t>
+            </a:r>
+          </a:p>
+        </p:txBody>
+      </p:sp>
+      <p:pic>
+        <p:nvPicPr>
+          <p:cNvPr id="4" name="Picture 3">
+            <a:extLst>
+              <a:ext uri="{FF2B5EF4-FFF2-40B4-BE49-F238E27FC236}">
+                <a16:creationId xmlns:a16="http://schemas.microsoft.com/office/drawing/2014/main" id="{5ED88236-5E50-F143-AA00-60420EDCFFC1}"/>
+              </a:ext>
+            </a:extLst>
+          </p:cNvPr>
+          <p:cNvPicPr>
+            <a:picLocks noChangeAspect="1"/>
+          </p:cNvPicPr>
+          <p:nvPr/>
+        </p:nvPicPr>
+        <p:blipFill>
+          <a:blip r:embed="rId3"/>
+          <a:stretch>
+            <a:fillRect/>
+          </a:stretch>
+        </p:blipFill>
+        <p:spPr>
+          <a:xfrm>
+            <a:off x="5877503" y="1723551"/>
+            <a:ext cx="4995049" cy="2527435"/>
+          </a:xfrm>
+          <a:prstGeom prst="rect">
+            <a:avLst/>
+          </a:prstGeom>
+        </p:spPr>
+      </p:pic>
+      <p:sp>
+        <p:nvSpPr>
+          <p:cNvPr id="5" name="TextBox 4">
+            <a:extLst>
+              <a:ext uri="{FF2B5EF4-FFF2-40B4-BE49-F238E27FC236}">
+                <a16:creationId xmlns:a16="http://schemas.microsoft.com/office/drawing/2014/main" id="{12DCAA3A-2194-664D-B1CC-BA810AE59CFF}"/>
+              </a:ext>
+            </a:extLst>
+          </p:cNvPr>
+          <p:cNvSpPr txBox="1"/>
+          <p:nvPr/>
+        </p:nvSpPr>
+        <p:spPr>
+          <a:xfrm>
+            <a:off x="1264595" y="1971605"/>
+            <a:ext cx="3939702" cy="2031325"/>
+          </a:xfrm>
+          <a:prstGeom prst="rect">
+            <a:avLst/>
+          </a:prstGeom>
+          <a:noFill/>
+        </p:spPr>
+        <p:txBody>
+          <a:bodyPr wrap="square" rtlCol="0">
+            <a:spAutoFit/>
+          </a:bodyPr>
+          <a:lstStyle/>
+          <a:p>
+            <a:pPr marL="285750" indent="-285750">
+              <a:buFont typeface="Arial" panose="020B0604020202020204" pitchFamily="34" charset="0"/>
+              <a:buChar char="•"/>
+            </a:pPr>
+            <a:r>
+              <a:rPr lang="en-US" dirty="0">
+                <a:solidFill>
+                  <a:schemeClr val="accent4">
+                    <a:lumMod val="40000"/>
+                    <a:lumOff val="60000"/>
+                  </a:schemeClr>
+                </a:solidFill>
+              </a:rPr>
+              <a:t>fetch</a:t>
+            </a:r>
+            <a:r>
+              <a:rPr lang="en-US" dirty="0">
+                <a:solidFill>
+                  <a:schemeClr val="bg1"/>
+                </a:solidFill>
+              </a:rPr>
+              <a:t> function executes GET request to supplied endpoint</a:t>
+            </a:r>
+          </a:p>
+          <a:p>
+            <a:pPr marL="285750" indent="-285750">
+              <a:buFont typeface="Arial" panose="020B0604020202020204" pitchFamily="34" charset="0"/>
+              <a:buChar char="•"/>
+            </a:pPr>
+            <a:r>
+              <a:rPr lang="en-US" dirty="0">
+                <a:solidFill>
+                  <a:schemeClr val="accent4">
+                    <a:lumMod val="40000"/>
+                    <a:lumOff val="60000"/>
+                  </a:schemeClr>
+                </a:solidFill>
+              </a:rPr>
+              <a:t>then</a:t>
+            </a:r>
+            <a:r>
+              <a:rPr lang="en-US" dirty="0">
+                <a:solidFill>
+                  <a:schemeClr val="bg1"/>
+                </a:solidFill>
+              </a:rPr>
+              <a:t> function can chain together additional actions</a:t>
+            </a:r>
+          </a:p>
+          <a:p>
+            <a:pPr marL="285750" indent="-285750">
+              <a:buFont typeface="Arial" panose="020B0604020202020204" pitchFamily="34" charset="0"/>
+              <a:buChar char="•"/>
+            </a:pPr>
+            <a:r>
+              <a:rPr lang="en-US" dirty="0">
+                <a:solidFill>
+                  <a:schemeClr val="bg1"/>
+                </a:solidFill>
+              </a:rPr>
+              <a:t>Response must be processed (cast to </a:t>
+            </a:r>
+            <a:r>
+              <a:rPr lang="en-US" dirty="0" err="1">
+                <a:solidFill>
+                  <a:schemeClr val="accent4">
+                    <a:lumMod val="40000"/>
+                    <a:lumOff val="60000"/>
+                  </a:schemeClr>
+                </a:solidFill>
+              </a:rPr>
+              <a:t>json</a:t>
+            </a:r>
+            <a:r>
+              <a:rPr lang="en-US" dirty="0">
+                <a:solidFill>
+                  <a:schemeClr val="bg1"/>
+                </a:solidFill>
+              </a:rPr>
+              <a:t>)</a:t>
+            </a:r>
+          </a:p>
+          <a:p>
+            <a:pPr marL="285750" indent="-285750">
+              <a:buFont typeface="Arial" panose="020B0604020202020204" pitchFamily="34" charset="0"/>
+              <a:buChar char="•"/>
+            </a:pPr>
+            <a:r>
+              <a:rPr lang="en-US" dirty="0">
+                <a:solidFill>
+                  <a:schemeClr val="bg1"/>
+                </a:solidFill>
+              </a:rPr>
+              <a:t>Data can then be used</a:t>
+            </a:r>
+          </a:p>
+        </p:txBody>
+      </p:sp>
+    </p:spTree>
+    <p:extLst>
+      <p:ext uri="{BB962C8B-B14F-4D97-AF65-F5344CB8AC3E}">
+        <p14:creationId xmlns:p14="http://schemas.microsoft.com/office/powerpoint/2010/main" val="2249024933"/>
+      </p:ext>
+    </p:extLst>
+  </p:cSld>
+  <p:clrMapOvr>
+    <a:masterClrMapping/>
+  </p:clrMapOvr>
+</p:sld>
+</file>
+
+<file path=ppt/slides/slide36.xml><?xml version="1.0" encoding="utf-8"?>
+<p:sld xmlns:a="http://schemas.openxmlformats.org/drawingml/2006/main" xmlns:r="http://schemas.openxmlformats.org/officeDocument/2006/relationships" xmlns:p="http://schemas.openxmlformats.org/presentationml/2006/main">
+  <p:cSld>
+    <p:spTree>
+      <p:nvGrpSpPr>
+        <p:cNvPr id="1" name=""/>
+        <p:cNvGrpSpPr/>
+        <p:nvPr/>
+      </p:nvGrpSpPr>
+      <p:grpSpPr>
+        <a:xfrm>
+          <a:off x="0" y="0"/>
+          <a:ext cx="0" cy="0"/>
+          <a:chOff x="0" y="0"/>
+          <a:chExt cx="0" cy="0"/>
+        </a:xfrm>
+      </p:grpSpPr>
+      <p:sp>
+        <p:nvSpPr>
+          <p:cNvPr id="2" name="Rectangle 1">
+            <a:extLst>
+              <a:ext uri="{FF2B5EF4-FFF2-40B4-BE49-F238E27FC236}">
+                <a16:creationId xmlns:a16="http://schemas.microsoft.com/office/drawing/2014/main" id="{F9B3B049-1410-9447-AB10-9B74AE714FC9}"/>
+              </a:ext>
+            </a:extLst>
+          </p:cNvPr>
+          <p:cNvSpPr/>
+          <p:nvPr/>
+        </p:nvSpPr>
+        <p:spPr>
+          <a:xfrm>
+            <a:off x="2483796" y="6004677"/>
+            <a:ext cx="7263319" cy="369332"/>
+          </a:xfrm>
+          <a:prstGeom prst="rect">
+            <a:avLst/>
+          </a:prstGeom>
+        </p:spPr>
+        <p:txBody>
+          <a:bodyPr wrap="square">
+            <a:spAutoFit/>
+          </a:bodyPr>
+          <a:lstStyle/>
+          <a:p>
+            <a:r>
+              <a:rPr lang="en-US" dirty="0">
+                <a:solidFill>
+                  <a:srgbClr val="FFC000"/>
+                </a:solidFill>
+                <a:hlinkClick r:id="rId2">
+                  <a:extLst>
+                    <a:ext uri="{A12FA001-AC4F-418D-AE19-62706E023703}">
+                      <ahyp:hlinkClr xmlns:ahyp="http://schemas.microsoft.com/office/drawing/2018/hyperlinkcolor" val="tx"/>
+                    </a:ext>
+                  </a:extLst>
+                </a:hlinkClick>
+              </a:rPr>
+              <a:t>https://developer.mozilla.org/en-US/docs/Web/API/Fetch_API/Using_Fetch</a:t>
+            </a:r>
+            <a:endParaRPr lang="en-US" dirty="0">
+              <a:solidFill>
+                <a:srgbClr val="FFC000"/>
+              </a:solidFill>
+            </a:endParaRPr>
+          </a:p>
+        </p:txBody>
+      </p:sp>
+      <p:sp>
+        <p:nvSpPr>
+          <p:cNvPr id="3" name="Title 1">
+            <a:extLst>
+              <a:ext uri="{FF2B5EF4-FFF2-40B4-BE49-F238E27FC236}">
+                <a16:creationId xmlns:a16="http://schemas.microsoft.com/office/drawing/2014/main" id="{03D7A232-2688-3E41-B05C-CF58A967B869}"/>
+              </a:ext>
+            </a:extLst>
+          </p:cNvPr>
+          <p:cNvSpPr txBox="1">
+            <a:spLocks/>
+          </p:cNvSpPr>
+          <p:nvPr/>
+        </p:nvSpPr>
+        <p:spPr>
+          <a:xfrm>
+            <a:off x="512064" y="365760"/>
+            <a:ext cx="11180064" cy="1060704"/>
+          </a:xfrm>
+          <a:prstGeom prst="rect">
+            <a:avLst/>
+          </a:prstGeom>
+        </p:spPr>
+        <p:txBody>
+          <a:bodyPr/>
+          <a:lstStyle>
+            <a:lvl1pPr algn="l" defTabSz="914400" rtl="0" eaLnBrk="1" latinLnBrk="0" hangingPunct="1">
+              <a:lnSpc>
+                <a:spcPct val="90000"/>
+              </a:lnSpc>
+              <a:spcBef>
+                <a:spcPct val="0"/>
+              </a:spcBef>
+              <a:buNone/>
+              <a:defRPr sz="4400" kern="1200">
+                <a:solidFill>
+                  <a:schemeClr val="tx1"/>
+                </a:solidFill>
+                <a:latin typeface="+mj-lt"/>
+                <a:ea typeface="+mj-ea"/>
+                <a:cs typeface="+mj-cs"/>
+              </a:defRPr>
+            </a:lvl1pPr>
+          </a:lstStyle>
+          <a:p>
+            <a:pPr algn="ctr"/>
+            <a:r>
+              <a:rPr lang="en-US" sz="3200" dirty="0">
+                <a:solidFill>
+                  <a:schemeClr val="bg1">
+                    <a:lumMod val="85000"/>
+                  </a:schemeClr>
+                </a:solidFill>
+              </a:rPr>
+              <a:t>Fetch API - POST</a:t>
+            </a:r>
+          </a:p>
+        </p:txBody>
+      </p:sp>
+      <p:sp>
+        <p:nvSpPr>
+          <p:cNvPr id="5" name="TextBox 4">
+            <a:extLst>
+              <a:ext uri="{FF2B5EF4-FFF2-40B4-BE49-F238E27FC236}">
+                <a16:creationId xmlns:a16="http://schemas.microsoft.com/office/drawing/2014/main" id="{12DCAA3A-2194-664D-B1CC-BA810AE59CFF}"/>
+              </a:ext>
+            </a:extLst>
+          </p:cNvPr>
+          <p:cNvSpPr txBox="1"/>
+          <p:nvPr/>
+        </p:nvSpPr>
+        <p:spPr>
+          <a:xfrm>
+            <a:off x="1254867" y="2238242"/>
+            <a:ext cx="3939702" cy="1477328"/>
+          </a:xfrm>
+          <a:prstGeom prst="rect">
+            <a:avLst/>
+          </a:prstGeom>
+          <a:noFill/>
+        </p:spPr>
+        <p:txBody>
+          <a:bodyPr wrap="square" rtlCol="0">
+            <a:spAutoFit/>
+          </a:bodyPr>
+          <a:lstStyle/>
+          <a:p>
+            <a:pPr marL="285750" indent="-285750">
+              <a:buFont typeface="Arial" panose="020B0604020202020204" pitchFamily="34" charset="0"/>
+              <a:buChar char="•"/>
+            </a:pPr>
+            <a:r>
+              <a:rPr lang="en-US" dirty="0">
+                <a:solidFill>
+                  <a:schemeClr val="bg1"/>
+                </a:solidFill>
+              </a:rPr>
+              <a:t>Supply an object as a second parameter to issue POST or PUT</a:t>
+            </a:r>
+          </a:p>
+          <a:p>
+            <a:pPr marL="285750" indent="-285750">
+              <a:buFont typeface="Arial" panose="020B0604020202020204" pitchFamily="34" charset="0"/>
+              <a:buChar char="•"/>
+            </a:pPr>
+            <a:r>
+              <a:rPr lang="en-US" dirty="0">
+                <a:solidFill>
+                  <a:schemeClr val="bg1"/>
+                </a:solidFill>
+              </a:rPr>
+              <a:t>Method, Headers and body can be object properties </a:t>
+            </a:r>
+          </a:p>
+          <a:p>
+            <a:pPr marL="285750" indent="-285750">
+              <a:buFont typeface="Arial" panose="020B0604020202020204" pitchFamily="34" charset="0"/>
+              <a:buChar char="•"/>
+            </a:pPr>
+            <a:r>
+              <a:rPr lang="en-US" dirty="0">
+                <a:solidFill>
+                  <a:schemeClr val="bg1"/>
+                </a:solidFill>
+              </a:rPr>
+              <a:t>Many other properties available</a:t>
+            </a:r>
+          </a:p>
+        </p:txBody>
+      </p:sp>
+      <p:pic>
+        <p:nvPicPr>
+          <p:cNvPr id="6" name="Picture 5">
+            <a:extLst>
+              <a:ext uri="{FF2B5EF4-FFF2-40B4-BE49-F238E27FC236}">
+                <a16:creationId xmlns:a16="http://schemas.microsoft.com/office/drawing/2014/main" id="{C4076F2D-39D3-C04A-8E3A-B92999E5E512}"/>
+              </a:ext>
+            </a:extLst>
+          </p:cNvPr>
+          <p:cNvPicPr>
+            <a:picLocks noChangeAspect="1"/>
+          </p:cNvPicPr>
+          <p:nvPr/>
+        </p:nvPicPr>
+        <p:blipFill>
+          <a:blip r:embed="rId3"/>
+          <a:stretch>
+            <a:fillRect/>
+          </a:stretch>
+        </p:blipFill>
+        <p:spPr>
+          <a:xfrm>
+            <a:off x="5634477" y="1971605"/>
+            <a:ext cx="5689600" cy="2070100"/>
+          </a:xfrm>
+          <a:prstGeom prst="rect">
+            <a:avLst/>
+          </a:prstGeom>
+        </p:spPr>
+      </p:pic>
+    </p:spTree>
+    <p:extLst>
+      <p:ext uri="{BB962C8B-B14F-4D97-AF65-F5344CB8AC3E}">
+        <p14:creationId xmlns:p14="http://schemas.microsoft.com/office/powerpoint/2010/main" val="2783040729"/>
+      </p:ext>
+    </p:extLst>
+  </p:cSld>
+  <p:clrMapOvr>
+    <a:masterClrMapping/>
+  </p:clrMapOvr>
+</p:sld>
+</file>
+
+<file path=ppt/slides/slide37.xml><?xml version="1.0" encoding="utf-8"?>
+<p:sld xmlns:a="http://schemas.openxmlformats.org/drawingml/2006/main" xmlns:r="http://schemas.openxmlformats.org/officeDocument/2006/relationships" xmlns:p="http://schemas.openxmlformats.org/presentationml/2006/main">
+  <p:cSld>
+    <p:spTree>
+      <p:nvGrpSpPr>
+        <p:cNvPr id="1" name=""/>
+        <p:cNvGrpSpPr/>
+        <p:nvPr/>
+      </p:nvGrpSpPr>
+      <p:grpSpPr>
+        <a:xfrm>
+          <a:off x="0" y="0"/>
+          <a:ext cx="0" cy="0"/>
+          <a:chOff x="0" y="0"/>
+          <a:chExt cx="0" cy="0"/>
+        </a:xfrm>
+      </p:grpSpPr>
+      <p:sp>
+        <p:nvSpPr>
+          <p:cNvPr id="2" name="Title 1">
+            <a:extLst>
+              <a:ext uri="{FF2B5EF4-FFF2-40B4-BE49-F238E27FC236}">
+                <a16:creationId xmlns:a16="http://schemas.microsoft.com/office/drawing/2014/main" id="{41F1B527-EA49-6742-8825-7DED866D2D15}"/>
+              </a:ext>
+            </a:extLst>
+          </p:cNvPr>
+          <p:cNvSpPr>
+            <a:spLocks noGrp="1"/>
+          </p:cNvSpPr>
+          <p:nvPr>
+            <p:ph type="title"/>
+          </p:nvPr>
+        </p:nvSpPr>
+        <p:spPr>
+          <a:xfrm>
+            <a:off x="497779" y="330261"/>
+            <a:ext cx="11186220" cy="607259"/>
+          </a:xfrm>
+        </p:spPr>
+        <p:txBody>
+          <a:bodyPr/>
+          <a:lstStyle/>
+          <a:p>
+            <a:pPr algn="ctr"/>
+            <a:r>
+              <a:rPr lang="en-US" dirty="0"/>
+              <a:t>Code Along Practice – Hit Live API for Developers</a:t>
+            </a:r>
+          </a:p>
+        </p:txBody>
+      </p:sp>
+      <p:sp>
+        <p:nvSpPr>
+          <p:cNvPr id="3" name="Text Placeholder 2">
+            <a:extLst>
+              <a:ext uri="{FF2B5EF4-FFF2-40B4-BE49-F238E27FC236}">
+                <a16:creationId xmlns:a16="http://schemas.microsoft.com/office/drawing/2014/main" id="{9188C8EE-9EE3-F246-91B7-3118444C624B}"/>
+              </a:ext>
+            </a:extLst>
+          </p:cNvPr>
+          <p:cNvSpPr>
+            <a:spLocks noGrp="1"/>
+          </p:cNvSpPr>
+          <p:nvPr>
+            <p:ph type="body" sz="quarter" idx="13"/>
+          </p:nvPr>
+        </p:nvSpPr>
+        <p:spPr>
+          <a:xfrm>
+            <a:off x="2453268" y="1137831"/>
+            <a:ext cx="9230731" cy="3902520"/>
+          </a:xfrm>
+        </p:spPr>
+        <p:txBody>
+          <a:bodyPr>
+            <a:normAutofit fontScale="92500" lnSpcReduction="20000"/>
+          </a:bodyPr>
+          <a:lstStyle/>
+          <a:p>
+            <a:pPr marL="742950" indent="-742950">
+              <a:buFont typeface="Arial" panose="020B0604020202020204" pitchFamily="34" charset="0"/>
+              <a:buAutoNum type="arabicPeriod"/>
+            </a:pPr>
+            <a:r>
+              <a:rPr lang="en-US" sz="2800" dirty="0">
+                <a:latin typeface="Arial" panose="020B0604020202020204" pitchFamily="34" charset="0"/>
+                <a:cs typeface="Arial" panose="020B0604020202020204" pitchFamily="34" charset="0"/>
+              </a:rPr>
+              <a:t>Add fetch to </a:t>
+            </a:r>
+            <a:r>
+              <a:rPr lang="en-US" sz="2800" dirty="0" err="1">
+                <a:latin typeface="Arial" panose="020B0604020202020204" pitchFamily="34" charset="0"/>
+                <a:cs typeface="Arial" panose="020B0604020202020204" pitchFamily="34" charset="0"/>
+              </a:rPr>
+              <a:t>App.js</a:t>
+            </a:r>
+            <a:r>
+              <a:rPr lang="en-US" sz="2800" dirty="0">
+                <a:latin typeface="Arial" panose="020B0604020202020204" pitchFamily="34" charset="0"/>
+                <a:cs typeface="Arial" panose="020B0604020202020204" pitchFamily="34" charset="0"/>
+              </a:rPr>
+              <a:t> in </a:t>
+            </a:r>
+            <a:r>
+              <a:rPr lang="en-US" sz="2800" dirty="0" err="1">
+                <a:latin typeface="Arial" panose="020B0604020202020204" pitchFamily="34" charset="0"/>
+                <a:cs typeface="Arial" panose="020B0604020202020204" pitchFamily="34" charset="0"/>
+              </a:rPr>
+              <a:t>componentWillMount</a:t>
+            </a:r>
+            <a:r>
+              <a:rPr lang="en-US" sz="2800" dirty="0">
+                <a:latin typeface="Arial" panose="020B0604020202020204" pitchFamily="34" charset="0"/>
+                <a:cs typeface="Arial" panose="020B0604020202020204" pitchFamily="34" charset="0"/>
+              </a:rPr>
+              <a:t>() hook which accesses </a:t>
+            </a:r>
+            <a:r>
+              <a:rPr lang="en-US" sz="2800" dirty="0">
+                <a:solidFill>
+                  <a:schemeClr val="accent2"/>
+                </a:solidFill>
+                <a:latin typeface="Arial" panose="020B0604020202020204" pitchFamily="34" charset="0"/>
+                <a:cs typeface="Arial" panose="020B0604020202020204" pitchFamily="34" charset="0"/>
+                <a:hlinkClick r:id="rId2">
+                  <a:extLst>
+                    <a:ext uri="{A12FA001-AC4F-418D-AE19-62706E023703}">
+                      <ahyp:hlinkClr xmlns:ahyp="http://schemas.microsoft.com/office/drawing/2018/hyperlinkcolor" val="tx"/>
+                    </a:ext>
+                  </a:extLst>
+                </a:hlinkClick>
+              </a:rPr>
+              <a:t>https://developer-service-overspeedy-celebratedness.cfapps.io/developers</a:t>
+            </a:r>
+            <a:r>
+              <a:rPr lang="en-US" sz="2800" dirty="0">
+                <a:solidFill>
+                  <a:schemeClr val="accent2"/>
+                </a:solidFill>
+                <a:latin typeface="Arial" panose="020B0604020202020204" pitchFamily="34" charset="0"/>
+                <a:cs typeface="Arial" panose="020B0604020202020204" pitchFamily="34" charset="0"/>
+              </a:rPr>
+              <a:t> </a:t>
+            </a:r>
+            <a:r>
+              <a:rPr lang="en-US" sz="2800" dirty="0">
+                <a:solidFill>
+                  <a:schemeClr val="bg1"/>
+                </a:solidFill>
+                <a:latin typeface="Arial" panose="020B0604020202020204" pitchFamily="34" charset="0"/>
+                <a:cs typeface="Arial" panose="020B0604020202020204" pitchFamily="34" charset="0"/>
+              </a:rPr>
+              <a:t>and</a:t>
+            </a:r>
+            <a:r>
+              <a:rPr lang="en-US" sz="2800" dirty="0">
+                <a:solidFill>
+                  <a:schemeClr val="accent2"/>
+                </a:solidFill>
+                <a:latin typeface="Arial" panose="020B0604020202020204" pitchFamily="34" charset="0"/>
+                <a:cs typeface="Arial" panose="020B0604020202020204" pitchFamily="34" charset="0"/>
+              </a:rPr>
+              <a:t> </a:t>
+            </a:r>
+            <a:r>
+              <a:rPr lang="en-US" sz="2800" dirty="0">
+                <a:solidFill>
+                  <a:schemeClr val="bg1"/>
+                </a:solidFill>
+                <a:latin typeface="Arial" panose="020B0604020202020204" pitchFamily="34" charset="0"/>
+                <a:cs typeface="Arial" panose="020B0604020202020204" pitchFamily="34" charset="0"/>
+              </a:rPr>
+              <a:t>sets developer state to the response</a:t>
+            </a:r>
+          </a:p>
+          <a:p>
+            <a:pPr marL="742950" indent="-742950">
+              <a:buAutoNum type="arabicPeriod"/>
+            </a:pPr>
+            <a:endParaRPr lang="en-US" sz="2800" dirty="0">
+              <a:solidFill>
+                <a:schemeClr val="bg1"/>
+              </a:solidFill>
+              <a:latin typeface="Arial" panose="020B0604020202020204" pitchFamily="34" charset="0"/>
+              <a:cs typeface="Arial" panose="020B0604020202020204" pitchFamily="34" charset="0"/>
+            </a:endParaRPr>
+          </a:p>
+          <a:p>
+            <a:pPr marL="742950" indent="-742950">
+              <a:buFont typeface="Arial" panose="020B0604020202020204" pitchFamily="34" charset="0"/>
+              <a:buAutoNum type="arabicPeriod"/>
+            </a:pPr>
+            <a:r>
+              <a:rPr lang="en-US" sz="2800" dirty="0">
+                <a:latin typeface="Arial" panose="020B0604020202020204" pitchFamily="34" charset="0"/>
+                <a:cs typeface="Arial" panose="020B0604020202020204" pitchFamily="34" charset="0"/>
+              </a:rPr>
+              <a:t>Add fetch with post object to </a:t>
+            </a:r>
+            <a:r>
+              <a:rPr lang="en-US" sz="2800" dirty="0" err="1">
+                <a:latin typeface="Arial" panose="020B0604020202020204" pitchFamily="34" charset="0"/>
+                <a:cs typeface="Arial" panose="020B0604020202020204" pitchFamily="34" charset="0"/>
+              </a:rPr>
+              <a:t>submitForm</a:t>
+            </a:r>
+            <a:r>
+              <a:rPr lang="en-US" sz="2800" dirty="0">
+                <a:latin typeface="Arial" panose="020B0604020202020204" pitchFamily="34" charset="0"/>
+                <a:cs typeface="Arial" panose="020B0604020202020204" pitchFamily="34" charset="0"/>
+              </a:rPr>
+              <a:t>() in </a:t>
+            </a:r>
+            <a:r>
+              <a:rPr lang="en-US" sz="2800" dirty="0" err="1">
+                <a:latin typeface="Arial" panose="020B0604020202020204" pitchFamily="34" charset="0"/>
+                <a:cs typeface="Arial" panose="020B0604020202020204" pitchFamily="34" charset="0"/>
+              </a:rPr>
+              <a:t>AddDeveloper.js</a:t>
+            </a:r>
+            <a:r>
+              <a:rPr lang="en-US" sz="2800" dirty="0">
+                <a:latin typeface="Arial" panose="020B0604020202020204" pitchFamily="34" charset="0"/>
+                <a:cs typeface="Arial" panose="020B0604020202020204" pitchFamily="34" charset="0"/>
+              </a:rPr>
+              <a:t> and change </a:t>
+            </a:r>
+            <a:r>
+              <a:rPr lang="en-US" sz="2800" dirty="0" err="1">
+                <a:latin typeface="Arial" panose="020B0604020202020204" pitchFamily="34" charset="0"/>
+                <a:cs typeface="Arial" panose="020B0604020202020204" pitchFamily="34" charset="0"/>
+              </a:rPr>
+              <a:t>addDeveloper</a:t>
+            </a:r>
+            <a:r>
+              <a:rPr lang="en-US" sz="2800" dirty="0">
+                <a:latin typeface="Arial" panose="020B0604020202020204" pitchFamily="34" charset="0"/>
+                <a:cs typeface="Arial" panose="020B0604020202020204" pitchFamily="34" charset="0"/>
+              </a:rPr>
+              <a:t> prop call to a regular variable.</a:t>
+            </a:r>
+          </a:p>
+          <a:p>
+            <a:pPr marL="742950" indent="-742950">
+              <a:buFont typeface="Arial" panose="020B0604020202020204" pitchFamily="34" charset="0"/>
+              <a:buAutoNum type="arabicPeriod"/>
+            </a:pPr>
+            <a:endParaRPr lang="en-US" sz="2800" dirty="0">
+              <a:latin typeface="Arial" panose="020B0604020202020204" pitchFamily="34" charset="0"/>
+              <a:cs typeface="Arial" panose="020B0604020202020204" pitchFamily="34" charset="0"/>
+            </a:endParaRPr>
+          </a:p>
+          <a:p>
+            <a:pPr marL="742950" indent="-742950">
+              <a:buFont typeface="Arial" panose="020B0604020202020204" pitchFamily="34" charset="0"/>
+              <a:buAutoNum type="arabicPeriod"/>
+            </a:pPr>
+            <a:r>
+              <a:rPr lang="en-US" sz="2800" dirty="0">
+                <a:latin typeface="Arial" panose="020B0604020202020204" pitchFamily="34" charset="0"/>
+                <a:cs typeface="Arial" panose="020B0604020202020204" pitchFamily="34" charset="0"/>
+              </a:rPr>
+              <a:t>Delete </a:t>
+            </a:r>
+            <a:r>
+              <a:rPr lang="en-US" sz="2800" dirty="0" err="1">
+                <a:latin typeface="Arial" panose="020B0604020202020204" pitchFamily="34" charset="0"/>
+                <a:cs typeface="Arial" panose="020B0604020202020204" pitchFamily="34" charset="0"/>
+              </a:rPr>
+              <a:t>addDeveloper</a:t>
+            </a:r>
+            <a:r>
+              <a:rPr lang="en-US" sz="2800" dirty="0">
+                <a:latin typeface="Arial" panose="020B0604020202020204" pitchFamily="34" charset="0"/>
+                <a:cs typeface="Arial" panose="020B0604020202020204" pitchFamily="34" charset="0"/>
+              </a:rPr>
+              <a:t> from </a:t>
+            </a:r>
+            <a:r>
+              <a:rPr lang="en-US" sz="2800" dirty="0" err="1">
+                <a:latin typeface="Arial" panose="020B0604020202020204" pitchFamily="34" charset="0"/>
+                <a:cs typeface="Arial" panose="020B0604020202020204" pitchFamily="34" charset="0"/>
+              </a:rPr>
+              <a:t>App.js</a:t>
+            </a:r>
+            <a:r>
+              <a:rPr lang="en-US" sz="2800" dirty="0">
+                <a:latin typeface="Arial" panose="020B0604020202020204" pitchFamily="34" charset="0"/>
+                <a:cs typeface="Arial" panose="020B0604020202020204" pitchFamily="34" charset="0"/>
+              </a:rPr>
+              <a:t> and remove the prop from &lt;</a:t>
+            </a:r>
+            <a:r>
+              <a:rPr lang="en-US" sz="2800" dirty="0" err="1">
+                <a:latin typeface="Arial" panose="020B0604020202020204" pitchFamily="34" charset="0"/>
+                <a:cs typeface="Arial" panose="020B0604020202020204" pitchFamily="34" charset="0"/>
+              </a:rPr>
+              <a:t>AddDeveloper</a:t>
+            </a:r>
+            <a:r>
+              <a:rPr lang="en-US" sz="2800" dirty="0">
+                <a:latin typeface="Arial" panose="020B0604020202020204" pitchFamily="34" charset="0"/>
+                <a:cs typeface="Arial" panose="020B0604020202020204" pitchFamily="34" charset="0"/>
+              </a:rPr>
+              <a:t> /&gt;</a:t>
+            </a:r>
+          </a:p>
+          <a:p>
+            <a:pPr lvl="1" indent="0">
+              <a:buNone/>
+            </a:pPr>
+            <a:endParaRPr lang="en-US" sz="2267" dirty="0">
+              <a:latin typeface="Arial" panose="020B0604020202020204" pitchFamily="34" charset="0"/>
+              <a:cs typeface="Arial" panose="020B0604020202020204" pitchFamily="34" charset="0"/>
+            </a:endParaRPr>
+          </a:p>
+          <a:p>
+            <a:pPr lvl="1" indent="0">
+              <a:buNone/>
+            </a:pPr>
+            <a:endParaRPr lang="en-US" sz="2267" dirty="0">
+              <a:latin typeface="Arial" panose="020B0604020202020204" pitchFamily="34" charset="0"/>
+              <a:cs typeface="Arial" panose="020B0604020202020204" pitchFamily="34" charset="0"/>
+            </a:endParaRPr>
+          </a:p>
+          <a:p>
+            <a:pPr lvl="1" indent="0">
+              <a:buNone/>
+            </a:pPr>
+            <a:endParaRPr lang="en-US" sz="2267" dirty="0">
+              <a:latin typeface="Arial" panose="020B0604020202020204" pitchFamily="34" charset="0"/>
+              <a:cs typeface="Arial" panose="020B0604020202020204" pitchFamily="34" charset="0"/>
+            </a:endParaRPr>
+          </a:p>
+        </p:txBody>
+      </p:sp>
+      <p:pic>
+        <p:nvPicPr>
+          <p:cNvPr id="4" name="Picture 3">
+            <a:extLst>
+              <a:ext uri="{FF2B5EF4-FFF2-40B4-BE49-F238E27FC236}">
+                <a16:creationId xmlns:a16="http://schemas.microsoft.com/office/drawing/2014/main" id="{DD41398B-2AB0-A442-AD24-DE8883ED6292}"/>
+              </a:ext>
+            </a:extLst>
+          </p:cNvPr>
+          <p:cNvPicPr>
+            <a:picLocks noChangeAspect="1"/>
+          </p:cNvPicPr>
+          <p:nvPr/>
+        </p:nvPicPr>
+        <p:blipFill>
+          <a:blip r:embed="rId3" cstate="print">
+            <a:extLst>
+              <a:ext uri="{28A0092B-C50C-407E-A947-70E740481C1C}">
+                <a14:useLocalDpi xmlns:a14="http://schemas.microsoft.com/office/drawing/2010/main" val="0"/>
+              </a:ext>
+            </a:extLst>
+          </a:blip>
+          <a:stretch>
+            <a:fillRect/>
+          </a:stretch>
+        </p:blipFill>
+        <p:spPr>
+          <a:xfrm>
+            <a:off x="497785" y="330261"/>
+            <a:ext cx="1589293" cy="1589293"/>
+          </a:xfrm>
+          <a:prstGeom prst="rect">
+            <a:avLst/>
+          </a:prstGeom>
+        </p:spPr>
+      </p:pic>
+    </p:spTree>
+    <p:extLst>
+      <p:ext uri="{BB962C8B-B14F-4D97-AF65-F5344CB8AC3E}">
+        <p14:creationId xmlns:p14="http://schemas.microsoft.com/office/powerpoint/2010/main" val="3469605516"/>
+      </p:ext>
+    </p:extLst>
+  </p:cSld>
+  <p:clrMapOvr>
+    <a:masterClrMapping/>
+  </p:clrMapOvr>
+  <p:timing>
+    <p:tnLst>
+      <p:par>
+        <p:cTn id="1" dur="indefinite" restart="never" nodeType="tmRoot">
+          <p:childTnLst>
+            <p:seq concurrent="1" nextAc="seek">
+              <p:cTn id="2" dur="indefinite" nodeType="mainSeq">
+                <p:childTnLst>
+                  <p:par>
+                    <p:cTn id="3" fill="hold">
+                      <p:stCondLst>
+                        <p:cond delay="indefinite"/>
+                      </p:stCondLst>
+                      <p:childTnLst>
+                        <p:par>
+                          <p:cTn id="4" fill="hold">
+                            <p:stCondLst>
+                              <p:cond delay="0"/>
+                            </p:stCondLst>
+                            <p:childTnLst>
+                              <p:par>
+                                <p:cTn id="5" presetID="9" presetClass="entr" presetSubtype="0" fill="hold" grpId="0" nodeType="clickEffect">
+                                  <p:stCondLst>
+                                    <p:cond delay="0"/>
+                                  </p:stCondLst>
+                                  <p:childTnLst>
+                                    <p:set>
+                                      <p:cBhvr>
+                                        <p:cTn id="6" dur="1" fill="hold">
+                                          <p:stCondLst>
+                                            <p:cond delay="0"/>
+                                          </p:stCondLst>
+                                        </p:cTn>
+                                        <p:tgtEl>
+                                          <p:spTgt spid="3">
+                                            <p:txEl>
+                                              <p:pRg st="0" end="0"/>
+                                            </p:txEl>
+                                          </p:spTgt>
+                                        </p:tgtEl>
+                                        <p:attrNameLst>
+                                          <p:attrName>style.visibility</p:attrName>
+                                        </p:attrNameLst>
+                                      </p:cBhvr>
+                                      <p:to>
+                                        <p:strVal val="visible"/>
+                                      </p:to>
+                                    </p:set>
+                                    <p:animEffect transition="in" filter="dissolve">
+                                      <p:cBhvr>
+                                        <p:cTn id="7" dur="500"/>
+                                        <p:tgtEl>
+                                          <p:spTgt spid="3">
+                                            <p:txEl>
+                                              <p:pRg st="0" end="0"/>
+                                            </p:txEl>
+                                          </p:spTgt>
+                                        </p:tgtEl>
+                                      </p:cBhvr>
+                                    </p:animEffect>
+                                  </p:childTnLst>
+                                </p:cTn>
+                              </p:par>
+                            </p:childTnLst>
+                          </p:cTn>
+                        </p:par>
+                      </p:childTnLst>
+                    </p:cTn>
+                  </p:par>
+                  <p:par>
+                    <p:cTn id="8" fill="hold">
+                      <p:stCondLst>
+                        <p:cond delay="indefinite"/>
+                      </p:stCondLst>
+                      <p:childTnLst>
+                        <p:par>
+                          <p:cTn id="9" fill="hold">
+                            <p:stCondLst>
+                              <p:cond delay="0"/>
+                            </p:stCondLst>
+                            <p:childTnLst>
+                              <p:par>
+                                <p:cTn id="10" presetID="9" presetClass="entr" presetSubtype="0" fill="hold" grpId="0" nodeType="clickEffect">
+                                  <p:stCondLst>
+                                    <p:cond delay="0"/>
+                                  </p:stCondLst>
+                                  <p:childTnLst>
+                                    <p:set>
+                                      <p:cBhvr>
+                                        <p:cTn id="11" dur="1" fill="hold">
+                                          <p:stCondLst>
+                                            <p:cond delay="0"/>
+                                          </p:stCondLst>
+                                        </p:cTn>
+                                        <p:tgtEl>
+                                          <p:spTgt spid="3">
+                                            <p:txEl>
+                                              <p:pRg st="2" end="2"/>
+                                            </p:txEl>
+                                          </p:spTgt>
+                                        </p:tgtEl>
+                                        <p:attrNameLst>
+                                          <p:attrName>style.visibility</p:attrName>
+                                        </p:attrNameLst>
+                                      </p:cBhvr>
+                                      <p:to>
+                                        <p:strVal val="visible"/>
+                                      </p:to>
+                                    </p:set>
+                                    <p:animEffect transition="in" filter="dissolve">
+                                      <p:cBhvr>
+                                        <p:cTn id="12" dur="500"/>
+                                        <p:tgtEl>
+                                          <p:spTgt spid="3">
+                                            <p:txEl>
+                                              <p:pRg st="2" end="2"/>
+                                            </p:txEl>
+                                          </p:spTgt>
+                                        </p:tgtEl>
+                                      </p:cBhvr>
+                                    </p:animEffect>
+                                  </p:childTnLst>
+                                </p:cTn>
+                              </p:par>
+                            </p:childTnLst>
+                          </p:cTn>
+                        </p:par>
+                      </p:childTnLst>
+                    </p:cTn>
+                  </p:par>
+                  <p:par>
+                    <p:cTn id="13" fill="hold">
+                      <p:stCondLst>
+                        <p:cond delay="indefinite"/>
+                      </p:stCondLst>
+                      <p:childTnLst>
+                        <p:par>
+                          <p:cTn id="14" fill="hold">
+                            <p:stCondLst>
+                              <p:cond delay="0"/>
+                            </p:stCondLst>
+                            <p:childTnLst>
+                              <p:par>
+                                <p:cTn id="15" presetID="9" presetClass="entr" presetSubtype="0" fill="hold" grpId="0" nodeType="clickEffect">
+                                  <p:stCondLst>
+                                    <p:cond delay="0"/>
+                                  </p:stCondLst>
+                                  <p:childTnLst>
+                                    <p:set>
+                                      <p:cBhvr>
+                                        <p:cTn id="16" dur="1" fill="hold">
+                                          <p:stCondLst>
+                                            <p:cond delay="0"/>
+                                          </p:stCondLst>
+                                        </p:cTn>
+                                        <p:tgtEl>
+                                          <p:spTgt spid="3">
+                                            <p:txEl>
+                                              <p:pRg st="4" end="4"/>
+                                            </p:txEl>
+                                          </p:spTgt>
+                                        </p:tgtEl>
+                                        <p:attrNameLst>
+                                          <p:attrName>style.visibility</p:attrName>
+                                        </p:attrNameLst>
+                                      </p:cBhvr>
+                                      <p:to>
+                                        <p:strVal val="visible"/>
+                                      </p:to>
+                                    </p:set>
+                                    <p:animEffect transition="in" filter="dissolve">
+                                      <p:cBhvr>
+                                        <p:cTn id="17" dur="500"/>
+                                        <p:tgtEl>
+                                          <p:spTgt spid="3">
+                                            <p:txEl>
+                                              <p:pRg st="4" end="4"/>
+                                            </p:txEl>
+                                          </p:spTgt>
+                                        </p:tgtEl>
+                                      </p:cBhvr>
+                                    </p:animEffect>
+                                  </p:childTnLst>
+                                </p:cTn>
+                              </p:par>
+                            </p:childTnLst>
+                          </p:cTn>
+                        </p:par>
+                      </p:childTnLst>
+                    </p:cTn>
+                  </p:par>
+                </p:childTnLst>
+              </p:cTn>
+              <p:prevCondLst>
+                <p:cond evt="onPrev" delay="0">
+                  <p:tgtEl>
+                    <p:sldTgt/>
+                  </p:tgtEl>
+                </p:cond>
+              </p:prevCondLst>
+              <p:nextCondLst>
+                <p:cond evt="onNext" delay="0">
+                  <p:tgtEl>
+                    <p:sldTgt/>
+                  </p:tgtEl>
+                </p:cond>
+              </p:nextCondLst>
+            </p:seq>
+          </p:childTnLst>
+        </p:cTn>
+      </p:par>
+    </p:tnLst>
+    <p:bldLst>
+      <p:bldP spid="3" grpId="0" build="p"/>
+    </p:bldLst>
+  </p:timing>
+</p:sld>
+</file>
+
+<file path=ppt/slides/slide38.xml><?xml version="1.0" encoding="utf-8"?>
+<p:sld xmlns:a="http://schemas.openxmlformats.org/drawingml/2006/main" xmlns:r="http://schemas.openxmlformats.org/officeDocument/2006/relationships" xmlns:p="http://schemas.openxmlformats.org/presentationml/2006/main">
+  <p:cSld>
+    <p:spTree>
+      <p:nvGrpSpPr>
+        <p:cNvPr id="1" name=""/>
+        <p:cNvGrpSpPr/>
+        <p:nvPr/>
+      </p:nvGrpSpPr>
+      <p:grpSpPr>
+        <a:xfrm>
+          <a:off x="0" y="0"/>
+          <a:ext cx="0" cy="0"/>
+          <a:chOff x="0" y="0"/>
+          <a:chExt cx="0" cy="0"/>
+        </a:xfrm>
+      </p:grpSpPr>
+      <p:sp>
+        <p:nvSpPr>
+          <p:cNvPr id="2" name="Title 1">
+            <a:extLst>
+              <a:ext uri="{FF2B5EF4-FFF2-40B4-BE49-F238E27FC236}">
+                <a16:creationId xmlns:a16="http://schemas.microsoft.com/office/drawing/2014/main" id="{44173E40-85E9-2A49-B7D8-C4E3FA5AF74C}"/>
+              </a:ext>
+            </a:extLst>
+          </p:cNvPr>
+          <p:cNvSpPr>
+            <a:spLocks noGrp="1"/>
+          </p:cNvSpPr>
+          <p:nvPr>
+            <p:ph type="title"/>
+          </p:nvPr>
+        </p:nvSpPr>
+        <p:spPr/>
+        <p:txBody>
+          <a:bodyPr/>
+          <a:lstStyle/>
+          <a:p>
+            <a:pPr algn="ctr"/>
+            <a:r>
+              <a:rPr lang="en-US" dirty="0"/>
+              <a:t>#1 and #3 </a:t>
+            </a:r>
+            <a:r>
+              <a:rPr lang="en-US" dirty="0" err="1"/>
+              <a:t>App.js</a:t>
+            </a:r>
+            <a:endParaRPr lang="en-US" dirty="0"/>
+          </a:p>
+        </p:txBody>
+      </p:sp>
+      <p:pic>
+        <p:nvPicPr>
+          <p:cNvPr id="5" name="Picture 4">
+            <a:extLst>
+              <a:ext uri="{FF2B5EF4-FFF2-40B4-BE49-F238E27FC236}">
+                <a16:creationId xmlns:a16="http://schemas.microsoft.com/office/drawing/2014/main" id="{728232EC-2B67-E94D-9A68-139F3DF24467}"/>
+              </a:ext>
+            </a:extLst>
+          </p:cNvPr>
+          <p:cNvPicPr>
+            <a:picLocks noChangeAspect="1"/>
+          </p:cNvPicPr>
+          <p:nvPr/>
+        </p:nvPicPr>
+        <p:blipFill>
+          <a:blip r:embed="rId2"/>
+          <a:stretch>
+            <a:fillRect/>
+          </a:stretch>
+        </p:blipFill>
+        <p:spPr>
+          <a:xfrm>
+            <a:off x="1424458" y="937520"/>
+            <a:ext cx="9332873" cy="5863373"/>
+          </a:xfrm>
+          <a:prstGeom prst="rect">
+            <a:avLst/>
+          </a:prstGeom>
+        </p:spPr>
+      </p:pic>
+    </p:spTree>
+    <p:extLst>
+      <p:ext uri="{BB962C8B-B14F-4D97-AF65-F5344CB8AC3E}">
+        <p14:creationId xmlns:p14="http://schemas.microsoft.com/office/powerpoint/2010/main" val="2803327361"/>
+      </p:ext>
+    </p:extLst>
+  </p:cSld>
+  <p:clrMapOvr>
+    <a:masterClrMapping/>
+  </p:clrMapOvr>
+</p:sld>
+</file>
+
+<file path=ppt/slides/slide39.xml><?xml version="1.0" encoding="utf-8"?>
+<p:sld xmlns:a="http://schemas.openxmlformats.org/drawingml/2006/main" xmlns:r="http://schemas.openxmlformats.org/officeDocument/2006/relationships" xmlns:p="http://schemas.openxmlformats.org/presentationml/2006/main">
+  <p:cSld>
+    <p:spTree>
+      <p:nvGrpSpPr>
+        <p:cNvPr id="1" name=""/>
+        <p:cNvGrpSpPr/>
+        <p:nvPr/>
+      </p:nvGrpSpPr>
+      <p:grpSpPr>
+        <a:xfrm>
+          <a:off x="0" y="0"/>
+          <a:ext cx="0" cy="0"/>
+          <a:chOff x="0" y="0"/>
+          <a:chExt cx="0" cy="0"/>
+        </a:xfrm>
+      </p:grpSpPr>
+      <p:sp>
+        <p:nvSpPr>
+          <p:cNvPr id="2" name="Title 1">
+            <a:extLst>
+              <a:ext uri="{FF2B5EF4-FFF2-40B4-BE49-F238E27FC236}">
+                <a16:creationId xmlns:a16="http://schemas.microsoft.com/office/drawing/2014/main" id="{44173E40-85E9-2A49-B7D8-C4E3FA5AF74C}"/>
+              </a:ext>
+            </a:extLst>
+          </p:cNvPr>
+          <p:cNvSpPr>
+            <a:spLocks noGrp="1"/>
+          </p:cNvSpPr>
+          <p:nvPr>
+            <p:ph type="title"/>
+          </p:nvPr>
+        </p:nvSpPr>
+        <p:spPr/>
+        <p:txBody>
+          <a:bodyPr/>
+          <a:lstStyle/>
+          <a:p>
+            <a:pPr algn="ctr"/>
+            <a:r>
+              <a:rPr lang="en-US" dirty="0"/>
+              <a:t>#2. </a:t>
+            </a:r>
+            <a:r>
+              <a:rPr lang="en-US" dirty="0" err="1"/>
+              <a:t>AddDeveloper.js</a:t>
+            </a:r>
+            <a:endParaRPr lang="en-US" dirty="0"/>
+          </a:p>
+        </p:txBody>
+      </p:sp>
+      <p:pic>
+        <p:nvPicPr>
+          <p:cNvPr id="3" name="Picture 2">
+            <a:extLst>
+              <a:ext uri="{FF2B5EF4-FFF2-40B4-BE49-F238E27FC236}">
+                <a16:creationId xmlns:a16="http://schemas.microsoft.com/office/drawing/2014/main" id="{8361B3DB-0293-1C4D-9ACE-AD92F75506C3}"/>
+              </a:ext>
+            </a:extLst>
+          </p:cNvPr>
+          <p:cNvPicPr>
+            <a:picLocks noChangeAspect="1"/>
+          </p:cNvPicPr>
+          <p:nvPr/>
+        </p:nvPicPr>
+        <p:blipFill>
+          <a:blip r:embed="rId2"/>
+          <a:stretch>
+            <a:fillRect/>
+          </a:stretch>
+        </p:blipFill>
+        <p:spPr>
+          <a:xfrm>
+            <a:off x="419669" y="1041770"/>
+            <a:ext cx="11342451" cy="5656495"/>
+          </a:xfrm>
+          <a:prstGeom prst="rect">
+            <a:avLst/>
+          </a:prstGeom>
+        </p:spPr>
+      </p:pic>
+    </p:spTree>
+    <p:extLst>
+      <p:ext uri="{BB962C8B-B14F-4D97-AF65-F5344CB8AC3E}">
+        <p14:creationId xmlns:p14="http://schemas.microsoft.com/office/powerpoint/2010/main" val="2016450069"/>
+      </p:ext>
+    </p:extLst>
+  </p:cSld>
+  <p:clrMapOvr>
+    <a:masterClrMapping/>
+  </p:clrMapOvr>
+</p:sld>
+</file>
+
+<file path=ppt/slides/slide4.xml><?xml version="1.0" encoding="utf-8"?>
+<p:sld xmlns:a="http://schemas.openxmlformats.org/drawingml/2006/main" xmlns:r="http://schemas.openxmlformats.org/officeDocument/2006/relationships" xmlns:p="http://schemas.openxmlformats.org/presentationml/2006/main">
+  <p:cSld>
+    <p:spTree>
+      <p:nvGrpSpPr>
+        <p:cNvPr id="1" name=""/>
+        <p:cNvGrpSpPr/>
+        <p:nvPr/>
+      </p:nvGrpSpPr>
+      <p:grpSpPr>
+        <a:xfrm>
+          <a:off x="0" y="0"/>
+          <a:ext cx="0" cy="0"/>
+          <a:chOff x="0" y="0"/>
+          <a:chExt cx="0" cy="0"/>
+        </a:xfrm>
+      </p:grpSpPr>
+      <p:sp>
+        <p:nvSpPr>
+          <p:cNvPr id="4" name="Rectangle 3">
+            <a:extLst>
+              <a:ext uri="{FF2B5EF4-FFF2-40B4-BE49-F238E27FC236}">
+                <a16:creationId xmlns:a16="http://schemas.microsoft.com/office/drawing/2014/main" id="{5E949873-B026-DD4B-B8B8-08C27A5F86AB}"/>
+              </a:ext>
+            </a:extLst>
+          </p:cNvPr>
+          <p:cNvSpPr/>
+          <p:nvPr/>
+        </p:nvSpPr>
+        <p:spPr>
+          <a:xfrm>
+            <a:off x="1895676" y="1704372"/>
+            <a:ext cx="8521540" cy="2062168"/>
+          </a:xfrm>
+          <a:prstGeom prst="rect">
+            <a:avLst/>
+          </a:prstGeom>
+        </p:spPr>
+        <p:txBody>
+          <a:bodyPr wrap="square">
+            <a:spAutoFit/>
+          </a:bodyPr>
+          <a:lstStyle/>
+          <a:p>
+            <a:pPr algn="ctr">
+              <a:spcAft>
+                <a:spcPts val="1600"/>
+              </a:spcAft>
+            </a:pPr>
+            <a:r>
+              <a:rPr lang="en-US" sz="3200" b="1" dirty="0">
+                <a:solidFill>
+                  <a:schemeClr val="bg1">
+                    <a:lumMod val="85000"/>
+                  </a:schemeClr>
+                </a:solidFill>
+              </a:rPr>
+              <a:t>Key Topics</a:t>
+            </a:r>
+          </a:p>
+          <a:p>
+            <a:pPr marL="380990" indent="-380990">
+              <a:buFont typeface="Arial" panose="020B0604020202020204" pitchFamily="34" charset="0"/>
+              <a:buChar char="•"/>
+            </a:pPr>
+            <a:r>
+              <a:rPr lang="en-US" sz="2800" dirty="0">
+                <a:solidFill>
+                  <a:srgbClr val="C4E3B0"/>
+                </a:solidFill>
+              </a:rPr>
+              <a:t>React Routing</a:t>
+            </a:r>
+          </a:p>
+          <a:p>
+            <a:pPr marL="380990" indent="-380990">
+              <a:buFont typeface="Arial" panose="020B0604020202020204" pitchFamily="34" charset="0"/>
+              <a:buChar char="•"/>
+            </a:pPr>
+            <a:r>
+              <a:rPr lang="en-US" sz="2400" dirty="0">
+                <a:solidFill>
+                  <a:srgbClr val="C4E3B0"/>
+                </a:solidFill>
+              </a:rPr>
+              <a:t>Component Lifecycle Methods</a:t>
+            </a:r>
+          </a:p>
+          <a:p>
+            <a:pPr marL="380990" indent="-380990">
+              <a:buFont typeface="Arial" panose="020B0604020202020204" pitchFamily="34" charset="0"/>
+              <a:buChar char="•"/>
+            </a:pPr>
+            <a:endParaRPr lang="en-US" sz="2667" dirty="0">
+              <a:solidFill>
+                <a:srgbClr val="C4E3B0"/>
+              </a:solidFill>
+            </a:endParaRPr>
+          </a:p>
+        </p:txBody>
+      </p:sp>
+    </p:spTree>
+    <p:custDataLst>
+      <p:tags r:id="rId1"/>
+    </p:custDataLst>
+    <p:extLst>
+      <p:ext uri="{BB962C8B-B14F-4D97-AF65-F5344CB8AC3E}">
+        <p14:creationId xmlns:p14="http://schemas.microsoft.com/office/powerpoint/2010/main" val="3867859905"/>
+      </p:ext>
+    </p:extLst>
+  </p:cSld>
+  <p:clrMapOvr>
+    <a:masterClrMapping/>
+  </p:clrMapOvr>
+</p:sld>
+</file>
+
+<file path=ppt/slides/slide40.xml><?xml version="1.0" encoding="utf-8"?>
+<p:sld xmlns:a="http://schemas.openxmlformats.org/drawingml/2006/main" xmlns:r="http://schemas.openxmlformats.org/officeDocument/2006/relationships" xmlns:p="http://schemas.openxmlformats.org/presentationml/2006/main">
+  <p:cSld>
+    <p:spTree>
+      <p:nvGrpSpPr>
+        <p:cNvPr id="1" name=""/>
+        <p:cNvGrpSpPr/>
+        <p:nvPr/>
+      </p:nvGrpSpPr>
+      <p:grpSpPr>
+        <a:xfrm>
+          <a:off x="0" y="0"/>
+          <a:ext cx="0" cy="0"/>
+          <a:chOff x="0" y="0"/>
+          <a:chExt cx="0" cy="0"/>
+        </a:xfrm>
+      </p:grpSpPr>
+      <p:sp>
+        <p:nvSpPr>
           <p:cNvPr id="8" name="Title 7"/>
           <p:cNvSpPr>
             <a:spLocks noGrp="1"/>
@@ -15907,7 +18670,7 @@
 </p:sld>
 </file>
 
-<file path=ppt/slides/slide32.xml><?xml version="1.0" encoding="utf-8"?>
+<file path=ppt/slides/slide41.xml><?xml version="1.0" encoding="utf-8"?>
 <p:sld xmlns:a="http://schemas.openxmlformats.org/drawingml/2006/main" xmlns:r="http://schemas.openxmlformats.org/officeDocument/2006/relationships" xmlns:p="http://schemas.openxmlformats.org/presentationml/2006/main">
   <p:cSld>
     <p:spTree>
@@ -16398,7 +19161,7 @@
 </p:sld>
 </file>
 
-<file path=ppt/slides/slide33.xml><?xml version="1.0" encoding="utf-8"?>
+<file path=ppt/slides/slide42.xml><?xml version="1.0" encoding="utf-8"?>
 <p:sld xmlns:a="http://schemas.openxmlformats.org/drawingml/2006/main" xmlns:r="http://schemas.openxmlformats.org/officeDocument/2006/relationships" xmlns:p="http://schemas.openxmlformats.org/presentationml/2006/main">
   <p:cSld>
     <p:spTree>
@@ -16812,7 +19575,7 @@
 </p:sld>
 </file>
 
-<file path=ppt/slides/slide34.xml><?xml version="1.0" encoding="utf-8"?>
+<file path=ppt/slides/slide43.xml><?xml version="1.0" encoding="utf-8"?>
 <p:sld xmlns:a="http://schemas.openxmlformats.org/drawingml/2006/main" xmlns:r="http://schemas.openxmlformats.org/officeDocument/2006/relationships" xmlns:p="http://schemas.openxmlformats.org/presentationml/2006/main">
   <p:cSld>
     <p:spTree>
@@ -17230,7 +19993,7 @@
 </p:sld>
 </file>
 
-<file path=ppt/slides/slide35.xml><?xml version="1.0" encoding="utf-8"?>
+<file path=ppt/slides/slide44.xml><?xml version="1.0" encoding="utf-8"?>
 <p:sld xmlns:a="http://schemas.openxmlformats.org/drawingml/2006/main" xmlns:r="http://schemas.openxmlformats.org/officeDocument/2006/relationships" xmlns:p="http://schemas.openxmlformats.org/presentationml/2006/main">
   <p:cSld>
     <p:bg>
@@ -17569,7 +20332,7 @@
 </p:sld>
 </file>
 
-<file path=ppt/slides/slide36.xml><?xml version="1.0" encoding="utf-8"?>
+<file path=ppt/slides/slide45.xml><?xml version="1.0" encoding="utf-8"?>
 <p:sld xmlns:a="http://schemas.openxmlformats.org/drawingml/2006/main" xmlns:r="http://schemas.openxmlformats.org/officeDocument/2006/relationships" xmlns:p="http://schemas.openxmlformats.org/presentationml/2006/main">
   <p:cSld>
     <p:spTree>
@@ -17686,7 +20449,7 @@
 </p:sld>
 </file>
 
-<file path=ppt/slides/slide37.xml><?xml version="1.0" encoding="utf-8"?>
+<file path=ppt/slides/slide46.xml><?xml version="1.0" encoding="utf-8"?>
 <p:sld xmlns:a="http://schemas.openxmlformats.org/drawingml/2006/main" xmlns:r="http://schemas.openxmlformats.org/officeDocument/2006/relationships" xmlns:p="http://schemas.openxmlformats.org/presentationml/2006/main">
   <p:cSld>
     <p:bg>
@@ -17768,7 +20531,7 @@
 </p:sld>
 </file>
 
-<file path=ppt/slides/slide38.xml><?xml version="1.0" encoding="utf-8"?>
+<file path=ppt/slides/slide47.xml><?xml version="1.0" encoding="utf-8"?>
 <p:sld xmlns:a="http://schemas.openxmlformats.org/drawingml/2006/main" xmlns:r="http://schemas.openxmlformats.org/officeDocument/2006/relationships" xmlns:p="http://schemas.openxmlformats.org/presentationml/2006/main">
   <p:cSld>
     <p:spTree>
@@ -17827,123 +20590,6 @@
     <p:extLst>
       <p:ext uri="{BB962C8B-B14F-4D97-AF65-F5344CB8AC3E}">
         <p14:creationId xmlns:p14="http://schemas.microsoft.com/office/powerpoint/2010/main" val="386603022"/>
-      </p:ext>
-    </p:extLst>
-  </p:cSld>
-  <p:clrMapOvr>
-    <a:masterClrMapping/>
-  </p:clrMapOvr>
-</p:sld>
-</file>
-
-<file path=ppt/slides/slide4.xml><?xml version="1.0" encoding="utf-8"?>
-<p:sld xmlns:a="http://schemas.openxmlformats.org/drawingml/2006/main" xmlns:r="http://schemas.openxmlformats.org/officeDocument/2006/relationships" xmlns:p="http://schemas.openxmlformats.org/presentationml/2006/main">
-  <p:cSld>
-    <p:spTree>
-      <p:nvGrpSpPr>
-        <p:cNvPr id="1" name=""/>
-        <p:cNvGrpSpPr/>
-        <p:nvPr/>
-      </p:nvGrpSpPr>
-      <p:grpSpPr>
-        <a:xfrm>
-          <a:off x="0" y="0"/>
-          <a:ext cx="0" cy="0"/>
-          <a:chOff x="0" y="0"/>
-          <a:chExt cx="0" cy="0"/>
-        </a:xfrm>
-      </p:grpSpPr>
-      <p:sp>
-        <p:nvSpPr>
-          <p:cNvPr id="4" name="Rectangle 3">
-            <a:extLst>
-              <a:ext uri="{FF2B5EF4-FFF2-40B4-BE49-F238E27FC236}">
-                <a16:creationId xmlns:a16="http://schemas.microsoft.com/office/drawing/2014/main" id="{5E949873-B026-DD4B-B8B8-08C27A5F86AB}"/>
-              </a:ext>
-            </a:extLst>
-          </p:cNvPr>
-          <p:cNvSpPr/>
-          <p:nvPr/>
-        </p:nvSpPr>
-        <p:spPr>
-          <a:xfrm>
-            <a:off x="1895676" y="1704372"/>
-            <a:ext cx="8521540" cy="2062168"/>
-          </a:xfrm>
-          <a:prstGeom prst="rect">
-            <a:avLst/>
-          </a:prstGeom>
-        </p:spPr>
-        <p:txBody>
-          <a:bodyPr wrap="square">
-            <a:spAutoFit/>
-          </a:bodyPr>
-          <a:lstStyle/>
-          <a:p>
-            <a:pPr algn="ctr">
-              <a:spcAft>
-                <a:spcPts val="1600"/>
-              </a:spcAft>
-            </a:pPr>
-            <a:r>
-              <a:rPr lang="en-US" sz="3200" b="1" dirty="0">
-                <a:solidFill>
-                  <a:schemeClr val="bg1">
-                    <a:lumMod val="85000"/>
-                  </a:schemeClr>
-                </a:solidFill>
-              </a:rPr>
-              <a:t>Key Topics</a:t>
-            </a:r>
-          </a:p>
-          <a:p>
-            <a:pPr marL="380990" indent="-380990">
-              <a:buFont typeface="Arial" panose="020B0604020202020204" pitchFamily="34" charset="0"/>
-              <a:buChar char="•"/>
-            </a:pPr>
-            <a:r>
-              <a:rPr lang="en-US" sz="2800" dirty="0">
-                <a:solidFill>
-                  <a:srgbClr val="C4E3B0"/>
-                </a:solidFill>
-              </a:rPr>
-              <a:t>React Routing</a:t>
-            </a:r>
-          </a:p>
-          <a:p>
-            <a:pPr marL="380990" indent="-380990">
-              <a:buFont typeface="Arial" panose="020B0604020202020204" pitchFamily="34" charset="0"/>
-              <a:buChar char="•"/>
-            </a:pPr>
-            <a:r>
-              <a:rPr lang="en-US" sz="2400" dirty="0">
-                <a:solidFill>
-                  <a:srgbClr val="C4E3B0"/>
-                </a:solidFill>
-              </a:rPr>
-              <a:t>Component Lifecycle Methods</a:t>
-            </a:r>
-          </a:p>
-          <a:p>
-            <a:pPr marL="380990" indent="-380990">
-              <a:buFont typeface="Arial" panose="020B0604020202020204" pitchFamily="34" charset="0"/>
-              <a:buChar char="•"/>
-            </a:pPr>
-            <a:endParaRPr lang="en-US" sz="2667" dirty="0">
-              <a:solidFill>
-                <a:srgbClr val="C4E3B0"/>
-              </a:solidFill>
-            </a:endParaRPr>
-          </a:p>
-        </p:txBody>
-      </p:sp>
-    </p:spTree>
-    <p:custDataLst>
-      <p:tags r:id="rId1"/>
-    </p:custDataLst>
-    <p:extLst>
-      <p:ext uri="{BB962C8B-B14F-4D97-AF65-F5344CB8AC3E}">
-        <p14:creationId xmlns:p14="http://schemas.microsoft.com/office/powerpoint/2010/main" val="3867859905"/>
       </p:ext>
     </p:extLst>
   </p:cSld>
@@ -20082,6 +22728,56 @@
           </a:prstGeom>
         </p:spPr>
       </p:pic>
+      <p:sp>
+        <p:nvSpPr>
+          <p:cNvPr id="2" name="Rectangle 1">
+            <a:extLst>
+              <a:ext uri="{FF2B5EF4-FFF2-40B4-BE49-F238E27FC236}">
+                <a16:creationId xmlns:a16="http://schemas.microsoft.com/office/drawing/2014/main" id="{4B2DB0A5-32C1-3044-852F-79465DF014E7}"/>
+              </a:ext>
+            </a:extLst>
+          </p:cNvPr>
+          <p:cNvSpPr/>
+          <p:nvPr/>
+        </p:nvSpPr>
+        <p:spPr>
+          <a:xfrm>
+            <a:off x="1474172" y="5517461"/>
+            <a:ext cx="3350513" cy="646331"/>
+          </a:xfrm>
+          <a:prstGeom prst="rect">
+            <a:avLst/>
+          </a:prstGeom>
+        </p:spPr>
+        <p:txBody>
+          <a:bodyPr wrap="square">
+            <a:spAutoFit/>
+          </a:bodyPr>
+          <a:lstStyle/>
+          <a:p>
+            <a:r>
+              <a:rPr lang="en-US" dirty="0">
+                <a:solidFill>
+                  <a:schemeClr val="accent2"/>
+                </a:solidFill>
+                <a:hlinkClick r:id="rId4">
+                  <a:extLst>
+                    <a:ext uri="{A12FA001-AC4F-418D-AE19-62706E023703}">
+                      <ahyp:hlinkClr xmlns:ahyp="http://schemas.microsoft.com/office/drawing/2018/hyperlinkcolor" val="tx"/>
+                    </a:ext>
+                  </a:extLst>
+                </a:hlinkClick>
+              </a:rPr>
+              <a:t>https://reacttraining.com/react-router/web/guides/quick-start</a:t>
+            </a:r>
+            <a:endParaRPr lang="en-US" dirty="0">
+              <a:solidFill>
+                <a:schemeClr val="accent2"/>
+              </a:solidFill>
+            </a:endParaRPr>
+          </a:p>
+        </p:txBody>
+      </p:sp>
     </p:spTree>
     <p:extLst>
       <p:ext uri="{BB962C8B-B14F-4D97-AF65-F5344CB8AC3E}">
@@ -20186,6 +22882,12 @@
 </file>
 
 <file path=ppt/tags/tag23.xml><?xml version="1.0" encoding="utf-8"?>
+<p:tagLst xmlns:a="http://schemas.openxmlformats.org/drawingml/2006/main" xmlns:r="http://schemas.openxmlformats.org/officeDocument/2006/relationships" xmlns:p="http://schemas.openxmlformats.org/presentationml/2006/main">
+  <p:tag name="ARTICULATE_SLIDE_THUMBNAIL_REFRESH" val="1"/>
+</p:tagLst>
+</file>
+
+<file path=ppt/tags/tag24.xml><?xml version="1.0" encoding="utf-8"?>
 <p:tagLst xmlns:a="http://schemas.openxmlformats.org/drawingml/2006/main" xmlns:r="http://schemas.openxmlformats.org/officeDocument/2006/relationships" xmlns:p="http://schemas.openxmlformats.org/presentationml/2006/main">
   <p:tag name="ARTICULATE_SLIDE_THUMBNAIL_REFRESH" val="1"/>
 </p:tagLst>

--- a/04 React Routing, Component Lifecycle Methods.pptx
+++ b/04 React Routing, Component Lifecycle Methods.pptx
@@ -5,56 +5,57 @@
     <p:sldMasterId id="2147483648" r:id="rId1"/>
   </p:sldMasterIdLst>
   <p:notesMasterIdLst>
-    <p:notesMasterId r:id="rId49"/>
+    <p:notesMasterId r:id="rId50"/>
   </p:notesMasterIdLst>
   <p:sldIdLst>
     <p:sldId id="272" r:id="rId2"/>
-    <p:sldId id="428" r:id="rId3"/>
-    <p:sldId id="387" r:id="rId4"/>
-    <p:sldId id="260" r:id="rId5"/>
-    <p:sldId id="353" r:id="rId6"/>
-    <p:sldId id="305" r:id="rId7"/>
-    <p:sldId id="369" r:id="rId8"/>
-    <p:sldId id="302" r:id="rId9"/>
-    <p:sldId id="301" r:id="rId10"/>
-    <p:sldId id="308" r:id="rId11"/>
-    <p:sldId id="277" r:id="rId12"/>
-    <p:sldId id="309" r:id="rId13"/>
-    <p:sldId id="414" r:id="rId14"/>
-    <p:sldId id="426" r:id="rId15"/>
-    <p:sldId id="424" r:id="rId16"/>
-    <p:sldId id="434" r:id="rId17"/>
-    <p:sldId id="436" r:id="rId18"/>
-    <p:sldId id="432" r:id="rId19"/>
-    <p:sldId id="435" r:id="rId20"/>
-    <p:sldId id="440" r:id="rId21"/>
-    <p:sldId id="423" r:id="rId22"/>
-    <p:sldId id="433" r:id="rId23"/>
-    <p:sldId id="364" r:id="rId24"/>
-    <p:sldId id="365" r:id="rId25"/>
-    <p:sldId id="295" r:id="rId26"/>
-    <p:sldId id="363" r:id="rId27"/>
-    <p:sldId id="359" r:id="rId28"/>
-    <p:sldId id="358" r:id="rId29"/>
-    <p:sldId id="361" r:id="rId30"/>
-    <p:sldId id="362" r:id="rId31"/>
-    <p:sldId id="360" r:id="rId32"/>
-    <p:sldId id="296" r:id="rId33"/>
-    <p:sldId id="297" r:id="rId34"/>
-    <p:sldId id="437" r:id="rId35"/>
-    <p:sldId id="438" r:id="rId36"/>
-    <p:sldId id="439" r:id="rId37"/>
-    <p:sldId id="441" r:id="rId38"/>
-    <p:sldId id="442" r:id="rId39"/>
-    <p:sldId id="443" r:id="rId40"/>
-    <p:sldId id="271" r:id="rId41"/>
-    <p:sldId id="401" r:id="rId42"/>
-    <p:sldId id="394" r:id="rId43"/>
-    <p:sldId id="395" r:id="rId44"/>
-    <p:sldId id="328" r:id="rId45"/>
-    <p:sldId id="431" r:id="rId46"/>
-    <p:sldId id="267" r:id="rId47"/>
-    <p:sldId id="268" r:id="rId48"/>
+    <p:sldId id="444" r:id="rId3"/>
+    <p:sldId id="428" r:id="rId4"/>
+    <p:sldId id="387" r:id="rId5"/>
+    <p:sldId id="260" r:id="rId6"/>
+    <p:sldId id="353" r:id="rId7"/>
+    <p:sldId id="305" r:id="rId8"/>
+    <p:sldId id="369" r:id="rId9"/>
+    <p:sldId id="302" r:id="rId10"/>
+    <p:sldId id="301" r:id="rId11"/>
+    <p:sldId id="308" r:id="rId12"/>
+    <p:sldId id="277" r:id="rId13"/>
+    <p:sldId id="309" r:id="rId14"/>
+    <p:sldId id="414" r:id="rId15"/>
+    <p:sldId id="426" r:id="rId16"/>
+    <p:sldId id="424" r:id="rId17"/>
+    <p:sldId id="434" r:id="rId18"/>
+    <p:sldId id="436" r:id="rId19"/>
+    <p:sldId id="432" r:id="rId20"/>
+    <p:sldId id="435" r:id="rId21"/>
+    <p:sldId id="440" r:id="rId22"/>
+    <p:sldId id="423" r:id="rId23"/>
+    <p:sldId id="433" r:id="rId24"/>
+    <p:sldId id="364" r:id="rId25"/>
+    <p:sldId id="365" r:id="rId26"/>
+    <p:sldId id="295" r:id="rId27"/>
+    <p:sldId id="363" r:id="rId28"/>
+    <p:sldId id="359" r:id="rId29"/>
+    <p:sldId id="358" r:id="rId30"/>
+    <p:sldId id="361" r:id="rId31"/>
+    <p:sldId id="362" r:id="rId32"/>
+    <p:sldId id="360" r:id="rId33"/>
+    <p:sldId id="296" r:id="rId34"/>
+    <p:sldId id="297" r:id="rId35"/>
+    <p:sldId id="437" r:id="rId36"/>
+    <p:sldId id="438" r:id="rId37"/>
+    <p:sldId id="439" r:id="rId38"/>
+    <p:sldId id="441" r:id="rId39"/>
+    <p:sldId id="442" r:id="rId40"/>
+    <p:sldId id="443" r:id="rId41"/>
+    <p:sldId id="271" r:id="rId42"/>
+    <p:sldId id="401" r:id="rId43"/>
+    <p:sldId id="394" r:id="rId44"/>
+    <p:sldId id="395" r:id="rId45"/>
+    <p:sldId id="328" r:id="rId46"/>
+    <p:sldId id="431" r:id="rId47"/>
+    <p:sldId id="267" r:id="rId48"/>
+    <p:sldId id="268" r:id="rId49"/>
   </p:sldIdLst>
   <p:sldSz cx="12192000" cy="6858000"/>
   <p:notesSz cx="6858000" cy="9144000"/>
@@ -246,7 +247,7 @@
           <a:p>
             <a:fld id="{B376EE29-1A90-1146-96FE-FD5979F1AFC2}" type="datetimeFigureOut">
               <a:rPr lang="en-US" smtClean="0"/>
-              <a:t>3/16/20</a:t>
+              <a:t>3/18/20</a:t>
             </a:fld>
             <a:endParaRPr lang="en-US"/>
           </a:p>
@@ -662,7 +663,7 @@
           <a:p>
             <a:fld id="{53FFCFF5-268C-450A-90CA-A9303B69089F}" type="slidenum">
               <a:rPr lang="en-US" smtClean="0"/>
-              <a:t>10</a:t>
+              <a:t>11</a:t>
             </a:fld>
             <a:endParaRPr lang="en-US"/>
           </a:p>
@@ -746,7 +747,7 @@
           <a:p>
             <a:fld id="{53FFCFF5-268C-450A-90CA-A9303B69089F}" type="slidenum">
               <a:rPr lang="en-US" smtClean="0"/>
-              <a:t>12</a:t>
+              <a:t>13</a:t>
             </a:fld>
             <a:endParaRPr lang="en-US"/>
           </a:p>
@@ -830,7 +831,7 @@
           <a:p>
             <a:fld id="{53FFCFF5-268C-450A-90CA-A9303B69089F}" type="slidenum">
               <a:rPr lang="en-US" smtClean="0"/>
-              <a:t>18</a:t>
+              <a:t>19</a:t>
             </a:fld>
             <a:endParaRPr lang="en-US"/>
           </a:p>
@@ -914,7 +915,7 @@
           <a:p>
             <a:fld id="{53FFCFF5-268C-450A-90CA-A9303B69089F}" type="slidenum">
               <a:rPr lang="en-US" smtClean="0"/>
-              <a:t>19</a:t>
+              <a:t>20</a:t>
             </a:fld>
             <a:endParaRPr lang="en-US"/>
           </a:p>
@@ -998,7 +999,7 @@
           <a:p>
             <a:fld id="{53FFCFF5-268C-450A-90CA-A9303B69089F}" type="slidenum">
               <a:rPr lang="en-US" smtClean="0"/>
-              <a:t>22</a:t>
+              <a:t>23</a:t>
             </a:fld>
             <a:endParaRPr lang="en-US"/>
           </a:p>
@@ -1082,7 +1083,7 @@
           <a:p>
             <a:fld id="{53FFCFF5-268C-450A-90CA-A9303B69089F}" type="slidenum">
               <a:rPr lang="en-US" smtClean="0"/>
-              <a:t>23</a:t>
+              <a:t>24</a:t>
             </a:fld>
             <a:endParaRPr lang="en-US"/>
           </a:p>
@@ -1166,7 +1167,7 @@
           <a:p>
             <a:fld id="{53FFCFF5-268C-450A-90CA-A9303B69089F}" type="slidenum">
               <a:rPr lang="en-US" smtClean="0"/>
-              <a:t>24</a:t>
+              <a:t>25</a:t>
             </a:fld>
             <a:endParaRPr lang="en-US"/>
           </a:p>
@@ -1250,7 +1251,7 @@
           <a:p>
             <a:fld id="{53FFCFF5-268C-450A-90CA-A9303B69089F}" type="slidenum">
               <a:rPr lang="en-US" smtClean="0"/>
-              <a:t>25</a:t>
+              <a:t>26</a:t>
             </a:fld>
             <a:endParaRPr lang="en-US"/>
           </a:p>
@@ -1334,7 +1335,7 @@
           <a:p>
             <a:fld id="{53FFCFF5-268C-450A-90CA-A9303B69089F}" type="slidenum">
               <a:rPr lang="en-US" smtClean="0"/>
-              <a:t>26</a:t>
+              <a:t>27</a:t>
             </a:fld>
             <a:endParaRPr lang="en-US"/>
           </a:p>
@@ -1418,7 +1419,7 @@
           <a:p>
             <a:fld id="{53FFCFF5-268C-450A-90CA-A9303B69089F}" type="slidenum">
               <a:rPr lang="en-US" smtClean="0"/>
-              <a:t>27</a:t>
+              <a:t>28</a:t>
             </a:fld>
             <a:endParaRPr lang="en-US"/>
           </a:p>
@@ -1502,7 +1503,7 @@
           <a:p>
             <a:fld id="{53FFCFF5-268C-450A-90CA-A9303B69089F}" type="slidenum">
               <a:rPr lang="en-US" smtClean="0"/>
-              <a:t>2</a:t>
+              <a:t>3</a:t>
             </a:fld>
             <a:endParaRPr lang="en-US"/>
           </a:p>
@@ -1586,7 +1587,7 @@
           <a:p>
             <a:fld id="{53FFCFF5-268C-450A-90CA-A9303B69089F}" type="slidenum">
               <a:rPr lang="en-US" smtClean="0"/>
-              <a:t>28</a:t>
+              <a:t>29</a:t>
             </a:fld>
             <a:endParaRPr lang="en-US"/>
           </a:p>
@@ -1670,7 +1671,7 @@
           <a:p>
             <a:fld id="{53FFCFF5-268C-450A-90CA-A9303B69089F}" type="slidenum">
               <a:rPr lang="en-US" smtClean="0"/>
-              <a:t>29</a:t>
+              <a:t>30</a:t>
             </a:fld>
             <a:endParaRPr lang="en-US"/>
           </a:p>
@@ -1754,7 +1755,7 @@
           <a:p>
             <a:fld id="{53FFCFF5-268C-450A-90CA-A9303B69089F}" type="slidenum">
               <a:rPr lang="en-US" smtClean="0"/>
-              <a:t>30</a:t>
+              <a:t>31</a:t>
             </a:fld>
             <a:endParaRPr lang="en-US"/>
           </a:p>
@@ -1838,7 +1839,7 @@
           <a:p>
             <a:fld id="{53FFCFF5-268C-450A-90CA-A9303B69089F}" type="slidenum">
               <a:rPr lang="en-US" smtClean="0"/>
-              <a:t>31</a:t>
+              <a:t>32</a:t>
             </a:fld>
             <a:endParaRPr lang="en-US"/>
           </a:p>
@@ -1922,7 +1923,7 @@
           <a:p>
             <a:fld id="{53FFCFF5-268C-450A-90CA-A9303B69089F}" type="slidenum">
               <a:rPr lang="en-US" smtClean="0"/>
-              <a:t>32</a:t>
+              <a:t>33</a:t>
             </a:fld>
             <a:endParaRPr lang="en-US"/>
           </a:p>
@@ -2006,7 +2007,7 @@
           <a:p>
             <a:fld id="{53FFCFF5-268C-450A-90CA-A9303B69089F}" type="slidenum">
               <a:rPr lang="en-US" smtClean="0"/>
-              <a:t>33</a:t>
+              <a:t>34</a:t>
             </a:fld>
             <a:endParaRPr lang="en-US"/>
           </a:p>
@@ -2090,7 +2091,7 @@
           <a:p>
             <a:fld id="{53FFCFF5-268C-450A-90CA-A9303B69089F}" type="slidenum">
               <a:rPr lang="en-US" smtClean="0"/>
-              <a:t>34</a:t>
+              <a:t>35</a:t>
             </a:fld>
             <a:endParaRPr lang="en-US"/>
           </a:p>
@@ -2174,7 +2175,7 @@
           <a:p>
             <a:fld id="{53FFCFF5-268C-450A-90CA-A9303B69089F}" type="slidenum">
               <a:rPr lang="en-US" smtClean="0"/>
-              <a:t>41</a:t>
+              <a:t>42</a:t>
             </a:fld>
             <a:endParaRPr lang="en-US" dirty="0"/>
           </a:p>
@@ -2258,7 +2259,7 @@
           <a:p>
             <a:fld id="{53FFCFF5-268C-450A-90CA-A9303B69089F}" type="slidenum">
               <a:rPr lang="en-US" smtClean="0"/>
-              <a:t>42</a:t>
+              <a:t>43</a:t>
             </a:fld>
             <a:endParaRPr lang="en-US" dirty="0"/>
           </a:p>
@@ -2342,7 +2343,7 @@
           <a:p>
             <a:fld id="{53FFCFF5-268C-450A-90CA-A9303B69089F}" type="slidenum">
               <a:rPr lang="en-US" smtClean="0"/>
-              <a:t>43</a:t>
+              <a:t>44</a:t>
             </a:fld>
             <a:endParaRPr lang="en-US" dirty="0"/>
           </a:p>
@@ -2426,7 +2427,7 @@
           <a:p>
             <a:fld id="{53FFCFF5-268C-450A-90CA-A9303B69089F}" type="slidenum">
               <a:rPr lang="en-US" smtClean="0"/>
-              <a:t>3</a:t>
+              <a:t>4</a:t>
             </a:fld>
             <a:endParaRPr lang="en-US"/>
           </a:p>
@@ -2510,7 +2511,7 @@
           <a:p>
             <a:fld id="{53FFCFF5-268C-450A-90CA-A9303B69089F}" type="slidenum">
               <a:rPr lang="en-US" smtClean="0"/>
-              <a:t>45</a:t>
+              <a:t>46</a:t>
             </a:fld>
             <a:endParaRPr lang="en-US"/>
           </a:p>
@@ -2594,7 +2595,7 @@
           <a:p>
             <a:fld id="{53FFCFF5-268C-450A-90CA-A9303B69089F}" type="slidenum">
               <a:rPr lang="en-US" smtClean="0"/>
-              <a:t>47</a:t>
+              <a:t>48</a:t>
             </a:fld>
             <a:endParaRPr lang="en-US"/>
           </a:p>
@@ -2678,7 +2679,7 @@
           <a:p>
             <a:fld id="{53FFCFF5-268C-450A-90CA-A9303B69089F}" type="slidenum">
               <a:rPr lang="en-US" smtClean="0"/>
-              <a:t>4</a:t>
+              <a:t>5</a:t>
             </a:fld>
             <a:endParaRPr lang="en-US"/>
           </a:p>
@@ -2762,7 +2763,7 @@
           <a:p>
             <a:fld id="{53FFCFF5-268C-450A-90CA-A9303B69089F}" type="slidenum">
               <a:rPr lang="en-US" smtClean="0"/>
-              <a:t>5</a:t>
+              <a:t>6</a:t>
             </a:fld>
             <a:endParaRPr lang="en-US"/>
           </a:p>
@@ -2846,7 +2847,7 @@
           <a:p>
             <a:fld id="{53FFCFF5-268C-450A-90CA-A9303B69089F}" type="slidenum">
               <a:rPr lang="en-US" smtClean="0"/>
-              <a:t>6</a:t>
+              <a:t>7</a:t>
             </a:fld>
             <a:endParaRPr lang="en-US"/>
           </a:p>
@@ -2930,7 +2931,7 @@
           <a:p>
             <a:fld id="{53FFCFF5-268C-450A-90CA-A9303B69089F}" type="slidenum">
               <a:rPr lang="en-US" smtClean="0"/>
-              <a:t>7</a:t>
+              <a:t>8</a:t>
             </a:fld>
             <a:endParaRPr lang="en-US"/>
           </a:p>
@@ -3019,7 +3020,7 @@
           <a:p>
             <a:fld id="{53FFCFF5-268C-450A-90CA-A9303B69089F}" type="slidenum">
               <a:rPr lang="en-US" smtClean="0"/>
-              <a:t>8</a:t>
+              <a:t>9</a:t>
             </a:fld>
             <a:endParaRPr lang="en-US"/>
           </a:p>
@@ -3103,7 +3104,7 @@
           <a:p>
             <a:fld id="{53FFCFF5-268C-450A-90CA-A9303B69089F}" type="slidenum">
               <a:rPr lang="en-US" smtClean="0"/>
-              <a:t>9</a:t>
+              <a:t>10</a:t>
             </a:fld>
             <a:endParaRPr lang="en-US"/>
           </a:p>
@@ -3269,7 +3270,7 @@
           <a:p>
             <a:fld id="{FAC8553D-62A4-B94A-B303-E17560B89933}" type="datetimeFigureOut">
               <a:rPr lang="en-US" smtClean="0"/>
-              <a:t>3/16/20</a:t>
+              <a:t>3/18/20</a:t>
             </a:fld>
             <a:endParaRPr lang="en-US"/>
           </a:p>
@@ -3467,7 +3468,7 @@
           <a:p>
             <a:fld id="{FAC8553D-62A4-B94A-B303-E17560B89933}" type="datetimeFigureOut">
               <a:rPr lang="en-US" smtClean="0"/>
-              <a:t>3/16/20</a:t>
+              <a:t>3/18/20</a:t>
             </a:fld>
             <a:endParaRPr lang="en-US"/>
           </a:p>
@@ -3675,7 +3676,7 @@
           <a:p>
             <a:fld id="{FAC8553D-62A4-B94A-B303-E17560B89933}" type="datetimeFigureOut">
               <a:rPr lang="en-US" smtClean="0"/>
-              <a:t>3/16/20</a:t>
+              <a:t>3/18/20</a:t>
             </a:fld>
             <a:endParaRPr lang="en-US"/>
           </a:p>
@@ -6307,7 +6308,7 @@
           <a:p>
             <a:fld id="{FAC8553D-62A4-B94A-B303-E17560B89933}" type="datetimeFigureOut">
               <a:rPr lang="en-US" smtClean="0"/>
-              <a:t>3/16/20</a:t>
+              <a:t>3/18/20</a:t>
             </a:fld>
             <a:endParaRPr lang="en-US"/>
           </a:p>
@@ -7048,7 +7049,7 @@
           <a:p>
             <a:fld id="{FAC8553D-62A4-B94A-B303-E17560B89933}" type="datetimeFigureOut">
               <a:rPr lang="en-US" smtClean="0"/>
-              <a:t>3/16/20</a:t>
+              <a:t>3/18/20</a:t>
             </a:fld>
             <a:endParaRPr lang="en-US"/>
           </a:p>
@@ -7313,7 +7314,7 @@
           <a:p>
             <a:fld id="{FAC8553D-62A4-B94A-B303-E17560B89933}" type="datetimeFigureOut">
               <a:rPr lang="en-US" smtClean="0"/>
-              <a:t>3/16/20</a:t>
+              <a:t>3/18/20</a:t>
             </a:fld>
             <a:endParaRPr lang="en-US"/>
           </a:p>
@@ -7725,7 +7726,7 @@
           <a:p>
             <a:fld id="{FAC8553D-62A4-B94A-B303-E17560B89933}" type="datetimeFigureOut">
               <a:rPr lang="en-US" smtClean="0"/>
-              <a:t>3/16/20</a:t>
+              <a:t>3/18/20</a:t>
             </a:fld>
             <a:endParaRPr lang="en-US"/>
           </a:p>
@@ -7866,7 +7867,7 @@
           <a:p>
             <a:fld id="{FAC8553D-62A4-B94A-B303-E17560B89933}" type="datetimeFigureOut">
               <a:rPr lang="en-US" smtClean="0"/>
-              <a:t>3/16/20</a:t>
+              <a:t>3/18/20</a:t>
             </a:fld>
             <a:endParaRPr lang="en-US"/>
           </a:p>
@@ -7979,7 +7980,7 @@
           <a:p>
             <a:fld id="{FAC8553D-62A4-B94A-B303-E17560B89933}" type="datetimeFigureOut">
               <a:rPr lang="en-US" smtClean="0"/>
-              <a:t>3/16/20</a:t>
+              <a:t>3/18/20</a:t>
             </a:fld>
             <a:endParaRPr lang="en-US"/>
           </a:p>
@@ -8290,7 +8291,7 @@
           <a:p>
             <a:fld id="{FAC8553D-62A4-B94A-B303-E17560B89933}" type="datetimeFigureOut">
               <a:rPr lang="en-US" smtClean="0"/>
-              <a:t>3/16/20</a:t>
+              <a:t>3/18/20</a:t>
             </a:fld>
             <a:endParaRPr lang="en-US"/>
           </a:p>
@@ -8578,7 +8579,7 @@
           <a:p>
             <a:fld id="{FAC8553D-62A4-B94A-B303-E17560B89933}" type="datetimeFigureOut">
               <a:rPr lang="en-US" smtClean="0"/>
-              <a:t>3/16/20</a:t>
+              <a:t>3/18/20</a:t>
             </a:fld>
             <a:endParaRPr lang="en-US"/>
           </a:p>
@@ -8831,7 +8832,7 @@
           <a:p>
             <a:fld id="{FAC8553D-62A4-B94A-B303-E17560B89933}" type="datetimeFigureOut">
               <a:rPr lang="en-US" smtClean="0"/>
-              <a:t>3/16/20</a:t>
+              <a:t>3/18/20</a:t>
             </a:fld>
             <a:endParaRPr lang="en-US"/>
           </a:p>
@@ -9415,6 +9416,452 @@
       <p:sp>
         <p:nvSpPr>
           <p:cNvPr id="4" name="Title 1"/>
+          <p:cNvSpPr txBox="1">
+            <a:spLocks/>
+          </p:cNvSpPr>
+          <p:nvPr/>
+        </p:nvSpPr>
+        <p:spPr>
+          <a:xfrm>
+            <a:off x="472457" y="381000"/>
+            <a:ext cx="11180064" cy="1060704"/>
+          </a:xfrm>
+          <a:prstGeom prst="rect">
+            <a:avLst/>
+          </a:prstGeom>
+        </p:spPr>
+        <p:txBody>
+          <a:bodyPr/>
+          <a:lstStyle>
+            <a:lvl1pPr algn="l" defTabSz="457200" rtl="0" eaLnBrk="1" latinLnBrk="0" hangingPunct="1">
+              <a:spcBef>
+                <a:spcPct val="0"/>
+              </a:spcBef>
+              <a:buNone/>
+              <a:defRPr sz="2000" b="1" kern="1200" baseline="0">
+                <a:solidFill>
+                  <a:schemeClr val="bg1"/>
+                </a:solidFill>
+                <a:latin typeface="+mj-lt"/>
+                <a:ea typeface="+mj-ea"/>
+                <a:cs typeface="+mj-cs"/>
+              </a:defRPr>
+            </a:lvl1pPr>
+          </a:lstStyle>
+          <a:p>
+            <a:r>
+              <a:rPr lang="en-US" sz="4267" dirty="0"/>
+              <a:t>Setting Up React Router</a:t>
+            </a:r>
+          </a:p>
+        </p:txBody>
+      </p:sp>
+      <p:sp>
+        <p:nvSpPr>
+          <p:cNvPr id="5" name="Content Placeholder 2"/>
+          <p:cNvSpPr txBox="1">
+            <a:spLocks/>
+          </p:cNvSpPr>
+          <p:nvPr/>
+        </p:nvSpPr>
+        <p:spPr>
+          <a:xfrm>
+            <a:off x="472458" y="1527589"/>
+            <a:ext cx="5353943" cy="4136611"/>
+          </a:xfrm>
+          <a:prstGeom prst="rect">
+            <a:avLst/>
+          </a:prstGeom>
+        </p:spPr>
+        <p:txBody>
+          <a:bodyPr>
+            <a:normAutofit/>
+          </a:bodyPr>
+          <a:lstStyle>
+            <a:lvl1pPr marL="342900" indent="-342900" algn="l" defTabSz="457200" rtl="0" eaLnBrk="1" latinLnBrk="0" hangingPunct="1">
+              <a:spcBef>
+                <a:spcPct val="20000"/>
+              </a:spcBef>
+              <a:buFont typeface="Arial"/>
+              <a:buChar char="•"/>
+              <a:defRPr sz="3200" kern="1200">
+                <a:solidFill>
+                  <a:schemeClr val="tx1"/>
+                </a:solidFill>
+                <a:latin typeface="+mn-lt"/>
+                <a:ea typeface="+mn-ea"/>
+                <a:cs typeface="+mn-cs"/>
+              </a:defRPr>
+            </a:lvl1pPr>
+            <a:lvl2pPr marL="742950" indent="-285750" algn="l" defTabSz="457200" rtl="0" eaLnBrk="1" latinLnBrk="0" hangingPunct="1">
+              <a:spcBef>
+                <a:spcPct val="20000"/>
+              </a:spcBef>
+              <a:buFont typeface="Arial"/>
+              <a:buChar char="–"/>
+              <a:defRPr sz="2800" kern="1200">
+                <a:solidFill>
+                  <a:schemeClr val="tx1"/>
+                </a:solidFill>
+                <a:latin typeface="+mn-lt"/>
+                <a:ea typeface="+mn-ea"/>
+                <a:cs typeface="+mn-cs"/>
+              </a:defRPr>
+            </a:lvl2pPr>
+            <a:lvl3pPr marL="1143000" indent="-228600" algn="l" defTabSz="457200" rtl="0" eaLnBrk="1" latinLnBrk="0" hangingPunct="1">
+              <a:spcBef>
+                <a:spcPct val="20000"/>
+              </a:spcBef>
+              <a:buFont typeface="Arial"/>
+              <a:buChar char="•"/>
+              <a:defRPr sz="2400" kern="1200">
+                <a:solidFill>
+                  <a:schemeClr val="tx1"/>
+                </a:solidFill>
+                <a:latin typeface="+mn-lt"/>
+                <a:ea typeface="+mn-ea"/>
+                <a:cs typeface="+mn-cs"/>
+              </a:defRPr>
+            </a:lvl3pPr>
+            <a:lvl4pPr marL="1600200" indent="-228600" algn="l" defTabSz="457200" rtl="0" eaLnBrk="1" latinLnBrk="0" hangingPunct="1">
+              <a:spcBef>
+                <a:spcPct val="20000"/>
+              </a:spcBef>
+              <a:buFont typeface="Arial"/>
+              <a:buChar char="–"/>
+              <a:defRPr sz="2000" kern="1200">
+                <a:solidFill>
+                  <a:schemeClr val="tx1"/>
+                </a:solidFill>
+                <a:latin typeface="+mn-lt"/>
+                <a:ea typeface="+mn-ea"/>
+                <a:cs typeface="+mn-cs"/>
+              </a:defRPr>
+            </a:lvl4pPr>
+            <a:lvl5pPr marL="2057400" indent="-228600" algn="l" defTabSz="457200" rtl="0" eaLnBrk="1" latinLnBrk="0" hangingPunct="1">
+              <a:spcBef>
+                <a:spcPct val="20000"/>
+              </a:spcBef>
+              <a:buFont typeface="Arial"/>
+              <a:buChar char="»"/>
+              <a:defRPr sz="2000" kern="1200">
+                <a:solidFill>
+                  <a:schemeClr val="tx1"/>
+                </a:solidFill>
+                <a:latin typeface="+mn-lt"/>
+                <a:ea typeface="+mn-ea"/>
+                <a:cs typeface="+mn-cs"/>
+              </a:defRPr>
+            </a:lvl5pPr>
+            <a:lvl6pPr marL="2514600" indent="-228600" algn="l" defTabSz="457200" rtl="0" eaLnBrk="1" latinLnBrk="0" hangingPunct="1">
+              <a:spcBef>
+                <a:spcPct val="20000"/>
+              </a:spcBef>
+              <a:buFont typeface="Arial"/>
+              <a:buChar char="•"/>
+              <a:defRPr sz="2000" kern="1200">
+                <a:solidFill>
+                  <a:schemeClr val="tx1"/>
+                </a:solidFill>
+                <a:latin typeface="+mn-lt"/>
+                <a:ea typeface="+mn-ea"/>
+                <a:cs typeface="+mn-cs"/>
+              </a:defRPr>
+            </a:lvl6pPr>
+            <a:lvl7pPr marL="2971800" indent="-228600" algn="l" defTabSz="457200" rtl="0" eaLnBrk="1" latinLnBrk="0" hangingPunct="1">
+              <a:spcBef>
+                <a:spcPct val="20000"/>
+              </a:spcBef>
+              <a:buFont typeface="Arial"/>
+              <a:buChar char="•"/>
+              <a:defRPr sz="2000" kern="1200">
+                <a:solidFill>
+                  <a:schemeClr val="tx1"/>
+                </a:solidFill>
+                <a:latin typeface="+mn-lt"/>
+                <a:ea typeface="+mn-ea"/>
+                <a:cs typeface="+mn-cs"/>
+              </a:defRPr>
+            </a:lvl7pPr>
+            <a:lvl8pPr marL="3429000" indent="-228600" algn="l" defTabSz="457200" rtl="0" eaLnBrk="1" latinLnBrk="0" hangingPunct="1">
+              <a:spcBef>
+                <a:spcPct val="20000"/>
+              </a:spcBef>
+              <a:buFont typeface="Arial"/>
+              <a:buChar char="•"/>
+              <a:defRPr sz="2000" kern="1200">
+                <a:solidFill>
+                  <a:schemeClr val="tx1"/>
+                </a:solidFill>
+                <a:latin typeface="+mn-lt"/>
+                <a:ea typeface="+mn-ea"/>
+                <a:cs typeface="+mn-cs"/>
+              </a:defRPr>
+            </a:lvl8pPr>
+            <a:lvl9pPr marL="3886200" indent="-228600" algn="l" defTabSz="457200" rtl="0" eaLnBrk="1" latinLnBrk="0" hangingPunct="1">
+              <a:spcBef>
+                <a:spcPct val="20000"/>
+              </a:spcBef>
+              <a:buFont typeface="Arial"/>
+              <a:buChar char="•"/>
+              <a:defRPr sz="2000" kern="1200">
+                <a:solidFill>
+                  <a:schemeClr val="tx1"/>
+                </a:solidFill>
+                <a:latin typeface="+mn-lt"/>
+                <a:ea typeface="+mn-ea"/>
+                <a:cs typeface="+mn-cs"/>
+              </a:defRPr>
+            </a:lvl9pPr>
+          </a:lstStyle>
+          <a:p>
+            <a:pPr marL="0" indent="0">
+              <a:buNone/>
+            </a:pPr>
+            <a:r>
+              <a:rPr lang="en-US" sz="2133" dirty="0">
+                <a:solidFill>
+                  <a:srgbClr val="C4E3B0"/>
+                </a:solidFill>
+              </a:rPr>
+              <a:t>Step-1</a:t>
+            </a:r>
+          </a:p>
+          <a:p>
+            <a:pPr marL="0" indent="0">
+              <a:buNone/>
+            </a:pPr>
+            <a:r>
+              <a:rPr lang="en-US" sz="2133" dirty="0">
+                <a:solidFill>
+                  <a:srgbClr val="C4E3B0"/>
+                </a:solidFill>
+              </a:rPr>
+              <a:t>   Install dependency</a:t>
+            </a:r>
+          </a:p>
+          <a:p>
+            <a:pPr marL="0" indent="0">
+              <a:buNone/>
+            </a:pPr>
+            <a:r>
+              <a:rPr lang="en-US" sz="2133" dirty="0">
+                <a:solidFill>
+                  <a:srgbClr val="C4E3B0"/>
+                </a:solidFill>
+              </a:rPr>
+              <a:t>   $ npm i -S react-router-</a:t>
+            </a:r>
+            <a:r>
+              <a:rPr lang="en-US" sz="2133" dirty="0" err="1">
+                <a:solidFill>
+                  <a:srgbClr val="C4E3B0"/>
+                </a:solidFill>
+              </a:rPr>
+              <a:t>dom</a:t>
+            </a:r>
+            <a:endParaRPr lang="en-US" sz="2133" dirty="0">
+              <a:solidFill>
+                <a:srgbClr val="C4E3B0"/>
+              </a:solidFill>
+            </a:endParaRPr>
+          </a:p>
+          <a:p>
+            <a:pPr marL="0" indent="0">
+              <a:buNone/>
+            </a:pPr>
+            <a:r>
+              <a:rPr lang="en-US" sz="2133" dirty="0">
+                <a:solidFill>
+                  <a:srgbClr val="C4E3B0"/>
+                </a:solidFill>
+              </a:rPr>
+              <a:t>   or</a:t>
+            </a:r>
+          </a:p>
+          <a:p>
+            <a:pPr marL="0" indent="0">
+              <a:buNone/>
+            </a:pPr>
+            <a:r>
+              <a:rPr lang="en-US" sz="2133" dirty="0">
+                <a:solidFill>
+                  <a:srgbClr val="C4E3B0"/>
+                </a:solidFill>
+              </a:rPr>
+              <a:t>   $ yarn add react-router-</a:t>
+            </a:r>
+            <a:r>
+              <a:rPr lang="en-US" sz="2133" dirty="0" err="1">
+                <a:solidFill>
+                  <a:srgbClr val="C4E3B0"/>
+                </a:solidFill>
+              </a:rPr>
+              <a:t>dom</a:t>
+            </a:r>
+            <a:endParaRPr lang="en-US" sz="2133" dirty="0">
+              <a:solidFill>
+                <a:srgbClr val="C4E3B0"/>
+              </a:solidFill>
+            </a:endParaRPr>
+          </a:p>
+          <a:p>
+            <a:pPr marL="0" indent="0">
+              <a:buNone/>
+            </a:pPr>
+            <a:endParaRPr lang="en-US" sz="2133" dirty="0">
+              <a:solidFill>
+                <a:srgbClr val="C4E3B0"/>
+              </a:solidFill>
+            </a:endParaRPr>
+          </a:p>
+          <a:p>
+            <a:pPr marL="0" indent="0">
+              <a:buNone/>
+            </a:pPr>
+            <a:r>
+              <a:rPr lang="en-US" sz="2133" dirty="0">
+                <a:solidFill>
+                  <a:srgbClr val="C4E3B0"/>
+                </a:solidFill>
+              </a:rPr>
+              <a:t>After running either of these commands</a:t>
+            </a:r>
+          </a:p>
+          <a:p>
+            <a:pPr marL="0" indent="0">
+              <a:buNone/>
+            </a:pPr>
+            <a:r>
+              <a:rPr lang="en-US" sz="2133" dirty="0">
+                <a:solidFill>
+                  <a:srgbClr val="C4E3B0"/>
+                </a:solidFill>
+              </a:rPr>
+              <a:t>react-router will be added to your package.json file </a:t>
+            </a:r>
+          </a:p>
+          <a:p>
+            <a:pPr marL="0" indent="0">
+              <a:buNone/>
+            </a:pPr>
+            <a:endParaRPr lang="en-US" sz="1200" dirty="0"/>
+          </a:p>
+        </p:txBody>
+      </p:sp>
+      <p:pic>
+        <p:nvPicPr>
+          <p:cNvPr id="7" name="Picture 6"/>
+          <p:cNvPicPr>
+            <a:picLocks noChangeAspect="1"/>
+          </p:cNvPicPr>
+          <p:nvPr/>
+        </p:nvPicPr>
+        <p:blipFill>
+          <a:blip r:embed="rId3">
+            <a:extLst>
+              <a:ext uri="{28A0092B-C50C-407E-A947-70E740481C1C}">
+                <a14:useLocalDpi xmlns:a14="http://schemas.microsoft.com/office/drawing/2010/main" val="0"/>
+              </a:ext>
+            </a:extLst>
+          </a:blip>
+          <a:stretch>
+            <a:fillRect/>
+          </a:stretch>
+        </p:blipFill>
+        <p:spPr>
+          <a:xfrm>
+            <a:off x="5869451" y="1441704"/>
+            <a:ext cx="5760567" cy="4877731"/>
+          </a:xfrm>
+          <a:prstGeom prst="rect">
+            <a:avLst/>
+          </a:prstGeom>
+        </p:spPr>
+      </p:pic>
+      <p:sp>
+        <p:nvSpPr>
+          <p:cNvPr id="2" name="Rectangle 1">
+            <a:extLst>
+              <a:ext uri="{FF2B5EF4-FFF2-40B4-BE49-F238E27FC236}">
+                <a16:creationId xmlns:a16="http://schemas.microsoft.com/office/drawing/2014/main" id="{4B2DB0A5-32C1-3044-852F-79465DF014E7}"/>
+              </a:ext>
+            </a:extLst>
+          </p:cNvPr>
+          <p:cNvSpPr/>
+          <p:nvPr/>
+        </p:nvSpPr>
+        <p:spPr>
+          <a:xfrm>
+            <a:off x="1474172" y="5517461"/>
+            <a:ext cx="3350513" cy="646331"/>
+          </a:xfrm>
+          <a:prstGeom prst="rect">
+            <a:avLst/>
+          </a:prstGeom>
+        </p:spPr>
+        <p:txBody>
+          <a:bodyPr wrap="square">
+            <a:spAutoFit/>
+          </a:bodyPr>
+          <a:lstStyle/>
+          <a:p>
+            <a:r>
+              <a:rPr lang="en-US" dirty="0">
+                <a:solidFill>
+                  <a:schemeClr val="accent2"/>
+                </a:solidFill>
+                <a:hlinkClick r:id="rId4">
+                  <a:extLst>
+                    <a:ext uri="{A12FA001-AC4F-418D-AE19-62706E023703}">
+                      <ahyp:hlinkClr xmlns:ahyp="http://schemas.microsoft.com/office/drawing/2018/hyperlinkcolor" val="tx"/>
+                    </a:ext>
+                  </a:extLst>
+                </a:hlinkClick>
+              </a:rPr>
+              <a:t>https://reacttraining.com/react-router/web/guides/quick-start</a:t>
+            </a:r>
+            <a:endParaRPr lang="en-US" dirty="0">
+              <a:solidFill>
+                <a:schemeClr val="accent2"/>
+              </a:solidFill>
+            </a:endParaRPr>
+          </a:p>
+        </p:txBody>
+      </p:sp>
+    </p:spTree>
+    <p:extLst>
+      <p:ext uri="{BB962C8B-B14F-4D97-AF65-F5344CB8AC3E}">
+        <p14:creationId xmlns:p14="http://schemas.microsoft.com/office/powerpoint/2010/main" val="2124406072"/>
+      </p:ext>
+    </p:extLst>
+  </p:cSld>
+  <p:clrMapOvr>
+    <a:masterClrMapping/>
+  </p:clrMapOvr>
+</p:sld>
+</file>
+
+<file path=ppt/slides/slide11.xml><?xml version="1.0" encoding="utf-8"?>
+<p:sld xmlns:a="http://schemas.openxmlformats.org/drawingml/2006/main" xmlns:r="http://schemas.openxmlformats.org/officeDocument/2006/relationships" xmlns:p="http://schemas.openxmlformats.org/presentationml/2006/main">
+  <p:cSld>
+    <p:spTree>
+      <p:nvGrpSpPr>
+        <p:cNvPr id="1" name=""/>
+        <p:cNvGrpSpPr/>
+        <p:nvPr/>
+      </p:nvGrpSpPr>
+      <p:grpSpPr>
+        <a:xfrm>
+          <a:off x="0" y="0"/>
+          <a:ext cx="0" cy="0"/>
+          <a:chOff x="0" y="0"/>
+          <a:chExt cx="0" cy="0"/>
+        </a:xfrm>
+      </p:grpSpPr>
+      <p:sp>
+        <p:nvSpPr>
+          <p:cNvPr id="4" name="Title 1"/>
           <p:cNvSpPr>
             <a:spLocks noGrp="1"/>
           </p:cNvSpPr>
@@ -9690,7 +10137,7 @@
 </p:sld>
 </file>
 
-<file path=ppt/slides/slide11.xml><?xml version="1.0" encoding="utf-8"?>
+<file path=ppt/slides/slide12.xml><?xml version="1.0" encoding="utf-8"?>
 <p:sld xmlns:a="http://schemas.openxmlformats.org/drawingml/2006/main" xmlns:r="http://schemas.openxmlformats.org/officeDocument/2006/relationships" xmlns:p="http://schemas.openxmlformats.org/presentationml/2006/main">
   <p:cSld>
     <p:spTree>
@@ -10852,7 +11299,7 @@
 </p:sld>
 </file>
 
-<file path=ppt/slides/slide12.xml><?xml version="1.0" encoding="utf-8"?>
+<file path=ppt/slides/slide13.xml><?xml version="1.0" encoding="utf-8"?>
 <p:sld xmlns:a="http://schemas.openxmlformats.org/drawingml/2006/main" xmlns:r="http://schemas.openxmlformats.org/officeDocument/2006/relationships" xmlns:p="http://schemas.openxmlformats.org/presentationml/2006/main">
   <p:cSld>
     <p:spTree>
@@ -11162,7 +11609,7 @@
 </p:sld>
 </file>
 
-<file path=ppt/slides/slide13.xml><?xml version="1.0" encoding="utf-8"?>
+<file path=ppt/slides/slide14.xml><?xml version="1.0" encoding="utf-8"?>
 <p:sld xmlns:a="http://schemas.openxmlformats.org/drawingml/2006/main" xmlns:r="http://schemas.openxmlformats.org/officeDocument/2006/relationships" xmlns:p="http://schemas.openxmlformats.org/presentationml/2006/main">
   <p:cSld>
     <p:spTree>
@@ -11712,7 +12159,7 @@
 </p:sld>
 </file>
 
-<file path=ppt/slides/slide14.xml><?xml version="1.0" encoding="utf-8"?>
+<file path=ppt/slides/slide15.xml><?xml version="1.0" encoding="utf-8"?>
 <p:sld xmlns:a="http://schemas.openxmlformats.org/drawingml/2006/main" xmlns:r="http://schemas.openxmlformats.org/officeDocument/2006/relationships" xmlns:p="http://schemas.openxmlformats.org/presentationml/2006/main">
   <p:cSld>
     <p:spTree>
@@ -11807,7 +12254,7 @@
 </p:sld>
 </file>
 
-<file path=ppt/slides/slide15.xml><?xml version="1.0" encoding="utf-8"?>
+<file path=ppt/slides/slide16.xml><?xml version="1.0" encoding="utf-8"?>
 <p:sld xmlns:a="http://schemas.openxmlformats.org/drawingml/2006/main" xmlns:r="http://schemas.openxmlformats.org/officeDocument/2006/relationships" xmlns:p="http://schemas.openxmlformats.org/presentationml/2006/main">
   <p:cSld>
     <p:spTree>
@@ -11902,7 +12349,7 @@
 </p:sld>
 </file>
 
-<file path=ppt/slides/slide16.xml><?xml version="1.0" encoding="utf-8"?>
+<file path=ppt/slides/slide17.xml><?xml version="1.0" encoding="utf-8"?>
 <p:sld xmlns:a="http://schemas.openxmlformats.org/drawingml/2006/main" xmlns:r="http://schemas.openxmlformats.org/officeDocument/2006/relationships" xmlns:p="http://schemas.openxmlformats.org/presentationml/2006/main">
   <p:cSld>
     <p:spTree>
@@ -11997,7 +12444,7 @@
 </p:sld>
 </file>
 
-<file path=ppt/slides/slide17.xml><?xml version="1.0" encoding="utf-8"?>
+<file path=ppt/slides/slide18.xml><?xml version="1.0" encoding="utf-8"?>
 <p:sld xmlns:a="http://schemas.openxmlformats.org/drawingml/2006/main" xmlns:r="http://schemas.openxmlformats.org/officeDocument/2006/relationships" xmlns:p="http://schemas.openxmlformats.org/presentationml/2006/main">
   <p:cSld>
     <p:spTree>
@@ -12122,75 +12569,6 @@
 </p:sld>
 </file>
 
-<file path=ppt/slides/slide18.xml><?xml version="1.0" encoding="utf-8"?>
-<p:sld xmlns:a="http://schemas.openxmlformats.org/drawingml/2006/main" xmlns:r="http://schemas.openxmlformats.org/officeDocument/2006/relationships" xmlns:p="http://schemas.openxmlformats.org/presentationml/2006/main">
-  <p:cSld>
-    <p:spTree>
-      <p:nvGrpSpPr>
-        <p:cNvPr id="1" name=""/>
-        <p:cNvGrpSpPr/>
-        <p:nvPr/>
-      </p:nvGrpSpPr>
-      <p:grpSpPr>
-        <a:xfrm>
-          <a:off x="0" y="0"/>
-          <a:ext cx="0" cy="0"/>
-          <a:chOff x="0" y="0"/>
-          <a:chExt cx="0" cy="0"/>
-        </a:xfrm>
-      </p:grpSpPr>
-      <p:sp>
-        <p:nvSpPr>
-          <p:cNvPr id="2" name="Text Placeholder 1"/>
-          <p:cNvSpPr>
-            <a:spLocks noGrp="1"/>
-          </p:cNvSpPr>
-          <p:nvPr>
-            <p:ph type="body" sz="quarter" idx="14"/>
-          </p:nvPr>
-        </p:nvSpPr>
-        <p:spPr>
-          <a:xfrm>
-            <a:off x="31448" y="2717800"/>
-            <a:ext cx="12177485" cy="748988"/>
-          </a:xfrm>
-        </p:spPr>
-        <p:txBody>
-          <a:bodyPr/>
-          <a:lstStyle/>
-          <a:p>
-            <a:r>
-              <a:rPr lang="en-US" dirty="0">
-                <a:solidFill>
-                  <a:schemeClr val="bg1"/>
-                </a:solidFill>
-              </a:rPr>
-              <a:t>Redirects in React Router</a:t>
-            </a:r>
-            <a:endParaRPr lang="en-US" sz="2133" dirty="0">
-              <a:solidFill>
-                <a:schemeClr val="bg1"/>
-              </a:solidFill>
-            </a:endParaRPr>
-          </a:p>
-        </p:txBody>
-      </p:sp>
-    </p:spTree>
-    <p:custDataLst>
-      <p:tags r:id="rId1"/>
-    </p:custDataLst>
-    <p:extLst>
-      <p:ext uri="{BB962C8B-B14F-4D97-AF65-F5344CB8AC3E}">
-        <p14:creationId xmlns:p14="http://schemas.microsoft.com/office/powerpoint/2010/main" val="1584697330"/>
-      </p:ext>
-    </p:extLst>
-  </p:cSld>
-  <p:clrMapOvr>
-    <a:masterClrMapping/>
-  </p:clrMapOvr>
-</p:sld>
-</file>
-
 <file path=ppt/slides/slide19.xml><?xml version="1.0" encoding="utf-8"?>
 <p:sld xmlns:a="http://schemas.openxmlformats.org/drawingml/2006/main" xmlns:r="http://schemas.openxmlformats.org/officeDocument/2006/relationships" xmlns:p="http://schemas.openxmlformats.org/presentationml/2006/main">
   <p:cSld>
@@ -12210,383 +12588,47 @@
       </p:grpSpPr>
       <p:sp>
         <p:nvSpPr>
-          <p:cNvPr id="4" name="Title 1"/>
+          <p:cNvPr id="2" name="Text Placeholder 1"/>
           <p:cNvSpPr>
             <a:spLocks noGrp="1"/>
           </p:cNvSpPr>
           <p:nvPr>
-            <p:ph type="title"/>
+            <p:ph type="body" sz="quarter" idx="14"/>
           </p:nvPr>
         </p:nvSpPr>
         <p:spPr>
           <a:xfrm>
-            <a:off x="883170" y="224877"/>
-            <a:ext cx="10515600" cy="1008905"/>
+            <a:off x="31448" y="2717800"/>
+            <a:ext cx="12177485" cy="748988"/>
           </a:xfrm>
         </p:spPr>
         <p:txBody>
           <a:bodyPr/>
           <a:lstStyle/>
           <a:p>
-            <a:pPr algn="ctr"/>
-            <a:r>
-              <a:rPr lang="en-US" dirty="0"/>
-              <a:t>Redirecting</a:t>
-            </a:r>
-            <a:endParaRPr lang="en-US" sz="4267" dirty="0"/>
-          </a:p>
-        </p:txBody>
-      </p:sp>
-      <p:sp>
-        <p:nvSpPr>
-          <p:cNvPr id="5" name="Content Placeholder 2"/>
-          <p:cNvSpPr txBox="1">
-            <a:spLocks/>
-          </p:cNvSpPr>
-          <p:nvPr/>
-        </p:nvSpPr>
-        <p:spPr>
-          <a:xfrm>
-            <a:off x="883170" y="1298860"/>
-            <a:ext cx="10504967" cy="1658350"/>
-          </a:xfrm>
-          <a:prstGeom prst="rect">
-            <a:avLst/>
-          </a:prstGeom>
-        </p:spPr>
-        <p:txBody>
-          <a:bodyPr>
-            <a:normAutofit/>
-          </a:bodyPr>
-          <a:lstStyle>
-            <a:lvl1pPr marL="342900" indent="-342900" algn="l" defTabSz="457200" rtl="0" eaLnBrk="1" latinLnBrk="0" hangingPunct="1">
-              <a:spcBef>
-                <a:spcPct val="20000"/>
-              </a:spcBef>
-              <a:buFont typeface="Arial"/>
-              <a:buChar char="•"/>
-              <a:defRPr sz="3200" kern="1200">
-                <a:solidFill>
-                  <a:schemeClr val="tx1"/>
-                </a:solidFill>
-                <a:latin typeface="+mn-lt"/>
-                <a:ea typeface="+mn-ea"/>
-                <a:cs typeface="+mn-cs"/>
-              </a:defRPr>
-            </a:lvl1pPr>
-            <a:lvl2pPr marL="742950" indent="-285750" algn="l" defTabSz="457200" rtl="0" eaLnBrk="1" latinLnBrk="0" hangingPunct="1">
-              <a:spcBef>
-                <a:spcPct val="20000"/>
-              </a:spcBef>
-              <a:buFont typeface="Arial"/>
-              <a:buChar char="–"/>
-              <a:defRPr sz="2800" kern="1200">
-                <a:solidFill>
-                  <a:schemeClr val="tx1"/>
-                </a:solidFill>
-                <a:latin typeface="+mn-lt"/>
-                <a:ea typeface="+mn-ea"/>
-                <a:cs typeface="+mn-cs"/>
-              </a:defRPr>
-            </a:lvl2pPr>
-            <a:lvl3pPr marL="1143000" indent="-228600" algn="l" defTabSz="457200" rtl="0" eaLnBrk="1" latinLnBrk="0" hangingPunct="1">
-              <a:spcBef>
-                <a:spcPct val="20000"/>
-              </a:spcBef>
-              <a:buFont typeface="Arial"/>
-              <a:buChar char="•"/>
-              <a:defRPr sz="2400" kern="1200">
-                <a:solidFill>
-                  <a:schemeClr val="tx1"/>
-                </a:solidFill>
-                <a:latin typeface="+mn-lt"/>
-                <a:ea typeface="+mn-ea"/>
-                <a:cs typeface="+mn-cs"/>
-              </a:defRPr>
-            </a:lvl3pPr>
-            <a:lvl4pPr marL="1600200" indent="-228600" algn="l" defTabSz="457200" rtl="0" eaLnBrk="1" latinLnBrk="0" hangingPunct="1">
-              <a:spcBef>
-                <a:spcPct val="20000"/>
-              </a:spcBef>
-              <a:buFont typeface="Arial"/>
-              <a:buChar char="–"/>
-              <a:defRPr sz="2000" kern="1200">
-                <a:solidFill>
-                  <a:schemeClr val="tx1"/>
-                </a:solidFill>
-                <a:latin typeface="+mn-lt"/>
-                <a:ea typeface="+mn-ea"/>
-                <a:cs typeface="+mn-cs"/>
-              </a:defRPr>
-            </a:lvl4pPr>
-            <a:lvl5pPr marL="2057400" indent="-228600" algn="l" defTabSz="457200" rtl="0" eaLnBrk="1" latinLnBrk="0" hangingPunct="1">
-              <a:spcBef>
-                <a:spcPct val="20000"/>
-              </a:spcBef>
-              <a:buFont typeface="Arial"/>
-              <a:buChar char="»"/>
-              <a:defRPr sz="2000" kern="1200">
-                <a:solidFill>
-                  <a:schemeClr val="tx1"/>
-                </a:solidFill>
-                <a:latin typeface="+mn-lt"/>
-                <a:ea typeface="+mn-ea"/>
-                <a:cs typeface="+mn-cs"/>
-              </a:defRPr>
-            </a:lvl5pPr>
-            <a:lvl6pPr marL="2514600" indent="-228600" algn="l" defTabSz="457200" rtl="0" eaLnBrk="1" latinLnBrk="0" hangingPunct="1">
-              <a:spcBef>
-                <a:spcPct val="20000"/>
-              </a:spcBef>
-              <a:buFont typeface="Arial"/>
-              <a:buChar char="•"/>
-              <a:defRPr sz="2000" kern="1200">
-                <a:solidFill>
-                  <a:schemeClr val="tx1"/>
-                </a:solidFill>
-                <a:latin typeface="+mn-lt"/>
-                <a:ea typeface="+mn-ea"/>
-                <a:cs typeface="+mn-cs"/>
-              </a:defRPr>
-            </a:lvl6pPr>
-            <a:lvl7pPr marL="2971800" indent="-228600" algn="l" defTabSz="457200" rtl="0" eaLnBrk="1" latinLnBrk="0" hangingPunct="1">
-              <a:spcBef>
-                <a:spcPct val="20000"/>
-              </a:spcBef>
-              <a:buFont typeface="Arial"/>
-              <a:buChar char="•"/>
-              <a:defRPr sz="2000" kern="1200">
-                <a:solidFill>
-                  <a:schemeClr val="tx1"/>
-                </a:solidFill>
-                <a:latin typeface="+mn-lt"/>
-                <a:ea typeface="+mn-ea"/>
-                <a:cs typeface="+mn-cs"/>
-              </a:defRPr>
-            </a:lvl7pPr>
-            <a:lvl8pPr marL="3429000" indent="-228600" algn="l" defTabSz="457200" rtl="0" eaLnBrk="1" latinLnBrk="0" hangingPunct="1">
-              <a:spcBef>
-                <a:spcPct val="20000"/>
-              </a:spcBef>
-              <a:buFont typeface="Arial"/>
-              <a:buChar char="•"/>
-              <a:defRPr sz="2000" kern="1200">
-                <a:solidFill>
-                  <a:schemeClr val="tx1"/>
-                </a:solidFill>
-                <a:latin typeface="+mn-lt"/>
-                <a:ea typeface="+mn-ea"/>
-                <a:cs typeface="+mn-cs"/>
-              </a:defRPr>
-            </a:lvl8pPr>
-            <a:lvl9pPr marL="3886200" indent="-228600" algn="l" defTabSz="457200" rtl="0" eaLnBrk="1" latinLnBrk="0" hangingPunct="1">
-              <a:spcBef>
-                <a:spcPct val="20000"/>
-              </a:spcBef>
-              <a:buFont typeface="Arial"/>
-              <a:buChar char="•"/>
-              <a:defRPr sz="2000" kern="1200">
-                <a:solidFill>
-                  <a:schemeClr val="tx1"/>
-                </a:solidFill>
-                <a:latin typeface="+mn-lt"/>
-                <a:ea typeface="+mn-ea"/>
-                <a:cs typeface="+mn-cs"/>
-              </a:defRPr>
-            </a:lvl9pPr>
-          </a:lstStyle>
-          <a:p>
-            <a:pPr marL="0" indent="0" algn="ctr">
-              <a:buNone/>
-            </a:pPr>
-            <a:r>
-              <a:rPr lang="en-US" sz="2133" dirty="0">
+            <a:r>
+              <a:rPr lang="en-US" dirty="0">
                 <a:solidFill>
                   <a:schemeClr val="bg1"/>
                 </a:solidFill>
               </a:rPr>
-              <a:t>It would be nice if our app redirected to developer bios page after a user submits a bio. </a:t>
-            </a:r>
-          </a:p>
-          <a:p>
-            <a:pPr marL="0" indent="0" algn="ctr">
-              <a:buNone/>
-            </a:pPr>
-            <a:r>
-              <a:rPr lang="en-US" sz="2133" dirty="0">
-                <a:solidFill>
-                  <a:schemeClr val="bg1"/>
-                </a:solidFill>
-              </a:rPr>
-              <a:t>This can be accomplished using:</a:t>
-            </a:r>
-          </a:p>
-          <a:p>
-            <a:pPr marL="0" indent="0">
-              <a:buNone/>
-            </a:pPr>
+              <a:t>Redirects in React Router</a:t>
+            </a:r>
             <a:endParaRPr lang="en-US" sz="2133" dirty="0">
               <a:solidFill>
-                <a:srgbClr val="C4E3B0"/>
+                <a:schemeClr val="bg1"/>
               </a:solidFill>
             </a:endParaRPr>
           </a:p>
-          <a:p>
-            <a:pPr marL="0" indent="0" algn="ctr">
-              <a:buNone/>
-            </a:pPr>
-            <a:r>
-              <a:rPr lang="en-US" sz="2133" dirty="0">
-                <a:solidFill>
-                  <a:srgbClr val="C4E3B0"/>
-                </a:solidFill>
-              </a:rPr>
-              <a:t>History</a:t>
-            </a:r>
-          </a:p>
-        </p:txBody>
-      </p:sp>
-      <p:sp>
-        <p:nvSpPr>
-          <p:cNvPr id="3" name="Rectangle 2">
-            <a:extLst>
-              <a:ext uri="{FF2B5EF4-FFF2-40B4-BE49-F238E27FC236}">
-                <a16:creationId xmlns:a16="http://schemas.microsoft.com/office/drawing/2014/main" id="{46185CEC-9262-954C-A595-212832FD8CB7}"/>
-              </a:ext>
-            </a:extLst>
-          </p:cNvPr>
-          <p:cNvSpPr/>
-          <p:nvPr/>
-        </p:nvSpPr>
-        <p:spPr>
-          <a:xfrm>
-            <a:off x="3097381" y="3022288"/>
-            <a:ext cx="6096000" cy="646331"/>
-          </a:xfrm>
-          <a:prstGeom prst="rect">
-            <a:avLst/>
-          </a:prstGeom>
-        </p:spPr>
-        <p:txBody>
-          <a:bodyPr>
-            <a:spAutoFit/>
-          </a:bodyPr>
-          <a:lstStyle/>
-          <a:p>
-            <a:r>
-              <a:rPr lang="en-US" dirty="0">
-                <a:solidFill>
-                  <a:schemeClr val="accent2"/>
-                </a:solidFill>
-                <a:hlinkClick r:id="rId3">
-                  <a:extLst>
-                    <a:ext uri="{A12FA001-AC4F-418D-AE19-62706E023703}">
-                      <ahyp:hlinkClr xmlns:ahyp="http://schemas.microsoft.com/office/drawing/2018/hyperlinkcolor" val="tx"/>
-                    </a:ext>
-                  </a:extLst>
-                </a:hlinkClick>
-              </a:rPr>
-              <a:t>https://github.com/ReactTraining/history/blob/master/docs/GettingStarted.md</a:t>
-            </a:r>
-            <a:endParaRPr lang="en-US" dirty="0">
-              <a:solidFill>
-                <a:schemeClr val="accent2"/>
-              </a:solidFill>
-            </a:endParaRPr>
-          </a:p>
-        </p:txBody>
-      </p:sp>
-      <p:sp>
-        <p:nvSpPr>
-          <p:cNvPr id="8" name="Rectangle 7">
-            <a:extLst>
-              <a:ext uri="{FF2B5EF4-FFF2-40B4-BE49-F238E27FC236}">
-                <a16:creationId xmlns:a16="http://schemas.microsoft.com/office/drawing/2014/main" id="{DC478520-ED30-6342-BBE4-1AA30059ACF6}"/>
-              </a:ext>
-            </a:extLst>
-          </p:cNvPr>
-          <p:cNvSpPr/>
-          <p:nvPr/>
-        </p:nvSpPr>
-        <p:spPr>
-          <a:xfrm>
-            <a:off x="3087653" y="4056833"/>
-            <a:ext cx="6096000" cy="974562"/>
-          </a:xfrm>
-          <a:prstGeom prst="rect">
-            <a:avLst/>
-          </a:prstGeom>
-        </p:spPr>
-        <p:txBody>
-          <a:bodyPr>
-            <a:spAutoFit/>
-          </a:bodyPr>
-          <a:lstStyle/>
-          <a:p>
-            <a:pPr algn="ctr" defTabSz="457200">
-              <a:spcBef>
-                <a:spcPct val="20000"/>
-              </a:spcBef>
-            </a:pPr>
-            <a:r>
-              <a:rPr lang="en-US" sz="2133" dirty="0" err="1">
-                <a:solidFill>
-                  <a:srgbClr val="C4E3B0"/>
-                </a:solidFill>
-              </a:rPr>
-              <a:t>withRouter</a:t>
-            </a:r>
-            <a:endParaRPr lang="en-US" sz="2133" dirty="0">
-              <a:solidFill>
-                <a:srgbClr val="C4E3B0"/>
-              </a:solidFill>
-            </a:endParaRPr>
-          </a:p>
-          <a:p>
-            <a:pPr algn="ctr"/>
-            <a:endParaRPr lang="en-US" dirty="0">
-              <a:solidFill>
-                <a:srgbClr val="C4E3B0"/>
-              </a:solidFill>
-            </a:endParaRPr>
-          </a:p>
-          <a:p>
-            <a:pPr algn="ctr"/>
-            <a:r>
-              <a:rPr lang="en-US" dirty="0">
-                <a:solidFill>
-                  <a:schemeClr val="accent2"/>
-                </a:solidFill>
-              </a:rPr>
-              <a:t> </a:t>
-            </a:r>
-            <a:r>
-              <a:rPr lang="en-US" dirty="0">
-                <a:solidFill>
-                  <a:schemeClr val="accent2"/>
-                </a:solidFill>
-                <a:hlinkClick r:id="rId4">
-                  <a:extLst>
-                    <a:ext uri="{A12FA001-AC4F-418D-AE19-62706E023703}">
-                      <ahyp:hlinkClr xmlns:ahyp="http://schemas.microsoft.com/office/drawing/2018/hyperlinkcolor" val="tx"/>
-                    </a:ext>
-                  </a:extLst>
-                </a:hlinkClick>
-              </a:rPr>
-              <a:t>https://reacttraining.com/react-router/web/api/withRouter</a:t>
-            </a:r>
-            <a:endParaRPr lang="en-US" dirty="0">
-              <a:solidFill>
-                <a:schemeClr val="accent2"/>
-              </a:solidFill>
-            </a:endParaRPr>
-          </a:p>
         </p:txBody>
       </p:sp>
     </p:spTree>
+    <p:custDataLst>
+      <p:tags r:id="rId1"/>
+    </p:custDataLst>
     <p:extLst>
       <p:ext uri="{BB962C8B-B14F-4D97-AF65-F5344CB8AC3E}">
-        <p14:creationId xmlns:p14="http://schemas.microsoft.com/office/powerpoint/2010/main" val="4015524451"/>
+        <p14:creationId xmlns:p14="http://schemas.microsoft.com/office/powerpoint/2010/main" val="1584697330"/>
       </p:ext>
     </p:extLst>
   </p:cSld>
@@ -12615,7 +12657,13 @@
       </p:grpSpPr>
       <p:sp>
         <p:nvSpPr>
-          <p:cNvPr id="2" name="Title 1"/>
+          <p:cNvPr id="2" name="Title 1">
+            <a:extLst>
+              <a:ext uri="{FF2B5EF4-FFF2-40B4-BE49-F238E27FC236}">
+                <a16:creationId xmlns:a16="http://schemas.microsoft.com/office/drawing/2014/main" id="{74084999-9819-2A4B-9A67-310215166E00}"/>
+              </a:ext>
+            </a:extLst>
+          </p:cNvPr>
           <p:cNvSpPr>
             <a:spLocks noGrp="1"/>
           </p:cNvSpPr>
@@ -12630,14 +12678,20 @@
           <a:p>
             <a:r>
               <a:rPr lang="en-US" dirty="0"/>
-              <a:t>Course Objective:</a:t>
-            </a:r>
-          </a:p>
-        </p:txBody>
-      </p:sp>
-      <p:sp>
-        <p:nvSpPr>
-          <p:cNvPr id="3" name="Text Placeholder 2"/>
+              <a:t>App Feature / Scenario</a:t>
+            </a:r>
+          </a:p>
+        </p:txBody>
+      </p:sp>
+      <p:sp>
+        <p:nvSpPr>
+          <p:cNvPr id="3" name="Text Placeholder 2">
+            <a:extLst>
+              <a:ext uri="{FF2B5EF4-FFF2-40B4-BE49-F238E27FC236}">
+                <a16:creationId xmlns:a16="http://schemas.microsoft.com/office/drawing/2014/main" id="{29D689DD-2EA7-404A-A03F-B56E9B72D630}"/>
+              </a:ext>
+            </a:extLst>
+          </p:cNvPr>
           <p:cNvSpPr>
             <a:spLocks noGrp="1"/>
           </p:cNvSpPr>
@@ -12645,65 +12699,30 @@
             <p:ph type="body" sz="quarter" idx="13"/>
           </p:nvPr>
         </p:nvSpPr>
-        <p:spPr>
-          <a:xfrm>
-            <a:off x="507999" y="1137830"/>
-            <a:ext cx="11176004" cy="3638451"/>
-          </a:xfrm>
-        </p:spPr>
-        <p:txBody>
-          <a:bodyPr>
-            <a:normAutofit/>
-          </a:bodyPr>
+        <p:spPr/>
+        <p:txBody>
+          <a:bodyPr/>
           <a:lstStyle/>
           <a:p>
             <a:r>
-              <a:rPr lang="en-US" sz="2400" dirty="0"/>
-              <a:t>At the end this 120 min session, you will be able to</a:t>
-            </a:r>
-          </a:p>
-          <a:p>
-            <a:endParaRPr lang="en-US" sz="2400" dirty="0"/>
-          </a:p>
-          <a:p>
-            <a:pPr marL="609585" indent="-609585">
-              <a:buFont typeface="Wingdings" panose="05000000000000000000" pitchFamily="2" charset="2"/>
-              <a:buChar char="Ø"/>
-            </a:pPr>
-            <a:r>
-              <a:rPr lang="en-US" sz="2400" dirty="0"/>
-              <a:t>Implement routing in a React app</a:t>
-            </a:r>
-          </a:p>
-          <a:p>
-            <a:pPr marL="609585" indent="-609585">
-              <a:buFont typeface="Wingdings" panose="05000000000000000000" pitchFamily="2" charset="2"/>
-              <a:buChar char="Ø"/>
-            </a:pPr>
-            <a:r>
-              <a:rPr lang="en-US" sz="2400" dirty="0"/>
-              <a:t>List the common Component lifecycle methods</a:t>
-            </a:r>
-          </a:p>
-          <a:p>
-            <a:pPr marL="609585" indent="-609585">
-              <a:buFont typeface="Wingdings" panose="05000000000000000000" pitchFamily="2" charset="2"/>
-              <a:buChar char="Ø"/>
-            </a:pPr>
-            <a:endParaRPr lang="en-US" sz="2400" dirty="0"/>
-          </a:p>
-          <a:p>
-            <a:endParaRPr lang="en-US" sz="2400" dirty="0"/>
-          </a:p>
-          <a:p>
-            <a:endParaRPr lang="en-US" dirty="0"/>
+              <a:rPr lang="en-US" dirty="0"/>
+              <a:t>In our </a:t>
+            </a:r>
+            <a:r>
+              <a:rPr lang="en-US" dirty="0" err="1"/>
+              <a:t>DevBios</a:t>
+            </a:r>
+            <a:r>
+              <a:rPr lang="en-US" dirty="0"/>
+              <a:t> app, we would like for the Add Developer form and Displayed Bios to be on separate “pages” in our SPA.  We would also like to connect to the live API.  How can this be achieved?</a:t>
+            </a:r>
           </a:p>
         </p:txBody>
       </p:sp>
     </p:spTree>
     <p:extLst>
       <p:ext uri="{BB962C8B-B14F-4D97-AF65-F5344CB8AC3E}">
-        <p14:creationId xmlns:p14="http://schemas.microsoft.com/office/powerpoint/2010/main" val="1627640018"/>
+        <p14:creationId xmlns:p14="http://schemas.microsoft.com/office/powerpoint/2010/main" val="2110889692"/>
       </p:ext>
     </p:extLst>
   </p:cSld>
@@ -12714,6 +12733,411 @@
 </file>
 
 <file path=ppt/slides/slide20.xml><?xml version="1.0" encoding="utf-8"?>
+<p:sld xmlns:a="http://schemas.openxmlformats.org/drawingml/2006/main" xmlns:r="http://schemas.openxmlformats.org/officeDocument/2006/relationships" xmlns:p="http://schemas.openxmlformats.org/presentationml/2006/main">
+  <p:cSld>
+    <p:spTree>
+      <p:nvGrpSpPr>
+        <p:cNvPr id="1" name=""/>
+        <p:cNvGrpSpPr/>
+        <p:nvPr/>
+      </p:nvGrpSpPr>
+      <p:grpSpPr>
+        <a:xfrm>
+          <a:off x="0" y="0"/>
+          <a:ext cx="0" cy="0"/>
+          <a:chOff x="0" y="0"/>
+          <a:chExt cx="0" cy="0"/>
+        </a:xfrm>
+      </p:grpSpPr>
+      <p:sp>
+        <p:nvSpPr>
+          <p:cNvPr id="4" name="Title 1"/>
+          <p:cNvSpPr>
+            <a:spLocks noGrp="1"/>
+          </p:cNvSpPr>
+          <p:nvPr>
+            <p:ph type="title"/>
+          </p:nvPr>
+        </p:nvSpPr>
+        <p:spPr>
+          <a:xfrm>
+            <a:off x="883170" y="224877"/>
+            <a:ext cx="10515600" cy="1008905"/>
+          </a:xfrm>
+        </p:spPr>
+        <p:txBody>
+          <a:bodyPr/>
+          <a:lstStyle/>
+          <a:p>
+            <a:pPr algn="ctr"/>
+            <a:r>
+              <a:rPr lang="en-US" dirty="0"/>
+              <a:t>Redirecting</a:t>
+            </a:r>
+            <a:endParaRPr lang="en-US" sz="4267" dirty="0"/>
+          </a:p>
+        </p:txBody>
+      </p:sp>
+      <p:sp>
+        <p:nvSpPr>
+          <p:cNvPr id="5" name="Content Placeholder 2"/>
+          <p:cNvSpPr txBox="1">
+            <a:spLocks/>
+          </p:cNvSpPr>
+          <p:nvPr/>
+        </p:nvSpPr>
+        <p:spPr>
+          <a:xfrm>
+            <a:off x="883170" y="1298860"/>
+            <a:ext cx="10504967" cy="1658350"/>
+          </a:xfrm>
+          <a:prstGeom prst="rect">
+            <a:avLst/>
+          </a:prstGeom>
+        </p:spPr>
+        <p:txBody>
+          <a:bodyPr>
+            <a:normAutofit/>
+          </a:bodyPr>
+          <a:lstStyle>
+            <a:lvl1pPr marL="342900" indent="-342900" algn="l" defTabSz="457200" rtl="0" eaLnBrk="1" latinLnBrk="0" hangingPunct="1">
+              <a:spcBef>
+                <a:spcPct val="20000"/>
+              </a:spcBef>
+              <a:buFont typeface="Arial"/>
+              <a:buChar char="•"/>
+              <a:defRPr sz="3200" kern="1200">
+                <a:solidFill>
+                  <a:schemeClr val="tx1"/>
+                </a:solidFill>
+                <a:latin typeface="+mn-lt"/>
+                <a:ea typeface="+mn-ea"/>
+                <a:cs typeface="+mn-cs"/>
+              </a:defRPr>
+            </a:lvl1pPr>
+            <a:lvl2pPr marL="742950" indent="-285750" algn="l" defTabSz="457200" rtl="0" eaLnBrk="1" latinLnBrk="0" hangingPunct="1">
+              <a:spcBef>
+                <a:spcPct val="20000"/>
+              </a:spcBef>
+              <a:buFont typeface="Arial"/>
+              <a:buChar char="–"/>
+              <a:defRPr sz="2800" kern="1200">
+                <a:solidFill>
+                  <a:schemeClr val="tx1"/>
+                </a:solidFill>
+                <a:latin typeface="+mn-lt"/>
+                <a:ea typeface="+mn-ea"/>
+                <a:cs typeface="+mn-cs"/>
+              </a:defRPr>
+            </a:lvl2pPr>
+            <a:lvl3pPr marL="1143000" indent="-228600" algn="l" defTabSz="457200" rtl="0" eaLnBrk="1" latinLnBrk="0" hangingPunct="1">
+              <a:spcBef>
+                <a:spcPct val="20000"/>
+              </a:spcBef>
+              <a:buFont typeface="Arial"/>
+              <a:buChar char="•"/>
+              <a:defRPr sz="2400" kern="1200">
+                <a:solidFill>
+                  <a:schemeClr val="tx1"/>
+                </a:solidFill>
+                <a:latin typeface="+mn-lt"/>
+                <a:ea typeface="+mn-ea"/>
+                <a:cs typeface="+mn-cs"/>
+              </a:defRPr>
+            </a:lvl3pPr>
+            <a:lvl4pPr marL="1600200" indent="-228600" algn="l" defTabSz="457200" rtl="0" eaLnBrk="1" latinLnBrk="0" hangingPunct="1">
+              <a:spcBef>
+                <a:spcPct val="20000"/>
+              </a:spcBef>
+              <a:buFont typeface="Arial"/>
+              <a:buChar char="–"/>
+              <a:defRPr sz="2000" kern="1200">
+                <a:solidFill>
+                  <a:schemeClr val="tx1"/>
+                </a:solidFill>
+                <a:latin typeface="+mn-lt"/>
+                <a:ea typeface="+mn-ea"/>
+                <a:cs typeface="+mn-cs"/>
+              </a:defRPr>
+            </a:lvl4pPr>
+            <a:lvl5pPr marL="2057400" indent="-228600" algn="l" defTabSz="457200" rtl="0" eaLnBrk="1" latinLnBrk="0" hangingPunct="1">
+              <a:spcBef>
+                <a:spcPct val="20000"/>
+              </a:spcBef>
+              <a:buFont typeface="Arial"/>
+              <a:buChar char="»"/>
+              <a:defRPr sz="2000" kern="1200">
+                <a:solidFill>
+                  <a:schemeClr val="tx1"/>
+                </a:solidFill>
+                <a:latin typeface="+mn-lt"/>
+                <a:ea typeface="+mn-ea"/>
+                <a:cs typeface="+mn-cs"/>
+              </a:defRPr>
+            </a:lvl5pPr>
+            <a:lvl6pPr marL="2514600" indent="-228600" algn="l" defTabSz="457200" rtl="0" eaLnBrk="1" latinLnBrk="0" hangingPunct="1">
+              <a:spcBef>
+                <a:spcPct val="20000"/>
+              </a:spcBef>
+              <a:buFont typeface="Arial"/>
+              <a:buChar char="•"/>
+              <a:defRPr sz="2000" kern="1200">
+                <a:solidFill>
+                  <a:schemeClr val="tx1"/>
+                </a:solidFill>
+                <a:latin typeface="+mn-lt"/>
+                <a:ea typeface="+mn-ea"/>
+                <a:cs typeface="+mn-cs"/>
+              </a:defRPr>
+            </a:lvl6pPr>
+            <a:lvl7pPr marL="2971800" indent="-228600" algn="l" defTabSz="457200" rtl="0" eaLnBrk="1" latinLnBrk="0" hangingPunct="1">
+              <a:spcBef>
+                <a:spcPct val="20000"/>
+              </a:spcBef>
+              <a:buFont typeface="Arial"/>
+              <a:buChar char="•"/>
+              <a:defRPr sz="2000" kern="1200">
+                <a:solidFill>
+                  <a:schemeClr val="tx1"/>
+                </a:solidFill>
+                <a:latin typeface="+mn-lt"/>
+                <a:ea typeface="+mn-ea"/>
+                <a:cs typeface="+mn-cs"/>
+              </a:defRPr>
+            </a:lvl7pPr>
+            <a:lvl8pPr marL="3429000" indent="-228600" algn="l" defTabSz="457200" rtl="0" eaLnBrk="1" latinLnBrk="0" hangingPunct="1">
+              <a:spcBef>
+                <a:spcPct val="20000"/>
+              </a:spcBef>
+              <a:buFont typeface="Arial"/>
+              <a:buChar char="•"/>
+              <a:defRPr sz="2000" kern="1200">
+                <a:solidFill>
+                  <a:schemeClr val="tx1"/>
+                </a:solidFill>
+                <a:latin typeface="+mn-lt"/>
+                <a:ea typeface="+mn-ea"/>
+                <a:cs typeface="+mn-cs"/>
+              </a:defRPr>
+            </a:lvl8pPr>
+            <a:lvl9pPr marL="3886200" indent="-228600" algn="l" defTabSz="457200" rtl="0" eaLnBrk="1" latinLnBrk="0" hangingPunct="1">
+              <a:spcBef>
+                <a:spcPct val="20000"/>
+              </a:spcBef>
+              <a:buFont typeface="Arial"/>
+              <a:buChar char="•"/>
+              <a:defRPr sz="2000" kern="1200">
+                <a:solidFill>
+                  <a:schemeClr val="tx1"/>
+                </a:solidFill>
+                <a:latin typeface="+mn-lt"/>
+                <a:ea typeface="+mn-ea"/>
+                <a:cs typeface="+mn-cs"/>
+              </a:defRPr>
+            </a:lvl9pPr>
+          </a:lstStyle>
+          <a:p>
+            <a:pPr marL="0" indent="0" algn="ctr">
+              <a:buNone/>
+            </a:pPr>
+            <a:r>
+              <a:rPr lang="en-US" sz="2133" dirty="0">
+                <a:solidFill>
+                  <a:schemeClr val="bg1"/>
+                </a:solidFill>
+              </a:rPr>
+              <a:t>It would be nice if our app redirected to developer bios page after a user submits a bio. </a:t>
+            </a:r>
+          </a:p>
+          <a:p>
+            <a:pPr marL="0" indent="0" algn="ctr">
+              <a:buNone/>
+            </a:pPr>
+            <a:r>
+              <a:rPr lang="en-US" sz="2133" dirty="0">
+                <a:solidFill>
+                  <a:schemeClr val="bg1"/>
+                </a:solidFill>
+              </a:rPr>
+              <a:t>This can be accomplished using:</a:t>
+            </a:r>
+          </a:p>
+          <a:p>
+            <a:pPr marL="0" indent="0">
+              <a:buNone/>
+            </a:pPr>
+            <a:endParaRPr lang="en-US" sz="2133" dirty="0">
+              <a:solidFill>
+                <a:srgbClr val="C4E3B0"/>
+              </a:solidFill>
+            </a:endParaRPr>
+          </a:p>
+          <a:p>
+            <a:pPr marL="0" indent="0" algn="ctr">
+              <a:buNone/>
+            </a:pPr>
+            <a:r>
+              <a:rPr lang="en-US" sz="2133" dirty="0">
+                <a:solidFill>
+                  <a:srgbClr val="C4E3B0"/>
+                </a:solidFill>
+              </a:rPr>
+              <a:t>History</a:t>
+            </a:r>
+          </a:p>
+        </p:txBody>
+      </p:sp>
+      <p:sp>
+        <p:nvSpPr>
+          <p:cNvPr id="3" name="Rectangle 2">
+            <a:extLst>
+              <a:ext uri="{FF2B5EF4-FFF2-40B4-BE49-F238E27FC236}">
+                <a16:creationId xmlns:a16="http://schemas.microsoft.com/office/drawing/2014/main" id="{46185CEC-9262-954C-A595-212832FD8CB7}"/>
+              </a:ext>
+            </a:extLst>
+          </p:cNvPr>
+          <p:cNvSpPr/>
+          <p:nvPr/>
+        </p:nvSpPr>
+        <p:spPr>
+          <a:xfrm>
+            <a:off x="3097381" y="3022288"/>
+            <a:ext cx="6096000" cy="646331"/>
+          </a:xfrm>
+          <a:prstGeom prst="rect">
+            <a:avLst/>
+          </a:prstGeom>
+        </p:spPr>
+        <p:txBody>
+          <a:bodyPr>
+            <a:spAutoFit/>
+          </a:bodyPr>
+          <a:lstStyle/>
+          <a:p>
+            <a:r>
+              <a:rPr lang="en-US" dirty="0">
+                <a:solidFill>
+                  <a:schemeClr val="accent2"/>
+                </a:solidFill>
+                <a:hlinkClick r:id="rId3">
+                  <a:extLst>
+                    <a:ext uri="{A12FA001-AC4F-418D-AE19-62706E023703}">
+                      <ahyp:hlinkClr xmlns:ahyp="http://schemas.microsoft.com/office/drawing/2018/hyperlinkcolor" val="tx"/>
+                    </a:ext>
+                  </a:extLst>
+                </a:hlinkClick>
+              </a:rPr>
+              <a:t>https://github.com/ReactTraining/history/blob/master/docs/GettingStarted.md</a:t>
+            </a:r>
+            <a:endParaRPr lang="en-US" dirty="0">
+              <a:solidFill>
+                <a:schemeClr val="accent2"/>
+              </a:solidFill>
+            </a:endParaRPr>
+          </a:p>
+        </p:txBody>
+      </p:sp>
+      <p:sp>
+        <p:nvSpPr>
+          <p:cNvPr id="8" name="Rectangle 7">
+            <a:extLst>
+              <a:ext uri="{FF2B5EF4-FFF2-40B4-BE49-F238E27FC236}">
+                <a16:creationId xmlns:a16="http://schemas.microsoft.com/office/drawing/2014/main" id="{DC478520-ED30-6342-BBE4-1AA30059ACF6}"/>
+              </a:ext>
+            </a:extLst>
+          </p:cNvPr>
+          <p:cNvSpPr/>
+          <p:nvPr/>
+        </p:nvSpPr>
+        <p:spPr>
+          <a:xfrm>
+            <a:off x="3087653" y="4056833"/>
+            <a:ext cx="6096000" cy="974562"/>
+          </a:xfrm>
+          <a:prstGeom prst="rect">
+            <a:avLst/>
+          </a:prstGeom>
+        </p:spPr>
+        <p:txBody>
+          <a:bodyPr>
+            <a:spAutoFit/>
+          </a:bodyPr>
+          <a:lstStyle/>
+          <a:p>
+            <a:pPr algn="ctr" defTabSz="457200">
+              <a:spcBef>
+                <a:spcPct val="20000"/>
+              </a:spcBef>
+            </a:pPr>
+            <a:r>
+              <a:rPr lang="en-US" sz="2133" dirty="0" err="1">
+                <a:solidFill>
+                  <a:srgbClr val="C4E3B0"/>
+                </a:solidFill>
+              </a:rPr>
+              <a:t>withRouter</a:t>
+            </a:r>
+            <a:endParaRPr lang="en-US" sz="2133" dirty="0">
+              <a:solidFill>
+                <a:srgbClr val="C4E3B0"/>
+              </a:solidFill>
+            </a:endParaRPr>
+          </a:p>
+          <a:p>
+            <a:pPr algn="ctr"/>
+            <a:endParaRPr lang="en-US" dirty="0">
+              <a:solidFill>
+                <a:srgbClr val="C4E3B0"/>
+              </a:solidFill>
+            </a:endParaRPr>
+          </a:p>
+          <a:p>
+            <a:pPr algn="ctr"/>
+            <a:r>
+              <a:rPr lang="en-US" dirty="0">
+                <a:solidFill>
+                  <a:schemeClr val="accent2"/>
+                </a:solidFill>
+              </a:rPr>
+              <a:t> </a:t>
+            </a:r>
+            <a:r>
+              <a:rPr lang="en-US" dirty="0">
+                <a:solidFill>
+                  <a:schemeClr val="accent2"/>
+                </a:solidFill>
+                <a:hlinkClick r:id="rId4">
+                  <a:extLst>
+                    <a:ext uri="{A12FA001-AC4F-418D-AE19-62706E023703}">
+                      <ahyp:hlinkClr xmlns:ahyp="http://schemas.microsoft.com/office/drawing/2018/hyperlinkcolor" val="tx"/>
+                    </a:ext>
+                  </a:extLst>
+                </a:hlinkClick>
+              </a:rPr>
+              <a:t>https://reacttraining.com/react-router/web/api/withRouter</a:t>
+            </a:r>
+            <a:endParaRPr lang="en-US" dirty="0">
+              <a:solidFill>
+                <a:schemeClr val="accent2"/>
+              </a:solidFill>
+            </a:endParaRPr>
+          </a:p>
+        </p:txBody>
+      </p:sp>
+    </p:spTree>
+    <p:extLst>
+      <p:ext uri="{BB962C8B-B14F-4D97-AF65-F5344CB8AC3E}">
+        <p14:creationId xmlns:p14="http://schemas.microsoft.com/office/powerpoint/2010/main" val="4015524451"/>
+      </p:ext>
+    </p:extLst>
+  </p:cSld>
+  <p:clrMapOvr>
+    <a:masterClrMapping/>
+  </p:clrMapOvr>
+</p:sld>
+</file>
+
+<file path=ppt/slides/slide21.xml><?xml version="1.0" encoding="utf-8"?>
 <p:sld xmlns:a="http://schemas.openxmlformats.org/drawingml/2006/main" xmlns:r="http://schemas.openxmlformats.org/officeDocument/2006/relationships" xmlns:p="http://schemas.openxmlformats.org/presentationml/2006/main">
   <p:cSld>
     <p:spTree>
@@ -13092,7 +13516,7 @@
 </p:sld>
 </file>
 
-<file path=ppt/slides/slide21.xml><?xml version="1.0" encoding="utf-8"?>
+<file path=ppt/slides/slide22.xml><?xml version="1.0" encoding="utf-8"?>
 <p:sld xmlns:a="http://schemas.openxmlformats.org/drawingml/2006/main" xmlns:r="http://schemas.openxmlformats.org/officeDocument/2006/relationships" xmlns:p="http://schemas.openxmlformats.org/presentationml/2006/main">
   <p:cSld>
     <p:spTree>
@@ -13217,7 +13641,7 @@
 </p:sld>
 </file>
 
-<file path=ppt/slides/slide22.xml><?xml version="1.0" encoding="utf-8"?>
+<file path=ppt/slides/slide23.xml><?xml version="1.0" encoding="utf-8"?>
 <p:sld xmlns:a="http://schemas.openxmlformats.org/drawingml/2006/main" xmlns:r="http://schemas.openxmlformats.org/officeDocument/2006/relationships" xmlns:p="http://schemas.openxmlformats.org/presentationml/2006/main">
   <p:cSld>
     <p:spTree>
@@ -13366,7 +13790,7 @@
 </p:sld>
 </file>
 
-<file path=ppt/slides/slide23.xml><?xml version="1.0" encoding="utf-8"?>
+<file path=ppt/slides/slide24.xml><?xml version="1.0" encoding="utf-8"?>
 <p:sld xmlns:a="http://schemas.openxmlformats.org/drawingml/2006/main" xmlns:r="http://schemas.openxmlformats.org/officeDocument/2006/relationships" xmlns:p="http://schemas.openxmlformats.org/presentationml/2006/main">
   <p:cSld>
     <p:spTree>
@@ -13435,7 +13859,7 @@
 </p:sld>
 </file>
 
-<file path=ppt/slides/slide24.xml><?xml version="1.0" encoding="utf-8"?>
+<file path=ppt/slides/slide25.xml><?xml version="1.0" encoding="utf-8"?>
 <p:sld xmlns:a="http://schemas.openxmlformats.org/drawingml/2006/main" xmlns:r="http://schemas.openxmlformats.org/officeDocument/2006/relationships" xmlns:p="http://schemas.openxmlformats.org/presentationml/2006/main">
   <p:cSld>
     <p:spTree>
@@ -13667,7 +14091,7 @@
 </p:sld>
 </file>
 
-<file path=ppt/slides/slide25.xml><?xml version="1.0" encoding="utf-8"?>
+<file path=ppt/slides/slide26.xml><?xml version="1.0" encoding="utf-8"?>
 <p:sld xmlns:a="http://schemas.openxmlformats.org/drawingml/2006/main" xmlns:r="http://schemas.openxmlformats.org/officeDocument/2006/relationships" xmlns:p="http://schemas.openxmlformats.org/presentationml/2006/main">
   <p:cSld>
     <p:spTree>
@@ -13934,7 +14358,7 @@
 </p:sld>
 </file>
 
-<file path=ppt/slides/slide26.xml><?xml version="1.0" encoding="utf-8"?>
+<file path=ppt/slides/slide27.xml><?xml version="1.0" encoding="utf-8"?>
 <p:sld xmlns:a="http://schemas.openxmlformats.org/drawingml/2006/main" xmlns:r="http://schemas.openxmlformats.org/officeDocument/2006/relationships" xmlns:p="http://schemas.openxmlformats.org/presentationml/2006/main">
   <p:cSld>
     <p:spTree>
@@ -14488,7 +14912,7 @@
 </p:sld>
 </file>
 
-<file path=ppt/slides/slide27.xml><?xml version="1.0" encoding="utf-8"?>
+<file path=ppt/slides/slide28.xml><?xml version="1.0" encoding="utf-8"?>
 <p:sld xmlns:a="http://schemas.openxmlformats.org/drawingml/2006/main" xmlns:r="http://schemas.openxmlformats.org/officeDocument/2006/relationships" xmlns:p="http://schemas.openxmlformats.org/presentationml/2006/main">
   <p:cSld>
     <p:spTree>
@@ -14548,386 +14972,6 @@
 </p:sld>
 </file>
 
-<file path=ppt/slides/slide28.xml><?xml version="1.0" encoding="utf-8"?>
-<p:sld xmlns:a="http://schemas.openxmlformats.org/drawingml/2006/main" xmlns:r="http://schemas.openxmlformats.org/officeDocument/2006/relationships" xmlns:p="http://schemas.openxmlformats.org/presentationml/2006/main">
-  <p:cSld>
-    <p:spTree>
-      <p:nvGrpSpPr>
-        <p:cNvPr id="1" name=""/>
-        <p:cNvGrpSpPr/>
-        <p:nvPr/>
-      </p:nvGrpSpPr>
-      <p:grpSpPr>
-        <a:xfrm>
-          <a:off x="0" y="0"/>
-          <a:ext cx="0" cy="0"/>
-          <a:chOff x="0" y="0"/>
-          <a:chExt cx="0" cy="0"/>
-        </a:xfrm>
-      </p:grpSpPr>
-      <p:sp>
-        <p:nvSpPr>
-          <p:cNvPr id="21" name="Title 1"/>
-          <p:cNvSpPr txBox="1">
-            <a:spLocks/>
-          </p:cNvSpPr>
-          <p:nvPr/>
-        </p:nvSpPr>
-        <p:spPr>
-          <a:xfrm>
-            <a:off x="474133" y="3835400"/>
-            <a:ext cx="11379200" cy="2336800"/>
-          </a:xfrm>
-          <a:prstGeom prst="rect">
-            <a:avLst/>
-          </a:prstGeom>
-        </p:spPr>
-        <p:txBody>
-          <a:bodyPr/>
-          <a:lstStyle>
-            <a:lvl1pPr algn="l" defTabSz="457200" rtl="0" eaLnBrk="1" latinLnBrk="0" hangingPunct="1">
-              <a:spcBef>
-                <a:spcPct val="0"/>
-              </a:spcBef>
-              <a:buNone/>
-              <a:defRPr sz="2000" b="1" kern="1200" baseline="0">
-                <a:solidFill>
-                  <a:schemeClr val="bg1"/>
-                </a:solidFill>
-                <a:latin typeface="+mj-lt"/>
-                <a:ea typeface="+mj-ea"/>
-                <a:cs typeface="+mj-cs"/>
-              </a:defRPr>
-            </a:lvl1pPr>
-          </a:lstStyle>
-          <a:p>
-            <a:r>
-              <a:rPr lang="en-US" sz="2400" dirty="0">
-                <a:solidFill>
-                  <a:schemeClr val="bg1">
-                    <a:lumMod val="85000"/>
-                  </a:schemeClr>
-                </a:solidFill>
-              </a:rPr>
-              <a:t>ComponentDidMount() </a:t>
-            </a:r>
-            <a:r>
-              <a:rPr lang="en-US" sz="2400" b="0" dirty="0">
-                <a:solidFill>
-                  <a:srgbClr val="C4E3B0"/>
-                </a:solidFill>
-              </a:rPr>
-              <a:t>- Invoked immediately after a component is mounted.</a:t>
-            </a:r>
-          </a:p>
-          <a:p>
-            <a:endParaRPr lang="en-US" sz="2400" b="0" dirty="0">
-              <a:solidFill>
-                <a:srgbClr val="C4E3B0"/>
-              </a:solidFill>
-            </a:endParaRPr>
-          </a:p>
-          <a:p>
-            <a:pPr marL="1066773" lvl="1" indent="-457189">
-              <a:buFont typeface="Arial" panose="020B0604020202020204" pitchFamily="34" charset="0"/>
-              <a:buChar char="•"/>
-            </a:pPr>
-            <a:r>
-              <a:rPr lang="en-US" sz="2400" dirty="0">
-                <a:solidFill>
-                  <a:srgbClr val="C4E3B0"/>
-                </a:solidFill>
-              </a:rPr>
-              <a:t>Initialization that requires DOM nodes should go here.</a:t>
-            </a:r>
-          </a:p>
-          <a:p>
-            <a:pPr marL="1066773" lvl="1" indent="-457189">
-              <a:buFont typeface="Arial" panose="020B0604020202020204" pitchFamily="34" charset="0"/>
-              <a:buChar char="•"/>
-            </a:pPr>
-            <a:r>
-              <a:rPr lang="en-US" sz="2400" dirty="0">
-                <a:solidFill>
-                  <a:srgbClr val="C4E3B0"/>
-                </a:solidFill>
-              </a:rPr>
-              <a:t>Its a good place to set up any subscriptions. If you do that, don’t forget to unsubscribe in </a:t>
-            </a:r>
-            <a:r>
-              <a:rPr lang="en-US" sz="2400" dirty="0" err="1">
-                <a:solidFill>
-                  <a:srgbClr val="C4E3B0"/>
-                </a:solidFill>
-              </a:rPr>
-              <a:t>componentWillUnmount</a:t>
-            </a:r>
-            <a:r>
-              <a:rPr lang="en-US" sz="2400" dirty="0">
-                <a:solidFill>
-                  <a:srgbClr val="C4E3B0"/>
-                </a:solidFill>
-              </a:rPr>
-              <a:t>(). </a:t>
-            </a:r>
-          </a:p>
-          <a:p>
-            <a:endParaRPr lang="en-US" sz="2400" b="0" dirty="0">
-              <a:solidFill>
-                <a:srgbClr val="C4E3B0"/>
-              </a:solidFill>
-            </a:endParaRPr>
-          </a:p>
-          <a:p>
-            <a:br>
-              <a:rPr lang="en-US" sz="2400" dirty="0">
-                <a:solidFill>
-                  <a:srgbClr val="C4E3B0"/>
-                </a:solidFill>
-                <a:latin typeface="+mn-lt"/>
-              </a:rPr>
-            </a:br>
-            <a:endParaRPr lang="en-US" sz="2400" dirty="0">
-              <a:solidFill>
-                <a:srgbClr val="C4E3B0"/>
-              </a:solidFill>
-              <a:latin typeface="+mn-lt"/>
-            </a:endParaRPr>
-          </a:p>
-        </p:txBody>
-      </p:sp>
-      <p:sp>
-        <p:nvSpPr>
-          <p:cNvPr id="22" name="TextBox 21"/>
-          <p:cNvSpPr txBox="1"/>
-          <p:nvPr/>
-        </p:nvSpPr>
-        <p:spPr>
-          <a:xfrm>
-            <a:off x="474133" y="1394699"/>
-            <a:ext cx="10566400" cy="2308324"/>
-          </a:xfrm>
-          <a:prstGeom prst="rect">
-            <a:avLst/>
-          </a:prstGeom>
-          <a:noFill/>
-        </p:spPr>
-        <p:txBody>
-          <a:bodyPr wrap="square" rtlCol="0">
-            <a:spAutoFit/>
-          </a:bodyPr>
-          <a:lstStyle/>
-          <a:p>
-            <a:r>
-              <a:rPr lang="en-US" sz="2400" dirty="0">
-                <a:solidFill>
-                  <a:schemeClr val="bg1">
-                    <a:lumMod val="85000"/>
-                  </a:schemeClr>
-                </a:solidFill>
-              </a:rPr>
-              <a:t> </a:t>
-            </a:r>
-            <a:r>
-              <a:rPr lang="en-US" sz="2400" b="1" dirty="0">
-                <a:solidFill>
-                  <a:schemeClr val="bg1">
-                    <a:lumMod val="85000"/>
-                  </a:schemeClr>
-                </a:solidFill>
-              </a:rPr>
-              <a:t>Constructor</a:t>
-            </a:r>
-            <a:r>
-              <a:rPr lang="en-US" sz="2400" dirty="0">
-                <a:solidFill>
-                  <a:schemeClr val="bg1"/>
-                </a:solidFill>
-              </a:rPr>
-              <a:t> </a:t>
-            </a:r>
-            <a:r>
-              <a:rPr lang="en-US" sz="2400" b="1" dirty="0">
-                <a:solidFill>
-                  <a:schemeClr val="bg1"/>
-                </a:solidFill>
-              </a:rPr>
-              <a:t>-</a:t>
-            </a:r>
-            <a:r>
-              <a:rPr lang="en-US" sz="2400" dirty="0">
-                <a:solidFill>
-                  <a:schemeClr val="bg1"/>
-                </a:solidFill>
-              </a:rPr>
-              <a:t> </a:t>
-            </a:r>
-            <a:r>
-              <a:rPr lang="en-US" sz="2400" dirty="0">
-                <a:solidFill>
-                  <a:srgbClr val="C4E3B0"/>
-                </a:solidFill>
-              </a:rPr>
-              <a:t>It is called before component is mounted. Typically, in React constructors are only used for two purposes:</a:t>
-            </a:r>
-          </a:p>
-          <a:p>
-            <a:endParaRPr lang="en-US" sz="2400" dirty="0">
-              <a:solidFill>
-                <a:srgbClr val="C4E3B0"/>
-              </a:solidFill>
-            </a:endParaRPr>
-          </a:p>
-          <a:p>
-            <a:pPr marL="990575" lvl="1" indent="-380990">
-              <a:buFont typeface="Arial" panose="020B0604020202020204" pitchFamily="34" charset="0"/>
-              <a:buChar char="•"/>
-            </a:pPr>
-            <a:r>
-              <a:rPr lang="en-US" sz="2400" dirty="0">
-                <a:solidFill>
-                  <a:srgbClr val="C4E3B0"/>
-                </a:solidFill>
-              </a:rPr>
-              <a:t>Binding event handler methods to an instance</a:t>
-            </a:r>
-          </a:p>
-          <a:p>
-            <a:pPr marL="990575" lvl="1" indent="-380990">
-              <a:buFont typeface="Arial" panose="020B0604020202020204" pitchFamily="34" charset="0"/>
-              <a:buChar char="•"/>
-            </a:pPr>
-            <a:r>
-              <a:rPr lang="en-US" sz="2400" dirty="0">
-                <a:solidFill>
-                  <a:srgbClr val="C4E3B0"/>
-                </a:solidFill>
-              </a:rPr>
-              <a:t>Initializing local state by assigning an object to this.state.</a:t>
-            </a:r>
-          </a:p>
-          <a:p>
-            <a:endParaRPr lang="en-US" sz="2400" dirty="0">
-              <a:solidFill>
-                <a:schemeClr val="bg1"/>
-              </a:solidFill>
-            </a:endParaRPr>
-          </a:p>
-        </p:txBody>
-      </p:sp>
-      <p:sp>
-        <p:nvSpPr>
-          <p:cNvPr id="23" name="Title 1"/>
-          <p:cNvSpPr txBox="1">
-            <a:spLocks/>
-          </p:cNvSpPr>
-          <p:nvPr/>
-        </p:nvSpPr>
-        <p:spPr>
-          <a:xfrm>
-            <a:off x="982133" y="2819400"/>
-            <a:ext cx="11514667" cy="812800"/>
-          </a:xfrm>
-          <a:prstGeom prst="rect">
-            <a:avLst/>
-          </a:prstGeom>
-        </p:spPr>
-        <p:txBody>
-          <a:bodyPr/>
-          <a:lstStyle>
-            <a:lvl1pPr algn="l" defTabSz="457200" rtl="0" eaLnBrk="1" latinLnBrk="0" hangingPunct="1">
-              <a:spcBef>
-                <a:spcPct val="0"/>
-              </a:spcBef>
-              <a:buNone/>
-              <a:defRPr sz="2000" b="1" kern="1200" baseline="0">
-                <a:solidFill>
-                  <a:schemeClr val="bg1"/>
-                </a:solidFill>
-                <a:latin typeface="+mj-lt"/>
-                <a:ea typeface="+mj-ea"/>
-                <a:cs typeface="+mj-cs"/>
-              </a:defRPr>
-            </a:lvl1pPr>
-          </a:lstStyle>
-          <a:p>
-            <a:pPr marL="380990" indent="-380990">
-              <a:buFont typeface="Arial" panose="020B0604020202020204" pitchFamily="34" charset="0"/>
-              <a:buChar char="•"/>
-            </a:pPr>
-            <a:endParaRPr lang="en-US" sz="2400" dirty="0">
-              <a:solidFill>
-                <a:srgbClr val="C4E3B0"/>
-              </a:solidFill>
-              <a:latin typeface="+mn-lt"/>
-              <a:ea typeface="+mn-ea"/>
-              <a:cs typeface="+mn-cs"/>
-            </a:endParaRPr>
-          </a:p>
-        </p:txBody>
-      </p:sp>
-      <p:sp>
-        <p:nvSpPr>
-          <p:cNvPr id="24" name="Title 1"/>
-          <p:cNvSpPr txBox="1">
-            <a:spLocks/>
-          </p:cNvSpPr>
-          <p:nvPr/>
-        </p:nvSpPr>
-        <p:spPr>
-          <a:xfrm>
-            <a:off x="474134" y="374875"/>
-            <a:ext cx="11186220" cy="607259"/>
-          </a:xfrm>
-          <a:prstGeom prst="rect">
-            <a:avLst/>
-          </a:prstGeom>
-        </p:spPr>
-        <p:txBody>
-          <a:bodyPr/>
-          <a:lstStyle>
-            <a:lvl1pPr algn="l" defTabSz="457200" rtl="0" eaLnBrk="1" latinLnBrk="0" hangingPunct="1">
-              <a:spcBef>
-                <a:spcPct val="0"/>
-              </a:spcBef>
-              <a:buNone/>
-              <a:defRPr sz="2000" b="1" kern="1200" baseline="0">
-                <a:solidFill>
-                  <a:schemeClr val="bg1"/>
-                </a:solidFill>
-                <a:latin typeface="+mj-lt"/>
-                <a:ea typeface="+mj-ea"/>
-                <a:cs typeface="+mj-cs"/>
-              </a:defRPr>
-            </a:lvl1pPr>
-          </a:lstStyle>
-          <a:p>
-            <a:r>
-              <a:rPr lang="en-US" sz="3200" dirty="0">
-                <a:solidFill>
-                  <a:schemeClr val="bg1">
-                    <a:lumMod val="85000"/>
-                  </a:schemeClr>
-                </a:solidFill>
-              </a:rPr>
-              <a:t>Commonly Used Lifecycle Methods</a:t>
-            </a:r>
-          </a:p>
-        </p:txBody>
-      </p:sp>
-    </p:spTree>
-    <p:extLst>
-      <p:ext uri="{BB962C8B-B14F-4D97-AF65-F5344CB8AC3E}">
-        <p14:creationId xmlns:p14="http://schemas.microsoft.com/office/powerpoint/2010/main" val="61651120"/>
-      </p:ext>
-    </p:extLst>
-  </p:cSld>
-  <p:clrMapOvr>
-    <a:masterClrMapping/>
-  </p:clrMapOvr>
-</p:sld>
-</file>
-
 <file path=ppt/slides/slide29.xml><?xml version="1.0" encoding="utf-8"?>
 <p:sld xmlns:a="http://schemas.openxmlformats.org/drawingml/2006/main" xmlns:r="http://schemas.openxmlformats.org/officeDocument/2006/relationships" xmlns:p="http://schemas.openxmlformats.org/presentationml/2006/main">
   <p:cSld>
@@ -14947,95 +14991,220 @@
       </p:grpSpPr>
       <p:sp>
         <p:nvSpPr>
-          <p:cNvPr id="7" name="Rectangle 11"/>
-          <p:cNvSpPr>
-            <a:spLocks noChangeArrowheads="1"/>
+          <p:cNvPr id="21" name="Title 1"/>
+          <p:cNvSpPr txBox="1">
+            <a:spLocks/>
           </p:cNvSpPr>
           <p:nvPr/>
         </p:nvSpPr>
-        <p:spPr bwMode="auto">
+        <p:spPr>
           <a:xfrm>
-            <a:off x="648574" y="3022632"/>
-            <a:ext cx="10847548" cy="2322624"/>
+            <a:off x="474133" y="3835400"/>
+            <a:ext cx="11379200" cy="2336800"/>
+          </a:xfrm>
+          <a:prstGeom prst="rect">
+            <a:avLst/>
+          </a:prstGeom>
+        </p:spPr>
+        <p:txBody>
+          <a:bodyPr/>
+          <a:lstStyle>
+            <a:lvl1pPr algn="l" defTabSz="457200" rtl="0" eaLnBrk="1" latinLnBrk="0" hangingPunct="1">
+              <a:spcBef>
+                <a:spcPct val="0"/>
+              </a:spcBef>
+              <a:buNone/>
+              <a:defRPr sz="2000" b="1" kern="1200" baseline="0">
+                <a:solidFill>
+                  <a:schemeClr val="bg1"/>
+                </a:solidFill>
+                <a:latin typeface="+mj-lt"/>
+                <a:ea typeface="+mj-ea"/>
+                <a:cs typeface="+mj-cs"/>
+              </a:defRPr>
+            </a:lvl1pPr>
+          </a:lstStyle>
+          <a:p>
+            <a:r>
+              <a:rPr lang="en-US" sz="2400" dirty="0">
+                <a:solidFill>
+                  <a:schemeClr val="bg1">
+                    <a:lumMod val="85000"/>
+                  </a:schemeClr>
+                </a:solidFill>
+              </a:rPr>
+              <a:t>ComponentDidMount() </a:t>
+            </a:r>
+            <a:r>
+              <a:rPr lang="en-US" sz="2400" b="0" dirty="0">
+                <a:solidFill>
+                  <a:srgbClr val="C4E3B0"/>
+                </a:solidFill>
+              </a:rPr>
+              <a:t>- Invoked immediately after a component is mounted.</a:t>
+            </a:r>
+          </a:p>
+          <a:p>
+            <a:endParaRPr lang="en-US" sz="2400" b="0" dirty="0">
+              <a:solidFill>
+                <a:srgbClr val="C4E3B0"/>
+              </a:solidFill>
+            </a:endParaRPr>
+          </a:p>
+          <a:p>
+            <a:pPr marL="1066773" lvl="1" indent="-457189">
+              <a:buFont typeface="Arial" panose="020B0604020202020204" pitchFamily="34" charset="0"/>
+              <a:buChar char="•"/>
+            </a:pPr>
+            <a:r>
+              <a:rPr lang="en-US" sz="2400" dirty="0">
+                <a:solidFill>
+                  <a:srgbClr val="C4E3B0"/>
+                </a:solidFill>
+              </a:rPr>
+              <a:t>Initialization that requires DOM nodes should go here.</a:t>
+            </a:r>
+          </a:p>
+          <a:p>
+            <a:pPr marL="1066773" lvl="1" indent="-457189">
+              <a:buFont typeface="Arial" panose="020B0604020202020204" pitchFamily="34" charset="0"/>
+              <a:buChar char="•"/>
+            </a:pPr>
+            <a:r>
+              <a:rPr lang="en-US" sz="2400" dirty="0">
+                <a:solidFill>
+                  <a:srgbClr val="C4E3B0"/>
+                </a:solidFill>
+              </a:rPr>
+              <a:t>Its a good place to set up any subscriptions. If you do that, don’t forget to unsubscribe in </a:t>
+            </a:r>
+            <a:r>
+              <a:rPr lang="en-US" sz="2400" dirty="0" err="1">
+                <a:solidFill>
+                  <a:srgbClr val="C4E3B0"/>
+                </a:solidFill>
+              </a:rPr>
+              <a:t>componentWillUnmount</a:t>
+            </a:r>
+            <a:r>
+              <a:rPr lang="en-US" sz="2400" dirty="0">
+                <a:solidFill>
+                  <a:srgbClr val="C4E3B0"/>
+                </a:solidFill>
+              </a:rPr>
+              <a:t>(). </a:t>
+            </a:r>
+          </a:p>
+          <a:p>
+            <a:endParaRPr lang="en-US" sz="2400" b="0" dirty="0">
+              <a:solidFill>
+                <a:srgbClr val="C4E3B0"/>
+              </a:solidFill>
+            </a:endParaRPr>
+          </a:p>
+          <a:p>
+            <a:br>
+              <a:rPr lang="en-US" sz="2400" dirty="0">
+                <a:solidFill>
+                  <a:srgbClr val="C4E3B0"/>
+                </a:solidFill>
+                <a:latin typeface="+mn-lt"/>
+              </a:rPr>
+            </a:br>
+            <a:endParaRPr lang="en-US" sz="2400" dirty="0">
+              <a:solidFill>
+                <a:srgbClr val="C4E3B0"/>
+              </a:solidFill>
+              <a:latin typeface="+mn-lt"/>
+            </a:endParaRPr>
+          </a:p>
+        </p:txBody>
+      </p:sp>
+      <p:sp>
+        <p:nvSpPr>
+          <p:cNvPr id="22" name="TextBox 21"/>
+          <p:cNvSpPr txBox="1"/>
+          <p:nvPr/>
+        </p:nvSpPr>
+        <p:spPr>
+          <a:xfrm>
+            <a:off x="474133" y="1394699"/>
+            <a:ext cx="10566400" cy="2308324"/>
           </a:xfrm>
           <a:prstGeom prst="rect">
             <a:avLst/>
           </a:prstGeom>
           <a:noFill/>
-          <a:ln>
-            <a:noFill/>
-          </a:ln>
-          <a:effectLst/>
-          <a:extLst>
-            <a:ext uri="{909E8E84-426E-40DD-AFC4-6F175D3DCCD1}">
-              <a14:hiddenFill xmlns:a14="http://schemas.microsoft.com/office/drawing/2010/main">
-                <a:solidFill>
-                  <a:schemeClr val="accent1"/>
-                </a:solidFill>
-              </a14:hiddenFill>
-            </a:ext>
-            <a:ext uri="{91240B29-F687-4F45-9708-019B960494DF}">
-              <a14:hiddenLine xmlns:a14="http://schemas.microsoft.com/office/drawing/2010/main" w="9525">
-                <a:solidFill>
-                  <a:schemeClr val="tx1"/>
-                </a:solidFill>
-                <a:miter lim="800000"/>
-                <a:headEnd/>
-                <a:tailEnd/>
-              </a14:hiddenLine>
-            </a:ext>
-            <a:ext uri="{AF507438-7753-43E0-B8FC-AC1667EBCBE1}">
-              <a14:hiddenEffects xmlns:a14="http://schemas.microsoft.com/office/drawing/2010/main">
-                <a:effectLst>
-                  <a:outerShdw dist="35921" dir="2700000" algn="ctr" rotWithShape="0">
-                    <a:schemeClr val="bg2"/>
-                  </a:outerShdw>
-                </a:effectLst>
-              </a14:hiddenEffects>
-            </a:ext>
-          </a:extLst>
         </p:spPr>
         <p:txBody>
-          <a:bodyPr vert="horz" wrap="square" lIns="0" tIns="0" rIns="0" bIns="0" numCol="1" anchor="ctr" anchorCtr="0" compatLnSpc="1">
-            <a:prstTxWarp prst="textNoShape">
-              <a:avLst/>
-            </a:prstTxWarp>
+          <a:bodyPr wrap="square" rtlCol="0">
             <a:spAutoFit/>
           </a:bodyPr>
           <a:lstStyle/>
           <a:p>
             <a:r>
-              <a:rPr lang="en-US" sz="2400" b="1" dirty="0" err="1">
+              <a:rPr lang="en-US" sz="2400" dirty="0">
                 <a:solidFill>
                   <a:schemeClr val="bg1">
                     <a:lumMod val="85000"/>
                   </a:schemeClr>
                 </a:solidFill>
               </a:rPr>
-              <a:t>ComponentWillUnmount</a:t>
-            </a:r>
-            <a:r>
-              <a:rPr lang="en-US" sz="2133" dirty="0">
+              <a:t> </a:t>
+            </a:r>
+            <a:r>
+              <a:rPr lang="en-US" sz="2400" b="1" dirty="0">
+                <a:solidFill>
+                  <a:schemeClr val="bg1">
+                    <a:lumMod val="85000"/>
+                  </a:schemeClr>
+                </a:solidFill>
+              </a:rPr>
+              <a:t>Constructor</a:t>
+            </a:r>
+            <a:r>
+              <a:rPr lang="en-US" sz="2400" dirty="0">
+                <a:solidFill>
+                  <a:schemeClr val="bg1"/>
+                </a:solidFill>
+              </a:rPr>
+              <a:t> </a:t>
+            </a:r>
+            <a:r>
+              <a:rPr lang="en-US" sz="2400" b="1" dirty="0">
+                <a:solidFill>
+                  <a:schemeClr val="bg1"/>
+                </a:solidFill>
+              </a:rPr>
+              <a:t>-</a:t>
+            </a:r>
+            <a:r>
+              <a:rPr lang="en-US" sz="2400" dirty="0">
+                <a:solidFill>
+                  <a:schemeClr val="bg1"/>
+                </a:solidFill>
+              </a:rPr>
+              <a:t> </a:t>
+            </a:r>
+            <a:r>
+              <a:rPr lang="en-US" sz="2400" dirty="0">
                 <a:solidFill>
                   <a:srgbClr val="C4E3B0"/>
                 </a:solidFill>
               </a:rPr>
-              <a:t>() </a:t>
-            </a:r>
-          </a:p>
-          <a:p>
-            <a:endParaRPr lang="en-US" sz="2133" dirty="0">
+              <a:t>It is called before component is mounted. Typically, in React constructors are only used for two purposes:</a:t>
+            </a:r>
+          </a:p>
+          <a:p>
+            <a:endParaRPr lang="en-US" sz="2400" dirty="0">
               <a:solidFill>
                 <a:srgbClr val="C4E3B0"/>
               </a:solidFill>
             </a:endParaRPr>
           </a:p>
           <a:p>
-            <a:pPr marL="1066773" lvl="1" indent="-457189" defTabSz="609585">
-              <a:spcBef>
-                <a:spcPct val="20000"/>
-              </a:spcBef>
-              <a:buFont typeface="Arial"/>
+            <a:pPr marL="990575" lvl="1" indent="-380990">
+              <a:buFont typeface="Arial" panose="020B0604020202020204" pitchFamily="34" charset="0"/>
               <a:buChar char="•"/>
             </a:pPr>
             <a:r>
@@ -15044,15 +15213,12 @@
                   <a:srgbClr val="C4E3B0"/>
                 </a:solidFill>
               </a:rPr>
-              <a:t>Invoked immediately before a component is unmounted and destroyed. .</a:t>
-            </a:r>
-          </a:p>
-          <a:p>
-            <a:pPr marL="1066773" lvl="1" indent="-457189" defTabSz="609585">
-              <a:spcBef>
-                <a:spcPct val="20000"/>
-              </a:spcBef>
-              <a:buFont typeface="Arial"/>
+              <a:t>Binding event handler methods to an instance</a:t>
+            </a:r>
+          </a:p>
+          <a:p>
+            <a:pPr marL="990575" lvl="1" indent="-380990">
+              <a:buFont typeface="Arial" panose="020B0604020202020204" pitchFamily="34" charset="0"/>
               <a:buChar char="•"/>
             </a:pPr>
             <a:r>
@@ -15061,172 +15227,122 @@
                   <a:srgbClr val="C4E3B0"/>
                 </a:solidFill>
               </a:rPr>
-              <a:t>Perform any necessary cleanup in this method, such as invalidating timers, canceling network requests, or cleaning up any subscriptions that were created in componentDidMount().</a:t>
-            </a:r>
-            <a:endParaRPr lang="en-US" altLang="en-US" sz="2400" dirty="0">
+              <a:t>Initializing local state by assigning an object to this.state.</a:t>
+            </a:r>
+          </a:p>
+          <a:p>
+            <a:endParaRPr lang="en-US" sz="2400" dirty="0">
               <a:solidFill>
-                <a:srgbClr val="C4E3B0"/>
+                <a:schemeClr val="bg1"/>
               </a:solidFill>
-              <a:latin typeface="Arial" panose="020B0604020202020204" pitchFamily="34" charset="0"/>
             </a:endParaRPr>
           </a:p>
         </p:txBody>
       </p:sp>
       <p:sp>
         <p:nvSpPr>
-          <p:cNvPr id="8" name="Rectangle 11"/>
-          <p:cNvSpPr>
-            <a:spLocks noChangeArrowheads="1"/>
+          <p:cNvPr id="23" name="Title 1"/>
+          <p:cNvSpPr txBox="1">
+            <a:spLocks/>
           </p:cNvSpPr>
           <p:nvPr/>
         </p:nvSpPr>
-        <p:spPr bwMode="auto">
+        <p:spPr>
           <a:xfrm>
-            <a:off x="648573" y="787431"/>
-            <a:ext cx="10972800" cy="1953292"/>
+            <a:off x="982133" y="2819400"/>
+            <a:ext cx="11514667" cy="812800"/>
           </a:xfrm>
           <a:prstGeom prst="rect">
             <a:avLst/>
           </a:prstGeom>
-          <a:noFill/>
-          <a:ln>
-            <a:noFill/>
-          </a:ln>
-          <a:effectLst/>
-          <a:extLst>
-            <a:ext uri="{909E8E84-426E-40DD-AFC4-6F175D3DCCD1}">
-              <a14:hiddenFill xmlns:a14="http://schemas.microsoft.com/office/drawing/2010/main">
-                <a:solidFill>
-                  <a:schemeClr val="accent1"/>
-                </a:solidFill>
-              </a14:hiddenFill>
-            </a:ext>
-            <a:ext uri="{91240B29-F687-4F45-9708-019B960494DF}">
-              <a14:hiddenLine xmlns:a14="http://schemas.microsoft.com/office/drawing/2010/main" w="9525">
-                <a:solidFill>
-                  <a:schemeClr val="tx1"/>
-                </a:solidFill>
-                <a:miter lim="800000"/>
-                <a:headEnd/>
-                <a:tailEnd/>
-              </a14:hiddenLine>
-            </a:ext>
-            <a:ext uri="{AF507438-7753-43E0-B8FC-AC1667EBCBE1}">
-              <a14:hiddenEffects xmlns:a14="http://schemas.microsoft.com/office/drawing/2010/main">
-                <a:effectLst>
-                  <a:outerShdw dist="35921" dir="2700000" algn="ctr" rotWithShape="0">
-                    <a:schemeClr val="bg2"/>
-                  </a:outerShdw>
-                </a:effectLst>
-              </a14:hiddenEffects>
-            </a:ext>
-          </a:extLst>
         </p:spPr>
         <p:txBody>
-          <a:bodyPr vert="horz" wrap="square" lIns="0" tIns="0" rIns="0" bIns="0" numCol="1" anchor="ctr" anchorCtr="0" compatLnSpc="1">
-            <a:prstTxWarp prst="textNoShape">
-              <a:avLst/>
-            </a:prstTxWarp>
-            <a:spAutoFit/>
-          </a:bodyPr>
-          <a:lstStyle/>
-          <a:p>
-            <a:r>
-              <a:rPr lang="en-US" sz="2400" b="1" dirty="0">
+          <a:bodyPr/>
+          <a:lstStyle>
+            <a:lvl1pPr algn="l" defTabSz="457200" rtl="0" eaLnBrk="1" latinLnBrk="0" hangingPunct="1">
+              <a:spcBef>
+                <a:spcPct val="0"/>
+              </a:spcBef>
+              <a:buNone/>
+              <a:defRPr sz="2000" b="1" kern="1200" baseline="0">
+                <a:solidFill>
+                  <a:schemeClr val="bg1"/>
+                </a:solidFill>
+                <a:latin typeface="+mj-lt"/>
+                <a:ea typeface="+mj-ea"/>
+                <a:cs typeface="+mj-cs"/>
+              </a:defRPr>
+            </a:lvl1pPr>
+          </a:lstStyle>
+          <a:p>
+            <a:pPr marL="380990" indent="-380990">
+              <a:buFont typeface="Arial" panose="020B0604020202020204" pitchFamily="34" charset="0"/>
+              <a:buChar char="•"/>
+            </a:pPr>
+            <a:endParaRPr lang="en-US" sz="2400" dirty="0">
+              <a:solidFill>
+                <a:srgbClr val="C4E3B0"/>
+              </a:solidFill>
+              <a:latin typeface="+mn-lt"/>
+              <a:ea typeface="+mn-ea"/>
+              <a:cs typeface="+mn-cs"/>
+            </a:endParaRPr>
+          </a:p>
+        </p:txBody>
+      </p:sp>
+      <p:sp>
+        <p:nvSpPr>
+          <p:cNvPr id="24" name="Title 1"/>
+          <p:cNvSpPr txBox="1">
+            <a:spLocks/>
+          </p:cNvSpPr>
+          <p:nvPr/>
+        </p:nvSpPr>
+        <p:spPr>
+          <a:xfrm>
+            <a:off x="474134" y="374875"/>
+            <a:ext cx="11186220" cy="607259"/>
+          </a:xfrm>
+          <a:prstGeom prst="rect">
+            <a:avLst/>
+          </a:prstGeom>
+        </p:spPr>
+        <p:txBody>
+          <a:bodyPr/>
+          <a:lstStyle>
+            <a:lvl1pPr algn="l" defTabSz="457200" rtl="0" eaLnBrk="1" latinLnBrk="0" hangingPunct="1">
+              <a:spcBef>
+                <a:spcPct val="0"/>
+              </a:spcBef>
+              <a:buNone/>
+              <a:defRPr sz="2000" b="1" kern="1200" baseline="0">
+                <a:solidFill>
+                  <a:schemeClr val="bg1"/>
+                </a:solidFill>
+                <a:latin typeface="+mj-lt"/>
+                <a:ea typeface="+mj-ea"/>
+                <a:cs typeface="+mj-cs"/>
+              </a:defRPr>
+            </a:lvl1pPr>
+          </a:lstStyle>
+          <a:p>
+            <a:r>
+              <a:rPr lang="en-US" sz="3200" dirty="0">
                 <a:solidFill>
                   <a:schemeClr val="bg1">
                     <a:lumMod val="85000"/>
                   </a:schemeClr>
                 </a:solidFill>
               </a:rPr>
-              <a:t>ComponentDidUpdate</a:t>
-            </a:r>
-            <a:r>
-              <a:rPr lang="en-US" sz="2400" b="1" dirty="0">
-                <a:solidFill>
-                  <a:srgbClr val="C4E3B0"/>
-                </a:solidFill>
-              </a:rPr>
-              <a:t>() </a:t>
-            </a:r>
-          </a:p>
-          <a:p>
-            <a:endParaRPr lang="en-US" sz="2400" b="1" dirty="0">
-              <a:solidFill>
-                <a:srgbClr val="C4E3B0"/>
-              </a:solidFill>
-            </a:endParaRPr>
-          </a:p>
-          <a:p>
-            <a:pPr marL="1066773" lvl="1" indent="-457189" defTabSz="609585">
-              <a:spcBef>
-                <a:spcPct val="20000"/>
-              </a:spcBef>
-              <a:buFont typeface="Arial"/>
-              <a:buChar char="•"/>
-            </a:pPr>
-            <a:r>
-              <a:rPr lang="en-US" sz="2400" dirty="0">
-                <a:solidFill>
-                  <a:srgbClr val="C4E3B0"/>
-                </a:solidFill>
-              </a:rPr>
-              <a:t>Invoked immediately after updating occurs.</a:t>
-            </a:r>
-          </a:p>
-          <a:p>
-            <a:pPr marL="1066773" lvl="1" indent="-457189" defTabSz="609585">
-              <a:spcBef>
-                <a:spcPct val="20000"/>
-              </a:spcBef>
-              <a:buFont typeface="Arial"/>
-              <a:buChar char="•"/>
-            </a:pPr>
-            <a:r>
-              <a:rPr lang="en-US" sz="2400" dirty="0">
-                <a:solidFill>
-                  <a:srgbClr val="C4E3B0"/>
-                </a:solidFill>
-              </a:rPr>
-              <a:t>This is also a good place to do network requests</a:t>
-            </a:r>
-            <a:r>
-              <a:rPr lang="en-US" sz="2133" dirty="0">
-                <a:solidFill>
-                  <a:srgbClr val="C4E3B0"/>
-                </a:solidFill>
-              </a:rPr>
-              <a:t>.</a:t>
-            </a:r>
-            <a:endParaRPr lang="en-US" altLang="en-US" sz="2133" dirty="0">
-              <a:solidFill>
-                <a:srgbClr val="C4E3B0"/>
-              </a:solidFill>
-              <a:ea typeface="Times New Roman" panose="02020603050405020304" pitchFamily="18" charset="0"/>
-            </a:endParaRPr>
-          </a:p>
-          <a:p>
-            <a:pPr lvl="1" eaLnBrk="0" fontAlgn="base" hangingPunct="0">
-              <a:spcBef>
-                <a:spcPct val="0"/>
-              </a:spcBef>
-              <a:spcAft>
-                <a:spcPct val="0"/>
-              </a:spcAft>
-            </a:pPr>
-            <a:endParaRPr lang="en-US" altLang="en-US" sz="2133" dirty="0">
-              <a:solidFill>
-                <a:srgbClr val="C4E3B0"/>
-              </a:solidFill>
-              <a:latin typeface="Arial" panose="020B0604020202020204" pitchFamily="34" charset="0"/>
-            </a:endParaRPr>
+              <a:t>Commonly Used Lifecycle Methods</a:t>
+            </a:r>
           </a:p>
         </p:txBody>
       </p:sp>
     </p:spTree>
     <p:extLst>
       <p:ext uri="{BB962C8B-B14F-4D97-AF65-F5344CB8AC3E}">
-        <p14:creationId xmlns:p14="http://schemas.microsoft.com/office/powerpoint/2010/main" val="2675055008"/>
+        <p14:creationId xmlns:p14="http://schemas.microsoft.com/office/powerpoint/2010/main" val="61651120"/>
       </p:ext>
     </p:extLst>
   </p:cSld>
@@ -15255,92 +15371,95 @@
       </p:grpSpPr>
       <p:sp>
         <p:nvSpPr>
-          <p:cNvPr id="10" name="Rectangle 9"/>
-          <p:cNvSpPr/>
-          <p:nvPr/>
+          <p:cNvPr id="2" name="Title 1"/>
+          <p:cNvSpPr>
+            <a:spLocks noGrp="1"/>
+          </p:cNvSpPr>
+          <p:nvPr>
+            <p:ph type="title"/>
+          </p:nvPr>
+        </p:nvSpPr>
+        <p:spPr/>
+        <p:txBody>
+          <a:bodyPr/>
+          <a:lstStyle/>
+          <a:p>
+            <a:r>
+              <a:rPr lang="en-US" dirty="0"/>
+              <a:t>Course Objective:</a:t>
+            </a:r>
+          </a:p>
+        </p:txBody>
+      </p:sp>
+      <p:sp>
+        <p:nvSpPr>
+          <p:cNvPr id="3" name="Text Placeholder 2"/>
+          <p:cNvSpPr>
+            <a:spLocks noGrp="1"/>
+          </p:cNvSpPr>
+          <p:nvPr>
+            <p:ph type="body" sz="quarter" idx="13"/>
+          </p:nvPr>
         </p:nvSpPr>
         <p:spPr>
           <a:xfrm>
-            <a:off x="1756779" y="1530752"/>
-            <a:ext cx="8521540" cy="3252557"/>
+            <a:off x="507999" y="1137830"/>
+            <a:ext cx="11176004" cy="3638451"/>
           </a:xfrm>
-          <a:prstGeom prst="rect">
-            <a:avLst/>
-          </a:prstGeom>
         </p:spPr>
         <p:txBody>
-          <a:bodyPr wrap="square">
-            <a:spAutoFit/>
+          <a:bodyPr>
+            <a:normAutofit/>
           </a:bodyPr>
           <a:lstStyle/>
           <a:p>
-            <a:pPr algn="ctr">
-              <a:spcAft>
-                <a:spcPts val="1600"/>
-              </a:spcAft>
+            <a:r>
+              <a:rPr lang="en-US" sz="2400" dirty="0"/>
+              <a:t>At the end this 120 min session, you will be able to</a:t>
+            </a:r>
+          </a:p>
+          <a:p>
+            <a:endParaRPr lang="en-US" sz="2400" dirty="0"/>
+          </a:p>
+          <a:p>
+            <a:pPr marL="609585" indent="-609585">
+              <a:buFont typeface="Wingdings" panose="05000000000000000000" pitchFamily="2" charset="2"/>
+              <a:buChar char="Ø"/>
             </a:pPr>
             <a:r>
-              <a:rPr lang="en-US" sz="3200" b="1" dirty="0">
-                <a:solidFill>
-                  <a:schemeClr val="bg1">
-                    <a:lumMod val="85000"/>
-                  </a:schemeClr>
-                </a:solidFill>
-              </a:rPr>
-              <a:t>Benefits</a:t>
-            </a:r>
-          </a:p>
-          <a:p>
-            <a:pPr marL="685749" indent="-228594">
-              <a:buFont typeface="Arial" panose="020B0604020202020204" pitchFamily="34" charset="0"/>
-              <a:buChar char="•"/>
+              <a:rPr lang="en-US" sz="2400" dirty="0"/>
+              <a:t>Implement routing in a React app</a:t>
+            </a:r>
+          </a:p>
+          <a:p>
+            <a:pPr marL="609585" indent="-609585">
+              <a:buFont typeface="Wingdings" panose="05000000000000000000" pitchFamily="2" charset="2"/>
+              <a:buChar char="Ø"/>
             </a:pPr>
             <a:r>
-              <a:rPr lang="en-US" sz="2667" dirty="0">
-                <a:solidFill>
-                  <a:srgbClr val="C4E3B0"/>
-                </a:solidFill>
-              </a:rPr>
-              <a:t>Must-know for React development</a:t>
-            </a:r>
-          </a:p>
-          <a:p>
-            <a:pPr marL="685749" indent="-228594">
-              <a:buFont typeface="Arial" panose="020B0604020202020204" pitchFamily="34" charset="0"/>
-              <a:buChar char="•"/>
+              <a:rPr lang="en-US" sz="2400" dirty="0"/>
+              <a:t>Use Component lifecycle methods to retrieve live data from an API</a:t>
+            </a:r>
+          </a:p>
+          <a:p>
+            <a:pPr marL="609585" indent="-609585">
+              <a:buFont typeface="Wingdings" panose="05000000000000000000" pitchFamily="2" charset="2"/>
+              <a:buChar char="Ø"/>
             </a:pPr>
-            <a:r>
-              <a:rPr lang="en-US" sz="2667" dirty="0">
-                <a:solidFill>
-                  <a:srgbClr val="C4E3B0"/>
-                </a:solidFill>
-              </a:rPr>
-              <a:t>Routing helps preserve state, browser history functionality</a:t>
-            </a:r>
-          </a:p>
-          <a:p>
-            <a:pPr marL="685749" indent="-228594">
-              <a:buFont typeface="Arial" panose="020B0604020202020204" pitchFamily="34" charset="0"/>
-              <a:buChar char="•"/>
-            </a:pPr>
-            <a:r>
-              <a:rPr lang="en-US" sz="2667" dirty="0">
-                <a:solidFill>
-                  <a:srgbClr val="C4E3B0"/>
-                </a:solidFill>
-              </a:rPr>
-              <a:t>Lifecycle methods are key to getting “in the middle” of a page’s rendering so that asynchronous events can be orchestrated</a:t>
-            </a:r>
+            <a:endParaRPr lang="en-US" sz="2400" dirty="0"/>
+          </a:p>
+          <a:p>
+            <a:endParaRPr lang="en-US" sz="2400" dirty="0"/>
+          </a:p>
+          <a:p>
+            <a:endParaRPr lang="en-US" dirty="0"/>
           </a:p>
         </p:txBody>
       </p:sp>
     </p:spTree>
-    <p:custDataLst>
-      <p:tags r:id="rId1"/>
-    </p:custDataLst>
     <p:extLst>
       <p:ext uri="{BB962C8B-B14F-4D97-AF65-F5344CB8AC3E}">
-        <p14:creationId xmlns:p14="http://schemas.microsoft.com/office/powerpoint/2010/main" val="819693354"/>
+        <p14:creationId xmlns:p14="http://schemas.microsoft.com/office/powerpoint/2010/main" val="1627640018"/>
       </p:ext>
     </p:extLst>
   </p:cSld>
@@ -15369,6 +15488,314 @@
       </p:grpSpPr>
       <p:sp>
         <p:nvSpPr>
+          <p:cNvPr id="7" name="Rectangle 11"/>
+          <p:cNvSpPr>
+            <a:spLocks noChangeArrowheads="1"/>
+          </p:cNvSpPr>
+          <p:nvPr/>
+        </p:nvSpPr>
+        <p:spPr bwMode="auto">
+          <a:xfrm>
+            <a:off x="648574" y="3022632"/>
+            <a:ext cx="10847548" cy="2322624"/>
+          </a:xfrm>
+          <a:prstGeom prst="rect">
+            <a:avLst/>
+          </a:prstGeom>
+          <a:noFill/>
+          <a:ln>
+            <a:noFill/>
+          </a:ln>
+          <a:effectLst/>
+          <a:extLst>
+            <a:ext uri="{909E8E84-426E-40DD-AFC4-6F175D3DCCD1}">
+              <a14:hiddenFill xmlns:a14="http://schemas.microsoft.com/office/drawing/2010/main">
+                <a:solidFill>
+                  <a:schemeClr val="accent1"/>
+                </a:solidFill>
+              </a14:hiddenFill>
+            </a:ext>
+            <a:ext uri="{91240B29-F687-4F45-9708-019B960494DF}">
+              <a14:hiddenLine xmlns:a14="http://schemas.microsoft.com/office/drawing/2010/main" w="9525">
+                <a:solidFill>
+                  <a:schemeClr val="tx1"/>
+                </a:solidFill>
+                <a:miter lim="800000"/>
+                <a:headEnd/>
+                <a:tailEnd/>
+              </a14:hiddenLine>
+            </a:ext>
+            <a:ext uri="{AF507438-7753-43E0-B8FC-AC1667EBCBE1}">
+              <a14:hiddenEffects xmlns:a14="http://schemas.microsoft.com/office/drawing/2010/main">
+                <a:effectLst>
+                  <a:outerShdw dist="35921" dir="2700000" algn="ctr" rotWithShape="0">
+                    <a:schemeClr val="bg2"/>
+                  </a:outerShdw>
+                </a:effectLst>
+              </a14:hiddenEffects>
+            </a:ext>
+          </a:extLst>
+        </p:spPr>
+        <p:txBody>
+          <a:bodyPr vert="horz" wrap="square" lIns="0" tIns="0" rIns="0" bIns="0" numCol="1" anchor="ctr" anchorCtr="0" compatLnSpc="1">
+            <a:prstTxWarp prst="textNoShape">
+              <a:avLst/>
+            </a:prstTxWarp>
+            <a:spAutoFit/>
+          </a:bodyPr>
+          <a:lstStyle/>
+          <a:p>
+            <a:r>
+              <a:rPr lang="en-US" sz="2400" b="1" dirty="0" err="1">
+                <a:solidFill>
+                  <a:schemeClr val="bg1">
+                    <a:lumMod val="85000"/>
+                  </a:schemeClr>
+                </a:solidFill>
+              </a:rPr>
+              <a:t>ComponentWillUnmount</a:t>
+            </a:r>
+            <a:r>
+              <a:rPr lang="en-US" sz="2133" dirty="0">
+                <a:solidFill>
+                  <a:srgbClr val="C4E3B0"/>
+                </a:solidFill>
+              </a:rPr>
+              <a:t>() </a:t>
+            </a:r>
+          </a:p>
+          <a:p>
+            <a:endParaRPr lang="en-US" sz="2133" dirty="0">
+              <a:solidFill>
+                <a:srgbClr val="C4E3B0"/>
+              </a:solidFill>
+            </a:endParaRPr>
+          </a:p>
+          <a:p>
+            <a:pPr marL="1066773" lvl="1" indent="-457189" defTabSz="609585">
+              <a:spcBef>
+                <a:spcPct val="20000"/>
+              </a:spcBef>
+              <a:buFont typeface="Arial"/>
+              <a:buChar char="•"/>
+            </a:pPr>
+            <a:r>
+              <a:rPr lang="en-US" sz="2400" dirty="0">
+                <a:solidFill>
+                  <a:srgbClr val="C4E3B0"/>
+                </a:solidFill>
+              </a:rPr>
+              <a:t>Invoked immediately before a component is unmounted and destroyed. .</a:t>
+            </a:r>
+          </a:p>
+          <a:p>
+            <a:pPr marL="1066773" lvl="1" indent="-457189" defTabSz="609585">
+              <a:spcBef>
+                <a:spcPct val="20000"/>
+              </a:spcBef>
+              <a:buFont typeface="Arial"/>
+              <a:buChar char="•"/>
+            </a:pPr>
+            <a:r>
+              <a:rPr lang="en-US" sz="2400" dirty="0">
+                <a:solidFill>
+                  <a:srgbClr val="C4E3B0"/>
+                </a:solidFill>
+              </a:rPr>
+              <a:t>Perform any necessary cleanup in this method, such as invalidating timers, canceling network requests, or cleaning up any subscriptions that were created in componentDidMount().</a:t>
+            </a:r>
+            <a:endParaRPr lang="en-US" altLang="en-US" sz="2400" dirty="0">
+              <a:solidFill>
+                <a:srgbClr val="C4E3B0"/>
+              </a:solidFill>
+              <a:latin typeface="Arial" panose="020B0604020202020204" pitchFamily="34" charset="0"/>
+            </a:endParaRPr>
+          </a:p>
+        </p:txBody>
+      </p:sp>
+      <p:sp>
+        <p:nvSpPr>
+          <p:cNvPr id="8" name="Rectangle 11"/>
+          <p:cNvSpPr>
+            <a:spLocks noChangeArrowheads="1"/>
+          </p:cNvSpPr>
+          <p:nvPr/>
+        </p:nvSpPr>
+        <p:spPr bwMode="auto">
+          <a:xfrm>
+            <a:off x="648573" y="787431"/>
+            <a:ext cx="10972800" cy="1953292"/>
+          </a:xfrm>
+          <a:prstGeom prst="rect">
+            <a:avLst/>
+          </a:prstGeom>
+          <a:noFill/>
+          <a:ln>
+            <a:noFill/>
+          </a:ln>
+          <a:effectLst/>
+          <a:extLst>
+            <a:ext uri="{909E8E84-426E-40DD-AFC4-6F175D3DCCD1}">
+              <a14:hiddenFill xmlns:a14="http://schemas.microsoft.com/office/drawing/2010/main">
+                <a:solidFill>
+                  <a:schemeClr val="accent1"/>
+                </a:solidFill>
+              </a14:hiddenFill>
+            </a:ext>
+            <a:ext uri="{91240B29-F687-4F45-9708-019B960494DF}">
+              <a14:hiddenLine xmlns:a14="http://schemas.microsoft.com/office/drawing/2010/main" w="9525">
+                <a:solidFill>
+                  <a:schemeClr val="tx1"/>
+                </a:solidFill>
+                <a:miter lim="800000"/>
+                <a:headEnd/>
+                <a:tailEnd/>
+              </a14:hiddenLine>
+            </a:ext>
+            <a:ext uri="{AF507438-7753-43E0-B8FC-AC1667EBCBE1}">
+              <a14:hiddenEffects xmlns:a14="http://schemas.microsoft.com/office/drawing/2010/main">
+                <a:effectLst>
+                  <a:outerShdw dist="35921" dir="2700000" algn="ctr" rotWithShape="0">
+                    <a:schemeClr val="bg2"/>
+                  </a:outerShdw>
+                </a:effectLst>
+              </a14:hiddenEffects>
+            </a:ext>
+          </a:extLst>
+        </p:spPr>
+        <p:txBody>
+          <a:bodyPr vert="horz" wrap="square" lIns="0" tIns="0" rIns="0" bIns="0" numCol="1" anchor="ctr" anchorCtr="0" compatLnSpc="1">
+            <a:prstTxWarp prst="textNoShape">
+              <a:avLst/>
+            </a:prstTxWarp>
+            <a:spAutoFit/>
+          </a:bodyPr>
+          <a:lstStyle/>
+          <a:p>
+            <a:r>
+              <a:rPr lang="en-US" sz="2400" b="1" dirty="0">
+                <a:solidFill>
+                  <a:schemeClr val="bg1">
+                    <a:lumMod val="85000"/>
+                  </a:schemeClr>
+                </a:solidFill>
+              </a:rPr>
+              <a:t>ComponentDidUpdate</a:t>
+            </a:r>
+            <a:r>
+              <a:rPr lang="en-US" sz="2400" b="1" dirty="0">
+                <a:solidFill>
+                  <a:srgbClr val="C4E3B0"/>
+                </a:solidFill>
+              </a:rPr>
+              <a:t>() </a:t>
+            </a:r>
+          </a:p>
+          <a:p>
+            <a:endParaRPr lang="en-US" sz="2400" b="1" dirty="0">
+              <a:solidFill>
+                <a:srgbClr val="C4E3B0"/>
+              </a:solidFill>
+            </a:endParaRPr>
+          </a:p>
+          <a:p>
+            <a:pPr marL="1066773" lvl="1" indent="-457189" defTabSz="609585">
+              <a:spcBef>
+                <a:spcPct val="20000"/>
+              </a:spcBef>
+              <a:buFont typeface="Arial"/>
+              <a:buChar char="•"/>
+            </a:pPr>
+            <a:r>
+              <a:rPr lang="en-US" sz="2400" dirty="0">
+                <a:solidFill>
+                  <a:srgbClr val="C4E3B0"/>
+                </a:solidFill>
+              </a:rPr>
+              <a:t>Invoked immediately after updating occurs.</a:t>
+            </a:r>
+          </a:p>
+          <a:p>
+            <a:pPr marL="1066773" lvl="1" indent="-457189" defTabSz="609585">
+              <a:spcBef>
+                <a:spcPct val="20000"/>
+              </a:spcBef>
+              <a:buFont typeface="Arial"/>
+              <a:buChar char="•"/>
+            </a:pPr>
+            <a:r>
+              <a:rPr lang="en-US" sz="2400" dirty="0">
+                <a:solidFill>
+                  <a:srgbClr val="C4E3B0"/>
+                </a:solidFill>
+              </a:rPr>
+              <a:t>This is also a good place to do network requests</a:t>
+            </a:r>
+            <a:r>
+              <a:rPr lang="en-US" sz="2133" dirty="0">
+                <a:solidFill>
+                  <a:srgbClr val="C4E3B0"/>
+                </a:solidFill>
+              </a:rPr>
+              <a:t>.</a:t>
+            </a:r>
+            <a:endParaRPr lang="en-US" altLang="en-US" sz="2133" dirty="0">
+              <a:solidFill>
+                <a:srgbClr val="C4E3B0"/>
+              </a:solidFill>
+              <a:ea typeface="Times New Roman" panose="02020603050405020304" pitchFamily="18" charset="0"/>
+            </a:endParaRPr>
+          </a:p>
+          <a:p>
+            <a:pPr lvl="1" eaLnBrk="0" fontAlgn="base" hangingPunct="0">
+              <a:spcBef>
+                <a:spcPct val="0"/>
+              </a:spcBef>
+              <a:spcAft>
+                <a:spcPct val="0"/>
+              </a:spcAft>
+            </a:pPr>
+            <a:endParaRPr lang="en-US" altLang="en-US" sz="2133" dirty="0">
+              <a:solidFill>
+                <a:srgbClr val="C4E3B0"/>
+              </a:solidFill>
+              <a:latin typeface="Arial" panose="020B0604020202020204" pitchFamily="34" charset="0"/>
+            </a:endParaRPr>
+          </a:p>
+        </p:txBody>
+      </p:sp>
+    </p:spTree>
+    <p:extLst>
+      <p:ext uri="{BB962C8B-B14F-4D97-AF65-F5344CB8AC3E}">
+        <p14:creationId xmlns:p14="http://schemas.microsoft.com/office/powerpoint/2010/main" val="2675055008"/>
+      </p:ext>
+    </p:extLst>
+  </p:cSld>
+  <p:clrMapOvr>
+    <a:masterClrMapping/>
+  </p:clrMapOvr>
+</p:sld>
+</file>
+
+<file path=ppt/slides/slide31.xml><?xml version="1.0" encoding="utf-8"?>
+<p:sld xmlns:a="http://schemas.openxmlformats.org/drawingml/2006/main" xmlns:r="http://schemas.openxmlformats.org/officeDocument/2006/relationships" xmlns:p="http://schemas.openxmlformats.org/presentationml/2006/main">
+  <p:cSld>
+    <p:spTree>
+      <p:nvGrpSpPr>
+        <p:cNvPr id="1" name=""/>
+        <p:cNvGrpSpPr/>
+        <p:nvPr/>
+      </p:nvGrpSpPr>
+      <p:grpSpPr>
+        <a:xfrm>
+          <a:off x="0" y="0"/>
+          <a:ext cx="0" cy="0"/>
+          <a:chOff x="0" y="0"/>
+          <a:chExt cx="0" cy="0"/>
+        </a:xfrm>
+      </p:grpSpPr>
+      <p:sp>
+        <p:nvSpPr>
           <p:cNvPr id="2" name="Title 1"/>
           <p:cNvSpPr>
             <a:spLocks noGrp="1"/>
@@ -15722,7 +16149,7 @@
 </p:sld>
 </file>
 
-<file path=ppt/slides/slide31.xml><?xml version="1.0" encoding="utf-8"?>
+<file path=ppt/slides/slide32.xml><?xml version="1.0" encoding="utf-8"?>
 <p:sld xmlns:a="http://schemas.openxmlformats.org/drawingml/2006/main" xmlns:r="http://schemas.openxmlformats.org/officeDocument/2006/relationships" xmlns:p="http://schemas.openxmlformats.org/presentationml/2006/main">
   <p:cSld>
     <p:spTree>
@@ -15782,7 +16209,7 @@
 </p:sld>
 </file>
 
-<file path=ppt/slides/slide32.xml><?xml version="1.0" encoding="utf-8"?>
+<file path=ppt/slides/slide33.xml><?xml version="1.0" encoding="utf-8"?>
 <p:sld xmlns:a="http://schemas.openxmlformats.org/drawingml/2006/main" xmlns:r="http://schemas.openxmlformats.org/officeDocument/2006/relationships" xmlns:p="http://schemas.openxmlformats.org/presentationml/2006/main">
   <p:cSld>
     <p:spTree>
@@ -16383,7 +16810,7 @@
 </p:sld>
 </file>
 
-<file path=ppt/slides/slide33.xml><?xml version="1.0" encoding="utf-8"?>
+<file path=ppt/slides/slide34.xml><?xml version="1.0" encoding="utf-8"?>
 <p:sld xmlns:a="http://schemas.openxmlformats.org/drawingml/2006/main" xmlns:r="http://schemas.openxmlformats.org/officeDocument/2006/relationships" xmlns:p="http://schemas.openxmlformats.org/presentationml/2006/main">
   <p:cSld>
     <p:spTree>
@@ -16984,7 +17411,7 @@
 </p:sld>
 </file>
 
-<file path=ppt/slides/slide34.xml><?xml version="1.0" encoding="utf-8"?>
+<file path=ppt/slides/slide35.xml><?xml version="1.0" encoding="utf-8"?>
 <p:sld xmlns:a="http://schemas.openxmlformats.org/drawingml/2006/main" xmlns:r="http://schemas.openxmlformats.org/officeDocument/2006/relationships" xmlns:p="http://schemas.openxmlformats.org/presentationml/2006/main">
   <p:cSld>
     <p:spTree>
@@ -17053,7 +17480,7 @@
 </p:sld>
 </file>
 
-<file path=ppt/slides/slide35.xml><?xml version="1.0" encoding="utf-8"?>
+<file path=ppt/slides/slide36.xml><?xml version="1.0" encoding="utf-8"?>
 <p:sld xmlns:a="http://schemas.openxmlformats.org/drawingml/2006/main" xmlns:r="http://schemas.openxmlformats.org/officeDocument/2006/relationships" xmlns:p="http://schemas.openxmlformats.org/presentationml/2006/main">
   <p:cSld>
     <p:spTree>
@@ -17348,7 +17775,7 @@
 </p:sld>
 </file>
 
-<file path=ppt/slides/slide36.xml><?xml version="1.0" encoding="utf-8"?>
+<file path=ppt/slides/slide37.xml><?xml version="1.0" encoding="utf-8"?>
 <p:sld xmlns:a="http://schemas.openxmlformats.org/drawingml/2006/main" xmlns:r="http://schemas.openxmlformats.org/officeDocument/2006/relationships" xmlns:p="http://schemas.openxmlformats.org/presentationml/2006/main">
   <p:cSld>
     <p:spTree>
@@ -17588,7 +18015,7 @@
 </p:sld>
 </file>
 
-<file path=ppt/slides/slide37.xml><?xml version="1.0" encoding="utf-8"?>
+<file path=ppt/slides/slide38.xml><?xml version="1.0" encoding="utf-8"?>
 <p:sld xmlns:a="http://schemas.openxmlformats.org/drawingml/2006/main" xmlns:r="http://schemas.openxmlformats.org/officeDocument/2006/relationships" xmlns:p="http://schemas.openxmlformats.org/presentationml/2006/main">
   <p:cSld>
     <p:spTree>
@@ -18190,7 +18617,7 @@
 </p:sld>
 </file>
 
-<file path=ppt/slides/slide38.xml><?xml version="1.0" encoding="utf-8"?>
+<file path=ppt/slides/slide39.xml><?xml version="1.0" encoding="utf-8"?>
 <p:sld xmlns:a="http://schemas.openxmlformats.org/drawingml/2006/main" xmlns:r="http://schemas.openxmlformats.org/officeDocument/2006/relationships" xmlns:p="http://schemas.openxmlformats.org/presentationml/2006/main">
   <p:cSld>
     <p:spTree>
@@ -18284,7 +18711,121 @@
 </p:sld>
 </file>
 
-<file path=ppt/slides/slide39.xml><?xml version="1.0" encoding="utf-8"?>
+<file path=ppt/slides/slide4.xml><?xml version="1.0" encoding="utf-8"?>
+<p:sld xmlns:a="http://schemas.openxmlformats.org/drawingml/2006/main" xmlns:r="http://schemas.openxmlformats.org/officeDocument/2006/relationships" xmlns:p="http://schemas.openxmlformats.org/presentationml/2006/main">
+  <p:cSld>
+    <p:spTree>
+      <p:nvGrpSpPr>
+        <p:cNvPr id="1" name=""/>
+        <p:cNvGrpSpPr/>
+        <p:nvPr/>
+      </p:nvGrpSpPr>
+      <p:grpSpPr>
+        <a:xfrm>
+          <a:off x="0" y="0"/>
+          <a:ext cx="0" cy="0"/>
+          <a:chOff x="0" y="0"/>
+          <a:chExt cx="0" cy="0"/>
+        </a:xfrm>
+      </p:grpSpPr>
+      <p:sp>
+        <p:nvSpPr>
+          <p:cNvPr id="10" name="Rectangle 9"/>
+          <p:cNvSpPr/>
+          <p:nvPr/>
+        </p:nvSpPr>
+        <p:spPr>
+          <a:xfrm>
+            <a:off x="1756779" y="1530752"/>
+            <a:ext cx="8521540" cy="3662990"/>
+          </a:xfrm>
+          <a:prstGeom prst="rect">
+            <a:avLst/>
+          </a:prstGeom>
+        </p:spPr>
+        <p:txBody>
+          <a:bodyPr wrap="square">
+            <a:spAutoFit/>
+          </a:bodyPr>
+          <a:lstStyle/>
+          <a:p>
+            <a:pPr algn="ctr">
+              <a:spcAft>
+                <a:spcPts val="1600"/>
+              </a:spcAft>
+            </a:pPr>
+            <a:r>
+              <a:rPr lang="en-US" sz="3200" b="1" dirty="0">
+                <a:solidFill>
+                  <a:schemeClr val="bg1">
+                    <a:lumMod val="85000"/>
+                  </a:schemeClr>
+                </a:solidFill>
+              </a:rPr>
+              <a:t>Benefits</a:t>
+            </a:r>
+          </a:p>
+          <a:p>
+            <a:pPr marL="685749" indent="-228594">
+              <a:buFont typeface="Arial" panose="020B0604020202020204" pitchFamily="34" charset="0"/>
+              <a:buChar char="•"/>
+            </a:pPr>
+            <a:r>
+              <a:rPr lang="en-US" sz="2667" dirty="0">
+                <a:solidFill>
+                  <a:srgbClr val="C4E3B0"/>
+                </a:solidFill>
+              </a:rPr>
+              <a:t>Must-know for React development</a:t>
+            </a:r>
+          </a:p>
+          <a:p>
+            <a:pPr marL="685749" indent="-228594">
+              <a:buFont typeface="Arial" panose="020B0604020202020204" pitchFamily="34" charset="0"/>
+              <a:buChar char="•"/>
+            </a:pPr>
+            <a:r>
+              <a:rPr lang="en-US" sz="2667" dirty="0">
+                <a:solidFill>
+                  <a:srgbClr val="C4E3B0"/>
+                </a:solidFill>
+              </a:rPr>
+              <a:t>Routing helps preserve state, browser history functionality</a:t>
+            </a:r>
+          </a:p>
+          <a:p>
+            <a:pPr marL="685749" indent="-228594">
+              <a:buFont typeface="Arial" panose="020B0604020202020204" pitchFamily="34" charset="0"/>
+              <a:buChar char="•"/>
+            </a:pPr>
+            <a:r>
+              <a:rPr lang="en-US" sz="2667" dirty="0">
+                <a:solidFill>
+                  <a:srgbClr val="C4E3B0"/>
+                </a:solidFill>
+              </a:rPr>
+              <a:t>Lifecycle methods are key to getting “in the middle” of a page’s rendering so that asynchronous events can be orchestrated such as accessing an API and using the results</a:t>
+            </a:r>
+          </a:p>
+        </p:txBody>
+      </p:sp>
+    </p:spTree>
+    <p:custDataLst>
+      <p:tags r:id="rId1"/>
+    </p:custDataLst>
+    <p:extLst>
+      <p:ext uri="{BB962C8B-B14F-4D97-AF65-F5344CB8AC3E}">
+        <p14:creationId xmlns:p14="http://schemas.microsoft.com/office/powerpoint/2010/main" val="819693354"/>
+      </p:ext>
+    </p:extLst>
+  </p:cSld>
+  <p:clrMapOvr>
+    <a:masterClrMapping/>
+  </p:clrMapOvr>
+</p:sld>
+</file>
+
+<file path=ppt/slides/slide40.xml><?xml version="1.0" encoding="utf-8"?>
 <p:sld xmlns:a="http://schemas.openxmlformats.org/drawingml/2006/main" xmlns:r="http://schemas.openxmlformats.org/officeDocument/2006/relationships" xmlns:p="http://schemas.openxmlformats.org/presentationml/2006/main">
   <p:cSld>
     <p:spTree>
@@ -18378,7 +18919,7 @@
 </p:sld>
 </file>
 
-<file path=ppt/slides/slide4.xml><?xml version="1.0" encoding="utf-8"?>
+<file path=ppt/slides/slide41.xml><?xml version="1.0" encoding="utf-8"?>
 <p:sld xmlns:a="http://schemas.openxmlformats.org/drawingml/2006/main" xmlns:r="http://schemas.openxmlformats.org/officeDocument/2006/relationships" xmlns:p="http://schemas.openxmlformats.org/presentationml/2006/main">
   <p:cSld>
     <p:spTree>
@@ -18397,123 +18938,6 @@
       </p:grpSpPr>
       <p:sp>
         <p:nvSpPr>
-          <p:cNvPr id="4" name="Rectangle 3">
-            <a:extLst>
-              <a:ext uri="{FF2B5EF4-FFF2-40B4-BE49-F238E27FC236}">
-                <a16:creationId xmlns:a16="http://schemas.microsoft.com/office/drawing/2014/main" id="{5E949873-B026-DD4B-B8B8-08C27A5F86AB}"/>
-              </a:ext>
-            </a:extLst>
-          </p:cNvPr>
-          <p:cNvSpPr/>
-          <p:nvPr/>
-        </p:nvSpPr>
-        <p:spPr>
-          <a:xfrm>
-            <a:off x="1895676" y="1704372"/>
-            <a:ext cx="8521540" cy="2062168"/>
-          </a:xfrm>
-          <a:prstGeom prst="rect">
-            <a:avLst/>
-          </a:prstGeom>
-        </p:spPr>
-        <p:txBody>
-          <a:bodyPr wrap="square">
-            <a:spAutoFit/>
-          </a:bodyPr>
-          <a:lstStyle/>
-          <a:p>
-            <a:pPr algn="ctr">
-              <a:spcAft>
-                <a:spcPts val="1600"/>
-              </a:spcAft>
-            </a:pPr>
-            <a:r>
-              <a:rPr lang="en-US" sz="3200" b="1" dirty="0">
-                <a:solidFill>
-                  <a:schemeClr val="bg1">
-                    <a:lumMod val="85000"/>
-                  </a:schemeClr>
-                </a:solidFill>
-              </a:rPr>
-              <a:t>Key Topics</a:t>
-            </a:r>
-          </a:p>
-          <a:p>
-            <a:pPr marL="380990" indent="-380990">
-              <a:buFont typeface="Arial" panose="020B0604020202020204" pitchFamily="34" charset="0"/>
-              <a:buChar char="•"/>
-            </a:pPr>
-            <a:r>
-              <a:rPr lang="en-US" sz="2800" dirty="0">
-                <a:solidFill>
-                  <a:srgbClr val="C4E3B0"/>
-                </a:solidFill>
-              </a:rPr>
-              <a:t>React Routing</a:t>
-            </a:r>
-          </a:p>
-          <a:p>
-            <a:pPr marL="380990" indent="-380990">
-              <a:buFont typeface="Arial" panose="020B0604020202020204" pitchFamily="34" charset="0"/>
-              <a:buChar char="•"/>
-            </a:pPr>
-            <a:r>
-              <a:rPr lang="en-US" sz="2400" dirty="0">
-                <a:solidFill>
-                  <a:srgbClr val="C4E3B0"/>
-                </a:solidFill>
-              </a:rPr>
-              <a:t>Component Lifecycle Methods</a:t>
-            </a:r>
-          </a:p>
-          <a:p>
-            <a:pPr marL="380990" indent="-380990">
-              <a:buFont typeface="Arial" panose="020B0604020202020204" pitchFamily="34" charset="0"/>
-              <a:buChar char="•"/>
-            </a:pPr>
-            <a:endParaRPr lang="en-US" sz="2667" dirty="0">
-              <a:solidFill>
-                <a:srgbClr val="C4E3B0"/>
-              </a:solidFill>
-            </a:endParaRPr>
-          </a:p>
-        </p:txBody>
-      </p:sp>
-    </p:spTree>
-    <p:custDataLst>
-      <p:tags r:id="rId1"/>
-    </p:custDataLst>
-    <p:extLst>
-      <p:ext uri="{BB962C8B-B14F-4D97-AF65-F5344CB8AC3E}">
-        <p14:creationId xmlns:p14="http://schemas.microsoft.com/office/powerpoint/2010/main" val="3867859905"/>
-      </p:ext>
-    </p:extLst>
-  </p:cSld>
-  <p:clrMapOvr>
-    <a:masterClrMapping/>
-  </p:clrMapOvr>
-</p:sld>
-</file>
-
-<file path=ppt/slides/slide40.xml><?xml version="1.0" encoding="utf-8"?>
-<p:sld xmlns:a="http://schemas.openxmlformats.org/drawingml/2006/main" xmlns:r="http://schemas.openxmlformats.org/officeDocument/2006/relationships" xmlns:p="http://schemas.openxmlformats.org/presentationml/2006/main">
-  <p:cSld>
-    <p:spTree>
-      <p:nvGrpSpPr>
-        <p:cNvPr id="1" name=""/>
-        <p:cNvGrpSpPr/>
-        <p:nvPr/>
-      </p:nvGrpSpPr>
-      <p:grpSpPr>
-        <a:xfrm>
-          <a:off x="0" y="0"/>
-          <a:ext cx="0" cy="0"/>
-          <a:chOff x="0" y="0"/>
-          <a:chExt cx="0" cy="0"/>
-        </a:xfrm>
-      </p:grpSpPr>
-      <p:sp>
-        <p:nvSpPr>
           <p:cNvPr id="8" name="Title 7"/>
           <p:cNvSpPr>
             <a:spLocks noGrp="1"/>
@@ -18670,7 +19094,7 @@
 </p:sld>
 </file>
 
-<file path=ppt/slides/slide41.xml><?xml version="1.0" encoding="utf-8"?>
+<file path=ppt/slides/slide42.xml><?xml version="1.0" encoding="utf-8"?>
 <p:sld xmlns:a="http://schemas.openxmlformats.org/drawingml/2006/main" xmlns:r="http://schemas.openxmlformats.org/officeDocument/2006/relationships" xmlns:p="http://schemas.openxmlformats.org/presentationml/2006/main">
   <p:cSld>
     <p:spTree>
@@ -19161,7 +19585,7 @@
 </p:sld>
 </file>
 
-<file path=ppt/slides/slide42.xml><?xml version="1.0" encoding="utf-8"?>
+<file path=ppt/slides/slide43.xml><?xml version="1.0" encoding="utf-8"?>
 <p:sld xmlns:a="http://schemas.openxmlformats.org/drawingml/2006/main" xmlns:r="http://schemas.openxmlformats.org/officeDocument/2006/relationships" xmlns:p="http://schemas.openxmlformats.org/presentationml/2006/main">
   <p:cSld>
     <p:spTree>
@@ -19186,7 +19610,7 @@
         </p:nvSpPr>
         <p:spPr>
           <a:xfrm>
-            <a:off x="3962400" y="177801"/>
+            <a:off x="4129790" y="0"/>
             <a:ext cx="3454400" cy="628185"/>
           </a:xfrm>
           <a:prstGeom prst="rect">
@@ -19200,7 +19624,7 @@
           </a:bodyPr>
           <a:lstStyle/>
           <a:p>
-            <a:pPr>
+            <a:pPr algn="ctr">
               <a:lnSpc>
                 <a:spcPts val="4623"/>
               </a:lnSpc>
@@ -19257,8 +19681,8 @@
         </p:nvSpPr>
         <p:spPr>
           <a:xfrm>
-            <a:off x="304800" y="1092201"/>
-            <a:ext cx="11074400" cy="5551456"/>
+            <a:off x="319790" y="627506"/>
+            <a:ext cx="11074400" cy="6413422"/>
           </a:xfrm>
           <a:prstGeom prst="rect">
             <a:avLst/>
@@ -19282,7 +19706,7 @@
                   </a:schemeClr>
                 </a:solidFill>
               </a:rPr>
-              <a:t>Which method in a React Component should you override to stop the component from   updating?</a:t>
+              <a:t>Which method in a React Component should you override to stop the component from  updating?</a:t>
             </a:r>
           </a:p>
           <a:p>
@@ -19388,7 +19812,103 @@
                   </a:schemeClr>
                 </a:solidFill>
               </a:rPr>
-              <a:t>What's used to pass data to a component from outside?</a:t>
+              <a:t>Identify the life cycle method that can be used to stop a component update or re-render.</a:t>
+            </a:r>
+          </a:p>
+          <a:p>
+            <a:r>
+              <a:rPr lang="en-US" sz="1867" dirty="0">
+                <a:solidFill>
+                  <a:schemeClr val="bg1">
+                    <a:lumMod val="85000"/>
+                  </a:schemeClr>
+                </a:solidFill>
+              </a:rPr>
+              <a:t>	I </a:t>
+            </a:r>
+            <a:r>
+              <a:rPr lang="en-US" sz="1867" dirty="0" err="1">
+                <a:solidFill>
+                  <a:schemeClr val="bg1">
+                    <a:lumMod val="85000"/>
+                  </a:schemeClr>
+                </a:solidFill>
+              </a:rPr>
+              <a:t>componentWillUpdate</a:t>
+            </a:r>
+            <a:r>
+              <a:rPr lang="en-US" sz="1867" dirty="0">
+                <a:solidFill>
+                  <a:schemeClr val="bg1">
+                    <a:lumMod val="85000"/>
+                  </a:schemeClr>
+                </a:solidFill>
+              </a:rPr>
+              <a:t>()</a:t>
+            </a:r>
+          </a:p>
+          <a:p>
+            <a:r>
+              <a:rPr lang="en-US" sz="1867" dirty="0">
+                <a:solidFill>
+                  <a:schemeClr val="bg1">
+                    <a:lumMod val="85000"/>
+                  </a:schemeClr>
+                </a:solidFill>
+              </a:rPr>
+              <a:t>	II </a:t>
+            </a:r>
+            <a:r>
+              <a:rPr lang="en-US" sz="1867" dirty="0" err="1">
+                <a:solidFill>
+                  <a:schemeClr val="bg1">
+                    <a:lumMod val="85000"/>
+                  </a:schemeClr>
+                </a:solidFill>
+              </a:rPr>
+              <a:t>shouldComponentUpdate</a:t>
+            </a:r>
+            <a:r>
+              <a:rPr lang="en-US" sz="1867" dirty="0">
+                <a:solidFill>
+                  <a:schemeClr val="bg1">
+                    <a:lumMod val="85000"/>
+                  </a:schemeClr>
+                </a:solidFill>
+              </a:rPr>
+              <a:t>()</a:t>
+            </a:r>
+          </a:p>
+          <a:p>
+            <a:r>
+              <a:rPr lang="en-US" sz="1867" dirty="0">
+                <a:solidFill>
+                  <a:schemeClr val="bg1">
+                    <a:lumMod val="85000"/>
+                  </a:schemeClr>
+                </a:solidFill>
+              </a:rPr>
+              <a:t>	III </a:t>
+            </a:r>
+            <a:r>
+              <a:rPr lang="en-US" sz="1867" dirty="0" err="1">
+                <a:solidFill>
+                  <a:schemeClr val="bg1">
+                    <a:lumMod val="85000"/>
+                  </a:schemeClr>
+                </a:solidFill>
+              </a:rPr>
+              <a:t>componentDidUpdate</a:t>
+            </a:r>
+            <a:r>
+              <a:rPr lang="en-US" sz="1867" dirty="0">
+                <a:solidFill>
+                  <a:schemeClr val="bg1">
+                    <a:lumMod val="85000"/>
+                  </a:schemeClr>
+                </a:solidFill>
+              </a:rPr>
+              <a:t>() </a:t>
             </a:r>
           </a:p>
           <a:p>
@@ -19404,7 +19924,7 @@
                   </a:schemeClr>
                 </a:solidFill>
               </a:rPr>
-              <a:t>set State</a:t>
+              <a:t>I only</a:t>
             </a:r>
           </a:p>
           <a:p>
@@ -19420,7 +19940,7 @@
                   </a:schemeClr>
                 </a:solidFill>
               </a:rPr>
-              <a:t>render with arguments</a:t>
+              <a:t>II only</a:t>
             </a:r>
           </a:p>
           <a:p>
@@ -19436,7 +19956,7 @@
                   </a:schemeClr>
                 </a:solidFill>
               </a:rPr>
-              <a:t>Prop Types</a:t>
+              <a:t>I, II, and II</a:t>
             </a:r>
           </a:p>
           <a:p>
@@ -19452,7 +19972,7 @@
                   </a:schemeClr>
                 </a:solidFill>
               </a:rPr>
-              <a:t>Props</a:t>
+              <a:t>III only</a:t>
             </a:r>
           </a:p>
           <a:p>
@@ -19575,7 +20095,7 @@
 </p:sld>
 </file>
 
-<file path=ppt/slides/slide43.xml><?xml version="1.0" encoding="utf-8"?>
+<file path=ppt/slides/slide44.xml><?xml version="1.0" encoding="utf-8"?>
 <p:sld xmlns:a="http://schemas.openxmlformats.org/drawingml/2006/main" xmlns:r="http://schemas.openxmlformats.org/officeDocument/2006/relationships" xmlns:p="http://schemas.openxmlformats.org/presentationml/2006/main">
   <p:cSld>
     <p:spTree>
@@ -19614,7 +20134,7 @@
           </a:bodyPr>
           <a:lstStyle/>
           <a:p>
-            <a:pPr>
+            <a:pPr algn="ctr">
               <a:lnSpc>
                 <a:spcPts val="4623"/>
               </a:lnSpc>
@@ -19993,7 +20513,7 @@
 </p:sld>
 </file>
 
-<file path=ppt/slides/slide44.xml><?xml version="1.0" encoding="utf-8"?>
+<file path=ppt/slides/slide45.xml><?xml version="1.0" encoding="utf-8"?>
 <p:sld xmlns:a="http://schemas.openxmlformats.org/drawingml/2006/main" xmlns:r="http://schemas.openxmlformats.org/officeDocument/2006/relationships" xmlns:p="http://schemas.openxmlformats.org/presentationml/2006/main">
   <p:cSld>
     <p:bg>
@@ -20332,7 +20852,7 @@
 </p:sld>
 </file>
 
-<file path=ppt/slides/slide45.xml><?xml version="1.0" encoding="utf-8"?>
+<file path=ppt/slides/slide46.xml><?xml version="1.0" encoding="utf-8"?>
 <p:sld xmlns:a="http://schemas.openxmlformats.org/drawingml/2006/main" xmlns:r="http://schemas.openxmlformats.org/officeDocument/2006/relationships" xmlns:p="http://schemas.openxmlformats.org/presentationml/2006/main">
   <p:cSld>
     <p:spTree>
@@ -20449,7 +20969,7 @@
 </p:sld>
 </file>
 
-<file path=ppt/slides/slide46.xml><?xml version="1.0" encoding="utf-8"?>
+<file path=ppt/slides/slide47.xml><?xml version="1.0" encoding="utf-8"?>
 <p:sld xmlns:a="http://schemas.openxmlformats.org/drawingml/2006/main" xmlns:r="http://schemas.openxmlformats.org/officeDocument/2006/relationships" xmlns:p="http://schemas.openxmlformats.org/presentationml/2006/main">
   <p:cSld>
     <p:bg>
@@ -20531,7 +21051,7 @@
 </p:sld>
 </file>
 
-<file path=ppt/slides/slide47.xml><?xml version="1.0" encoding="utf-8"?>
+<file path=ppt/slides/slide48.xml><?xml version="1.0" encoding="utf-8"?>
 <p:sld xmlns:a="http://schemas.openxmlformats.org/drawingml/2006/main" xmlns:r="http://schemas.openxmlformats.org/officeDocument/2006/relationships" xmlns:p="http://schemas.openxmlformats.org/presentationml/2006/main">
   <p:cSld>
     <p:spTree>
@@ -20618,6 +21138,137 @@
       </p:grpSpPr>
       <p:sp>
         <p:nvSpPr>
+          <p:cNvPr id="4" name="Rectangle 3">
+            <a:extLst>
+              <a:ext uri="{FF2B5EF4-FFF2-40B4-BE49-F238E27FC236}">
+                <a16:creationId xmlns:a16="http://schemas.microsoft.com/office/drawing/2014/main" id="{5E949873-B026-DD4B-B8B8-08C27A5F86AB}"/>
+              </a:ext>
+            </a:extLst>
+          </p:cNvPr>
+          <p:cNvSpPr/>
+          <p:nvPr/>
+        </p:nvSpPr>
+        <p:spPr>
+          <a:xfrm>
+            <a:off x="1895676" y="1704372"/>
+            <a:ext cx="8521540" cy="2369944"/>
+          </a:xfrm>
+          <a:prstGeom prst="rect">
+            <a:avLst/>
+          </a:prstGeom>
+        </p:spPr>
+        <p:txBody>
+          <a:bodyPr wrap="square">
+            <a:spAutoFit/>
+          </a:bodyPr>
+          <a:lstStyle/>
+          <a:p>
+            <a:pPr algn="ctr">
+              <a:spcAft>
+                <a:spcPts val="1600"/>
+              </a:spcAft>
+            </a:pPr>
+            <a:r>
+              <a:rPr lang="en-US" sz="3200" b="1" dirty="0">
+                <a:solidFill>
+                  <a:schemeClr val="bg1">
+                    <a:lumMod val="85000"/>
+                  </a:schemeClr>
+                </a:solidFill>
+              </a:rPr>
+              <a:t>Key Topics</a:t>
+            </a:r>
+          </a:p>
+          <a:p>
+            <a:pPr marL="380990" indent="-380990">
+              <a:buFont typeface="Arial" panose="020B0604020202020204" pitchFamily="34" charset="0"/>
+              <a:buChar char="•"/>
+            </a:pPr>
+            <a:r>
+              <a:rPr lang="en-US" sz="2800" dirty="0">
+                <a:solidFill>
+                  <a:srgbClr val="C4E3B0"/>
+                </a:solidFill>
+              </a:rPr>
+              <a:t>React Routing</a:t>
+            </a:r>
+          </a:p>
+          <a:p>
+            <a:pPr marL="380990" indent="-380990">
+              <a:buFont typeface="Arial" panose="020B0604020202020204" pitchFamily="34" charset="0"/>
+              <a:buChar char="•"/>
+            </a:pPr>
+            <a:r>
+              <a:rPr lang="en-US" sz="2400" dirty="0">
+                <a:solidFill>
+                  <a:srgbClr val="C4E3B0"/>
+                </a:solidFill>
+              </a:rPr>
+              <a:t>Component Lifecycle Methods</a:t>
+            </a:r>
+          </a:p>
+          <a:p>
+            <a:pPr marL="380990" indent="-380990">
+              <a:buFont typeface="Arial" panose="020B0604020202020204" pitchFamily="34" charset="0"/>
+              <a:buChar char="•"/>
+            </a:pPr>
+            <a:r>
+              <a:rPr lang="en-US" sz="2400" dirty="0">
+                <a:solidFill>
+                  <a:srgbClr val="C4E3B0"/>
+                </a:solidFill>
+              </a:rPr>
+              <a:t>Fetch</a:t>
+            </a:r>
+          </a:p>
+          <a:p>
+            <a:pPr marL="380990" indent="-380990">
+              <a:buFont typeface="Arial" panose="020B0604020202020204" pitchFamily="34" charset="0"/>
+              <a:buChar char="•"/>
+            </a:pPr>
+            <a:endParaRPr lang="en-US" sz="2667" dirty="0">
+              <a:solidFill>
+                <a:srgbClr val="C4E3B0"/>
+              </a:solidFill>
+            </a:endParaRPr>
+          </a:p>
+        </p:txBody>
+      </p:sp>
+    </p:spTree>
+    <p:custDataLst>
+      <p:tags r:id="rId1"/>
+    </p:custDataLst>
+    <p:extLst>
+      <p:ext uri="{BB962C8B-B14F-4D97-AF65-F5344CB8AC3E}">
+        <p14:creationId xmlns:p14="http://schemas.microsoft.com/office/powerpoint/2010/main" val="3867859905"/>
+      </p:ext>
+    </p:extLst>
+  </p:cSld>
+  <p:clrMapOvr>
+    <a:masterClrMapping/>
+  </p:clrMapOvr>
+</p:sld>
+</file>
+
+<file path=ppt/slides/slide6.xml><?xml version="1.0" encoding="utf-8"?>
+<p:sld xmlns:a="http://schemas.openxmlformats.org/drawingml/2006/main" xmlns:r="http://schemas.openxmlformats.org/officeDocument/2006/relationships" xmlns:p="http://schemas.openxmlformats.org/presentationml/2006/main">
+  <p:cSld>
+    <p:spTree>
+      <p:nvGrpSpPr>
+        <p:cNvPr id="1" name=""/>
+        <p:cNvGrpSpPr/>
+        <p:nvPr/>
+      </p:nvGrpSpPr>
+      <p:grpSpPr>
+        <a:xfrm>
+          <a:off x="0" y="0"/>
+          <a:ext cx="0" cy="0"/>
+          <a:chOff x="0" y="0"/>
+          <a:chExt cx="0" cy="0"/>
+        </a:xfrm>
+      </p:grpSpPr>
+      <p:sp>
+        <p:nvSpPr>
           <p:cNvPr id="2" name="Text Placeholder 1"/>
           <p:cNvSpPr>
             <a:spLocks noGrp="1"/>
@@ -20668,7 +21319,7 @@
 </p:sld>
 </file>
 
-<file path=ppt/slides/slide6.xml><?xml version="1.0" encoding="utf-8"?>
+<file path=ppt/slides/slide7.xml><?xml version="1.0" encoding="utf-8"?>
 <p:sld xmlns:a="http://schemas.openxmlformats.org/drawingml/2006/main" xmlns:r="http://schemas.openxmlformats.org/officeDocument/2006/relationships" xmlns:p="http://schemas.openxmlformats.org/presentationml/2006/main">
   <p:cSld>
     <p:spTree>
@@ -20991,7 +21642,7 @@
 </p:sld>
 </file>
 
-<file path=ppt/slides/slide7.xml><?xml version="1.0" encoding="utf-8"?>
+<file path=ppt/slides/slide8.xml><?xml version="1.0" encoding="utf-8"?>
 <p:sld xmlns:a="http://schemas.openxmlformats.org/drawingml/2006/main" xmlns:r="http://schemas.openxmlformats.org/officeDocument/2006/relationships" xmlns:p="http://schemas.openxmlformats.org/presentationml/2006/main">
   <p:cSld>
     <p:spTree>
@@ -22052,299 +22703,6 @@
 </p:sld>
 </file>
 
-<file path=ppt/slides/slide8.xml><?xml version="1.0" encoding="utf-8"?>
-<p:sld xmlns:a="http://schemas.openxmlformats.org/drawingml/2006/main" xmlns:r="http://schemas.openxmlformats.org/officeDocument/2006/relationships" xmlns:p="http://schemas.openxmlformats.org/presentationml/2006/main">
-  <p:cSld>
-    <p:spTree>
-      <p:nvGrpSpPr>
-        <p:cNvPr id="1" name=""/>
-        <p:cNvGrpSpPr/>
-        <p:nvPr/>
-      </p:nvGrpSpPr>
-      <p:grpSpPr>
-        <a:xfrm>
-          <a:off x="0" y="0"/>
-          <a:ext cx="0" cy="0"/>
-          <a:chOff x="0" y="0"/>
-          <a:chExt cx="0" cy="0"/>
-        </a:xfrm>
-      </p:grpSpPr>
-      <p:sp>
-        <p:nvSpPr>
-          <p:cNvPr id="4" name="Title 1"/>
-          <p:cNvSpPr txBox="1">
-            <a:spLocks/>
-          </p:cNvSpPr>
-          <p:nvPr/>
-        </p:nvSpPr>
-        <p:spPr>
-          <a:xfrm>
-            <a:off x="512064" y="365760"/>
-            <a:ext cx="11180064" cy="1060704"/>
-          </a:xfrm>
-          <a:prstGeom prst="rect">
-            <a:avLst/>
-          </a:prstGeom>
-        </p:spPr>
-        <p:txBody>
-          <a:bodyPr/>
-          <a:lstStyle>
-            <a:lvl1pPr algn="l" defTabSz="457200" rtl="0" eaLnBrk="1" latinLnBrk="0" hangingPunct="1">
-              <a:spcBef>
-                <a:spcPct val="0"/>
-              </a:spcBef>
-              <a:buNone/>
-              <a:defRPr sz="2000" b="1" kern="1200" baseline="0">
-                <a:solidFill>
-                  <a:schemeClr val="bg1"/>
-                </a:solidFill>
-                <a:latin typeface="+mj-lt"/>
-                <a:ea typeface="+mj-ea"/>
-                <a:cs typeface="+mj-cs"/>
-              </a:defRPr>
-            </a:lvl1pPr>
-          </a:lstStyle>
-          <a:p>
-            <a:r>
-              <a:rPr lang="en-US" sz="4267" dirty="0"/>
-              <a:t>React Router</a:t>
-            </a:r>
-          </a:p>
-        </p:txBody>
-      </p:sp>
-      <p:sp>
-        <p:nvSpPr>
-          <p:cNvPr id="5" name="Content Placeholder 2"/>
-          <p:cNvSpPr txBox="1">
-            <a:spLocks/>
-          </p:cNvSpPr>
-          <p:nvPr/>
-        </p:nvSpPr>
-        <p:spPr>
-          <a:xfrm>
-            <a:off x="512064" y="1682496"/>
-            <a:ext cx="11180064" cy="4425696"/>
-          </a:xfrm>
-          <a:prstGeom prst="rect">
-            <a:avLst/>
-          </a:prstGeom>
-        </p:spPr>
-        <p:txBody>
-          <a:bodyPr>
-            <a:normAutofit/>
-          </a:bodyPr>
-          <a:lstStyle>
-            <a:lvl1pPr marL="342900" indent="-342900" algn="l" defTabSz="457200" rtl="0" eaLnBrk="1" latinLnBrk="0" hangingPunct="1">
-              <a:spcBef>
-                <a:spcPct val="20000"/>
-              </a:spcBef>
-              <a:buFont typeface="Arial"/>
-              <a:buChar char="•"/>
-              <a:defRPr sz="3200" kern="1200">
-                <a:solidFill>
-                  <a:schemeClr val="tx1"/>
-                </a:solidFill>
-                <a:latin typeface="+mn-lt"/>
-                <a:ea typeface="+mn-ea"/>
-                <a:cs typeface="+mn-cs"/>
-              </a:defRPr>
-            </a:lvl1pPr>
-            <a:lvl2pPr marL="742950" indent="-285750" algn="l" defTabSz="457200" rtl="0" eaLnBrk="1" latinLnBrk="0" hangingPunct="1">
-              <a:spcBef>
-                <a:spcPct val="20000"/>
-              </a:spcBef>
-              <a:buFont typeface="Arial"/>
-              <a:buChar char="–"/>
-              <a:defRPr sz="2800" kern="1200">
-                <a:solidFill>
-                  <a:schemeClr val="tx1"/>
-                </a:solidFill>
-                <a:latin typeface="+mn-lt"/>
-                <a:ea typeface="+mn-ea"/>
-                <a:cs typeface="+mn-cs"/>
-              </a:defRPr>
-            </a:lvl2pPr>
-            <a:lvl3pPr marL="1143000" indent="-228600" algn="l" defTabSz="457200" rtl="0" eaLnBrk="1" latinLnBrk="0" hangingPunct="1">
-              <a:spcBef>
-                <a:spcPct val="20000"/>
-              </a:spcBef>
-              <a:buFont typeface="Arial"/>
-              <a:buChar char="•"/>
-              <a:defRPr sz="2400" kern="1200">
-                <a:solidFill>
-                  <a:schemeClr val="tx1"/>
-                </a:solidFill>
-                <a:latin typeface="+mn-lt"/>
-                <a:ea typeface="+mn-ea"/>
-                <a:cs typeface="+mn-cs"/>
-              </a:defRPr>
-            </a:lvl3pPr>
-            <a:lvl4pPr marL="1600200" indent="-228600" algn="l" defTabSz="457200" rtl="0" eaLnBrk="1" latinLnBrk="0" hangingPunct="1">
-              <a:spcBef>
-                <a:spcPct val="20000"/>
-              </a:spcBef>
-              <a:buFont typeface="Arial"/>
-              <a:buChar char="–"/>
-              <a:defRPr sz="2000" kern="1200">
-                <a:solidFill>
-                  <a:schemeClr val="tx1"/>
-                </a:solidFill>
-                <a:latin typeface="+mn-lt"/>
-                <a:ea typeface="+mn-ea"/>
-                <a:cs typeface="+mn-cs"/>
-              </a:defRPr>
-            </a:lvl4pPr>
-            <a:lvl5pPr marL="2057400" indent="-228600" algn="l" defTabSz="457200" rtl="0" eaLnBrk="1" latinLnBrk="0" hangingPunct="1">
-              <a:spcBef>
-                <a:spcPct val="20000"/>
-              </a:spcBef>
-              <a:buFont typeface="Arial"/>
-              <a:buChar char="»"/>
-              <a:defRPr sz="2000" kern="1200">
-                <a:solidFill>
-                  <a:schemeClr val="tx1"/>
-                </a:solidFill>
-                <a:latin typeface="+mn-lt"/>
-                <a:ea typeface="+mn-ea"/>
-                <a:cs typeface="+mn-cs"/>
-              </a:defRPr>
-            </a:lvl5pPr>
-            <a:lvl6pPr marL="2514600" indent="-228600" algn="l" defTabSz="457200" rtl="0" eaLnBrk="1" latinLnBrk="0" hangingPunct="1">
-              <a:spcBef>
-                <a:spcPct val="20000"/>
-              </a:spcBef>
-              <a:buFont typeface="Arial"/>
-              <a:buChar char="•"/>
-              <a:defRPr sz="2000" kern="1200">
-                <a:solidFill>
-                  <a:schemeClr val="tx1"/>
-                </a:solidFill>
-                <a:latin typeface="+mn-lt"/>
-                <a:ea typeface="+mn-ea"/>
-                <a:cs typeface="+mn-cs"/>
-              </a:defRPr>
-            </a:lvl6pPr>
-            <a:lvl7pPr marL="2971800" indent="-228600" algn="l" defTabSz="457200" rtl="0" eaLnBrk="1" latinLnBrk="0" hangingPunct="1">
-              <a:spcBef>
-                <a:spcPct val="20000"/>
-              </a:spcBef>
-              <a:buFont typeface="Arial"/>
-              <a:buChar char="•"/>
-              <a:defRPr sz="2000" kern="1200">
-                <a:solidFill>
-                  <a:schemeClr val="tx1"/>
-                </a:solidFill>
-                <a:latin typeface="+mn-lt"/>
-                <a:ea typeface="+mn-ea"/>
-                <a:cs typeface="+mn-cs"/>
-              </a:defRPr>
-            </a:lvl7pPr>
-            <a:lvl8pPr marL="3429000" indent="-228600" algn="l" defTabSz="457200" rtl="0" eaLnBrk="1" latinLnBrk="0" hangingPunct="1">
-              <a:spcBef>
-                <a:spcPct val="20000"/>
-              </a:spcBef>
-              <a:buFont typeface="Arial"/>
-              <a:buChar char="•"/>
-              <a:defRPr sz="2000" kern="1200">
-                <a:solidFill>
-                  <a:schemeClr val="tx1"/>
-                </a:solidFill>
-                <a:latin typeface="+mn-lt"/>
-                <a:ea typeface="+mn-ea"/>
-                <a:cs typeface="+mn-cs"/>
-              </a:defRPr>
-            </a:lvl8pPr>
-            <a:lvl9pPr marL="3886200" indent="-228600" algn="l" defTabSz="457200" rtl="0" eaLnBrk="1" latinLnBrk="0" hangingPunct="1">
-              <a:spcBef>
-                <a:spcPct val="20000"/>
-              </a:spcBef>
-              <a:buFont typeface="Arial"/>
-              <a:buChar char="•"/>
-              <a:defRPr sz="2000" kern="1200">
-                <a:solidFill>
-                  <a:schemeClr val="tx1"/>
-                </a:solidFill>
-                <a:latin typeface="+mn-lt"/>
-                <a:ea typeface="+mn-ea"/>
-                <a:cs typeface="+mn-cs"/>
-              </a:defRPr>
-            </a:lvl9pPr>
-          </a:lstStyle>
-          <a:p>
-            <a:pPr>
-              <a:lnSpc>
-                <a:spcPct val="150000"/>
-              </a:lnSpc>
-            </a:pPr>
-            <a:r>
-              <a:rPr lang="en-US" sz="2133" dirty="0">
-                <a:solidFill>
-                  <a:srgbClr val="C4E3B0"/>
-                </a:solidFill>
-              </a:rPr>
-              <a:t>Since we are dealing with a SPA, you need a way to trigger the contents that are loaded on the screen.</a:t>
-            </a:r>
-          </a:p>
-          <a:p>
-            <a:pPr>
-              <a:lnSpc>
-                <a:spcPct val="150000"/>
-              </a:lnSpc>
-            </a:pPr>
-            <a:r>
-              <a:rPr lang="en-US" sz="2133" dirty="0">
-                <a:solidFill>
-                  <a:srgbClr val="C4E3B0"/>
-                </a:solidFill>
-              </a:rPr>
-              <a:t>React Router introduces a concept called “Dynamic Routing”, which is quite different from “Static Routing” .</a:t>
-            </a:r>
-          </a:p>
-          <a:p>
-            <a:pPr>
-              <a:lnSpc>
-                <a:spcPct val="150000"/>
-              </a:lnSpc>
-            </a:pPr>
-            <a:r>
-              <a:rPr lang="en-US" sz="2133" dirty="0">
-                <a:solidFill>
-                  <a:srgbClr val="C4E3B0"/>
-                </a:solidFill>
-              </a:rPr>
-              <a:t>When dealing with “Static Routing”, declare routes as part of app’s initialization before any rendering takes place (Rails, Express, Ember, Angular, and so on).</a:t>
-            </a:r>
-          </a:p>
-          <a:p>
-            <a:pPr>
-              <a:lnSpc>
-                <a:spcPct val="150000"/>
-              </a:lnSpc>
-            </a:pPr>
-            <a:r>
-              <a:rPr lang="en-US" sz="2133" dirty="0">
-                <a:solidFill>
-                  <a:srgbClr val="C4E3B0"/>
-                </a:solidFill>
-              </a:rPr>
-              <a:t>“Dynamic Routing” means that routing takes place as app is rendering, not in a configuration or convention outside of a running app.</a:t>
-            </a:r>
-          </a:p>
-        </p:txBody>
-      </p:sp>
-    </p:spTree>
-    <p:extLst>
-      <p:ext uri="{BB962C8B-B14F-4D97-AF65-F5344CB8AC3E}">
-        <p14:creationId xmlns:p14="http://schemas.microsoft.com/office/powerpoint/2010/main" val="490230762"/>
-      </p:ext>
-    </p:extLst>
-  </p:cSld>
-  <p:clrMapOvr>
-    <a:masterClrMapping/>
-  </p:clrMapOvr>
-</p:sld>
-</file>
-
 <file path=ppt/slides/slide9.xml><?xml version="1.0" encoding="utf-8"?>
 <p:sld xmlns:a="http://schemas.openxmlformats.org/drawingml/2006/main" xmlns:r="http://schemas.openxmlformats.org/officeDocument/2006/relationships" xmlns:p="http://schemas.openxmlformats.org/presentationml/2006/main">
   <p:cSld>
@@ -22372,7 +22730,7 @@
         </p:nvSpPr>
         <p:spPr>
           <a:xfrm>
-            <a:off x="472457" y="381000"/>
+            <a:off x="512064" y="365760"/>
             <a:ext cx="11180064" cy="1060704"/>
           </a:xfrm>
           <a:prstGeom prst="rect">
@@ -22400,7 +22758,7 @@
           <a:p>
             <a:r>
               <a:rPr lang="en-US" sz="4267" dirty="0"/>
-              <a:t>Setting Up React Router</a:t>
+              <a:t>React Router</a:t>
             </a:r>
           </a:p>
         </p:txBody>
@@ -22415,8 +22773,8 @@
         </p:nvSpPr>
         <p:spPr>
           <a:xfrm>
-            <a:off x="472458" y="1527589"/>
-            <a:ext cx="5353943" cy="4136611"/>
+            <a:off x="512064" y="1682496"/>
+            <a:ext cx="11180064" cy="4425696"/>
           </a:xfrm>
           <a:prstGeom prst="rect">
             <a:avLst/>
@@ -22564,8 +22922,10 @@
             </a:lvl9pPr>
           </a:lstStyle>
           <a:p>
-            <a:pPr marL="0" indent="0">
-              <a:buNone/>
+            <a:pPr>
+              <a:lnSpc>
+                <a:spcPct val="150000"/>
+              </a:lnSpc>
             </a:pPr>
             <a:r>
               <a:rPr lang="en-US" sz="2133" dirty="0">
@@ -22573,12 +22933,14 @@
                   <a:srgbClr val="C4E3B0"/>
                 </a:solidFill>
               </a:rPr>
-              <a:t>Step-1</a:t>
-            </a:r>
-          </a:p>
-          <a:p>
-            <a:pPr marL="0" indent="0">
-              <a:buNone/>
+              <a:t>Since we are dealing with a SPA, you need a way to trigger the contents that are loaded on the screen.</a:t>
+            </a:r>
+          </a:p>
+          <a:p>
+            <a:pPr>
+              <a:lnSpc>
+                <a:spcPct val="150000"/>
+              </a:lnSpc>
             </a:pPr>
             <a:r>
               <a:rPr lang="en-US" sz="2133" dirty="0">
@@ -22586,12 +22948,14 @@
                   <a:srgbClr val="C4E3B0"/>
                 </a:solidFill>
               </a:rPr>
-              <a:t>   Install dependency</a:t>
-            </a:r>
-          </a:p>
-          <a:p>
-            <a:pPr marL="0" indent="0">
-              <a:buNone/>
+              <a:t>React Router introduces a concept called “Dynamic Routing”, which is quite different from “Static Routing” .</a:t>
+            </a:r>
+          </a:p>
+          <a:p>
+            <a:pPr>
+              <a:lnSpc>
+                <a:spcPct val="150000"/>
+              </a:lnSpc>
             </a:pPr>
             <a:r>
               <a:rPr lang="en-US" sz="2133" dirty="0">
@@ -22599,189 +22963,30 @@
                   <a:srgbClr val="C4E3B0"/>
                 </a:solidFill>
               </a:rPr>
-              <a:t>   $ npm i -S react-router-</a:t>
-            </a:r>
-            <a:r>
-              <a:rPr lang="en-US" sz="2133" dirty="0" err="1">
+              <a:t>When dealing with “Static Routing”, declare routes as part of app’s initialization before any rendering takes place (Rails, Express, Ember, Angular, and so on).</a:t>
+            </a:r>
+          </a:p>
+          <a:p>
+            <a:pPr>
+              <a:lnSpc>
+                <a:spcPct val="150000"/>
+              </a:lnSpc>
+            </a:pPr>
+            <a:r>
+              <a:rPr lang="en-US" sz="2133" dirty="0">
                 <a:solidFill>
                   <a:srgbClr val="C4E3B0"/>
                 </a:solidFill>
               </a:rPr>
-              <a:t>dom</a:t>
-            </a:r>
-            <a:endParaRPr lang="en-US" sz="2133" dirty="0">
-              <a:solidFill>
-                <a:srgbClr val="C4E3B0"/>
-              </a:solidFill>
-            </a:endParaRPr>
-          </a:p>
-          <a:p>
-            <a:pPr marL="0" indent="0">
-              <a:buNone/>
-            </a:pPr>
-            <a:r>
-              <a:rPr lang="en-US" sz="2133" dirty="0">
-                <a:solidFill>
-                  <a:srgbClr val="C4E3B0"/>
-                </a:solidFill>
-              </a:rPr>
-              <a:t>   or</a:t>
-            </a:r>
-          </a:p>
-          <a:p>
-            <a:pPr marL="0" indent="0">
-              <a:buNone/>
-            </a:pPr>
-            <a:r>
-              <a:rPr lang="en-US" sz="2133" dirty="0">
-                <a:solidFill>
-                  <a:srgbClr val="C4E3B0"/>
-                </a:solidFill>
-              </a:rPr>
-              <a:t>   $ yarn add react-router-</a:t>
-            </a:r>
-            <a:r>
-              <a:rPr lang="en-US" sz="2133" dirty="0" err="1">
-                <a:solidFill>
-                  <a:srgbClr val="C4E3B0"/>
-                </a:solidFill>
-              </a:rPr>
-              <a:t>dom</a:t>
-            </a:r>
-            <a:endParaRPr lang="en-US" sz="2133" dirty="0">
-              <a:solidFill>
-                <a:srgbClr val="C4E3B0"/>
-              </a:solidFill>
-            </a:endParaRPr>
-          </a:p>
-          <a:p>
-            <a:pPr marL="0" indent="0">
-              <a:buNone/>
-            </a:pPr>
-            <a:endParaRPr lang="en-US" sz="2133" dirty="0">
-              <a:solidFill>
-                <a:srgbClr val="C4E3B0"/>
-              </a:solidFill>
-            </a:endParaRPr>
-          </a:p>
-          <a:p>
-            <a:pPr marL="0" indent="0">
-              <a:buNone/>
-            </a:pPr>
-            <a:r>
-              <a:rPr lang="en-US" sz="2133" dirty="0">
-                <a:solidFill>
-                  <a:srgbClr val="C4E3B0"/>
-                </a:solidFill>
-              </a:rPr>
-              <a:t>After running either of these commands</a:t>
-            </a:r>
-          </a:p>
-          <a:p>
-            <a:pPr marL="0" indent="0">
-              <a:buNone/>
-            </a:pPr>
-            <a:r>
-              <a:rPr lang="en-US" sz="2133" dirty="0">
-                <a:solidFill>
-                  <a:srgbClr val="C4E3B0"/>
-                </a:solidFill>
-              </a:rPr>
-              <a:t>react-router will be added to your package.json file </a:t>
-            </a:r>
-          </a:p>
-          <a:p>
-            <a:pPr marL="0" indent="0">
-              <a:buNone/>
-            </a:pPr>
-            <a:endParaRPr lang="en-US" sz="1200" dirty="0"/>
-          </a:p>
-        </p:txBody>
-      </p:sp>
-      <p:pic>
-        <p:nvPicPr>
-          <p:cNvPr id="7" name="Picture 6"/>
-          <p:cNvPicPr>
-            <a:picLocks noChangeAspect="1"/>
-          </p:cNvPicPr>
-          <p:nvPr/>
-        </p:nvPicPr>
-        <p:blipFill>
-          <a:blip r:embed="rId3">
-            <a:extLst>
-              <a:ext uri="{28A0092B-C50C-407E-A947-70E740481C1C}">
-                <a14:useLocalDpi xmlns:a14="http://schemas.microsoft.com/office/drawing/2010/main" val="0"/>
-              </a:ext>
-            </a:extLst>
-          </a:blip>
-          <a:stretch>
-            <a:fillRect/>
-          </a:stretch>
-        </p:blipFill>
-        <p:spPr>
-          <a:xfrm>
-            <a:off x="5869451" y="1441704"/>
-            <a:ext cx="5760567" cy="4877731"/>
-          </a:xfrm>
-          <a:prstGeom prst="rect">
-            <a:avLst/>
-          </a:prstGeom>
-        </p:spPr>
-      </p:pic>
-      <p:sp>
-        <p:nvSpPr>
-          <p:cNvPr id="2" name="Rectangle 1">
-            <a:extLst>
-              <a:ext uri="{FF2B5EF4-FFF2-40B4-BE49-F238E27FC236}">
-                <a16:creationId xmlns:a16="http://schemas.microsoft.com/office/drawing/2014/main" id="{4B2DB0A5-32C1-3044-852F-79465DF014E7}"/>
-              </a:ext>
-            </a:extLst>
-          </p:cNvPr>
-          <p:cNvSpPr/>
-          <p:nvPr/>
-        </p:nvSpPr>
-        <p:spPr>
-          <a:xfrm>
-            <a:off x="1474172" y="5517461"/>
-            <a:ext cx="3350513" cy="646331"/>
-          </a:xfrm>
-          <a:prstGeom prst="rect">
-            <a:avLst/>
-          </a:prstGeom>
-        </p:spPr>
-        <p:txBody>
-          <a:bodyPr wrap="square">
-            <a:spAutoFit/>
-          </a:bodyPr>
-          <a:lstStyle/>
-          <a:p>
-            <a:r>
-              <a:rPr lang="en-US" dirty="0">
-                <a:solidFill>
-                  <a:schemeClr val="accent2"/>
-                </a:solidFill>
-                <a:hlinkClick r:id="rId4">
-                  <a:extLst>
-                    <a:ext uri="{A12FA001-AC4F-418D-AE19-62706E023703}">
-                      <ahyp:hlinkClr xmlns:ahyp="http://schemas.microsoft.com/office/drawing/2018/hyperlinkcolor" val="tx"/>
-                    </a:ext>
-                  </a:extLst>
-                </a:hlinkClick>
-              </a:rPr>
-              <a:t>https://reacttraining.com/react-router/web/guides/quick-start</a:t>
-            </a:r>
-            <a:endParaRPr lang="en-US" dirty="0">
-              <a:solidFill>
-                <a:schemeClr val="accent2"/>
-              </a:solidFill>
-            </a:endParaRPr>
+              <a:t>“Dynamic Routing” means that routing takes place as app is rendering, not in a configuration or convention outside of a running app.</a:t>
+            </a:r>
           </a:p>
         </p:txBody>
       </p:sp>
     </p:spTree>
     <p:extLst>
       <p:ext uri="{BB962C8B-B14F-4D97-AF65-F5344CB8AC3E}">
-        <p14:creationId xmlns:p14="http://schemas.microsoft.com/office/powerpoint/2010/main" val="2124406072"/>
+        <p14:creationId xmlns:p14="http://schemas.microsoft.com/office/powerpoint/2010/main" val="490230762"/>
       </p:ext>
     </p:extLst>
   </p:cSld>

--- a/04 React Routing, Component Lifecycle Methods.pptx
+++ b/04 React Routing, Component Lifecycle Methods.pptx
@@ -5,7 +5,7 @@
     <p:sldMasterId id="2147483648" r:id="rId1"/>
   </p:sldMasterIdLst>
   <p:notesMasterIdLst>
-    <p:notesMasterId r:id="rId50"/>
+    <p:notesMasterId r:id="rId49"/>
   </p:notesMasterIdLst>
   <p:sldIdLst>
     <p:sldId id="272" r:id="rId2"/>
@@ -29,33 +29,32 @@
     <p:sldId id="432" r:id="rId20"/>
     <p:sldId id="435" r:id="rId21"/>
     <p:sldId id="440" r:id="rId22"/>
-    <p:sldId id="423" r:id="rId23"/>
-    <p:sldId id="433" r:id="rId24"/>
-    <p:sldId id="364" r:id="rId25"/>
-    <p:sldId id="365" r:id="rId26"/>
-    <p:sldId id="295" r:id="rId27"/>
-    <p:sldId id="363" r:id="rId28"/>
-    <p:sldId id="359" r:id="rId29"/>
-    <p:sldId id="358" r:id="rId30"/>
-    <p:sldId id="361" r:id="rId31"/>
-    <p:sldId id="362" r:id="rId32"/>
-    <p:sldId id="360" r:id="rId33"/>
-    <p:sldId id="296" r:id="rId34"/>
-    <p:sldId id="297" r:id="rId35"/>
-    <p:sldId id="437" r:id="rId36"/>
-    <p:sldId id="438" r:id="rId37"/>
-    <p:sldId id="439" r:id="rId38"/>
-    <p:sldId id="441" r:id="rId39"/>
-    <p:sldId id="442" r:id="rId40"/>
-    <p:sldId id="443" r:id="rId41"/>
-    <p:sldId id="271" r:id="rId42"/>
-    <p:sldId id="401" r:id="rId43"/>
-    <p:sldId id="394" r:id="rId44"/>
-    <p:sldId id="395" r:id="rId45"/>
-    <p:sldId id="328" r:id="rId46"/>
-    <p:sldId id="431" r:id="rId47"/>
-    <p:sldId id="267" r:id="rId48"/>
-    <p:sldId id="268" r:id="rId49"/>
+    <p:sldId id="433" r:id="rId23"/>
+    <p:sldId id="364" r:id="rId24"/>
+    <p:sldId id="365" r:id="rId25"/>
+    <p:sldId id="295" r:id="rId26"/>
+    <p:sldId id="363" r:id="rId27"/>
+    <p:sldId id="359" r:id="rId28"/>
+    <p:sldId id="358" r:id="rId29"/>
+    <p:sldId id="361" r:id="rId30"/>
+    <p:sldId id="362" r:id="rId31"/>
+    <p:sldId id="360" r:id="rId32"/>
+    <p:sldId id="296" r:id="rId33"/>
+    <p:sldId id="297" r:id="rId34"/>
+    <p:sldId id="437" r:id="rId35"/>
+    <p:sldId id="438" r:id="rId36"/>
+    <p:sldId id="439" r:id="rId37"/>
+    <p:sldId id="441" r:id="rId38"/>
+    <p:sldId id="442" r:id="rId39"/>
+    <p:sldId id="443" r:id="rId40"/>
+    <p:sldId id="271" r:id="rId41"/>
+    <p:sldId id="401" r:id="rId42"/>
+    <p:sldId id="394" r:id="rId43"/>
+    <p:sldId id="395" r:id="rId44"/>
+    <p:sldId id="328" r:id="rId45"/>
+    <p:sldId id="431" r:id="rId46"/>
+    <p:sldId id="267" r:id="rId47"/>
+    <p:sldId id="268" r:id="rId48"/>
   </p:sldIdLst>
   <p:sldSz cx="12192000" cy="6858000"/>
   <p:notesSz cx="6858000" cy="9144000"/>
@@ -999,7 +998,7 @@
           <a:p>
             <a:fld id="{53FFCFF5-268C-450A-90CA-A9303B69089F}" type="slidenum">
               <a:rPr lang="en-US" smtClean="0"/>
-              <a:t>23</a:t>
+              <a:t>22</a:t>
             </a:fld>
             <a:endParaRPr lang="en-US"/>
           </a:p>
@@ -1083,7 +1082,7 @@
           <a:p>
             <a:fld id="{53FFCFF5-268C-450A-90CA-A9303B69089F}" type="slidenum">
               <a:rPr lang="en-US" smtClean="0"/>
-              <a:t>24</a:t>
+              <a:t>23</a:t>
             </a:fld>
             <a:endParaRPr lang="en-US"/>
           </a:p>
@@ -1167,7 +1166,7 @@
           <a:p>
             <a:fld id="{53FFCFF5-268C-450A-90CA-A9303B69089F}" type="slidenum">
               <a:rPr lang="en-US" smtClean="0"/>
-              <a:t>25</a:t>
+              <a:t>24</a:t>
             </a:fld>
             <a:endParaRPr lang="en-US"/>
           </a:p>
@@ -1251,7 +1250,7 @@
           <a:p>
             <a:fld id="{53FFCFF5-268C-450A-90CA-A9303B69089F}" type="slidenum">
               <a:rPr lang="en-US" smtClean="0"/>
-              <a:t>26</a:t>
+              <a:t>25</a:t>
             </a:fld>
             <a:endParaRPr lang="en-US"/>
           </a:p>
@@ -1335,7 +1334,7 @@
           <a:p>
             <a:fld id="{53FFCFF5-268C-450A-90CA-A9303B69089F}" type="slidenum">
               <a:rPr lang="en-US" smtClean="0"/>
-              <a:t>27</a:t>
+              <a:t>26</a:t>
             </a:fld>
             <a:endParaRPr lang="en-US"/>
           </a:p>
@@ -1419,7 +1418,7 @@
           <a:p>
             <a:fld id="{53FFCFF5-268C-450A-90CA-A9303B69089F}" type="slidenum">
               <a:rPr lang="en-US" smtClean="0"/>
-              <a:t>28</a:t>
+              <a:t>27</a:t>
             </a:fld>
             <a:endParaRPr lang="en-US"/>
           </a:p>
@@ -1587,7 +1586,7 @@
           <a:p>
             <a:fld id="{53FFCFF5-268C-450A-90CA-A9303B69089F}" type="slidenum">
               <a:rPr lang="en-US" smtClean="0"/>
-              <a:t>29</a:t>
+              <a:t>28</a:t>
             </a:fld>
             <a:endParaRPr lang="en-US"/>
           </a:p>
@@ -1671,7 +1670,7 @@
           <a:p>
             <a:fld id="{53FFCFF5-268C-450A-90CA-A9303B69089F}" type="slidenum">
               <a:rPr lang="en-US" smtClean="0"/>
-              <a:t>30</a:t>
+              <a:t>29</a:t>
             </a:fld>
             <a:endParaRPr lang="en-US"/>
           </a:p>
@@ -1755,7 +1754,7 @@
           <a:p>
             <a:fld id="{53FFCFF5-268C-450A-90CA-A9303B69089F}" type="slidenum">
               <a:rPr lang="en-US" smtClean="0"/>
-              <a:t>31</a:t>
+              <a:t>30</a:t>
             </a:fld>
             <a:endParaRPr lang="en-US"/>
           </a:p>
@@ -1839,7 +1838,7 @@
           <a:p>
             <a:fld id="{53FFCFF5-268C-450A-90CA-A9303B69089F}" type="slidenum">
               <a:rPr lang="en-US" smtClean="0"/>
-              <a:t>32</a:t>
+              <a:t>31</a:t>
             </a:fld>
             <a:endParaRPr lang="en-US"/>
           </a:p>
@@ -1923,7 +1922,7 @@
           <a:p>
             <a:fld id="{53FFCFF5-268C-450A-90CA-A9303B69089F}" type="slidenum">
               <a:rPr lang="en-US" smtClean="0"/>
-              <a:t>33</a:t>
+              <a:t>32</a:t>
             </a:fld>
             <a:endParaRPr lang="en-US"/>
           </a:p>
@@ -2007,7 +2006,7 @@
           <a:p>
             <a:fld id="{53FFCFF5-268C-450A-90CA-A9303B69089F}" type="slidenum">
               <a:rPr lang="en-US" smtClean="0"/>
-              <a:t>34</a:t>
+              <a:t>33</a:t>
             </a:fld>
             <a:endParaRPr lang="en-US"/>
           </a:p>
@@ -2091,7 +2090,7 @@
           <a:p>
             <a:fld id="{53FFCFF5-268C-450A-90CA-A9303B69089F}" type="slidenum">
               <a:rPr lang="en-US" smtClean="0"/>
-              <a:t>35</a:t>
+              <a:t>34</a:t>
             </a:fld>
             <a:endParaRPr lang="en-US"/>
           </a:p>
@@ -2175,7 +2174,7 @@
           <a:p>
             <a:fld id="{53FFCFF5-268C-450A-90CA-A9303B69089F}" type="slidenum">
               <a:rPr lang="en-US" smtClean="0"/>
-              <a:t>42</a:t>
+              <a:t>41</a:t>
             </a:fld>
             <a:endParaRPr lang="en-US" dirty="0"/>
           </a:p>
@@ -2259,7 +2258,7 @@
           <a:p>
             <a:fld id="{53FFCFF5-268C-450A-90CA-A9303B69089F}" type="slidenum">
               <a:rPr lang="en-US" smtClean="0"/>
-              <a:t>43</a:t>
+              <a:t>42</a:t>
             </a:fld>
             <a:endParaRPr lang="en-US" dirty="0"/>
           </a:p>
@@ -2343,7 +2342,7 @@
           <a:p>
             <a:fld id="{53FFCFF5-268C-450A-90CA-A9303B69089F}" type="slidenum">
               <a:rPr lang="en-US" smtClean="0"/>
-              <a:t>44</a:t>
+              <a:t>43</a:t>
             </a:fld>
             <a:endParaRPr lang="en-US" dirty="0"/>
           </a:p>
@@ -2511,7 +2510,7 @@
           <a:p>
             <a:fld id="{53FFCFF5-268C-450A-90CA-A9303B69089F}" type="slidenum">
               <a:rPr lang="en-US" smtClean="0"/>
-              <a:t>46</a:t>
+              <a:t>45</a:t>
             </a:fld>
             <a:endParaRPr lang="en-US"/>
           </a:p>
@@ -2595,7 +2594,7 @@
           <a:p>
             <a:fld id="{53FFCFF5-268C-450A-90CA-A9303B69089F}" type="slidenum">
               <a:rPr lang="en-US" smtClean="0"/>
-              <a:t>48</a:t>
+              <a:t>47</a:t>
             </a:fld>
             <a:endParaRPr lang="en-US"/>
           </a:p>
@@ -13217,46 +13216,6 @@
           <a:lstStyle/>
           <a:p>
             <a:pPr marL="742950" indent="-742950">
-              <a:buAutoNum type="arabicPeriod"/>
-            </a:pPr>
-            <a:r>
-              <a:rPr lang="en-US" sz="2800" dirty="0">
-                <a:latin typeface="Arial" panose="020B0604020202020204" pitchFamily="34" charset="0"/>
-                <a:cs typeface="Arial" panose="020B0604020202020204" pitchFamily="34" charset="0"/>
-              </a:rPr>
-              <a:t>Add history to </a:t>
-            </a:r>
-            <a:r>
-              <a:rPr lang="en-US" sz="2800" dirty="0" err="1">
-                <a:latin typeface="Arial" panose="020B0604020202020204" pitchFamily="34" charset="0"/>
-                <a:cs typeface="Arial" panose="020B0604020202020204" pitchFamily="34" charset="0"/>
-              </a:rPr>
-              <a:t>App.js</a:t>
-            </a:r>
-            <a:r>
-              <a:rPr lang="en-US" sz="2800" dirty="0">
-                <a:latin typeface="Arial" panose="020B0604020202020204" pitchFamily="34" charset="0"/>
-                <a:cs typeface="Arial" panose="020B0604020202020204" pitchFamily="34" charset="0"/>
-              </a:rPr>
-              <a:t> and pass it as a prop to </a:t>
-            </a:r>
-            <a:r>
-              <a:rPr lang="en-US" sz="2800" dirty="0" err="1">
-                <a:latin typeface="Arial" panose="020B0604020202020204" pitchFamily="34" charset="0"/>
-                <a:cs typeface="Arial" panose="020B0604020202020204" pitchFamily="34" charset="0"/>
-              </a:rPr>
-              <a:t>AddDeveloper</a:t>
-            </a:r>
-            <a:endParaRPr lang="en-US" sz="2800" dirty="0">
-              <a:solidFill>
-                <a:schemeClr val="bg1"/>
-              </a:solidFill>
-              <a:latin typeface="Arial" panose="020B0604020202020204" pitchFamily="34" charset="0"/>
-              <a:cs typeface="Arial" panose="020B0604020202020204" pitchFamily="34" charset="0"/>
-            </a:endParaRPr>
-          </a:p>
-          <a:p>
-            <a:pPr marL="742950" indent="-742950">
               <a:buFont typeface="Arial" panose="020B0604020202020204" pitchFamily="34" charset="0"/>
               <a:buAutoNum type="arabicPeriod"/>
             </a:pPr>
@@ -13427,67 +13386,6 @@
                       </p:childTnLst>
                     </p:cTn>
                   </p:par>
-                  <p:par>
-                    <p:cTn id="8" fill="hold">
-                      <p:stCondLst>
-                        <p:cond delay="indefinite"/>
-                      </p:stCondLst>
-                      <p:childTnLst>
-                        <p:par>
-                          <p:cTn id="9" fill="hold">
-                            <p:stCondLst>
-                              <p:cond delay="0"/>
-                            </p:stCondLst>
-                            <p:childTnLst>
-                              <p:par>
-                                <p:cTn id="10" presetID="9" presetClass="entr" presetSubtype="0" fill="hold" grpId="0" nodeType="clickEffect">
-                                  <p:stCondLst>
-                                    <p:cond delay="0"/>
-                                  </p:stCondLst>
-                                  <p:childTnLst>
-                                    <p:set>
-                                      <p:cBhvr>
-                                        <p:cTn id="11" dur="1" fill="hold">
-                                          <p:stCondLst>
-                                            <p:cond delay="0"/>
-                                          </p:stCondLst>
-                                        </p:cTn>
-                                        <p:tgtEl>
-                                          <p:spTgt spid="3">
-                                            <p:txEl>
-                                              <p:pRg st="1" end="1"/>
-                                            </p:txEl>
-                                          </p:spTgt>
-                                        </p:tgtEl>
-                                        <p:attrNameLst>
-                                          <p:attrName>style.visibility</p:attrName>
-                                        </p:attrNameLst>
-                                      </p:cBhvr>
-                                      <p:to>
-                                        <p:strVal val="visible"/>
-                                      </p:to>
-                                    </p:set>
-                                    <p:animEffect transition="in" filter="dissolve">
-                                      <p:cBhvr>
-                                        <p:cTn id="12" dur="500"/>
-                                        <p:tgtEl>
-                                          <p:spTgt spid="3">
-                                            <p:txEl>
-                                              <p:pRg st="1" end="1"/>
-                                            </p:txEl>
-                                          </p:spTgt>
-                                        </p:tgtEl>
-                                      </p:cBhvr>
-                                    </p:animEffect>
-                                  </p:childTnLst>
-                                </p:cTn>
-                              </p:par>
-                            </p:childTnLst>
-                          </p:cTn>
-                        </p:par>
-                      </p:childTnLst>
-                    </p:cTn>
-                  </p:par>
                 </p:childTnLst>
               </p:cTn>
               <p:prevCondLst>
@@ -13517,131 +13415,6 @@
 </file>
 
 <file path=ppt/slides/slide22.xml><?xml version="1.0" encoding="utf-8"?>
-<p:sld xmlns:a="http://schemas.openxmlformats.org/drawingml/2006/main" xmlns:r="http://schemas.openxmlformats.org/officeDocument/2006/relationships" xmlns:p="http://schemas.openxmlformats.org/presentationml/2006/main">
-  <p:cSld>
-    <p:spTree>
-      <p:nvGrpSpPr>
-        <p:cNvPr id="1" name=""/>
-        <p:cNvGrpSpPr/>
-        <p:nvPr/>
-      </p:nvGrpSpPr>
-      <p:grpSpPr>
-        <a:xfrm>
-          <a:off x="0" y="0"/>
-          <a:ext cx="0" cy="0"/>
-          <a:chOff x="0" y="0"/>
-          <a:chExt cx="0" cy="0"/>
-        </a:xfrm>
-      </p:grpSpPr>
-      <p:sp>
-        <p:nvSpPr>
-          <p:cNvPr id="2" name="Title 1">
-            <a:extLst>
-              <a:ext uri="{FF2B5EF4-FFF2-40B4-BE49-F238E27FC236}">
-                <a16:creationId xmlns:a16="http://schemas.microsoft.com/office/drawing/2014/main" id="{2D0DBDDA-5B1E-5441-B24A-BEBE90DE3CA7}"/>
-              </a:ext>
-            </a:extLst>
-          </p:cNvPr>
-          <p:cNvSpPr>
-            <a:spLocks noGrp="1"/>
-          </p:cNvSpPr>
-          <p:nvPr>
-            <p:ph type="title"/>
-          </p:nvPr>
-        </p:nvSpPr>
-        <p:spPr>
-          <a:xfrm>
-            <a:off x="2322441" y="966462"/>
-            <a:ext cx="1517753" cy="607259"/>
-          </a:xfrm>
-        </p:spPr>
-        <p:txBody>
-          <a:bodyPr/>
-          <a:lstStyle/>
-          <a:p>
-            <a:pPr algn="ctr"/>
-            <a:r>
-              <a:rPr lang="en-US" dirty="0" err="1"/>
-              <a:t>App.js</a:t>
-            </a:r>
-            <a:endParaRPr lang="en-US" dirty="0"/>
-          </a:p>
-        </p:txBody>
-      </p:sp>
-      <p:pic>
-        <p:nvPicPr>
-          <p:cNvPr id="5" name="Picture 4">
-            <a:extLst>
-              <a:ext uri="{FF2B5EF4-FFF2-40B4-BE49-F238E27FC236}">
-                <a16:creationId xmlns:a16="http://schemas.microsoft.com/office/drawing/2014/main" id="{89D87D05-817F-6649-A32B-60F7F3B105BD}"/>
-              </a:ext>
-            </a:extLst>
-          </p:cNvPr>
-          <p:cNvPicPr>
-            <a:picLocks noChangeAspect="1"/>
-          </p:cNvPicPr>
-          <p:nvPr/>
-        </p:nvPicPr>
-        <p:blipFill>
-          <a:blip r:embed="rId2"/>
-          <a:stretch>
-            <a:fillRect/>
-          </a:stretch>
-        </p:blipFill>
-        <p:spPr>
-          <a:xfrm>
-            <a:off x="0" y="3048682"/>
-            <a:ext cx="12192000" cy="3809318"/>
-          </a:xfrm>
-          <a:prstGeom prst="rect">
-            <a:avLst/>
-          </a:prstGeom>
-        </p:spPr>
-      </p:pic>
-      <p:pic>
-        <p:nvPicPr>
-          <p:cNvPr id="8" name="Picture 7">
-            <a:extLst>
-              <a:ext uri="{FF2B5EF4-FFF2-40B4-BE49-F238E27FC236}">
-                <a16:creationId xmlns:a16="http://schemas.microsoft.com/office/drawing/2014/main" id="{A03D1C1D-6A07-B044-AAED-51E9BFD13B82}"/>
-              </a:ext>
-            </a:extLst>
-          </p:cNvPr>
-          <p:cNvPicPr>
-            <a:picLocks noChangeAspect="1"/>
-          </p:cNvPicPr>
-          <p:nvPr/>
-        </p:nvPicPr>
-        <p:blipFill>
-          <a:blip r:embed="rId3"/>
-          <a:stretch>
-            <a:fillRect/>
-          </a:stretch>
-        </p:blipFill>
-        <p:spPr>
-          <a:xfrm>
-            <a:off x="4603209" y="659319"/>
-            <a:ext cx="5981700" cy="1473200"/>
-          </a:xfrm>
-          <a:prstGeom prst="rect">
-            <a:avLst/>
-          </a:prstGeom>
-        </p:spPr>
-      </p:pic>
-    </p:spTree>
-    <p:extLst>
-      <p:ext uri="{BB962C8B-B14F-4D97-AF65-F5344CB8AC3E}">
-        <p14:creationId xmlns:p14="http://schemas.microsoft.com/office/powerpoint/2010/main" val="2907750080"/>
-      </p:ext>
-    </p:extLst>
-  </p:cSld>
-  <p:clrMapOvr>
-    <a:masterClrMapping/>
-  </p:clrMapOvr>
-</p:sld>
-</file>
-
-<file path=ppt/slides/slide23.xml><?xml version="1.0" encoding="utf-8"?>
 <p:sld xmlns:a="http://schemas.openxmlformats.org/drawingml/2006/main" xmlns:r="http://schemas.openxmlformats.org/officeDocument/2006/relationships" xmlns:p="http://schemas.openxmlformats.org/presentationml/2006/main">
   <p:cSld>
     <p:spTree>
@@ -13790,7 +13563,7 @@
 </p:sld>
 </file>
 
-<file path=ppt/slides/slide24.xml><?xml version="1.0" encoding="utf-8"?>
+<file path=ppt/slides/slide23.xml><?xml version="1.0" encoding="utf-8"?>
 <p:sld xmlns:a="http://schemas.openxmlformats.org/drawingml/2006/main" xmlns:r="http://schemas.openxmlformats.org/officeDocument/2006/relationships" xmlns:p="http://schemas.openxmlformats.org/presentationml/2006/main">
   <p:cSld>
     <p:spTree>
@@ -13859,7 +13632,7 @@
 </p:sld>
 </file>
 
-<file path=ppt/slides/slide25.xml><?xml version="1.0" encoding="utf-8"?>
+<file path=ppt/slides/slide24.xml><?xml version="1.0" encoding="utf-8"?>
 <p:sld xmlns:a="http://schemas.openxmlformats.org/drawingml/2006/main" xmlns:r="http://schemas.openxmlformats.org/officeDocument/2006/relationships" xmlns:p="http://schemas.openxmlformats.org/presentationml/2006/main">
   <p:cSld>
     <p:spTree>
@@ -14091,7 +13864,7 @@
 </p:sld>
 </file>
 
-<file path=ppt/slides/slide26.xml><?xml version="1.0" encoding="utf-8"?>
+<file path=ppt/slides/slide25.xml><?xml version="1.0" encoding="utf-8"?>
 <p:sld xmlns:a="http://schemas.openxmlformats.org/drawingml/2006/main" xmlns:r="http://schemas.openxmlformats.org/officeDocument/2006/relationships" xmlns:p="http://schemas.openxmlformats.org/presentationml/2006/main">
   <p:cSld>
     <p:spTree>
@@ -14358,7 +14131,7 @@
 </p:sld>
 </file>
 
-<file path=ppt/slides/slide27.xml><?xml version="1.0" encoding="utf-8"?>
+<file path=ppt/slides/slide26.xml><?xml version="1.0" encoding="utf-8"?>
 <p:sld xmlns:a="http://schemas.openxmlformats.org/drawingml/2006/main" xmlns:r="http://schemas.openxmlformats.org/officeDocument/2006/relationships" xmlns:p="http://schemas.openxmlformats.org/presentationml/2006/main">
   <p:cSld>
     <p:spTree>
@@ -14912,7 +14685,7 @@
 </p:sld>
 </file>
 
-<file path=ppt/slides/slide28.xml><?xml version="1.0" encoding="utf-8"?>
+<file path=ppt/slides/slide27.xml><?xml version="1.0" encoding="utf-8"?>
 <p:sld xmlns:a="http://schemas.openxmlformats.org/drawingml/2006/main" xmlns:r="http://schemas.openxmlformats.org/officeDocument/2006/relationships" xmlns:p="http://schemas.openxmlformats.org/presentationml/2006/main">
   <p:cSld>
     <p:spTree>
@@ -14972,6 +14745,386 @@
 </p:sld>
 </file>
 
+<file path=ppt/slides/slide28.xml><?xml version="1.0" encoding="utf-8"?>
+<p:sld xmlns:a="http://schemas.openxmlformats.org/drawingml/2006/main" xmlns:r="http://schemas.openxmlformats.org/officeDocument/2006/relationships" xmlns:p="http://schemas.openxmlformats.org/presentationml/2006/main">
+  <p:cSld>
+    <p:spTree>
+      <p:nvGrpSpPr>
+        <p:cNvPr id="1" name=""/>
+        <p:cNvGrpSpPr/>
+        <p:nvPr/>
+      </p:nvGrpSpPr>
+      <p:grpSpPr>
+        <a:xfrm>
+          <a:off x="0" y="0"/>
+          <a:ext cx="0" cy="0"/>
+          <a:chOff x="0" y="0"/>
+          <a:chExt cx="0" cy="0"/>
+        </a:xfrm>
+      </p:grpSpPr>
+      <p:sp>
+        <p:nvSpPr>
+          <p:cNvPr id="21" name="Title 1"/>
+          <p:cNvSpPr txBox="1">
+            <a:spLocks/>
+          </p:cNvSpPr>
+          <p:nvPr/>
+        </p:nvSpPr>
+        <p:spPr>
+          <a:xfrm>
+            <a:off x="474133" y="3835400"/>
+            <a:ext cx="11379200" cy="2336800"/>
+          </a:xfrm>
+          <a:prstGeom prst="rect">
+            <a:avLst/>
+          </a:prstGeom>
+        </p:spPr>
+        <p:txBody>
+          <a:bodyPr/>
+          <a:lstStyle>
+            <a:lvl1pPr algn="l" defTabSz="457200" rtl="0" eaLnBrk="1" latinLnBrk="0" hangingPunct="1">
+              <a:spcBef>
+                <a:spcPct val="0"/>
+              </a:spcBef>
+              <a:buNone/>
+              <a:defRPr sz="2000" b="1" kern="1200" baseline="0">
+                <a:solidFill>
+                  <a:schemeClr val="bg1"/>
+                </a:solidFill>
+                <a:latin typeface="+mj-lt"/>
+                <a:ea typeface="+mj-ea"/>
+                <a:cs typeface="+mj-cs"/>
+              </a:defRPr>
+            </a:lvl1pPr>
+          </a:lstStyle>
+          <a:p>
+            <a:r>
+              <a:rPr lang="en-US" sz="2400" dirty="0">
+                <a:solidFill>
+                  <a:schemeClr val="bg1">
+                    <a:lumMod val="85000"/>
+                  </a:schemeClr>
+                </a:solidFill>
+              </a:rPr>
+              <a:t>ComponentDidMount() </a:t>
+            </a:r>
+            <a:r>
+              <a:rPr lang="en-US" sz="2400" b="0" dirty="0">
+                <a:solidFill>
+                  <a:srgbClr val="C4E3B0"/>
+                </a:solidFill>
+              </a:rPr>
+              <a:t>- Invoked immediately after a component is mounted.</a:t>
+            </a:r>
+          </a:p>
+          <a:p>
+            <a:endParaRPr lang="en-US" sz="2400" b="0" dirty="0">
+              <a:solidFill>
+                <a:srgbClr val="C4E3B0"/>
+              </a:solidFill>
+            </a:endParaRPr>
+          </a:p>
+          <a:p>
+            <a:pPr marL="1066773" lvl="1" indent="-457189">
+              <a:buFont typeface="Arial" panose="020B0604020202020204" pitchFamily="34" charset="0"/>
+              <a:buChar char="•"/>
+            </a:pPr>
+            <a:r>
+              <a:rPr lang="en-US" sz="2400" dirty="0">
+                <a:solidFill>
+                  <a:srgbClr val="C4E3B0"/>
+                </a:solidFill>
+              </a:rPr>
+              <a:t>Initialization that requires DOM nodes should go here.</a:t>
+            </a:r>
+          </a:p>
+          <a:p>
+            <a:pPr marL="1066773" lvl="1" indent="-457189">
+              <a:buFont typeface="Arial" panose="020B0604020202020204" pitchFamily="34" charset="0"/>
+              <a:buChar char="•"/>
+            </a:pPr>
+            <a:r>
+              <a:rPr lang="en-US" sz="2400" dirty="0">
+                <a:solidFill>
+                  <a:srgbClr val="C4E3B0"/>
+                </a:solidFill>
+              </a:rPr>
+              <a:t>Its a good place to set up any subscriptions. If you do that, don’t forget to unsubscribe in </a:t>
+            </a:r>
+            <a:r>
+              <a:rPr lang="en-US" sz="2400" dirty="0" err="1">
+                <a:solidFill>
+                  <a:srgbClr val="C4E3B0"/>
+                </a:solidFill>
+              </a:rPr>
+              <a:t>componentWillUnmount</a:t>
+            </a:r>
+            <a:r>
+              <a:rPr lang="en-US" sz="2400" dirty="0">
+                <a:solidFill>
+                  <a:srgbClr val="C4E3B0"/>
+                </a:solidFill>
+              </a:rPr>
+              <a:t>(). </a:t>
+            </a:r>
+          </a:p>
+          <a:p>
+            <a:endParaRPr lang="en-US" sz="2400" b="0" dirty="0">
+              <a:solidFill>
+                <a:srgbClr val="C4E3B0"/>
+              </a:solidFill>
+            </a:endParaRPr>
+          </a:p>
+          <a:p>
+            <a:br>
+              <a:rPr lang="en-US" sz="2400" dirty="0">
+                <a:solidFill>
+                  <a:srgbClr val="C4E3B0"/>
+                </a:solidFill>
+                <a:latin typeface="+mn-lt"/>
+              </a:rPr>
+            </a:br>
+            <a:endParaRPr lang="en-US" sz="2400" dirty="0">
+              <a:solidFill>
+                <a:srgbClr val="C4E3B0"/>
+              </a:solidFill>
+              <a:latin typeface="+mn-lt"/>
+            </a:endParaRPr>
+          </a:p>
+        </p:txBody>
+      </p:sp>
+      <p:sp>
+        <p:nvSpPr>
+          <p:cNvPr id="22" name="TextBox 21"/>
+          <p:cNvSpPr txBox="1"/>
+          <p:nvPr/>
+        </p:nvSpPr>
+        <p:spPr>
+          <a:xfrm>
+            <a:off x="474133" y="1394699"/>
+            <a:ext cx="10566400" cy="2308324"/>
+          </a:xfrm>
+          <a:prstGeom prst="rect">
+            <a:avLst/>
+          </a:prstGeom>
+          <a:noFill/>
+        </p:spPr>
+        <p:txBody>
+          <a:bodyPr wrap="square" rtlCol="0">
+            <a:spAutoFit/>
+          </a:bodyPr>
+          <a:lstStyle/>
+          <a:p>
+            <a:r>
+              <a:rPr lang="en-US" sz="2400" dirty="0">
+                <a:solidFill>
+                  <a:schemeClr val="bg1">
+                    <a:lumMod val="85000"/>
+                  </a:schemeClr>
+                </a:solidFill>
+              </a:rPr>
+              <a:t> </a:t>
+            </a:r>
+            <a:r>
+              <a:rPr lang="en-US" sz="2400" b="1" dirty="0">
+                <a:solidFill>
+                  <a:schemeClr val="bg1">
+                    <a:lumMod val="85000"/>
+                  </a:schemeClr>
+                </a:solidFill>
+              </a:rPr>
+              <a:t>Constructor</a:t>
+            </a:r>
+            <a:r>
+              <a:rPr lang="en-US" sz="2400" dirty="0">
+                <a:solidFill>
+                  <a:schemeClr val="bg1"/>
+                </a:solidFill>
+              </a:rPr>
+              <a:t> </a:t>
+            </a:r>
+            <a:r>
+              <a:rPr lang="en-US" sz="2400" b="1" dirty="0">
+                <a:solidFill>
+                  <a:schemeClr val="bg1"/>
+                </a:solidFill>
+              </a:rPr>
+              <a:t>-</a:t>
+            </a:r>
+            <a:r>
+              <a:rPr lang="en-US" sz="2400" dirty="0">
+                <a:solidFill>
+                  <a:schemeClr val="bg1"/>
+                </a:solidFill>
+              </a:rPr>
+              <a:t> </a:t>
+            </a:r>
+            <a:r>
+              <a:rPr lang="en-US" sz="2400" dirty="0">
+                <a:solidFill>
+                  <a:srgbClr val="C4E3B0"/>
+                </a:solidFill>
+              </a:rPr>
+              <a:t>It is called before component is mounted. Typically, in React constructors are only used for two purposes:</a:t>
+            </a:r>
+          </a:p>
+          <a:p>
+            <a:endParaRPr lang="en-US" sz="2400" dirty="0">
+              <a:solidFill>
+                <a:srgbClr val="C4E3B0"/>
+              </a:solidFill>
+            </a:endParaRPr>
+          </a:p>
+          <a:p>
+            <a:pPr marL="990575" lvl="1" indent="-380990">
+              <a:buFont typeface="Arial" panose="020B0604020202020204" pitchFamily="34" charset="0"/>
+              <a:buChar char="•"/>
+            </a:pPr>
+            <a:r>
+              <a:rPr lang="en-US" sz="2400" dirty="0">
+                <a:solidFill>
+                  <a:srgbClr val="C4E3B0"/>
+                </a:solidFill>
+              </a:rPr>
+              <a:t>Binding event handler methods to an instance</a:t>
+            </a:r>
+          </a:p>
+          <a:p>
+            <a:pPr marL="990575" lvl="1" indent="-380990">
+              <a:buFont typeface="Arial" panose="020B0604020202020204" pitchFamily="34" charset="0"/>
+              <a:buChar char="•"/>
+            </a:pPr>
+            <a:r>
+              <a:rPr lang="en-US" sz="2400" dirty="0">
+                <a:solidFill>
+                  <a:srgbClr val="C4E3B0"/>
+                </a:solidFill>
+              </a:rPr>
+              <a:t>Initializing local state by assigning an object to this.state.</a:t>
+            </a:r>
+          </a:p>
+          <a:p>
+            <a:endParaRPr lang="en-US" sz="2400" dirty="0">
+              <a:solidFill>
+                <a:schemeClr val="bg1"/>
+              </a:solidFill>
+            </a:endParaRPr>
+          </a:p>
+        </p:txBody>
+      </p:sp>
+      <p:sp>
+        <p:nvSpPr>
+          <p:cNvPr id="23" name="Title 1"/>
+          <p:cNvSpPr txBox="1">
+            <a:spLocks/>
+          </p:cNvSpPr>
+          <p:nvPr/>
+        </p:nvSpPr>
+        <p:spPr>
+          <a:xfrm>
+            <a:off x="982133" y="2819400"/>
+            <a:ext cx="11514667" cy="812800"/>
+          </a:xfrm>
+          <a:prstGeom prst="rect">
+            <a:avLst/>
+          </a:prstGeom>
+        </p:spPr>
+        <p:txBody>
+          <a:bodyPr/>
+          <a:lstStyle>
+            <a:lvl1pPr algn="l" defTabSz="457200" rtl="0" eaLnBrk="1" latinLnBrk="0" hangingPunct="1">
+              <a:spcBef>
+                <a:spcPct val="0"/>
+              </a:spcBef>
+              <a:buNone/>
+              <a:defRPr sz="2000" b="1" kern="1200" baseline="0">
+                <a:solidFill>
+                  <a:schemeClr val="bg1"/>
+                </a:solidFill>
+                <a:latin typeface="+mj-lt"/>
+                <a:ea typeface="+mj-ea"/>
+                <a:cs typeface="+mj-cs"/>
+              </a:defRPr>
+            </a:lvl1pPr>
+          </a:lstStyle>
+          <a:p>
+            <a:pPr marL="380990" indent="-380990">
+              <a:buFont typeface="Arial" panose="020B0604020202020204" pitchFamily="34" charset="0"/>
+              <a:buChar char="•"/>
+            </a:pPr>
+            <a:endParaRPr lang="en-US" sz="2400" dirty="0">
+              <a:solidFill>
+                <a:srgbClr val="C4E3B0"/>
+              </a:solidFill>
+              <a:latin typeface="+mn-lt"/>
+              <a:ea typeface="+mn-ea"/>
+              <a:cs typeface="+mn-cs"/>
+            </a:endParaRPr>
+          </a:p>
+        </p:txBody>
+      </p:sp>
+      <p:sp>
+        <p:nvSpPr>
+          <p:cNvPr id="24" name="Title 1"/>
+          <p:cNvSpPr txBox="1">
+            <a:spLocks/>
+          </p:cNvSpPr>
+          <p:nvPr/>
+        </p:nvSpPr>
+        <p:spPr>
+          <a:xfrm>
+            <a:off x="474134" y="374875"/>
+            <a:ext cx="11186220" cy="607259"/>
+          </a:xfrm>
+          <a:prstGeom prst="rect">
+            <a:avLst/>
+          </a:prstGeom>
+        </p:spPr>
+        <p:txBody>
+          <a:bodyPr/>
+          <a:lstStyle>
+            <a:lvl1pPr algn="l" defTabSz="457200" rtl="0" eaLnBrk="1" latinLnBrk="0" hangingPunct="1">
+              <a:spcBef>
+                <a:spcPct val="0"/>
+              </a:spcBef>
+              <a:buNone/>
+              <a:defRPr sz="2000" b="1" kern="1200" baseline="0">
+                <a:solidFill>
+                  <a:schemeClr val="bg1"/>
+                </a:solidFill>
+                <a:latin typeface="+mj-lt"/>
+                <a:ea typeface="+mj-ea"/>
+                <a:cs typeface="+mj-cs"/>
+              </a:defRPr>
+            </a:lvl1pPr>
+          </a:lstStyle>
+          <a:p>
+            <a:r>
+              <a:rPr lang="en-US" sz="3200" dirty="0">
+                <a:solidFill>
+                  <a:schemeClr val="bg1">
+                    <a:lumMod val="85000"/>
+                  </a:schemeClr>
+                </a:solidFill>
+              </a:rPr>
+              <a:t>Commonly Used Lifecycle Methods</a:t>
+            </a:r>
+          </a:p>
+        </p:txBody>
+      </p:sp>
+    </p:spTree>
+    <p:extLst>
+      <p:ext uri="{BB962C8B-B14F-4D97-AF65-F5344CB8AC3E}">
+        <p14:creationId xmlns:p14="http://schemas.microsoft.com/office/powerpoint/2010/main" val="61651120"/>
+      </p:ext>
+    </p:extLst>
+  </p:cSld>
+  <p:clrMapOvr>
+    <a:masterClrMapping/>
+  </p:clrMapOvr>
+</p:sld>
+</file>
+
 <file path=ppt/slides/slide29.xml><?xml version="1.0" encoding="utf-8"?>
 <p:sld xmlns:a="http://schemas.openxmlformats.org/drawingml/2006/main" xmlns:r="http://schemas.openxmlformats.org/officeDocument/2006/relationships" xmlns:p="http://schemas.openxmlformats.org/presentationml/2006/main">
   <p:cSld>
@@ -14991,220 +15144,95 @@
       </p:grpSpPr>
       <p:sp>
         <p:nvSpPr>
-          <p:cNvPr id="21" name="Title 1"/>
-          <p:cNvSpPr txBox="1">
-            <a:spLocks/>
+          <p:cNvPr id="7" name="Rectangle 11"/>
+          <p:cNvSpPr>
+            <a:spLocks noChangeArrowheads="1"/>
           </p:cNvSpPr>
           <p:nvPr/>
         </p:nvSpPr>
-        <p:spPr>
+        <p:spPr bwMode="auto">
           <a:xfrm>
-            <a:off x="474133" y="3835400"/>
-            <a:ext cx="11379200" cy="2336800"/>
-          </a:xfrm>
-          <a:prstGeom prst="rect">
-            <a:avLst/>
-          </a:prstGeom>
-        </p:spPr>
-        <p:txBody>
-          <a:bodyPr/>
-          <a:lstStyle>
-            <a:lvl1pPr algn="l" defTabSz="457200" rtl="0" eaLnBrk="1" latinLnBrk="0" hangingPunct="1">
-              <a:spcBef>
-                <a:spcPct val="0"/>
-              </a:spcBef>
-              <a:buNone/>
-              <a:defRPr sz="2000" b="1" kern="1200" baseline="0">
-                <a:solidFill>
-                  <a:schemeClr val="bg1"/>
-                </a:solidFill>
-                <a:latin typeface="+mj-lt"/>
-                <a:ea typeface="+mj-ea"/>
-                <a:cs typeface="+mj-cs"/>
-              </a:defRPr>
-            </a:lvl1pPr>
-          </a:lstStyle>
-          <a:p>
-            <a:r>
-              <a:rPr lang="en-US" sz="2400" dirty="0">
-                <a:solidFill>
-                  <a:schemeClr val="bg1">
-                    <a:lumMod val="85000"/>
-                  </a:schemeClr>
-                </a:solidFill>
-              </a:rPr>
-              <a:t>ComponentDidMount() </a:t>
-            </a:r>
-            <a:r>
-              <a:rPr lang="en-US" sz="2400" b="0" dirty="0">
-                <a:solidFill>
-                  <a:srgbClr val="C4E3B0"/>
-                </a:solidFill>
-              </a:rPr>
-              <a:t>- Invoked immediately after a component is mounted.</a:t>
-            </a:r>
-          </a:p>
-          <a:p>
-            <a:endParaRPr lang="en-US" sz="2400" b="0" dirty="0">
-              <a:solidFill>
-                <a:srgbClr val="C4E3B0"/>
-              </a:solidFill>
-            </a:endParaRPr>
-          </a:p>
-          <a:p>
-            <a:pPr marL="1066773" lvl="1" indent="-457189">
-              <a:buFont typeface="Arial" panose="020B0604020202020204" pitchFamily="34" charset="0"/>
-              <a:buChar char="•"/>
-            </a:pPr>
-            <a:r>
-              <a:rPr lang="en-US" sz="2400" dirty="0">
-                <a:solidFill>
-                  <a:srgbClr val="C4E3B0"/>
-                </a:solidFill>
-              </a:rPr>
-              <a:t>Initialization that requires DOM nodes should go here.</a:t>
-            </a:r>
-          </a:p>
-          <a:p>
-            <a:pPr marL="1066773" lvl="1" indent="-457189">
-              <a:buFont typeface="Arial" panose="020B0604020202020204" pitchFamily="34" charset="0"/>
-              <a:buChar char="•"/>
-            </a:pPr>
-            <a:r>
-              <a:rPr lang="en-US" sz="2400" dirty="0">
-                <a:solidFill>
-                  <a:srgbClr val="C4E3B0"/>
-                </a:solidFill>
-              </a:rPr>
-              <a:t>Its a good place to set up any subscriptions. If you do that, don’t forget to unsubscribe in </a:t>
-            </a:r>
-            <a:r>
-              <a:rPr lang="en-US" sz="2400" dirty="0" err="1">
-                <a:solidFill>
-                  <a:srgbClr val="C4E3B0"/>
-                </a:solidFill>
-              </a:rPr>
-              <a:t>componentWillUnmount</a:t>
-            </a:r>
-            <a:r>
-              <a:rPr lang="en-US" sz="2400" dirty="0">
-                <a:solidFill>
-                  <a:srgbClr val="C4E3B0"/>
-                </a:solidFill>
-              </a:rPr>
-              <a:t>(). </a:t>
-            </a:r>
-          </a:p>
-          <a:p>
-            <a:endParaRPr lang="en-US" sz="2400" b="0" dirty="0">
-              <a:solidFill>
-                <a:srgbClr val="C4E3B0"/>
-              </a:solidFill>
-            </a:endParaRPr>
-          </a:p>
-          <a:p>
-            <a:br>
-              <a:rPr lang="en-US" sz="2400" dirty="0">
-                <a:solidFill>
-                  <a:srgbClr val="C4E3B0"/>
-                </a:solidFill>
-                <a:latin typeface="+mn-lt"/>
-              </a:rPr>
-            </a:br>
-            <a:endParaRPr lang="en-US" sz="2400" dirty="0">
-              <a:solidFill>
-                <a:srgbClr val="C4E3B0"/>
-              </a:solidFill>
-              <a:latin typeface="+mn-lt"/>
-            </a:endParaRPr>
-          </a:p>
-        </p:txBody>
-      </p:sp>
-      <p:sp>
-        <p:nvSpPr>
-          <p:cNvPr id="22" name="TextBox 21"/>
-          <p:cNvSpPr txBox="1"/>
-          <p:nvPr/>
-        </p:nvSpPr>
-        <p:spPr>
-          <a:xfrm>
-            <a:off x="474133" y="1394699"/>
-            <a:ext cx="10566400" cy="2308324"/>
+            <a:off x="648574" y="3022632"/>
+            <a:ext cx="10847548" cy="2322624"/>
           </a:xfrm>
           <a:prstGeom prst="rect">
             <a:avLst/>
           </a:prstGeom>
           <a:noFill/>
+          <a:ln>
+            <a:noFill/>
+          </a:ln>
+          <a:effectLst/>
+          <a:extLst>
+            <a:ext uri="{909E8E84-426E-40DD-AFC4-6F175D3DCCD1}">
+              <a14:hiddenFill xmlns:a14="http://schemas.microsoft.com/office/drawing/2010/main">
+                <a:solidFill>
+                  <a:schemeClr val="accent1"/>
+                </a:solidFill>
+              </a14:hiddenFill>
+            </a:ext>
+            <a:ext uri="{91240B29-F687-4F45-9708-019B960494DF}">
+              <a14:hiddenLine xmlns:a14="http://schemas.microsoft.com/office/drawing/2010/main" w="9525">
+                <a:solidFill>
+                  <a:schemeClr val="tx1"/>
+                </a:solidFill>
+                <a:miter lim="800000"/>
+                <a:headEnd/>
+                <a:tailEnd/>
+              </a14:hiddenLine>
+            </a:ext>
+            <a:ext uri="{AF507438-7753-43E0-B8FC-AC1667EBCBE1}">
+              <a14:hiddenEffects xmlns:a14="http://schemas.microsoft.com/office/drawing/2010/main">
+                <a:effectLst>
+                  <a:outerShdw dist="35921" dir="2700000" algn="ctr" rotWithShape="0">
+                    <a:schemeClr val="bg2"/>
+                  </a:outerShdw>
+                </a:effectLst>
+              </a14:hiddenEffects>
+            </a:ext>
+          </a:extLst>
         </p:spPr>
         <p:txBody>
-          <a:bodyPr wrap="square" rtlCol="0">
+          <a:bodyPr vert="horz" wrap="square" lIns="0" tIns="0" rIns="0" bIns="0" numCol="1" anchor="ctr" anchorCtr="0" compatLnSpc="1">
+            <a:prstTxWarp prst="textNoShape">
+              <a:avLst/>
+            </a:prstTxWarp>
             <a:spAutoFit/>
           </a:bodyPr>
           <a:lstStyle/>
           <a:p>
             <a:r>
-              <a:rPr lang="en-US" sz="2400" dirty="0">
+              <a:rPr lang="en-US" sz="2400" b="1" dirty="0" err="1">
                 <a:solidFill>
                   <a:schemeClr val="bg1">
                     <a:lumMod val="85000"/>
                   </a:schemeClr>
                 </a:solidFill>
               </a:rPr>
-              <a:t> </a:t>
-            </a:r>
-            <a:r>
-              <a:rPr lang="en-US" sz="2400" b="1" dirty="0">
-                <a:solidFill>
-                  <a:schemeClr val="bg1">
-                    <a:lumMod val="85000"/>
-                  </a:schemeClr>
-                </a:solidFill>
-              </a:rPr>
-              <a:t>Constructor</a:t>
-            </a:r>
-            <a:r>
-              <a:rPr lang="en-US" sz="2400" dirty="0">
-                <a:solidFill>
-                  <a:schemeClr val="bg1"/>
-                </a:solidFill>
-              </a:rPr>
-              <a:t> </a:t>
-            </a:r>
-            <a:r>
-              <a:rPr lang="en-US" sz="2400" b="1" dirty="0">
-                <a:solidFill>
-                  <a:schemeClr val="bg1"/>
-                </a:solidFill>
-              </a:rPr>
-              <a:t>-</a:t>
-            </a:r>
-            <a:r>
-              <a:rPr lang="en-US" sz="2400" dirty="0">
-                <a:solidFill>
-                  <a:schemeClr val="bg1"/>
-                </a:solidFill>
-              </a:rPr>
-              <a:t> </a:t>
-            </a:r>
-            <a:r>
-              <a:rPr lang="en-US" sz="2400" dirty="0">
+              <a:t>ComponentWillUnmount</a:t>
+            </a:r>
+            <a:r>
+              <a:rPr lang="en-US" sz="2133" dirty="0">
                 <a:solidFill>
                   <a:srgbClr val="C4E3B0"/>
                 </a:solidFill>
               </a:rPr>
-              <a:t>It is called before component is mounted. Typically, in React constructors are only used for two purposes:</a:t>
-            </a:r>
-          </a:p>
-          <a:p>
-            <a:endParaRPr lang="en-US" sz="2400" dirty="0">
+              <a:t>() </a:t>
+            </a:r>
+          </a:p>
+          <a:p>
+            <a:endParaRPr lang="en-US" sz="2133" dirty="0">
               <a:solidFill>
                 <a:srgbClr val="C4E3B0"/>
               </a:solidFill>
             </a:endParaRPr>
           </a:p>
           <a:p>
-            <a:pPr marL="990575" lvl="1" indent="-380990">
-              <a:buFont typeface="Arial" panose="020B0604020202020204" pitchFamily="34" charset="0"/>
+            <a:pPr marL="1066773" lvl="1" indent="-457189" defTabSz="609585">
+              <a:spcBef>
+                <a:spcPct val="20000"/>
+              </a:spcBef>
+              <a:buFont typeface="Arial"/>
               <a:buChar char="•"/>
             </a:pPr>
             <a:r>
@@ -15213,12 +15241,15 @@
                   <a:srgbClr val="C4E3B0"/>
                 </a:solidFill>
               </a:rPr>
-              <a:t>Binding event handler methods to an instance</a:t>
-            </a:r>
-          </a:p>
-          <a:p>
-            <a:pPr marL="990575" lvl="1" indent="-380990">
-              <a:buFont typeface="Arial" panose="020B0604020202020204" pitchFamily="34" charset="0"/>
+              <a:t>Invoked immediately before a component is unmounted and destroyed. .</a:t>
+            </a:r>
+          </a:p>
+          <a:p>
+            <a:pPr marL="1066773" lvl="1" indent="-457189" defTabSz="609585">
+              <a:spcBef>
+                <a:spcPct val="20000"/>
+              </a:spcBef>
+              <a:buFont typeface="Arial"/>
               <a:buChar char="•"/>
             </a:pPr>
             <a:r>
@@ -15227,122 +15258,172 @@
                   <a:srgbClr val="C4E3B0"/>
                 </a:solidFill>
               </a:rPr>
-              <a:t>Initializing local state by assigning an object to this.state.</a:t>
-            </a:r>
-          </a:p>
-          <a:p>
-            <a:endParaRPr lang="en-US" sz="2400" dirty="0">
+              <a:t>Perform any necessary cleanup in this method, such as invalidating timers, canceling network requests, or cleaning up any subscriptions that were created in componentDidMount().</a:t>
+            </a:r>
+            <a:endParaRPr lang="en-US" altLang="en-US" sz="2400" dirty="0">
               <a:solidFill>
-                <a:schemeClr val="bg1"/>
+                <a:srgbClr val="C4E3B0"/>
               </a:solidFill>
+              <a:latin typeface="Arial" panose="020B0604020202020204" pitchFamily="34" charset="0"/>
             </a:endParaRPr>
           </a:p>
         </p:txBody>
       </p:sp>
       <p:sp>
         <p:nvSpPr>
-          <p:cNvPr id="23" name="Title 1"/>
-          <p:cNvSpPr txBox="1">
-            <a:spLocks/>
+          <p:cNvPr id="8" name="Rectangle 11"/>
+          <p:cNvSpPr>
+            <a:spLocks noChangeArrowheads="1"/>
           </p:cNvSpPr>
           <p:nvPr/>
         </p:nvSpPr>
-        <p:spPr>
+        <p:spPr bwMode="auto">
           <a:xfrm>
-            <a:off x="982133" y="2819400"/>
-            <a:ext cx="11514667" cy="812800"/>
+            <a:off x="648573" y="787431"/>
+            <a:ext cx="10972800" cy="1953292"/>
           </a:xfrm>
           <a:prstGeom prst="rect">
             <a:avLst/>
           </a:prstGeom>
+          <a:noFill/>
+          <a:ln>
+            <a:noFill/>
+          </a:ln>
+          <a:effectLst/>
+          <a:extLst>
+            <a:ext uri="{909E8E84-426E-40DD-AFC4-6F175D3DCCD1}">
+              <a14:hiddenFill xmlns:a14="http://schemas.microsoft.com/office/drawing/2010/main">
+                <a:solidFill>
+                  <a:schemeClr val="accent1"/>
+                </a:solidFill>
+              </a14:hiddenFill>
+            </a:ext>
+            <a:ext uri="{91240B29-F687-4F45-9708-019B960494DF}">
+              <a14:hiddenLine xmlns:a14="http://schemas.microsoft.com/office/drawing/2010/main" w="9525">
+                <a:solidFill>
+                  <a:schemeClr val="tx1"/>
+                </a:solidFill>
+                <a:miter lim="800000"/>
+                <a:headEnd/>
+                <a:tailEnd/>
+              </a14:hiddenLine>
+            </a:ext>
+            <a:ext uri="{AF507438-7753-43E0-B8FC-AC1667EBCBE1}">
+              <a14:hiddenEffects xmlns:a14="http://schemas.microsoft.com/office/drawing/2010/main">
+                <a:effectLst>
+                  <a:outerShdw dist="35921" dir="2700000" algn="ctr" rotWithShape="0">
+                    <a:schemeClr val="bg2"/>
+                  </a:outerShdw>
+                </a:effectLst>
+              </a14:hiddenEffects>
+            </a:ext>
+          </a:extLst>
         </p:spPr>
         <p:txBody>
-          <a:bodyPr/>
-          <a:lstStyle>
-            <a:lvl1pPr algn="l" defTabSz="457200" rtl="0" eaLnBrk="1" latinLnBrk="0" hangingPunct="1">
+          <a:bodyPr vert="horz" wrap="square" lIns="0" tIns="0" rIns="0" bIns="0" numCol="1" anchor="ctr" anchorCtr="0" compatLnSpc="1">
+            <a:prstTxWarp prst="textNoShape">
+              <a:avLst/>
+            </a:prstTxWarp>
+            <a:spAutoFit/>
+          </a:bodyPr>
+          <a:lstStyle/>
+          <a:p>
+            <a:r>
+              <a:rPr lang="en-US" sz="2400" b="1" dirty="0">
+                <a:solidFill>
+                  <a:schemeClr val="bg1">
+                    <a:lumMod val="85000"/>
+                  </a:schemeClr>
+                </a:solidFill>
+              </a:rPr>
+              <a:t>ComponentDidUpdate</a:t>
+            </a:r>
+            <a:r>
+              <a:rPr lang="en-US" sz="2400" b="1" dirty="0">
+                <a:solidFill>
+                  <a:srgbClr val="C4E3B0"/>
+                </a:solidFill>
+              </a:rPr>
+              <a:t>() </a:t>
+            </a:r>
+          </a:p>
+          <a:p>
+            <a:endParaRPr lang="en-US" sz="2400" b="1" dirty="0">
+              <a:solidFill>
+                <a:srgbClr val="C4E3B0"/>
+              </a:solidFill>
+            </a:endParaRPr>
+          </a:p>
+          <a:p>
+            <a:pPr marL="1066773" lvl="1" indent="-457189" defTabSz="609585">
+              <a:spcBef>
+                <a:spcPct val="20000"/>
+              </a:spcBef>
+              <a:buFont typeface="Arial"/>
+              <a:buChar char="•"/>
+            </a:pPr>
+            <a:r>
+              <a:rPr lang="en-US" sz="2400" dirty="0">
+                <a:solidFill>
+                  <a:srgbClr val="C4E3B0"/>
+                </a:solidFill>
+              </a:rPr>
+              <a:t>Invoked immediately after updating occurs.</a:t>
+            </a:r>
+          </a:p>
+          <a:p>
+            <a:pPr marL="1066773" lvl="1" indent="-457189" defTabSz="609585">
+              <a:spcBef>
+                <a:spcPct val="20000"/>
+              </a:spcBef>
+              <a:buFont typeface="Arial"/>
+              <a:buChar char="•"/>
+            </a:pPr>
+            <a:r>
+              <a:rPr lang="en-US" sz="2400" dirty="0">
+                <a:solidFill>
+                  <a:srgbClr val="C4E3B0"/>
+                </a:solidFill>
+              </a:rPr>
+              <a:t>This is also a good place to do network requests</a:t>
+            </a:r>
+            <a:r>
+              <a:rPr lang="en-US" sz="2133" dirty="0">
+                <a:solidFill>
+                  <a:srgbClr val="C4E3B0"/>
+                </a:solidFill>
+              </a:rPr>
+              <a:t>.</a:t>
+            </a:r>
+            <a:endParaRPr lang="en-US" altLang="en-US" sz="2133" dirty="0">
+              <a:solidFill>
+                <a:srgbClr val="C4E3B0"/>
+              </a:solidFill>
+              <a:ea typeface="Times New Roman" panose="02020603050405020304" pitchFamily="18" charset="0"/>
+            </a:endParaRPr>
+          </a:p>
+          <a:p>
+            <a:pPr lvl="1" eaLnBrk="0" fontAlgn="base" hangingPunct="0">
               <a:spcBef>
                 <a:spcPct val="0"/>
               </a:spcBef>
-              <a:buNone/>
-              <a:defRPr sz="2000" b="1" kern="1200" baseline="0">
-                <a:solidFill>
-                  <a:schemeClr val="bg1"/>
-                </a:solidFill>
-                <a:latin typeface="+mj-lt"/>
-                <a:ea typeface="+mj-ea"/>
-                <a:cs typeface="+mj-cs"/>
-              </a:defRPr>
-            </a:lvl1pPr>
-          </a:lstStyle>
-          <a:p>
-            <a:pPr marL="380990" indent="-380990">
-              <a:buFont typeface="Arial" panose="020B0604020202020204" pitchFamily="34" charset="0"/>
-              <a:buChar char="•"/>
+              <a:spcAft>
+                <a:spcPct val="0"/>
+              </a:spcAft>
             </a:pPr>
-            <a:endParaRPr lang="en-US" sz="2400" dirty="0">
+            <a:endParaRPr lang="en-US" altLang="en-US" sz="2133" dirty="0">
               <a:solidFill>
                 <a:srgbClr val="C4E3B0"/>
               </a:solidFill>
-              <a:latin typeface="+mn-lt"/>
-              <a:ea typeface="+mn-ea"/>
-              <a:cs typeface="+mn-cs"/>
+              <a:latin typeface="Arial" panose="020B0604020202020204" pitchFamily="34" charset="0"/>
             </a:endParaRPr>
-          </a:p>
-        </p:txBody>
-      </p:sp>
-      <p:sp>
-        <p:nvSpPr>
-          <p:cNvPr id="24" name="Title 1"/>
-          <p:cNvSpPr txBox="1">
-            <a:spLocks/>
-          </p:cNvSpPr>
-          <p:nvPr/>
-        </p:nvSpPr>
-        <p:spPr>
-          <a:xfrm>
-            <a:off x="474134" y="374875"/>
-            <a:ext cx="11186220" cy="607259"/>
-          </a:xfrm>
-          <a:prstGeom prst="rect">
-            <a:avLst/>
-          </a:prstGeom>
-        </p:spPr>
-        <p:txBody>
-          <a:bodyPr/>
-          <a:lstStyle>
-            <a:lvl1pPr algn="l" defTabSz="457200" rtl="0" eaLnBrk="1" latinLnBrk="0" hangingPunct="1">
-              <a:spcBef>
-                <a:spcPct val="0"/>
-              </a:spcBef>
-              <a:buNone/>
-              <a:defRPr sz="2000" b="1" kern="1200" baseline="0">
-                <a:solidFill>
-                  <a:schemeClr val="bg1"/>
-                </a:solidFill>
-                <a:latin typeface="+mj-lt"/>
-                <a:ea typeface="+mj-ea"/>
-                <a:cs typeface="+mj-cs"/>
-              </a:defRPr>
-            </a:lvl1pPr>
-          </a:lstStyle>
-          <a:p>
-            <a:r>
-              <a:rPr lang="en-US" sz="3200" dirty="0">
-                <a:solidFill>
-                  <a:schemeClr val="bg1">
-                    <a:lumMod val="85000"/>
-                  </a:schemeClr>
-                </a:solidFill>
-              </a:rPr>
-              <a:t>Commonly Used Lifecycle Methods</a:t>
-            </a:r>
           </a:p>
         </p:txBody>
       </p:sp>
     </p:spTree>
     <p:extLst>
       <p:ext uri="{BB962C8B-B14F-4D97-AF65-F5344CB8AC3E}">
-        <p14:creationId xmlns:p14="http://schemas.microsoft.com/office/powerpoint/2010/main" val="61651120"/>
+        <p14:creationId xmlns:p14="http://schemas.microsoft.com/office/powerpoint/2010/main" val="2675055008"/>
       </p:ext>
     </p:extLst>
   </p:cSld>
@@ -15488,314 +15569,6 @@
       </p:grpSpPr>
       <p:sp>
         <p:nvSpPr>
-          <p:cNvPr id="7" name="Rectangle 11"/>
-          <p:cNvSpPr>
-            <a:spLocks noChangeArrowheads="1"/>
-          </p:cNvSpPr>
-          <p:nvPr/>
-        </p:nvSpPr>
-        <p:spPr bwMode="auto">
-          <a:xfrm>
-            <a:off x="648574" y="3022632"/>
-            <a:ext cx="10847548" cy="2322624"/>
-          </a:xfrm>
-          <a:prstGeom prst="rect">
-            <a:avLst/>
-          </a:prstGeom>
-          <a:noFill/>
-          <a:ln>
-            <a:noFill/>
-          </a:ln>
-          <a:effectLst/>
-          <a:extLst>
-            <a:ext uri="{909E8E84-426E-40DD-AFC4-6F175D3DCCD1}">
-              <a14:hiddenFill xmlns:a14="http://schemas.microsoft.com/office/drawing/2010/main">
-                <a:solidFill>
-                  <a:schemeClr val="accent1"/>
-                </a:solidFill>
-              </a14:hiddenFill>
-            </a:ext>
-            <a:ext uri="{91240B29-F687-4F45-9708-019B960494DF}">
-              <a14:hiddenLine xmlns:a14="http://schemas.microsoft.com/office/drawing/2010/main" w="9525">
-                <a:solidFill>
-                  <a:schemeClr val="tx1"/>
-                </a:solidFill>
-                <a:miter lim="800000"/>
-                <a:headEnd/>
-                <a:tailEnd/>
-              </a14:hiddenLine>
-            </a:ext>
-            <a:ext uri="{AF507438-7753-43E0-B8FC-AC1667EBCBE1}">
-              <a14:hiddenEffects xmlns:a14="http://schemas.microsoft.com/office/drawing/2010/main">
-                <a:effectLst>
-                  <a:outerShdw dist="35921" dir="2700000" algn="ctr" rotWithShape="0">
-                    <a:schemeClr val="bg2"/>
-                  </a:outerShdw>
-                </a:effectLst>
-              </a14:hiddenEffects>
-            </a:ext>
-          </a:extLst>
-        </p:spPr>
-        <p:txBody>
-          <a:bodyPr vert="horz" wrap="square" lIns="0" tIns="0" rIns="0" bIns="0" numCol="1" anchor="ctr" anchorCtr="0" compatLnSpc="1">
-            <a:prstTxWarp prst="textNoShape">
-              <a:avLst/>
-            </a:prstTxWarp>
-            <a:spAutoFit/>
-          </a:bodyPr>
-          <a:lstStyle/>
-          <a:p>
-            <a:r>
-              <a:rPr lang="en-US" sz="2400" b="1" dirty="0" err="1">
-                <a:solidFill>
-                  <a:schemeClr val="bg1">
-                    <a:lumMod val="85000"/>
-                  </a:schemeClr>
-                </a:solidFill>
-              </a:rPr>
-              <a:t>ComponentWillUnmount</a:t>
-            </a:r>
-            <a:r>
-              <a:rPr lang="en-US" sz="2133" dirty="0">
-                <a:solidFill>
-                  <a:srgbClr val="C4E3B0"/>
-                </a:solidFill>
-              </a:rPr>
-              <a:t>() </a:t>
-            </a:r>
-          </a:p>
-          <a:p>
-            <a:endParaRPr lang="en-US" sz="2133" dirty="0">
-              <a:solidFill>
-                <a:srgbClr val="C4E3B0"/>
-              </a:solidFill>
-            </a:endParaRPr>
-          </a:p>
-          <a:p>
-            <a:pPr marL="1066773" lvl="1" indent="-457189" defTabSz="609585">
-              <a:spcBef>
-                <a:spcPct val="20000"/>
-              </a:spcBef>
-              <a:buFont typeface="Arial"/>
-              <a:buChar char="•"/>
-            </a:pPr>
-            <a:r>
-              <a:rPr lang="en-US" sz="2400" dirty="0">
-                <a:solidFill>
-                  <a:srgbClr val="C4E3B0"/>
-                </a:solidFill>
-              </a:rPr>
-              <a:t>Invoked immediately before a component is unmounted and destroyed. .</a:t>
-            </a:r>
-          </a:p>
-          <a:p>
-            <a:pPr marL="1066773" lvl="1" indent="-457189" defTabSz="609585">
-              <a:spcBef>
-                <a:spcPct val="20000"/>
-              </a:spcBef>
-              <a:buFont typeface="Arial"/>
-              <a:buChar char="•"/>
-            </a:pPr>
-            <a:r>
-              <a:rPr lang="en-US" sz="2400" dirty="0">
-                <a:solidFill>
-                  <a:srgbClr val="C4E3B0"/>
-                </a:solidFill>
-              </a:rPr>
-              <a:t>Perform any necessary cleanup in this method, such as invalidating timers, canceling network requests, or cleaning up any subscriptions that were created in componentDidMount().</a:t>
-            </a:r>
-            <a:endParaRPr lang="en-US" altLang="en-US" sz="2400" dirty="0">
-              <a:solidFill>
-                <a:srgbClr val="C4E3B0"/>
-              </a:solidFill>
-              <a:latin typeface="Arial" panose="020B0604020202020204" pitchFamily="34" charset="0"/>
-            </a:endParaRPr>
-          </a:p>
-        </p:txBody>
-      </p:sp>
-      <p:sp>
-        <p:nvSpPr>
-          <p:cNvPr id="8" name="Rectangle 11"/>
-          <p:cNvSpPr>
-            <a:spLocks noChangeArrowheads="1"/>
-          </p:cNvSpPr>
-          <p:nvPr/>
-        </p:nvSpPr>
-        <p:spPr bwMode="auto">
-          <a:xfrm>
-            <a:off x="648573" y="787431"/>
-            <a:ext cx="10972800" cy="1953292"/>
-          </a:xfrm>
-          <a:prstGeom prst="rect">
-            <a:avLst/>
-          </a:prstGeom>
-          <a:noFill/>
-          <a:ln>
-            <a:noFill/>
-          </a:ln>
-          <a:effectLst/>
-          <a:extLst>
-            <a:ext uri="{909E8E84-426E-40DD-AFC4-6F175D3DCCD1}">
-              <a14:hiddenFill xmlns:a14="http://schemas.microsoft.com/office/drawing/2010/main">
-                <a:solidFill>
-                  <a:schemeClr val="accent1"/>
-                </a:solidFill>
-              </a14:hiddenFill>
-            </a:ext>
-            <a:ext uri="{91240B29-F687-4F45-9708-019B960494DF}">
-              <a14:hiddenLine xmlns:a14="http://schemas.microsoft.com/office/drawing/2010/main" w="9525">
-                <a:solidFill>
-                  <a:schemeClr val="tx1"/>
-                </a:solidFill>
-                <a:miter lim="800000"/>
-                <a:headEnd/>
-                <a:tailEnd/>
-              </a14:hiddenLine>
-            </a:ext>
-            <a:ext uri="{AF507438-7753-43E0-B8FC-AC1667EBCBE1}">
-              <a14:hiddenEffects xmlns:a14="http://schemas.microsoft.com/office/drawing/2010/main">
-                <a:effectLst>
-                  <a:outerShdw dist="35921" dir="2700000" algn="ctr" rotWithShape="0">
-                    <a:schemeClr val="bg2"/>
-                  </a:outerShdw>
-                </a:effectLst>
-              </a14:hiddenEffects>
-            </a:ext>
-          </a:extLst>
-        </p:spPr>
-        <p:txBody>
-          <a:bodyPr vert="horz" wrap="square" lIns="0" tIns="0" rIns="0" bIns="0" numCol="1" anchor="ctr" anchorCtr="0" compatLnSpc="1">
-            <a:prstTxWarp prst="textNoShape">
-              <a:avLst/>
-            </a:prstTxWarp>
-            <a:spAutoFit/>
-          </a:bodyPr>
-          <a:lstStyle/>
-          <a:p>
-            <a:r>
-              <a:rPr lang="en-US" sz="2400" b="1" dirty="0">
-                <a:solidFill>
-                  <a:schemeClr val="bg1">
-                    <a:lumMod val="85000"/>
-                  </a:schemeClr>
-                </a:solidFill>
-              </a:rPr>
-              <a:t>ComponentDidUpdate</a:t>
-            </a:r>
-            <a:r>
-              <a:rPr lang="en-US" sz="2400" b="1" dirty="0">
-                <a:solidFill>
-                  <a:srgbClr val="C4E3B0"/>
-                </a:solidFill>
-              </a:rPr>
-              <a:t>() </a:t>
-            </a:r>
-          </a:p>
-          <a:p>
-            <a:endParaRPr lang="en-US" sz="2400" b="1" dirty="0">
-              <a:solidFill>
-                <a:srgbClr val="C4E3B0"/>
-              </a:solidFill>
-            </a:endParaRPr>
-          </a:p>
-          <a:p>
-            <a:pPr marL="1066773" lvl="1" indent="-457189" defTabSz="609585">
-              <a:spcBef>
-                <a:spcPct val="20000"/>
-              </a:spcBef>
-              <a:buFont typeface="Arial"/>
-              <a:buChar char="•"/>
-            </a:pPr>
-            <a:r>
-              <a:rPr lang="en-US" sz="2400" dirty="0">
-                <a:solidFill>
-                  <a:srgbClr val="C4E3B0"/>
-                </a:solidFill>
-              </a:rPr>
-              <a:t>Invoked immediately after updating occurs.</a:t>
-            </a:r>
-          </a:p>
-          <a:p>
-            <a:pPr marL="1066773" lvl="1" indent="-457189" defTabSz="609585">
-              <a:spcBef>
-                <a:spcPct val="20000"/>
-              </a:spcBef>
-              <a:buFont typeface="Arial"/>
-              <a:buChar char="•"/>
-            </a:pPr>
-            <a:r>
-              <a:rPr lang="en-US" sz="2400" dirty="0">
-                <a:solidFill>
-                  <a:srgbClr val="C4E3B0"/>
-                </a:solidFill>
-              </a:rPr>
-              <a:t>This is also a good place to do network requests</a:t>
-            </a:r>
-            <a:r>
-              <a:rPr lang="en-US" sz="2133" dirty="0">
-                <a:solidFill>
-                  <a:srgbClr val="C4E3B0"/>
-                </a:solidFill>
-              </a:rPr>
-              <a:t>.</a:t>
-            </a:r>
-            <a:endParaRPr lang="en-US" altLang="en-US" sz="2133" dirty="0">
-              <a:solidFill>
-                <a:srgbClr val="C4E3B0"/>
-              </a:solidFill>
-              <a:ea typeface="Times New Roman" panose="02020603050405020304" pitchFamily="18" charset="0"/>
-            </a:endParaRPr>
-          </a:p>
-          <a:p>
-            <a:pPr lvl="1" eaLnBrk="0" fontAlgn="base" hangingPunct="0">
-              <a:spcBef>
-                <a:spcPct val="0"/>
-              </a:spcBef>
-              <a:spcAft>
-                <a:spcPct val="0"/>
-              </a:spcAft>
-            </a:pPr>
-            <a:endParaRPr lang="en-US" altLang="en-US" sz="2133" dirty="0">
-              <a:solidFill>
-                <a:srgbClr val="C4E3B0"/>
-              </a:solidFill>
-              <a:latin typeface="Arial" panose="020B0604020202020204" pitchFamily="34" charset="0"/>
-            </a:endParaRPr>
-          </a:p>
-        </p:txBody>
-      </p:sp>
-    </p:spTree>
-    <p:extLst>
-      <p:ext uri="{BB962C8B-B14F-4D97-AF65-F5344CB8AC3E}">
-        <p14:creationId xmlns:p14="http://schemas.microsoft.com/office/powerpoint/2010/main" val="2675055008"/>
-      </p:ext>
-    </p:extLst>
-  </p:cSld>
-  <p:clrMapOvr>
-    <a:masterClrMapping/>
-  </p:clrMapOvr>
-</p:sld>
-</file>
-
-<file path=ppt/slides/slide31.xml><?xml version="1.0" encoding="utf-8"?>
-<p:sld xmlns:a="http://schemas.openxmlformats.org/drawingml/2006/main" xmlns:r="http://schemas.openxmlformats.org/officeDocument/2006/relationships" xmlns:p="http://schemas.openxmlformats.org/presentationml/2006/main">
-  <p:cSld>
-    <p:spTree>
-      <p:nvGrpSpPr>
-        <p:cNvPr id="1" name=""/>
-        <p:cNvGrpSpPr/>
-        <p:nvPr/>
-      </p:nvGrpSpPr>
-      <p:grpSpPr>
-        <a:xfrm>
-          <a:off x="0" y="0"/>
-          <a:ext cx="0" cy="0"/>
-          <a:chOff x="0" y="0"/>
-          <a:chExt cx="0" cy="0"/>
-        </a:xfrm>
-      </p:grpSpPr>
-      <p:sp>
-        <p:nvSpPr>
           <p:cNvPr id="2" name="Title 1"/>
           <p:cNvSpPr>
             <a:spLocks noGrp="1"/>
@@ -16149,7 +15922,7 @@
 </p:sld>
 </file>
 
-<file path=ppt/slides/slide32.xml><?xml version="1.0" encoding="utf-8"?>
+<file path=ppt/slides/slide31.xml><?xml version="1.0" encoding="utf-8"?>
 <p:sld xmlns:a="http://schemas.openxmlformats.org/drawingml/2006/main" xmlns:r="http://schemas.openxmlformats.org/officeDocument/2006/relationships" xmlns:p="http://schemas.openxmlformats.org/presentationml/2006/main">
   <p:cSld>
     <p:spTree>
@@ -16209,7 +15982,7 @@
 </p:sld>
 </file>
 
-<file path=ppt/slides/slide33.xml><?xml version="1.0" encoding="utf-8"?>
+<file path=ppt/slides/slide32.xml><?xml version="1.0" encoding="utf-8"?>
 <p:sld xmlns:a="http://schemas.openxmlformats.org/drawingml/2006/main" xmlns:r="http://schemas.openxmlformats.org/officeDocument/2006/relationships" xmlns:p="http://schemas.openxmlformats.org/presentationml/2006/main">
   <p:cSld>
     <p:spTree>
@@ -16810,7 +16583,7 @@
 </p:sld>
 </file>
 
-<file path=ppt/slides/slide34.xml><?xml version="1.0" encoding="utf-8"?>
+<file path=ppt/slides/slide33.xml><?xml version="1.0" encoding="utf-8"?>
 <p:sld xmlns:a="http://schemas.openxmlformats.org/drawingml/2006/main" xmlns:r="http://schemas.openxmlformats.org/officeDocument/2006/relationships" xmlns:p="http://schemas.openxmlformats.org/presentationml/2006/main">
   <p:cSld>
     <p:spTree>
@@ -17411,7 +17184,7 @@
 </p:sld>
 </file>
 
-<file path=ppt/slides/slide35.xml><?xml version="1.0" encoding="utf-8"?>
+<file path=ppt/slides/slide34.xml><?xml version="1.0" encoding="utf-8"?>
 <p:sld xmlns:a="http://schemas.openxmlformats.org/drawingml/2006/main" xmlns:r="http://schemas.openxmlformats.org/officeDocument/2006/relationships" xmlns:p="http://schemas.openxmlformats.org/presentationml/2006/main">
   <p:cSld>
     <p:spTree>
@@ -17480,7 +17253,7 @@
 </p:sld>
 </file>
 
-<file path=ppt/slides/slide36.xml><?xml version="1.0" encoding="utf-8"?>
+<file path=ppt/slides/slide35.xml><?xml version="1.0" encoding="utf-8"?>
 <p:sld xmlns:a="http://schemas.openxmlformats.org/drawingml/2006/main" xmlns:r="http://schemas.openxmlformats.org/officeDocument/2006/relationships" xmlns:p="http://schemas.openxmlformats.org/presentationml/2006/main">
   <p:cSld>
     <p:spTree>
@@ -17775,7 +17548,7 @@
 </p:sld>
 </file>
 
-<file path=ppt/slides/slide37.xml><?xml version="1.0" encoding="utf-8"?>
+<file path=ppt/slides/slide36.xml><?xml version="1.0" encoding="utf-8"?>
 <p:sld xmlns:a="http://schemas.openxmlformats.org/drawingml/2006/main" xmlns:r="http://schemas.openxmlformats.org/officeDocument/2006/relationships" xmlns:p="http://schemas.openxmlformats.org/presentationml/2006/main">
   <p:cSld>
     <p:spTree>
@@ -18015,7 +17788,7 @@
 </p:sld>
 </file>
 
-<file path=ppt/slides/slide38.xml><?xml version="1.0" encoding="utf-8"?>
+<file path=ppt/slides/slide37.xml><?xml version="1.0" encoding="utf-8"?>
 <p:sld xmlns:a="http://schemas.openxmlformats.org/drawingml/2006/main" xmlns:r="http://schemas.openxmlformats.org/officeDocument/2006/relationships" xmlns:p="http://schemas.openxmlformats.org/presentationml/2006/main">
   <p:cSld>
     <p:spTree>
@@ -18084,13 +17857,13 @@
         </p:nvSpPr>
         <p:spPr>
           <a:xfrm>
-            <a:off x="2453268" y="1137831"/>
-            <a:ext cx="9230731" cy="3902520"/>
+            <a:off x="2435704" y="1137830"/>
+            <a:ext cx="9248296" cy="4316201"/>
           </a:xfrm>
         </p:spPr>
         <p:txBody>
           <a:bodyPr>
-            <a:normAutofit fontScale="92500" lnSpcReduction="20000"/>
+            <a:normAutofit fontScale="85000" lnSpcReduction="20000"/>
           </a:bodyPr>
           <a:lstStyle/>
           <a:p>
@@ -18124,7 +17897,7 @@
                 <a:latin typeface="Arial" panose="020B0604020202020204" pitchFamily="34" charset="0"/>
                 <a:cs typeface="Arial" panose="020B0604020202020204" pitchFamily="34" charset="0"/>
               </a:rPr>
-              <a:t>componentWillMount</a:t>
+              <a:t>componentDidMount</a:t>
             </a:r>
             <a:r>
               <a:rPr lang="en-US" sz="2800" dirty="0">
@@ -18255,8 +18028,39 @@
                 <a:latin typeface="Arial" panose="020B0604020202020204" pitchFamily="34" charset="0"/>
                 <a:cs typeface="Arial" panose="020B0604020202020204" pitchFamily="34" charset="0"/>
               </a:rPr>
-              <a:t> prop call to a regular variable.</a:t>
-            </a:r>
+              <a:t> prop call to a regular variable.  The post endpoint is the GET endpoint with the ‘s’ removed: </a:t>
+            </a:r>
+            <a:r>
+              <a:rPr lang="en-US" sz="2800" dirty="0">
+                <a:solidFill>
+                  <a:schemeClr val="accent2"/>
+                </a:solidFill>
+                <a:latin typeface="Arial" panose="020B0604020202020204" pitchFamily="34" charset="0"/>
+                <a:cs typeface="Arial" panose="020B0604020202020204" pitchFamily="34" charset="0"/>
+                <a:hlinkClick r:id="rId3">
+                  <a:extLst>
+                    <a:ext uri="{A12FA001-AC4F-418D-AE19-62706E023703}">
+                      <ahyp:hlinkClr xmlns:ahyp="http://schemas.microsoft.com/office/drawing/2018/hyperlinkcolor" val="tx"/>
+                    </a:ext>
+                  </a:extLst>
+                </a:hlinkClick>
+              </a:rPr>
+              <a:t>https://developer-service-overspeedy-celebratedness.cfapps.io/developer</a:t>
+            </a:r>
+            <a:r>
+              <a:rPr lang="en-US" sz="2800" dirty="0">
+                <a:solidFill>
+                  <a:schemeClr val="accent2"/>
+                </a:solidFill>
+                <a:latin typeface="Arial" panose="020B0604020202020204" pitchFamily="34" charset="0"/>
+                <a:cs typeface="Arial" panose="020B0604020202020204" pitchFamily="34" charset="0"/>
+              </a:rPr>
+              <a:t> </a:t>
+            </a:r>
+            <a:endParaRPr lang="en-US" sz="2800" dirty="0">
+              <a:latin typeface="Arial" panose="020B0604020202020204" pitchFamily="34" charset="0"/>
+              <a:cs typeface="Arial" panose="020B0604020202020204" pitchFamily="34" charset="0"/>
+            </a:endParaRPr>
           </a:p>
           <a:p>
             <a:pPr marL="742950" indent="-742950">
@@ -18367,7 +18171,7 @@
           <p:nvPr/>
         </p:nvPicPr>
         <p:blipFill>
-          <a:blip r:embed="rId3" cstate="print">
+          <a:blip r:embed="rId4" cstate="print">
             <a:extLst>
               <a:ext uri="{28A0092B-C50C-407E-A947-70E740481C1C}">
                 <a14:useLocalDpi xmlns:a14="http://schemas.microsoft.com/office/drawing/2010/main" val="0"/>
@@ -18617,7 +18421,7 @@
 </p:sld>
 </file>
 
-<file path=ppt/slides/slide39.xml><?xml version="1.0" encoding="utf-8"?>
+<file path=ppt/slides/slide38.xml><?xml version="1.0" encoding="utf-8"?>
 <p:sld xmlns:a="http://schemas.openxmlformats.org/drawingml/2006/main" xmlns:r="http://schemas.openxmlformats.org/officeDocument/2006/relationships" xmlns:p="http://schemas.openxmlformats.org/presentationml/2006/main">
   <p:cSld>
     <p:spTree>
@@ -18670,10 +18474,10 @@
       </p:sp>
       <p:pic>
         <p:nvPicPr>
-          <p:cNvPr id="5" name="Picture 4">
+          <p:cNvPr id="3" name="Picture 2">
             <a:extLst>
               <a:ext uri="{FF2B5EF4-FFF2-40B4-BE49-F238E27FC236}">
-                <a16:creationId xmlns:a16="http://schemas.microsoft.com/office/drawing/2014/main" id="{728232EC-2B67-E94D-9A68-139F3DF24467}"/>
+                <a16:creationId xmlns:a16="http://schemas.microsoft.com/office/drawing/2014/main" id="{41AE508D-D072-F343-B936-A8A40A93557B}"/>
               </a:ext>
             </a:extLst>
           </p:cNvPr>
@@ -18690,8 +18494,8 @@
         </p:blipFill>
         <p:spPr>
           <a:xfrm>
-            <a:off x="1424458" y="937520"/>
-            <a:ext cx="9332873" cy="5863373"/>
+            <a:off x="1340870" y="1154846"/>
+            <a:ext cx="9500049" cy="5703154"/>
           </a:xfrm>
           <a:prstGeom prst="rect">
             <a:avLst/>
@@ -18711,121 +18515,7 @@
 </p:sld>
 </file>
 
-<file path=ppt/slides/slide4.xml><?xml version="1.0" encoding="utf-8"?>
-<p:sld xmlns:a="http://schemas.openxmlformats.org/drawingml/2006/main" xmlns:r="http://schemas.openxmlformats.org/officeDocument/2006/relationships" xmlns:p="http://schemas.openxmlformats.org/presentationml/2006/main">
-  <p:cSld>
-    <p:spTree>
-      <p:nvGrpSpPr>
-        <p:cNvPr id="1" name=""/>
-        <p:cNvGrpSpPr/>
-        <p:nvPr/>
-      </p:nvGrpSpPr>
-      <p:grpSpPr>
-        <a:xfrm>
-          <a:off x="0" y="0"/>
-          <a:ext cx="0" cy="0"/>
-          <a:chOff x="0" y="0"/>
-          <a:chExt cx="0" cy="0"/>
-        </a:xfrm>
-      </p:grpSpPr>
-      <p:sp>
-        <p:nvSpPr>
-          <p:cNvPr id="10" name="Rectangle 9"/>
-          <p:cNvSpPr/>
-          <p:nvPr/>
-        </p:nvSpPr>
-        <p:spPr>
-          <a:xfrm>
-            <a:off x="1756779" y="1530752"/>
-            <a:ext cx="8521540" cy="3662990"/>
-          </a:xfrm>
-          <a:prstGeom prst="rect">
-            <a:avLst/>
-          </a:prstGeom>
-        </p:spPr>
-        <p:txBody>
-          <a:bodyPr wrap="square">
-            <a:spAutoFit/>
-          </a:bodyPr>
-          <a:lstStyle/>
-          <a:p>
-            <a:pPr algn="ctr">
-              <a:spcAft>
-                <a:spcPts val="1600"/>
-              </a:spcAft>
-            </a:pPr>
-            <a:r>
-              <a:rPr lang="en-US" sz="3200" b="1" dirty="0">
-                <a:solidFill>
-                  <a:schemeClr val="bg1">
-                    <a:lumMod val="85000"/>
-                  </a:schemeClr>
-                </a:solidFill>
-              </a:rPr>
-              <a:t>Benefits</a:t>
-            </a:r>
-          </a:p>
-          <a:p>
-            <a:pPr marL="685749" indent="-228594">
-              <a:buFont typeface="Arial" panose="020B0604020202020204" pitchFamily="34" charset="0"/>
-              <a:buChar char="•"/>
-            </a:pPr>
-            <a:r>
-              <a:rPr lang="en-US" sz="2667" dirty="0">
-                <a:solidFill>
-                  <a:srgbClr val="C4E3B0"/>
-                </a:solidFill>
-              </a:rPr>
-              <a:t>Must-know for React development</a:t>
-            </a:r>
-          </a:p>
-          <a:p>
-            <a:pPr marL="685749" indent="-228594">
-              <a:buFont typeface="Arial" panose="020B0604020202020204" pitchFamily="34" charset="0"/>
-              <a:buChar char="•"/>
-            </a:pPr>
-            <a:r>
-              <a:rPr lang="en-US" sz="2667" dirty="0">
-                <a:solidFill>
-                  <a:srgbClr val="C4E3B0"/>
-                </a:solidFill>
-              </a:rPr>
-              <a:t>Routing helps preserve state, browser history functionality</a:t>
-            </a:r>
-          </a:p>
-          <a:p>
-            <a:pPr marL="685749" indent="-228594">
-              <a:buFont typeface="Arial" panose="020B0604020202020204" pitchFamily="34" charset="0"/>
-              <a:buChar char="•"/>
-            </a:pPr>
-            <a:r>
-              <a:rPr lang="en-US" sz="2667" dirty="0">
-                <a:solidFill>
-                  <a:srgbClr val="C4E3B0"/>
-                </a:solidFill>
-              </a:rPr>
-              <a:t>Lifecycle methods are key to getting “in the middle” of a page’s rendering so that asynchronous events can be orchestrated such as accessing an API and using the results</a:t>
-            </a:r>
-          </a:p>
-        </p:txBody>
-      </p:sp>
-    </p:spTree>
-    <p:custDataLst>
-      <p:tags r:id="rId1"/>
-    </p:custDataLst>
-    <p:extLst>
-      <p:ext uri="{BB962C8B-B14F-4D97-AF65-F5344CB8AC3E}">
-        <p14:creationId xmlns:p14="http://schemas.microsoft.com/office/powerpoint/2010/main" val="819693354"/>
-      </p:ext>
-    </p:extLst>
-  </p:cSld>
-  <p:clrMapOvr>
-    <a:masterClrMapping/>
-  </p:clrMapOvr>
-</p:sld>
-</file>
-
-<file path=ppt/slides/slide40.xml><?xml version="1.0" encoding="utf-8"?>
+<file path=ppt/slides/slide39.xml><?xml version="1.0" encoding="utf-8"?>
 <p:sld xmlns:a="http://schemas.openxmlformats.org/drawingml/2006/main" xmlns:r="http://schemas.openxmlformats.org/officeDocument/2006/relationships" xmlns:p="http://schemas.openxmlformats.org/presentationml/2006/main">
   <p:cSld>
     <p:spTree>
@@ -18919,7 +18609,7 @@
 </p:sld>
 </file>
 
-<file path=ppt/slides/slide41.xml><?xml version="1.0" encoding="utf-8"?>
+<file path=ppt/slides/slide4.xml><?xml version="1.0" encoding="utf-8"?>
 <p:sld xmlns:a="http://schemas.openxmlformats.org/drawingml/2006/main" xmlns:r="http://schemas.openxmlformats.org/officeDocument/2006/relationships" xmlns:p="http://schemas.openxmlformats.org/presentationml/2006/main">
   <p:cSld>
     <p:spTree>
@@ -18938,6 +18628,120 @@
       </p:grpSpPr>
       <p:sp>
         <p:nvSpPr>
+          <p:cNvPr id="10" name="Rectangle 9"/>
+          <p:cNvSpPr/>
+          <p:nvPr/>
+        </p:nvSpPr>
+        <p:spPr>
+          <a:xfrm>
+            <a:off x="1756779" y="1530752"/>
+            <a:ext cx="8521540" cy="3662990"/>
+          </a:xfrm>
+          <a:prstGeom prst="rect">
+            <a:avLst/>
+          </a:prstGeom>
+        </p:spPr>
+        <p:txBody>
+          <a:bodyPr wrap="square">
+            <a:spAutoFit/>
+          </a:bodyPr>
+          <a:lstStyle/>
+          <a:p>
+            <a:pPr algn="ctr">
+              <a:spcAft>
+                <a:spcPts val="1600"/>
+              </a:spcAft>
+            </a:pPr>
+            <a:r>
+              <a:rPr lang="en-US" sz="3200" b="1" dirty="0">
+                <a:solidFill>
+                  <a:schemeClr val="bg1">
+                    <a:lumMod val="85000"/>
+                  </a:schemeClr>
+                </a:solidFill>
+              </a:rPr>
+              <a:t>Benefits</a:t>
+            </a:r>
+          </a:p>
+          <a:p>
+            <a:pPr marL="685749" indent="-228594">
+              <a:buFont typeface="Arial" panose="020B0604020202020204" pitchFamily="34" charset="0"/>
+              <a:buChar char="•"/>
+            </a:pPr>
+            <a:r>
+              <a:rPr lang="en-US" sz="2667" dirty="0">
+                <a:solidFill>
+                  <a:srgbClr val="C4E3B0"/>
+                </a:solidFill>
+              </a:rPr>
+              <a:t>Must-know for React development</a:t>
+            </a:r>
+          </a:p>
+          <a:p>
+            <a:pPr marL="685749" indent="-228594">
+              <a:buFont typeface="Arial" panose="020B0604020202020204" pitchFamily="34" charset="0"/>
+              <a:buChar char="•"/>
+            </a:pPr>
+            <a:r>
+              <a:rPr lang="en-US" sz="2667" dirty="0">
+                <a:solidFill>
+                  <a:srgbClr val="C4E3B0"/>
+                </a:solidFill>
+              </a:rPr>
+              <a:t>Routing helps preserve state, browser history functionality</a:t>
+            </a:r>
+          </a:p>
+          <a:p>
+            <a:pPr marL="685749" indent="-228594">
+              <a:buFont typeface="Arial" panose="020B0604020202020204" pitchFamily="34" charset="0"/>
+              <a:buChar char="•"/>
+            </a:pPr>
+            <a:r>
+              <a:rPr lang="en-US" sz="2667" dirty="0">
+                <a:solidFill>
+                  <a:srgbClr val="C4E3B0"/>
+                </a:solidFill>
+              </a:rPr>
+              <a:t>Lifecycle methods are key to getting “in the middle” of a page’s rendering so that asynchronous events can be orchestrated such as accessing an API and using the results</a:t>
+            </a:r>
+          </a:p>
+        </p:txBody>
+      </p:sp>
+    </p:spTree>
+    <p:custDataLst>
+      <p:tags r:id="rId1"/>
+    </p:custDataLst>
+    <p:extLst>
+      <p:ext uri="{BB962C8B-B14F-4D97-AF65-F5344CB8AC3E}">
+        <p14:creationId xmlns:p14="http://schemas.microsoft.com/office/powerpoint/2010/main" val="819693354"/>
+      </p:ext>
+    </p:extLst>
+  </p:cSld>
+  <p:clrMapOvr>
+    <a:masterClrMapping/>
+  </p:clrMapOvr>
+</p:sld>
+</file>
+
+<file path=ppt/slides/slide40.xml><?xml version="1.0" encoding="utf-8"?>
+<p:sld xmlns:a="http://schemas.openxmlformats.org/drawingml/2006/main" xmlns:r="http://schemas.openxmlformats.org/officeDocument/2006/relationships" xmlns:p="http://schemas.openxmlformats.org/presentationml/2006/main">
+  <p:cSld>
+    <p:spTree>
+      <p:nvGrpSpPr>
+        <p:cNvPr id="1" name=""/>
+        <p:cNvGrpSpPr/>
+        <p:nvPr/>
+      </p:nvGrpSpPr>
+      <p:grpSpPr>
+        <a:xfrm>
+          <a:off x="0" y="0"/>
+          <a:ext cx="0" cy="0"/>
+          <a:chOff x="0" y="0"/>
+          <a:chExt cx="0" cy="0"/>
+        </a:xfrm>
+      </p:grpSpPr>
+      <p:sp>
+        <p:nvSpPr>
           <p:cNvPr id="8" name="Title 7"/>
           <p:cNvSpPr>
             <a:spLocks noGrp="1"/>
@@ -19094,7 +18898,7 @@
 </p:sld>
 </file>
 
-<file path=ppt/slides/slide42.xml><?xml version="1.0" encoding="utf-8"?>
+<file path=ppt/slides/slide41.xml><?xml version="1.0" encoding="utf-8"?>
 <p:sld xmlns:a="http://schemas.openxmlformats.org/drawingml/2006/main" xmlns:r="http://schemas.openxmlformats.org/officeDocument/2006/relationships" xmlns:p="http://schemas.openxmlformats.org/presentationml/2006/main">
   <p:cSld>
     <p:spTree>
@@ -19585,7 +19389,7 @@
 </p:sld>
 </file>
 
-<file path=ppt/slides/slide43.xml><?xml version="1.0" encoding="utf-8"?>
+<file path=ppt/slides/slide42.xml><?xml version="1.0" encoding="utf-8"?>
 <p:sld xmlns:a="http://schemas.openxmlformats.org/drawingml/2006/main" xmlns:r="http://schemas.openxmlformats.org/officeDocument/2006/relationships" xmlns:p="http://schemas.openxmlformats.org/presentationml/2006/main">
   <p:cSld>
     <p:spTree>
@@ -20095,7 +19899,7 @@
 </p:sld>
 </file>
 
-<file path=ppt/slides/slide44.xml><?xml version="1.0" encoding="utf-8"?>
+<file path=ppt/slides/slide43.xml><?xml version="1.0" encoding="utf-8"?>
 <p:sld xmlns:a="http://schemas.openxmlformats.org/drawingml/2006/main" xmlns:r="http://schemas.openxmlformats.org/officeDocument/2006/relationships" xmlns:p="http://schemas.openxmlformats.org/presentationml/2006/main">
   <p:cSld>
     <p:spTree>
@@ -20513,7 +20317,7 @@
 </p:sld>
 </file>
 
-<file path=ppt/slides/slide45.xml><?xml version="1.0" encoding="utf-8"?>
+<file path=ppt/slides/slide44.xml><?xml version="1.0" encoding="utf-8"?>
 <p:sld xmlns:a="http://schemas.openxmlformats.org/drawingml/2006/main" xmlns:r="http://schemas.openxmlformats.org/officeDocument/2006/relationships" xmlns:p="http://schemas.openxmlformats.org/presentationml/2006/main">
   <p:cSld>
     <p:bg>
@@ -20852,7 +20656,7 @@
 </p:sld>
 </file>
 
-<file path=ppt/slides/slide46.xml><?xml version="1.0" encoding="utf-8"?>
+<file path=ppt/slides/slide45.xml><?xml version="1.0" encoding="utf-8"?>
 <p:sld xmlns:a="http://schemas.openxmlformats.org/drawingml/2006/main" xmlns:r="http://schemas.openxmlformats.org/officeDocument/2006/relationships" xmlns:p="http://schemas.openxmlformats.org/presentationml/2006/main">
   <p:cSld>
     <p:spTree>
@@ -20969,7 +20773,7 @@
 </p:sld>
 </file>
 
-<file path=ppt/slides/slide47.xml><?xml version="1.0" encoding="utf-8"?>
+<file path=ppt/slides/slide46.xml><?xml version="1.0" encoding="utf-8"?>
 <p:sld xmlns:a="http://schemas.openxmlformats.org/drawingml/2006/main" xmlns:r="http://schemas.openxmlformats.org/officeDocument/2006/relationships" xmlns:p="http://schemas.openxmlformats.org/presentationml/2006/main">
   <p:cSld>
     <p:bg>
@@ -21051,7 +20855,7 @@
 </p:sld>
 </file>
 
-<file path=ppt/slides/slide48.xml><?xml version="1.0" encoding="utf-8"?>
+<file path=ppt/slides/slide47.xml><?xml version="1.0" encoding="utf-8"?>
 <p:sld xmlns:a="http://schemas.openxmlformats.org/drawingml/2006/main" xmlns:r="http://schemas.openxmlformats.org/officeDocument/2006/relationships" xmlns:p="http://schemas.openxmlformats.org/presentationml/2006/main">
   <p:cSld>
     <p:spTree>

--- a/04 React Routing, Component Lifecycle Methods.pptx
+++ b/04 React Routing, Component Lifecycle Methods.pptx
@@ -246,7 +246,7 @@
           <a:p>
             <a:fld id="{B376EE29-1A90-1146-96FE-FD5979F1AFC2}" type="datetimeFigureOut">
               <a:rPr lang="en-US" smtClean="0"/>
-              <a:t>3/18/20</a:t>
+              <a:t>3/23/20</a:t>
             </a:fld>
             <a:endParaRPr lang="en-US"/>
           </a:p>
@@ -3269,7 +3269,7 @@
           <a:p>
             <a:fld id="{FAC8553D-62A4-B94A-B303-E17560B89933}" type="datetimeFigureOut">
               <a:rPr lang="en-US" smtClean="0"/>
-              <a:t>3/18/20</a:t>
+              <a:t>3/23/20</a:t>
             </a:fld>
             <a:endParaRPr lang="en-US"/>
           </a:p>
@@ -3467,7 +3467,7 @@
           <a:p>
             <a:fld id="{FAC8553D-62A4-B94A-B303-E17560B89933}" type="datetimeFigureOut">
               <a:rPr lang="en-US" smtClean="0"/>
-              <a:t>3/18/20</a:t>
+              <a:t>3/23/20</a:t>
             </a:fld>
             <a:endParaRPr lang="en-US"/>
           </a:p>
@@ -3675,7 +3675,7 @@
           <a:p>
             <a:fld id="{FAC8553D-62A4-B94A-B303-E17560B89933}" type="datetimeFigureOut">
               <a:rPr lang="en-US" smtClean="0"/>
-              <a:t>3/18/20</a:t>
+              <a:t>3/23/20</a:t>
             </a:fld>
             <a:endParaRPr lang="en-US"/>
           </a:p>
@@ -6307,7 +6307,7 @@
           <a:p>
             <a:fld id="{FAC8553D-62A4-B94A-B303-E17560B89933}" type="datetimeFigureOut">
               <a:rPr lang="en-US" smtClean="0"/>
-              <a:t>3/18/20</a:t>
+              <a:t>3/23/20</a:t>
             </a:fld>
             <a:endParaRPr lang="en-US"/>
           </a:p>
@@ -7048,7 +7048,7 @@
           <a:p>
             <a:fld id="{FAC8553D-62A4-B94A-B303-E17560B89933}" type="datetimeFigureOut">
               <a:rPr lang="en-US" smtClean="0"/>
-              <a:t>3/18/20</a:t>
+              <a:t>3/23/20</a:t>
             </a:fld>
             <a:endParaRPr lang="en-US"/>
           </a:p>
@@ -7313,7 +7313,7 @@
           <a:p>
             <a:fld id="{FAC8553D-62A4-B94A-B303-E17560B89933}" type="datetimeFigureOut">
               <a:rPr lang="en-US" smtClean="0"/>
-              <a:t>3/18/20</a:t>
+              <a:t>3/23/20</a:t>
             </a:fld>
             <a:endParaRPr lang="en-US"/>
           </a:p>
@@ -7725,7 +7725,7 @@
           <a:p>
             <a:fld id="{FAC8553D-62A4-B94A-B303-E17560B89933}" type="datetimeFigureOut">
               <a:rPr lang="en-US" smtClean="0"/>
-              <a:t>3/18/20</a:t>
+              <a:t>3/23/20</a:t>
             </a:fld>
             <a:endParaRPr lang="en-US"/>
           </a:p>
@@ -7866,7 +7866,7 @@
           <a:p>
             <a:fld id="{FAC8553D-62A4-B94A-B303-E17560B89933}" type="datetimeFigureOut">
               <a:rPr lang="en-US" smtClean="0"/>
-              <a:t>3/18/20</a:t>
+              <a:t>3/23/20</a:t>
             </a:fld>
             <a:endParaRPr lang="en-US"/>
           </a:p>
@@ -7979,7 +7979,7 @@
           <a:p>
             <a:fld id="{FAC8553D-62A4-B94A-B303-E17560B89933}" type="datetimeFigureOut">
               <a:rPr lang="en-US" smtClean="0"/>
-              <a:t>3/18/20</a:t>
+              <a:t>3/23/20</a:t>
             </a:fld>
             <a:endParaRPr lang="en-US"/>
           </a:p>
@@ -8290,7 +8290,7 @@
           <a:p>
             <a:fld id="{FAC8553D-62A4-B94A-B303-E17560B89933}" type="datetimeFigureOut">
               <a:rPr lang="en-US" smtClean="0"/>
-              <a:t>3/18/20</a:t>
+              <a:t>3/23/20</a:t>
             </a:fld>
             <a:endParaRPr lang="en-US"/>
           </a:p>
@@ -8578,7 +8578,7 @@
           <a:p>
             <a:fld id="{FAC8553D-62A4-B94A-B303-E17560B89933}" type="datetimeFigureOut">
               <a:rPr lang="en-US" smtClean="0"/>
-              <a:t>3/18/20</a:t>
+              <a:t>3/23/20</a:t>
             </a:fld>
             <a:endParaRPr lang="en-US"/>
           </a:p>
@@ -8831,7 +8831,7 @@
           <a:p>
             <a:fld id="{FAC8553D-62A4-B94A-B303-E17560B89933}" type="datetimeFigureOut">
               <a:rPr lang="en-US" smtClean="0"/>
-              <a:t>3/18/20</a:t>
+              <a:t>3/23/20</a:t>
             </a:fld>
             <a:endParaRPr lang="en-US"/>
           </a:p>
@@ -19486,7 +19486,7 @@
         <p:spPr>
           <a:xfrm>
             <a:off x="319790" y="627506"/>
-            <a:ext cx="11074400" cy="6413422"/>
+            <a:ext cx="11074400" cy="4689489"/>
           </a:xfrm>
           <a:prstGeom prst="rect">
             <a:avLst/>
@@ -19497,22 +19497,6 @@
             <a:spAutoFit/>
           </a:bodyPr>
           <a:lstStyle/>
-          <a:p>
-            <a:pPr marL="457189" indent="-457189">
-              <a:buFont typeface="+mj-lt"/>
-              <a:buAutoNum type="arabicPeriod"/>
-            </a:pPr>
-            <a:r>
-              <a:rPr lang="en-US" sz="1867" dirty="0">
-                <a:solidFill>
-                  <a:schemeClr val="bg1">
-                    <a:lumMod val="85000"/>
-                  </a:schemeClr>
-                </a:solidFill>
-              </a:rPr>
-              <a:t>Which method in a React Component should you override to stop the component from  updating?</a:t>
-            </a:r>
-          </a:p>
           <a:p>
             <a:pPr marL="457189" indent="-457189">
               <a:buFont typeface="+mj-lt"/>
@@ -19527,6 +19511,118 @@
             </a:endParaRPr>
           </a:p>
           <a:p>
+            <a:pPr marL="457200" indent="-457200">
+              <a:buFont typeface="+mj-lt"/>
+              <a:buAutoNum type="arabicPeriod" startAt="4"/>
+            </a:pPr>
+            <a:r>
+              <a:rPr lang="en-US" sz="1867" dirty="0">
+                <a:solidFill>
+                  <a:schemeClr val="bg1">
+                    <a:lumMod val="85000"/>
+                  </a:schemeClr>
+                </a:solidFill>
+              </a:rPr>
+              <a:t>Identify the life cycle method that can be used to stop a component update or re-render.</a:t>
+            </a:r>
+          </a:p>
+          <a:p>
+            <a:r>
+              <a:rPr lang="en-US" sz="1867" dirty="0">
+                <a:solidFill>
+                  <a:schemeClr val="bg1">
+                    <a:lumMod val="85000"/>
+                  </a:schemeClr>
+                </a:solidFill>
+              </a:rPr>
+              <a:t>	I </a:t>
+            </a:r>
+            <a:r>
+              <a:rPr lang="en-US" sz="1867" dirty="0" err="1">
+                <a:solidFill>
+                  <a:schemeClr val="bg1">
+                    <a:lumMod val="85000"/>
+                  </a:schemeClr>
+                </a:solidFill>
+              </a:rPr>
+              <a:t>componentWillUpdate</a:t>
+            </a:r>
+            <a:r>
+              <a:rPr lang="en-US" sz="1867" dirty="0">
+                <a:solidFill>
+                  <a:schemeClr val="bg1">
+                    <a:lumMod val="85000"/>
+                  </a:schemeClr>
+                </a:solidFill>
+              </a:rPr>
+              <a:t>()</a:t>
+            </a:r>
+          </a:p>
+          <a:p>
+            <a:r>
+              <a:rPr lang="en-US" sz="1867" dirty="0">
+                <a:solidFill>
+                  <a:schemeClr val="bg1">
+                    <a:lumMod val="85000"/>
+                  </a:schemeClr>
+                </a:solidFill>
+              </a:rPr>
+              <a:t>	II </a:t>
+            </a:r>
+            <a:r>
+              <a:rPr lang="en-US" sz="1867" dirty="0" err="1">
+                <a:solidFill>
+                  <a:schemeClr val="bg1">
+                    <a:lumMod val="85000"/>
+                  </a:schemeClr>
+                </a:solidFill>
+              </a:rPr>
+              <a:t>shouldComponentUpdate</a:t>
+            </a:r>
+            <a:r>
+              <a:rPr lang="en-US" sz="1867" dirty="0">
+                <a:solidFill>
+                  <a:schemeClr val="bg1">
+                    <a:lumMod val="85000"/>
+                  </a:schemeClr>
+                </a:solidFill>
+              </a:rPr>
+              <a:t>()</a:t>
+            </a:r>
+          </a:p>
+          <a:p>
+            <a:r>
+              <a:rPr lang="en-US" sz="1867" dirty="0">
+                <a:solidFill>
+                  <a:schemeClr val="bg1">
+                    <a:lumMod val="85000"/>
+                  </a:schemeClr>
+                </a:solidFill>
+              </a:rPr>
+              <a:t>	III </a:t>
+            </a:r>
+            <a:r>
+              <a:rPr lang="en-US" sz="1867" dirty="0" err="1">
+                <a:solidFill>
+                  <a:schemeClr val="bg1">
+                    <a:lumMod val="85000"/>
+                  </a:schemeClr>
+                </a:solidFill>
+              </a:rPr>
+              <a:t>componentDidUpdate</a:t>
+            </a:r>
+            <a:r>
+              <a:rPr lang="en-US" sz="1867" dirty="0">
+                <a:solidFill>
+                  <a:schemeClr val="bg1">
+                    <a:lumMod val="85000"/>
+                  </a:schemeClr>
+                </a:solidFill>
+              </a:rPr>
+              <a:t>() </a:t>
+            </a:r>
+          </a:p>
+          <a:p>
             <a:pPr marL="1066773" lvl="1" indent="-457189">
               <a:buFont typeface="+mj-lt"/>
               <a:buAutoNum type="alphaUcPeriod"/>
@@ -19539,7 +19635,7 @@
                   </a:schemeClr>
                 </a:solidFill>
               </a:rPr>
-              <a:t>willComponentUpdate</a:t>
+              <a:t>I only</a:t>
             </a:r>
           </a:p>
           <a:p>
@@ -19555,7 +19651,7 @@
                   </a:schemeClr>
                 </a:solidFill>
               </a:rPr>
-              <a:t>shouldComponentUpdate</a:t>
+              <a:t>II only</a:t>
             </a:r>
           </a:p>
           <a:p>
@@ -19571,7 +19667,7 @@
                   </a:schemeClr>
                 </a:solidFill>
               </a:rPr>
-              <a:t>componentDidUpdate</a:t>
+              <a:t>I, II, and II</a:t>
             </a:r>
           </a:p>
           <a:p>
@@ -19587,14 +19683,10 @@
                   </a:schemeClr>
                 </a:solidFill>
               </a:rPr>
-              <a:t>componentDidMount</a:t>
-            </a:r>
-          </a:p>
-          <a:p>
-            <a:pPr marL="457189" indent="-457189">
-              <a:buFont typeface="+mj-lt"/>
-              <a:buAutoNum type="arabicPeriod"/>
-            </a:pPr>
+              <a:t>III only</a:t>
+            </a:r>
+          </a:p>
+          <a:p>
             <a:endParaRPr lang="en-US" sz="1867" dirty="0">
               <a:solidFill>
                 <a:schemeClr val="bg1">
@@ -19604,10 +19696,6 @@
             </a:endParaRPr>
           </a:p>
           <a:p>
-            <a:pPr marL="457189" indent="-457189">
-              <a:buFont typeface="+mj-lt"/>
-              <a:buAutoNum type="arabicPeriod"/>
-            </a:pPr>
             <a:r>
               <a:rPr lang="en-US" sz="1867" dirty="0">
                 <a:solidFill>
@@ -19616,196 +19704,7 @@
                   </a:schemeClr>
                 </a:solidFill>
               </a:rPr>
-              <a:t>Identify the life cycle method that can be used to stop a component update or re-render.</a:t>
-            </a:r>
-          </a:p>
-          <a:p>
-            <a:r>
-              <a:rPr lang="en-US" sz="1867" dirty="0">
-                <a:solidFill>
-                  <a:schemeClr val="bg1">
-                    <a:lumMod val="85000"/>
-                  </a:schemeClr>
-                </a:solidFill>
-              </a:rPr>
-              <a:t>	I </a:t>
-            </a:r>
-            <a:r>
-              <a:rPr lang="en-US" sz="1867" dirty="0" err="1">
-                <a:solidFill>
-                  <a:schemeClr val="bg1">
-                    <a:lumMod val="85000"/>
-                  </a:schemeClr>
-                </a:solidFill>
-              </a:rPr>
-              <a:t>componentWillUpdate</a:t>
-            </a:r>
-            <a:r>
-              <a:rPr lang="en-US" sz="1867" dirty="0">
-                <a:solidFill>
-                  <a:schemeClr val="bg1">
-                    <a:lumMod val="85000"/>
-                  </a:schemeClr>
-                </a:solidFill>
-              </a:rPr>
-              <a:t>()</a:t>
-            </a:r>
-          </a:p>
-          <a:p>
-            <a:r>
-              <a:rPr lang="en-US" sz="1867" dirty="0">
-                <a:solidFill>
-                  <a:schemeClr val="bg1">
-                    <a:lumMod val="85000"/>
-                  </a:schemeClr>
-                </a:solidFill>
-              </a:rPr>
-              <a:t>	II </a:t>
-            </a:r>
-            <a:r>
-              <a:rPr lang="en-US" sz="1867" dirty="0" err="1">
-                <a:solidFill>
-                  <a:schemeClr val="bg1">
-                    <a:lumMod val="85000"/>
-                  </a:schemeClr>
-                </a:solidFill>
-              </a:rPr>
-              <a:t>shouldComponentUpdate</a:t>
-            </a:r>
-            <a:r>
-              <a:rPr lang="en-US" sz="1867" dirty="0">
-                <a:solidFill>
-                  <a:schemeClr val="bg1">
-                    <a:lumMod val="85000"/>
-                  </a:schemeClr>
-                </a:solidFill>
-              </a:rPr>
-              <a:t>()</a:t>
-            </a:r>
-          </a:p>
-          <a:p>
-            <a:r>
-              <a:rPr lang="en-US" sz="1867" dirty="0">
-                <a:solidFill>
-                  <a:schemeClr val="bg1">
-                    <a:lumMod val="85000"/>
-                  </a:schemeClr>
-                </a:solidFill>
-              </a:rPr>
-              <a:t>	III </a:t>
-            </a:r>
-            <a:r>
-              <a:rPr lang="en-US" sz="1867" dirty="0" err="1">
-                <a:solidFill>
-                  <a:schemeClr val="bg1">
-                    <a:lumMod val="85000"/>
-                  </a:schemeClr>
-                </a:solidFill>
-              </a:rPr>
-              <a:t>componentDidUpdate</a:t>
-            </a:r>
-            <a:r>
-              <a:rPr lang="en-US" sz="1867" dirty="0">
-                <a:solidFill>
-                  <a:schemeClr val="bg1">
-                    <a:lumMod val="85000"/>
-                  </a:schemeClr>
-                </a:solidFill>
-              </a:rPr>
-              <a:t>() </a:t>
-            </a:r>
-          </a:p>
-          <a:p>
-            <a:pPr marL="1066773" lvl="1" indent="-457189">
-              <a:buFont typeface="+mj-lt"/>
-              <a:buAutoNum type="alphaUcPeriod"/>
-            </a:pPr>
-            <a:r>
-              <a:rPr lang="en-US" sz="1867" dirty="0">
-                <a:solidFill>
-                  <a:schemeClr val="bg1">
-                    <a:lumMod val="85000"/>
-                  </a:schemeClr>
-                </a:solidFill>
-              </a:rPr>
-              <a:t>I only</a:t>
-            </a:r>
-          </a:p>
-          <a:p>
-            <a:pPr marL="1066773" lvl="1" indent="-457189">
-              <a:buFont typeface="+mj-lt"/>
-              <a:buAutoNum type="alphaUcPeriod"/>
-            </a:pPr>
-            <a:r>
-              <a:rPr lang="en-US" sz="1867" dirty="0">
-                <a:solidFill>
-                  <a:schemeClr val="bg1">
-                    <a:lumMod val="85000"/>
-                  </a:schemeClr>
-                </a:solidFill>
-              </a:rPr>
-              <a:t>II only</a:t>
-            </a:r>
-          </a:p>
-          <a:p>
-            <a:pPr marL="1066773" lvl="1" indent="-457189">
-              <a:buFont typeface="+mj-lt"/>
-              <a:buAutoNum type="alphaUcPeriod"/>
-            </a:pPr>
-            <a:r>
-              <a:rPr lang="en-US" sz="1867" dirty="0">
-                <a:solidFill>
-                  <a:schemeClr val="bg1">
-                    <a:lumMod val="85000"/>
-                  </a:schemeClr>
-                </a:solidFill>
-              </a:rPr>
-              <a:t>I, II, and II</a:t>
-            </a:r>
-          </a:p>
-          <a:p>
-            <a:pPr marL="1066773" lvl="1" indent="-457189">
-              <a:buFont typeface="+mj-lt"/>
-              <a:buAutoNum type="alphaUcPeriod"/>
-            </a:pPr>
-            <a:r>
-              <a:rPr lang="en-US" sz="1867" dirty="0">
-                <a:solidFill>
-                  <a:schemeClr val="bg1">
-                    <a:lumMod val="85000"/>
-                  </a:schemeClr>
-                </a:solidFill>
-              </a:rPr>
-              <a:t>III only</a:t>
-            </a:r>
-          </a:p>
-          <a:p>
-            <a:pPr marL="457189" indent="-457189">
-              <a:buFont typeface="+mj-lt"/>
-              <a:buAutoNum type="arabicPeriod"/>
-            </a:pPr>
-            <a:endParaRPr lang="en-US" sz="1867" dirty="0">
-              <a:solidFill>
-                <a:schemeClr val="bg1">
-                  <a:lumMod val="85000"/>
-                </a:schemeClr>
-              </a:solidFill>
-            </a:endParaRPr>
-          </a:p>
-          <a:p>
-            <a:pPr marL="457189" indent="-457189">
-              <a:buFont typeface="+mj-lt"/>
-              <a:buAutoNum type="arabicPeriod"/>
-            </a:pPr>
-            <a:r>
-              <a:rPr lang="en-US" sz="1867" dirty="0">
-                <a:solidFill>
-                  <a:schemeClr val="bg1">
-                    <a:lumMod val="85000"/>
-                  </a:schemeClr>
-                </a:solidFill>
-              </a:rPr>
-              <a:t>Which method in a React Component is called after the component is rendered for the first time?</a:t>
+              <a:t>5.      Which method in a React Component is called after the component is rendered for the first time?</a:t>
             </a:r>
           </a:p>
           <a:p>
@@ -20008,9 +19907,9 @@
           </a:bodyPr>
           <a:lstStyle/>
           <a:p>
-            <a:pPr marL="457189" indent="-457189">
+            <a:pPr marL="457200" indent="-457200">
               <a:buFont typeface="+mj-lt"/>
-              <a:buAutoNum type="arabicPeriod"/>
+              <a:buAutoNum type="arabicPeriod" startAt="6"/>
             </a:pPr>
             <a:r>
               <a:rPr lang="en-US" sz="1867" dirty="0">
@@ -20026,7 +19925,7 @@
           <a:p>
             <a:pPr marL="457189" indent="-457189">
               <a:buFont typeface="+mj-lt"/>
-              <a:buAutoNum type="arabicPeriod"/>
+              <a:buAutoNum type="arabicPeriod" startAt="6"/>
             </a:pPr>
             <a:endParaRPr lang="en-US" sz="1867" dirty="0">
               <a:solidFill>
@@ -20103,7 +20002,7 @@
           <a:p>
             <a:pPr marL="457189" indent="-457189">
               <a:buFont typeface="+mj-lt"/>
-              <a:buAutoNum type="arabicPeriod"/>
+              <a:buAutoNum type="arabicPeriod" startAt="6"/>
             </a:pPr>
             <a:endParaRPr lang="en-US" sz="1867" dirty="0">
               <a:solidFill>
@@ -20116,7 +20015,7 @@
           <a:p>
             <a:pPr marL="457189" indent="-457189">
               <a:buFont typeface="+mj-lt"/>
-              <a:buAutoNum type="arabicPeriod"/>
+              <a:buAutoNum type="arabicPeriod" startAt="6"/>
             </a:pPr>
             <a:r>
               <a:rPr lang="en-US" sz="1867" dirty="0">
@@ -20196,7 +20095,7 @@
           <a:p>
             <a:pPr marL="457189" indent="-457189">
               <a:buFont typeface="+mj-lt"/>
-              <a:buAutoNum type="arabicPeriod"/>
+              <a:buAutoNum type="arabicPeriod" startAt="6"/>
             </a:pPr>
             <a:endParaRPr lang="en-US" sz="1867" dirty="0">
               <a:solidFill>
@@ -20209,7 +20108,7 @@
           <a:p>
             <a:pPr marL="457189" indent="-457189">
               <a:buFont typeface="+mj-lt"/>
-              <a:buAutoNum type="arabicPeriod"/>
+              <a:buAutoNum type="arabicPeriod" startAt="6"/>
             </a:pPr>
             <a:r>
               <a:rPr lang="en-US" sz="1867" dirty="0">
@@ -20225,7 +20124,7 @@
           <a:p>
             <a:pPr marL="457189" indent="-457189">
               <a:buFont typeface="+mj-lt"/>
-              <a:buAutoNum type="arabicPeriod"/>
+              <a:buAutoNum type="arabicPeriod" startAt="6"/>
             </a:pPr>
             <a:endParaRPr lang="en-US" sz="1867" dirty="0">
               <a:solidFill>

--- a/04 React Routing, Component Lifecycle Methods.pptx
+++ b/04 React Routing, Component Lifecycle Methods.pptx
@@ -246,7 +246,7 @@
           <a:p>
             <a:fld id="{B376EE29-1A90-1146-96FE-FD5979F1AFC2}" type="datetimeFigureOut">
               <a:rPr lang="en-US" smtClean="0"/>
-              <a:t>3/23/20</a:t>
+              <a:t>4/27/20</a:t>
             </a:fld>
             <a:endParaRPr lang="en-US"/>
           </a:p>
@@ -3269,7 +3269,7 @@
           <a:p>
             <a:fld id="{FAC8553D-62A4-B94A-B303-E17560B89933}" type="datetimeFigureOut">
               <a:rPr lang="en-US" smtClean="0"/>
-              <a:t>3/23/20</a:t>
+              <a:t>4/27/20</a:t>
             </a:fld>
             <a:endParaRPr lang="en-US"/>
           </a:p>
@@ -3467,7 +3467,7 @@
           <a:p>
             <a:fld id="{FAC8553D-62A4-B94A-B303-E17560B89933}" type="datetimeFigureOut">
               <a:rPr lang="en-US" smtClean="0"/>
-              <a:t>3/23/20</a:t>
+              <a:t>4/27/20</a:t>
             </a:fld>
             <a:endParaRPr lang="en-US"/>
           </a:p>
@@ -3675,7 +3675,7 @@
           <a:p>
             <a:fld id="{FAC8553D-62A4-B94A-B303-E17560B89933}" type="datetimeFigureOut">
               <a:rPr lang="en-US" smtClean="0"/>
-              <a:t>3/23/20</a:t>
+              <a:t>4/27/20</a:t>
             </a:fld>
             <a:endParaRPr lang="en-US"/>
           </a:p>
@@ -6307,7 +6307,7 @@
           <a:p>
             <a:fld id="{FAC8553D-62A4-B94A-B303-E17560B89933}" type="datetimeFigureOut">
               <a:rPr lang="en-US" smtClean="0"/>
-              <a:t>3/23/20</a:t>
+              <a:t>4/27/20</a:t>
             </a:fld>
             <a:endParaRPr lang="en-US"/>
           </a:p>
@@ -7048,7 +7048,7 @@
           <a:p>
             <a:fld id="{FAC8553D-62A4-B94A-B303-E17560B89933}" type="datetimeFigureOut">
               <a:rPr lang="en-US" smtClean="0"/>
-              <a:t>3/23/20</a:t>
+              <a:t>4/27/20</a:t>
             </a:fld>
             <a:endParaRPr lang="en-US"/>
           </a:p>
@@ -7313,7 +7313,7 @@
           <a:p>
             <a:fld id="{FAC8553D-62A4-B94A-B303-E17560B89933}" type="datetimeFigureOut">
               <a:rPr lang="en-US" smtClean="0"/>
-              <a:t>3/23/20</a:t>
+              <a:t>4/27/20</a:t>
             </a:fld>
             <a:endParaRPr lang="en-US"/>
           </a:p>
@@ -7725,7 +7725,7 @@
           <a:p>
             <a:fld id="{FAC8553D-62A4-B94A-B303-E17560B89933}" type="datetimeFigureOut">
               <a:rPr lang="en-US" smtClean="0"/>
-              <a:t>3/23/20</a:t>
+              <a:t>4/27/20</a:t>
             </a:fld>
             <a:endParaRPr lang="en-US"/>
           </a:p>
@@ -7866,7 +7866,7 @@
           <a:p>
             <a:fld id="{FAC8553D-62A4-B94A-B303-E17560B89933}" type="datetimeFigureOut">
               <a:rPr lang="en-US" smtClean="0"/>
-              <a:t>3/23/20</a:t>
+              <a:t>4/27/20</a:t>
             </a:fld>
             <a:endParaRPr lang="en-US"/>
           </a:p>
@@ -7979,7 +7979,7 @@
           <a:p>
             <a:fld id="{FAC8553D-62A4-B94A-B303-E17560B89933}" type="datetimeFigureOut">
               <a:rPr lang="en-US" smtClean="0"/>
-              <a:t>3/23/20</a:t>
+              <a:t>4/27/20</a:t>
             </a:fld>
             <a:endParaRPr lang="en-US"/>
           </a:p>
@@ -8290,7 +8290,7 @@
           <a:p>
             <a:fld id="{FAC8553D-62A4-B94A-B303-E17560B89933}" type="datetimeFigureOut">
               <a:rPr lang="en-US" smtClean="0"/>
-              <a:t>3/23/20</a:t>
+              <a:t>4/27/20</a:t>
             </a:fld>
             <a:endParaRPr lang="en-US"/>
           </a:p>
@@ -8578,7 +8578,7 @@
           <a:p>
             <a:fld id="{FAC8553D-62A4-B94A-B303-E17560B89933}" type="datetimeFigureOut">
               <a:rPr lang="en-US" smtClean="0"/>
-              <a:t>3/23/20</a:t>
+              <a:t>4/27/20</a:t>
             </a:fld>
             <a:endParaRPr lang="en-US"/>
           </a:p>
@@ -8831,7 +8831,7 @@
           <a:p>
             <a:fld id="{FAC8553D-62A4-B94A-B303-E17560B89933}" type="datetimeFigureOut">
               <a:rPr lang="en-US" smtClean="0"/>
-              <a:t>3/23/20</a:t>
+              <a:t>4/27/20</a:t>
             </a:fld>
             <a:endParaRPr lang="en-US"/>
           </a:p>
@@ -20057,7 +20057,7 @@
                   </a:schemeClr>
                 </a:solidFill>
               </a:rPr>
-              <a:t>Stack overflow error</a:t>
+              <a:t>Maximum update depth exceeded (React limits to prevent infinite loops)</a:t>
             </a:r>
           </a:p>
           <a:p>

--- a/04 React Routing, Component Lifecycle Methods.pptx
+++ b/04 React Routing, Component Lifecycle Methods.pptx
@@ -246,7 +246,7 @@
           <a:p>
             <a:fld id="{B376EE29-1A90-1146-96FE-FD5979F1AFC2}" type="datetimeFigureOut">
               <a:rPr lang="en-US" smtClean="0"/>
-              <a:t>4/27/20</a:t>
+              <a:t>5/28/20</a:t>
             </a:fld>
             <a:endParaRPr lang="en-US"/>
           </a:p>
@@ -3269,7 +3269,7 @@
           <a:p>
             <a:fld id="{FAC8553D-62A4-B94A-B303-E17560B89933}" type="datetimeFigureOut">
               <a:rPr lang="en-US" smtClean="0"/>
-              <a:t>4/27/20</a:t>
+              <a:t>5/28/20</a:t>
             </a:fld>
             <a:endParaRPr lang="en-US"/>
           </a:p>
@@ -3467,7 +3467,7 @@
           <a:p>
             <a:fld id="{FAC8553D-62A4-B94A-B303-E17560B89933}" type="datetimeFigureOut">
               <a:rPr lang="en-US" smtClean="0"/>
-              <a:t>4/27/20</a:t>
+              <a:t>5/28/20</a:t>
             </a:fld>
             <a:endParaRPr lang="en-US"/>
           </a:p>
@@ -3675,7 +3675,7 @@
           <a:p>
             <a:fld id="{FAC8553D-62A4-B94A-B303-E17560B89933}" type="datetimeFigureOut">
               <a:rPr lang="en-US" smtClean="0"/>
-              <a:t>4/27/20</a:t>
+              <a:t>5/28/20</a:t>
             </a:fld>
             <a:endParaRPr lang="en-US"/>
           </a:p>
@@ -6307,7 +6307,7 @@
           <a:p>
             <a:fld id="{FAC8553D-62A4-B94A-B303-E17560B89933}" type="datetimeFigureOut">
               <a:rPr lang="en-US" smtClean="0"/>
-              <a:t>4/27/20</a:t>
+              <a:t>5/28/20</a:t>
             </a:fld>
             <a:endParaRPr lang="en-US"/>
           </a:p>
@@ -7048,7 +7048,7 @@
           <a:p>
             <a:fld id="{FAC8553D-62A4-B94A-B303-E17560B89933}" type="datetimeFigureOut">
               <a:rPr lang="en-US" smtClean="0"/>
-              <a:t>4/27/20</a:t>
+              <a:t>5/28/20</a:t>
             </a:fld>
             <a:endParaRPr lang="en-US"/>
           </a:p>
@@ -7313,7 +7313,7 @@
           <a:p>
             <a:fld id="{FAC8553D-62A4-B94A-B303-E17560B89933}" type="datetimeFigureOut">
               <a:rPr lang="en-US" smtClean="0"/>
-              <a:t>4/27/20</a:t>
+              <a:t>5/28/20</a:t>
             </a:fld>
             <a:endParaRPr lang="en-US"/>
           </a:p>
@@ -7725,7 +7725,7 @@
           <a:p>
             <a:fld id="{FAC8553D-62A4-B94A-B303-E17560B89933}" type="datetimeFigureOut">
               <a:rPr lang="en-US" smtClean="0"/>
-              <a:t>4/27/20</a:t>
+              <a:t>5/28/20</a:t>
             </a:fld>
             <a:endParaRPr lang="en-US"/>
           </a:p>
@@ -7866,7 +7866,7 @@
           <a:p>
             <a:fld id="{FAC8553D-62A4-B94A-B303-E17560B89933}" type="datetimeFigureOut">
               <a:rPr lang="en-US" smtClean="0"/>
-              <a:t>4/27/20</a:t>
+              <a:t>5/28/20</a:t>
             </a:fld>
             <a:endParaRPr lang="en-US"/>
           </a:p>
@@ -7979,7 +7979,7 @@
           <a:p>
             <a:fld id="{FAC8553D-62A4-B94A-B303-E17560B89933}" type="datetimeFigureOut">
               <a:rPr lang="en-US" smtClean="0"/>
-              <a:t>4/27/20</a:t>
+              <a:t>5/28/20</a:t>
             </a:fld>
             <a:endParaRPr lang="en-US"/>
           </a:p>
@@ -8290,7 +8290,7 @@
           <a:p>
             <a:fld id="{FAC8553D-62A4-B94A-B303-E17560B89933}" type="datetimeFigureOut">
               <a:rPr lang="en-US" smtClean="0"/>
-              <a:t>4/27/20</a:t>
+              <a:t>5/28/20</a:t>
             </a:fld>
             <a:endParaRPr lang="en-US"/>
           </a:p>
@@ -8578,7 +8578,7 @@
           <a:p>
             <a:fld id="{FAC8553D-62A4-B94A-B303-E17560B89933}" type="datetimeFigureOut">
               <a:rPr lang="en-US" smtClean="0"/>
-              <a:t>4/27/20</a:t>
+              <a:t>5/28/20</a:t>
             </a:fld>
             <a:endParaRPr lang="en-US"/>
           </a:p>
@@ -8831,7 +8831,7 @@
           <a:p>
             <a:fld id="{FAC8553D-62A4-B94A-B303-E17560B89933}" type="datetimeFigureOut">
               <a:rPr lang="en-US" smtClean="0"/>
-              <a:t>4/27/20</a:t>
+              <a:t>5/28/20</a:t>
             </a:fld>
             <a:endParaRPr lang="en-US"/>
           </a:p>
@@ -17921,7 +17921,7 @@
                   </a:extLst>
                 </a:hlinkClick>
               </a:rPr>
-              <a:t>https://developer-service-overspeedy-celebratedness.cfapps.io/developers</a:t>
+              <a:t>https://tech-services-1000201953.uc.r.appspot.com/developers</a:t>
             </a:r>
             <a:r>
               <a:rPr lang="en-US" sz="2800" dirty="0">
@@ -18037,7 +18037,7 @@
                 </a:solidFill>
                 <a:latin typeface="Arial" panose="020B0604020202020204" pitchFamily="34" charset="0"/>
                 <a:cs typeface="Arial" panose="020B0604020202020204" pitchFamily="34" charset="0"/>
-                <a:hlinkClick r:id="rId3">
+                <a:hlinkClick r:id="rId2">
                   <a:extLst>
                     <a:ext uri="{A12FA001-AC4F-418D-AE19-62706E023703}">
                       <ahyp:hlinkClr xmlns:ahyp="http://schemas.microsoft.com/office/drawing/2018/hyperlinkcolor" val="tx"/>
@@ -18045,17 +18045,7 @@
                   </a:extLst>
                 </a:hlinkClick>
               </a:rPr>
-              <a:t>https://developer-service-overspeedy-celebratedness.cfapps.io/developer</a:t>
-            </a:r>
-            <a:r>
-              <a:rPr lang="en-US" sz="2800" dirty="0">
-                <a:solidFill>
-                  <a:schemeClr val="accent2"/>
-                </a:solidFill>
-                <a:latin typeface="Arial" panose="020B0604020202020204" pitchFamily="34" charset="0"/>
-                <a:cs typeface="Arial" panose="020B0604020202020204" pitchFamily="34" charset="0"/>
-              </a:rPr>
-              <a:t> </a:t>
+              <a:t>https://tech-services-1000201953.uc.r.appspot.com/developer</a:t>
             </a:r>
             <a:endParaRPr lang="en-US" sz="2800" dirty="0">
               <a:latin typeface="Arial" panose="020B0604020202020204" pitchFamily="34" charset="0"/>
@@ -18171,7 +18161,7 @@
           <p:nvPr/>
         </p:nvPicPr>
         <p:blipFill>
-          <a:blip r:embed="rId4" cstate="print">
+          <a:blip r:embed="rId3" cstate="print">
             <a:extLst>
               <a:ext uri="{28A0092B-C50C-407E-A947-70E740481C1C}">
                 <a14:useLocalDpi xmlns:a14="http://schemas.microsoft.com/office/drawing/2010/main" val="0"/>
@@ -18474,10 +18464,10 @@
       </p:sp>
       <p:pic>
         <p:nvPicPr>
-          <p:cNvPr id="3" name="Picture 2">
+          <p:cNvPr id="4" name="Picture 3">
             <a:extLst>
               <a:ext uri="{FF2B5EF4-FFF2-40B4-BE49-F238E27FC236}">
-                <a16:creationId xmlns:a16="http://schemas.microsoft.com/office/drawing/2014/main" id="{41AE508D-D072-F343-B936-A8A40A93557B}"/>
+                <a16:creationId xmlns:a16="http://schemas.microsoft.com/office/drawing/2014/main" id="{2F319586-56C8-0641-8E7D-48D6BBC9B69E}"/>
               </a:ext>
             </a:extLst>
           </p:cNvPr>
@@ -18494,8 +18484,8 @@
         </p:blipFill>
         <p:spPr>
           <a:xfrm>
-            <a:off x="1340870" y="1154846"/>
-            <a:ext cx="9500049" cy="5703154"/>
+            <a:off x="1859198" y="887537"/>
+            <a:ext cx="8463394" cy="5970463"/>
           </a:xfrm>
           <a:prstGeom prst="rect">
             <a:avLst/>
@@ -18568,10 +18558,10 @@
       </p:sp>
       <p:pic>
         <p:nvPicPr>
-          <p:cNvPr id="3" name="Picture 2">
+          <p:cNvPr id="4" name="Picture 3">
             <a:extLst>
               <a:ext uri="{FF2B5EF4-FFF2-40B4-BE49-F238E27FC236}">
-                <a16:creationId xmlns:a16="http://schemas.microsoft.com/office/drawing/2014/main" id="{8361B3DB-0293-1C4D-9ACE-AD92F75506C3}"/>
+                <a16:creationId xmlns:a16="http://schemas.microsoft.com/office/drawing/2014/main" id="{24CA3DEA-5211-2541-8764-6329E27C0A88}"/>
               </a:ext>
             </a:extLst>
           </p:cNvPr>
@@ -18588,8 +18578,8 @@
         </p:blipFill>
         <p:spPr>
           <a:xfrm>
-            <a:off x="419669" y="1041770"/>
-            <a:ext cx="11342451" cy="5656495"/>
+            <a:off x="984333" y="844132"/>
+            <a:ext cx="10213124" cy="6013868"/>
           </a:xfrm>
           <a:prstGeom prst="rect">
             <a:avLst/>

--- a/04 React Routing, Component Lifecycle Methods.pptx
+++ b/04 React Routing, Component Lifecycle Methods.pptx
@@ -246,7 +246,7 @@
           <a:p>
             <a:fld id="{B376EE29-1A90-1146-96FE-FD5979F1AFC2}" type="datetimeFigureOut">
               <a:rPr lang="en-US" smtClean="0"/>
-              <a:t>5/28/20</a:t>
+              <a:t>6/11/20</a:t>
             </a:fld>
             <a:endParaRPr lang="en-US"/>
           </a:p>
@@ -3269,7 +3269,7 @@
           <a:p>
             <a:fld id="{FAC8553D-62A4-B94A-B303-E17560B89933}" type="datetimeFigureOut">
               <a:rPr lang="en-US" smtClean="0"/>
-              <a:t>5/28/20</a:t>
+              <a:t>6/11/20</a:t>
             </a:fld>
             <a:endParaRPr lang="en-US"/>
           </a:p>
@@ -3467,7 +3467,7 @@
           <a:p>
             <a:fld id="{FAC8553D-62A4-B94A-B303-E17560B89933}" type="datetimeFigureOut">
               <a:rPr lang="en-US" smtClean="0"/>
-              <a:t>5/28/20</a:t>
+              <a:t>6/11/20</a:t>
             </a:fld>
             <a:endParaRPr lang="en-US"/>
           </a:p>
@@ -3675,7 +3675,7 @@
           <a:p>
             <a:fld id="{FAC8553D-62A4-B94A-B303-E17560B89933}" type="datetimeFigureOut">
               <a:rPr lang="en-US" smtClean="0"/>
-              <a:t>5/28/20</a:t>
+              <a:t>6/11/20</a:t>
             </a:fld>
             <a:endParaRPr lang="en-US"/>
           </a:p>
@@ -6307,7 +6307,7 @@
           <a:p>
             <a:fld id="{FAC8553D-62A4-B94A-B303-E17560B89933}" type="datetimeFigureOut">
               <a:rPr lang="en-US" smtClean="0"/>
-              <a:t>5/28/20</a:t>
+              <a:t>6/11/20</a:t>
             </a:fld>
             <a:endParaRPr lang="en-US"/>
           </a:p>
@@ -7048,7 +7048,7 @@
           <a:p>
             <a:fld id="{FAC8553D-62A4-B94A-B303-E17560B89933}" type="datetimeFigureOut">
               <a:rPr lang="en-US" smtClean="0"/>
-              <a:t>5/28/20</a:t>
+              <a:t>6/11/20</a:t>
             </a:fld>
             <a:endParaRPr lang="en-US"/>
           </a:p>
@@ -7313,7 +7313,7 @@
           <a:p>
             <a:fld id="{FAC8553D-62A4-B94A-B303-E17560B89933}" type="datetimeFigureOut">
               <a:rPr lang="en-US" smtClean="0"/>
-              <a:t>5/28/20</a:t>
+              <a:t>6/11/20</a:t>
             </a:fld>
             <a:endParaRPr lang="en-US"/>
           </a:p>
@@ -7725,7 +7725,7 @@
           <a:p>
             <a:fld id="{FAC8553D-62A4-B94A-B303-E17560B89933}" type="datetimeFigureOut">
               <a:rPr lang="en-US" smtClean="0"/>
-              <a:t>5/28/20</a:t>
+              <a:t>6/11/20</a:t>
             </a:fld>
             <a:endParaRPr lang="en-US"/>
           </a:p>
@@ -7866,7 +7866,7 @@
           <a:p>
             <a:fld id="{FAC8553D-62A4-B94A-B303-E17560B89933}" type="datetimeFigureOut">
               <a:rPr lang="en-US" smtClean="0"/>
-              <a:t>5/28/20</a:t>
+              <a:t>6/11/20</a:t>
             </a:fld>
             <a:endParaRPr lang="en-US"/>
           </a:p>
@@ -7979,7 +7979,7 @@
           <a:p>
             <a:fld id="{FAC8553D-62A4-B94A-B303-E17560B89933}" type="datetimeFigureOut">
               <a:rPr lang="en-US" smtClean="0"/>
-              <a:t>5/28/20</a:t>
+              <a:t>6/11/20</a:t>
             </a:fld>
             <a:endParaRPr lang="en-US"/>
           </a:p>
@@ -8290,7 +8290,7 @@
           <a:p>
             <a:fld id="{FAC8553D-62A4-B94A-B303-E17560B89933}" type="datetimeFigureOut">
               <a:rPr lang="en-US" smtClean="0"/>
-              <a:t>5/28/20</a:t>
+              <a:t>6/11/20</a:t>
             </a:fld>
             <a:endParaRPr lang="en-US"/>
           </a:p>
@@ -8578,7 +8578,7 @@
           <a:p>
             <a:fld id="{FAC8553D-62A4-B94A-B303-E17560B89933}" type="datetimeFigureOut">
               <a:rPr lang="en-US" smtClean="0"/>
-              <a:t>5/28/20</a:t>
+              <a:t>6/11/20</a:t>
             </a:fld>
             <a:endParaRPr lang="en-US"/>
           </a:p>
@@ -8831,7 +8831,7 @@
           <a:p>
             <a:fld id="{FAC8553D-62A4-B94A-B303-E17560B89933}" type="datetimeFigureOut">
               <a:rPr lang="en-US" smtClean="0"/>
-              <a:t>5/28/20</a:t>
+              <a:t>6/11/20</a:t>
             </a:fld>
             <a:endParaRPr lang="en-US"/>
           </a:p>
@@ -10599,7 +10599,7 @@
         </p:nvSpPr>
         <p:spPr>
           <a:xfrm>
-            <a:off x="886938" y="6261830"/>
+            <a:off x="460049" y="6253738"/>
             <a:ext cx="5715026" cy="369332"/>
           </a:xfrm>
           <a:prstGeom prst="rect">
@@ -14799,14 +14799,24 @@
           </a:lstStyle>
           <a:p>
             <a:r>
-              <a:rPr lang="en-US" sz="2400" dirty="0">
+              <a:rPr lang="en-US" sz="2400" dirty="0" err="1">
                 <a:solidFill>
                   <a:schemeClr val="bg1">
                     <a:lumMod val="85000"/>
                   </a:schemeClr>
                 </a:solidFill>
               </a:rPr>
-              <a:t>ComponentDidMount() </a:t>
+              <a:t>componentDidMount</a:t>
+            </a:r>
+            <a:r>
+              <a:rPr lang="en-US" sz="2400" dirty="0">
+                <a:solidFill>
+                  <a:schemeClr val="bg1">
+                    <a:lumMod val="85000"/>
+                  </a:schemeClr>
+                </a:solidFill>
+              </a:rPr>
+              <a:t>() </a:t>
             </a:r>
             <a:r>
               <a:rPr lang="en-US" sz="2400" b="0" dirty="0">
@@ -15209,7 +15219,7 @@
                   </a:schemeClr>
                 </a:solidFill>
               </a:rPr>
-              <a:t>ComponentWillUnmount</a:t>
+              <a:t>componentWillUnmount</a:t>
             </a:r>
             <a:r>
               <a:rPr lang="en-US" sz="2133" dirty="0">
@@ -15329,14 +15339,14 @@
           <a:lstStyle/>
           <a:p>
             <a:r>
-              <a:rPr lang="en-US" sz="2400" b="1" dirty="0">
+              <a:rPr lang="en-US" sz="2400" b="1" dirty="0" err="1">
                 <a:solidFill>
                   <a:schemeClr val="bg1">
                     <a:lumMod val="85000"/>
                   </a:schemeClr>
                 </a:solidFill>
               </a:rPr>
-              <a:t>ComponentDidUpdate</a:t>
+              <a:t>componentDidUpdate</a:t>
             </a:r>
             <a:r>
               <a:rPr lang="en-US" sz="2400" b="1" dirty="0">

--- a/04 React Routing, Component Lifecycle Methods.pptx
+++ b/04 React Routing, Component Lifecycle Methods.pptx
@@ -246,7 +246,7 @@
           <a:p>
             <a:fld id="{B376EE29-1A90-1146-96FE-FD5979F1AFC2}" type="datetimeFigureOut">
               <a:rPr lang="en-US" smtClean="0"/>
-              <a:t>6/11/20</a:t>
+              <a:t>6/17/20</a:t>
             </a:fld>
             <a:endParaRPr lang="en-US"/>
           </a:p>
@@ -3269,7 +3269,7 @@
           <a:p>
             <a:fld id="{FAC8553D-62A4-B94A-B303-E17560B89933}" type="datetimeFigureOut">
               <a:rPr lang="en-US" smtClean="0"/>
-              <a:t>6/11/20</a:t>
+              <a:t>6/17/20</a:t>
             </a:fld>
             <a:endParaRPr lang="en-US"/>
           </a:p>
@@ -3467,7 +3467,7 @@
           <a:p>
             <a:fld id="{FAC8553D-62A4-B94A-B303-E17560B89933}" type="datetimeFigureOut">
               <a:rPr lang="en-US" smtClean="0"/>
-              <a:t>6/11/20</a:t>
+              <a:t>6/17/20</a:t>
             </a:fld>
             <a:endParaRPr lang="en-US"/>
           </a:p>
@@ -3675,7 +3675,7 @@
           <a:p>
             <a:fld id="{FAC8553D-62A4-B94A-B303-E17560B89933}" type="datetimeFigureOut">
               <a:rPr lang="en-US" smtClean="0"/>
-              <a:t>6/11/20</a:t>
+              <a:t>6/17/20</a:t>
             </a:fld>
             <a:endParaRPr lang="en-US"/>
           </a:p>
@@ -6307,7 +6307,7 @@
           <a:p>
             <a:fld id="{FAC8553D-62A4-B94A-B303-E17560B89933}" type="datetimeFigureOut">
               <a:rPr lang="en-US" smtClean="0"/>
-              <a:t>6/11/20</a:t>
+              <a:t>6/17/20</a:t>
             </a:fld>
             <a:endParaRPr lang="en-US"/>
           </a:p>
@@ -7048,7 +7048,7 @@
           <a:p>
             <a:fld id="{FAC8553D-62A4-B94A-B303-E17560B89933}" type="datetimeFigureOut">
               <a:rPr lang="en-US" smtClean="0"/>
-              <a:t>6/11/20</a:t>
+              <a:t>6/17/20</a:t>
             </a:fld>
             <a:endParaRPr lang="en-US"/>
           </a:p>
@@ -7313,7 +7313,7 @@
           <a:p>
             <a:fld id="{FAC8553D-62A4-B94A-B303-E17560B89933}" type="datetimeFigureOut">
               <a:rPr lang="en-US" smtClean="0"/>
-              <a:t>6/11/20</a:t>
+              <a:t>6/17/20</a:t>
             </a:fld>
             <a:endParaRPr lang="en-US"/>
           </a:p>
@@ -7725,7 +7725,7 @@
           <a:p>
             <a:fld id="{FAC8553D-62A4-B94A-B303-E17560B89933}" type="datetimeFigureOut">
               <a:rPr lang="en-US" smtClean="0"/>
-              <a:t>6/11/20</a:t>
+              <a:t>6/17/20</a:t>
             </a:fld>
             <a:endParaRPr lang="en-US"/>
           </a:p>
@@ -7866,7 +7866,7 @@
           <a:p>
             <a:fld id="{FAC8553D-62A4-B94A-B303-E17560B89933}" type="datetimeFigureOut">
               <a:rPr lang="en-US" smtClean="0"/>
-              <a:t>6/11/20</a:t>
+              <a:t>6/17/20</a:t>
             </a:fld>
             <a:endParaRPr lang="en-US"/>
           </a:p>
@@ -7979,7 +7979,7 @@
           <a:p>
             <a:fld id="{FAC8553D-62A4-B94A-B303-E17560B89933}" type="datetimeFigureOut">
               <a:rPr lang="en-US" smtClean="0"/>
-              <a:t>6/11/20</a:t>
+              <a:t>6/17/20</a:t>
             </a:fld>
             <a:endParaRPr lang="en-US"/>
           </a:p>
@@ -8290,7 +8290,7 @@
           <a:p>
             <a:fld id="{FAC8553D-62A4-B94A-B303-E17560B89933}" type="datetimeFigureOut">
               <a:rPr lang="en-US" smtClean="0"/>
-              <a:t>6/11/20</a:t>
+              <a:t>6/17/20</a:t>
             </a:fld>
             <a:endParaRPr lang="en-US"/>
           </a:p>
@@ -8578,7 +8578,7 @@
           <a:p>
             <a:fld id="{FAC8553D-62A4-B94A-B303-E17560B89933}" type="datetimeFigureOut">
               <a:rPr lang="en-US" smtClean="0"/>
-              <a:t>6/11/20</a:t>
+              <a:t>6/17/20</a:t>
             </a:fld>
             <a:endParaRPr lang="en-US"/>
           </a:p>
@@ -8831,7 +8831,7 @@
           <a:p>
             <a:fld id="{FAC8553D-62A4-B94A-B303-E17560B89933}" type="datetimeFigureOut">
               <a:rPr lang="en-US" smtClean="0"/>
-              <a:t>6/11/20</a:t>
+              <a:t>6/17/20</a:t>
             </a:fld>
             <a:endParaRPr lang="en-US"/>
           </a:p>
@@ -19298,7 +19298,7 @@
                   </a:schemeClr>
                 </a:solidFill>
               </a:rPr>
-              <a:t>&lt;Router&gt;</a:t>
+              <a:t>&lt;Switch&gt;</a:t>
             </a:r>
           </a:p>
           <a:p>
